--- a/Platform Technologies/Pre Lim/week 2/Lecture/Chapter_2Different File Systems.pptx
+++ b/Platform Technologies/Pre Lim/week 2/Lecture/Chapter_2Different File Systems.pptx
@@ -15241,7 +15241,7 @@
           <a:p>
             <a:fld id="{1CA5457B-CDAE-4DEB-AEC8-C82DE2312E37}" type="datetimeFigureOut">
               <a:rPr lang="en-US" smtClean="0"/>
-              <a:t>7/18/2025</a:t>
+              <a:t>7/19/2025</a:t>
             </a:fld>
             <a:endParaRPr lang="en-US" dirty="0"/>
           </a:p>
@@ -15418,7 +15418,7 @@
           <a:p>
             <a:fld id="{090B78EA-28CE-41D8-9043-90E391E5F567}" type="datetimeFigureOut">
               <a:rPr lang="en-US" noProof="0" smtClean="0"/>
-              <a:t>7/18/2025</a:t>
+              <a:t>7/19/2025</a:t>
             </a:fld>
             <a:endParaRPr lang="en-US" noProof="0" dirty="0"/>
           </a:p>
@@ -41551,6 +41551,61 @@
           </a:p>
         </p:txBody>
       </p:sp>
+      <p:sp>
+        <p:nvSpPr>
+          <p:cNvPr id="3" name="Title 1">
+            <a:extLst>
+              <a:ext uri="{FF2B5EF4-FFF2-40B4-BE49-F238E27FC236}">
+                <a16:creationId xmlns:a16="http://schemas.microsoft.com/office/drawing/2014/main" id="{34C4C81C-54B5-74B1-843A-E48BBE0F8750}"/>
+              </a:ext>
+            </a:extLst>
+          </p:cNvPr>
+          <p:cNvSpPr txBox="1">
+            <a:spLocks/>
+          </p:cNvSpPr>
+          <p:nvPr/>
+        </p:nvSpPr>
+        <p:spPr>
+          <a:xfrm>
+            <a:off x="5657087" y="1325367"/>
+            <a:ext cx="1545097" cy="429801"/>
+          </a:xfrm>
+          <a:prstGeom prst="rect">
+            <a:avLst/>
+          </a:prstGeom>
+        </p:spPr>
+        <p:txBody>
+          <a:bodyPr vert="horz" lIns="91440" tIns="45720" rIns="91440" bIns="45720" rtlCol="0" anchor="b">
+            <a:noAutofit/>
+          </a:bodyPr>
+          <a:lstStyle>
+            <a:lvl1pPr algn="l" defTabSz="914400" rtl="0" eaLnBrk="1" latinLnBrk="0" hangingPunct="1">
+              <a:lnSpc>
+                <a:spcPct val="90000"/>
+              </a:lnSpc>
+              <a:spcBef>
+                <a:spcPct val="0"/>
+              </a:spcBef>
+              <a:buNone/>
+              <a:defRPr lang="en-GB" sz="6600" b="1" kern="1200" dirty="0">
+                <a:solidFill>
+                  <a:schemeClr val="accent2"/>
+                </a:solidFill>
+                <a:latin typeface="+mj-lt"/>
+                <a:ea typeface="Tahoma" panose="020B0604030504040204" pitchFamily="34" charset="0"/>
+                <a:cs typeface="Tahoma" panose="020B0604030504040204" pitchFamily="34" charset="0"/>
+              </a:defRPr>
+            </a:lvl1pPr>
+          </a:lstStyle>
+          <a:p>
+            <a:pPr algn="ctr"/>
+            <a:r>
+              <a:rPr lang="en-US" sz="1400" dirty="0"/>
+              <a:t>Chapter 2</a:t>
+            </a:r>
+          </a:p>
+        </p:txBody>
+      </p:sp>
     </p:spTree>
     <p:extLst>
       <p:ext uri="{BB962C8B-B14F-4D97-AF65-F5344CB8AC3E}">
@@ -41746,13 +41801,13 @@
   <p:clrMapOvr>
     <a:masterClrMapping/>
   </p:clrMapOvr>
-  <mc:AlternateContent xmlns:mc="http://schemas.openxmlformats.org/markup-compatibility/2006">
-    <mc:Choice xmlns:p14="http://schemas.microsoft.com/office/powerpoint/2010/main" Requires="p14">
+  <mc:AlternateContent xmlns:mc="http://schemas.openxmlformats.org/markup-compatibility/2006" xmlns:p14="http://schemas.microsoft.com/office/powerpoint/2010/main">
+    <mc:Choice Requires="p14">
       <p:transition spd="med" p14:dur="700">
         <p:fade/>
       </p:transition>
     </mc:Choice>
-    <mc:Fallback>
+    <mc:Fallback xmlns="">
       <p:transition spd="med">
         <p:fade/>
       </p:transition>
@@ -41949,13 +42004,13 @@
   <p:clrMapOvr>
     <a:masterClrMapping/>
   </p:clrMapOvr>
-  <mc:AlternateContent xmlns:mc="http://schemas.openxmlformats.org/markup-compatibility/2006">
-    <mc:Choice xmlns:p14="http://schemas.microsoft.com/office/powerpoint/2010/main" Requires="p14">
+  <mc:AlternateContent xmlns:mc="http://schemas.openxmlformats.org/markup-compatibility/2006" xmlns:p14="http://schemas.microsoft.com/office/powerpoint/2010/main">
+    <mc:Choice Requires="p14">
       <p:transition spd="med" p14:dur="700">
         <p:fade/>
       </p:transition>
     </mc:Choice>
-    <mc:Fallback>
+    <mc:Fallback xmlns="">
       <p:transition spd="med">
         <p:fade/>
       </p:transition>
@@ -42307,7 +42362,7 @@
               <a:buNone/>
             </a:pPr>
             <a:r>
-              <a:rPr lang="en-US"/>
+              <a:rPr lang="en-US" dirty="0"/>
               <a:t>A file system is a method and structure an OS uses to:</a:t>
             </a:r>
           </a:p>
@@ -42315,14 +42370,14 @@
             <a:pPr marL="457200" lvl="1" indent="0">
               <a:buNone/>
             </a:pPr>
-            <a:endParaRPr lang="en-US" sz="2800"/>
+            <a:endParaRPr lang="en-US" sz="2800" dirty="0"/>
           </a:p>
           <a:p>
             <a:pPr marL="457200" lvl="1" indent="0">
               <a:buNone/>
             </a:pPr>
             <a:r>
-              <a:rPr lang="en-US" sz="2800"/>
+              <a:rPr lang="en-US" sz="2800" dirty="0"/>
               <a:t>-Store and retrieve files on a storage device.</a:t>
             </a:r>
           </a:p>
@@ -42331,7 +42386,7 @@
               <a:buNone/>
             </a:pPr>
             <a:r>
-              <a:rPr lang="en-US" sz="2800"/>
+              <a:rPr lang="en-US" sz="2800" dirty="0"/>
               <a:t>-Manage data hierarchies (folders, directories).</a:t>
             </a:r>
           </a:p>
@@ -42340,7 +42395,7 @@
               <a:buNone/>
             </a:pPr>
             <a:r>
-              <a:rPr lang="en-US" sz="2800"/>
+              <a:rPr lang="en-US" sz="2800" dirty="0"/>
               <a:t>-Keep track of free and used space.</a:t>
             </a:r>
           </a:p>
@@ -42673,13 +42728,13 @@
   <p:clrMapOvr>
     <a:masterClrMapping/>
   </p:clrMapOvr>
-  <mc:AlternateContent xmlns:mc="http://schemas.openxmlformats.org/markup-compatibility/2006">
-    <mc:Choice xmlns:p14="http://schemas.microsoft.com/office/powerpoint/2010/main" Requires="p14">
+  <mc:AlternateContent xmlns:mc="http://schemas.openxmlformats.org/markup-compatibility/2006" xmlns:p14="http://schemas.microsoft.com/office/powerpoint/2010/main">
+    <mc:Choice Requires="p14">
       <p:transition spd="med" p14:dur="700">
         <p:fade/>
       </p:transition>
     </mc:Choice>
-    <mc:Fallback>
+    <mc:Fallback xmlns="">
       <p:transition spd="med">
         <p:fade/>
       </p:transition>
@@ -42835,13 +42890,13 @@
   <p:clrMapOvr>
     <a:masterClrMapping/>
   </p:clrMapOvr>
-  <mc:AlternateContent xmlns:mc="http://schemas.openxmlformats.org/markup-compatibility/2006">
-    <mc:Choice xmlns:p14="http://schemas.microsoft.com/office/powerpoint/2010/main" Requires="p14">
+  <mc:AlternateContent xmlns:mc="http://schemas.openxmlformats.org/markup-compatibility/2006" xmlns:p14="http://schemas.microsoft.com/office/powerpoint/2010/main">
+    <mc:Choice Requires="p14">
       <p:transition spd="med" p14:dur="700">
         <p:fade/>
       </p:transition>
     </mc:Choice>
-    <mc:Fallback>
+    <mc:Fallback xmlns="">
       <p:transition spd="med">
         <p:fade/>
       </p:transition>
@@ -44739,13 +44794,13 @@
   <p:clrMapOvr>
     <a:masterClrMapping/>
   </p:clrMapOvr>
-  <mc:AlternateContent xmlns:mc="http://schemas.openxmlformats.org/markup-compatibility/2006">
-    <mc:Choice xmlns:p14="http://schemas.microsoft.com/office/powerpoint/2010/main" Requires="p14">
+  <mc:AlternateContent xmlns:mc="http://schemas.openxmlformats.org/markup-compatibility/2006" xmlns:p14="http://schemas.microsoft.com/office/powerpoint/2010/main">
+    <mc:Choice Requires="p14">
       <p:transition spd="med" p14:dur="700">
         <p:fade/>
       </p:transition>
     </mc:Choice>
-    <mc:Fallback>
+    <mc:Fallback xmlns="">
       <p:transition spd="med">
         <p:fade/>
       </p:transition>
@@ -45546,20 +45601,20 @@
 </file>
 
 <file path=customXml/item1.xml><?xml version="1.0" encoding="utf-8"?>
-<p:properties xmlns:p="http://schemas.microsoft.com/office/2006/metadata/properties" xmlns:xsi="http://www.w3.org/2001/XMLSchema-instance" xmlns:pc="http://schemas.microsoft.com/office/infopath/2007/PartnerControls">
-  <documentManagement>
-    <MediaServiceKeyPoints xmlns="71af3243-3dd4-4a8d-8c0d-dd76da1f02a5" xsi:nil="true"/>
-  </documentManagement>
-</p:properties>
-</file>
-
-<file path=customXml/item2.xml><?xml version="1.0" encoding="utf-8"?>
 <?mso-contentType ?>
 <FormTemplates xmlns="http://schemas.microsoft.com/sharepoint/v3/contenttype/forms">
   <Display>DocumentLibraryForm</Display>
   <Edit>DocumentLibraryForm</Edit>
   <New>DocumentLibraryForm</New>
 </FormTemplates>
+</file>
+
+<file path=customXml/item2.xml><?xml version="1.0" encoding="utf-8"?>
+<p:properties xmlns:p="http://schemas.microsoft.com/office/2006/metadata/properties" xmlns:xsi="http://www.w3.org/2001/XMLSchema-instance" xmlns:pc="http://schemas.microsoft.com/office/infopath/2007/PartnerControls">
+  <documentManagement>
+    <MediaServiceKeyPoints xmlns="71af3243-3dd4-4a8d-8c0d-dd76da1f02a5" xsi:nil="true"/>
+  </documentManagement>
+</p:properties>
 </file>
 
 <file path=customXml/item3.xml><?xml version="1.0" encoding="utf-8"?>
@@ -45774,19 +45829,19 @@
 </file>
 
 <file path=customXml/itemProps1.xml><?xml version="1.0" encoding="utf-8"?>
+<ds:datastoreItem xmlns:ds="http://schemas.openxmlformats.org/officeDocument/2006/customXml" ds:itemID="{5B26E0C9-B2AA-42E6-97B6-E1B7D9EAF129}">
+  <ds:schemaRefs>
+    <ds:schemaRef ds:uri="http://schemas.microsoft.com/sharepoint/v3/contenttype/forms"/>
+  </ds:schemaRefs>
+</ds:datastoreItem>
+</file>
+
+<file path=customXml/itemProps2.xml><?xml version="1.0" encoding="utf-8"?>
 <ds:datastoreItem xmlns:ds="http://schemas.openxmlformats.org/officeDocument/2006/customXml" ds:itemID="{F5757914-1161-4661-9696-421FD6935CDD}">
   <ds:schemaRefs>
     <ds:schemaRef ds:uri="http://schemas.microsoft.com/office/2006/metadata/properties"/>
     <ds:schemaRef ds:uri="http://schemas.microsoft.com/office/infopath/2007/PartnerControls"/>
     <ds:schemaRef ds:uri="71af3243-3dd4-4a8d-8c0d-dd76da1f02a5"/>
-  </ds:schemaRefs>
-</ds:datastoreItem>
-</file>
-
-<file path=customXml/itemProps2.xml><?xml version="1.0" encoding="utf-8"?>
-<ds:datastoreItem xmlns:ds="http://schemas.openxmlformats.org/officeDocument/2006/customXml" ds:itemID="{5B26E0C9-B2AA-42E6-97B6-E1B7D9EAF129}">
-  <ds:schemaRefs>
-    <ds:schemaRef ds:uri="http://schemas.microsoft.com/sharepoint/v3/contenttype/forms"/>
   </ds:schemaRefs>
 </ds:datastoreItem>
 </file>

--- a/Platform Technologies/Pre Lim/week 2/Lecture/Chapter_2Different File Systems.pptx
+++ b/Platform Technologies/Pre Lim/week 2/Lecture/Chapter_2Different File Systems.pptx
@@ -5,24 +5,28 @@
     <p:sldMasterId id="2147483648" r:id="rId4"/>
   </p:sldMasterIdLst>
   <p:notesMasterIdLst>
-    <p:notesMasterId r:id="rId17"/>
+    <p:notesMasterId r:id="rId21"/>
   </p:notesMasterIdLst>
   <p:handoutMasterIdLst>
-    <p:handoutMasterId r:id="rId18"/>
+    <p:handoutMasterId r:id="rId22"/>
   </p:handoutMasterIdLst>
   <p:sldIdLst>
     <p:sldId id="256" r:id="rId5"/>
     <p:sldId id="258" r:id="rId6"/>
     <p:sldId id="261" r:id="rId7"/>
-    <p:sldId id="283" r:id="rId8"/>
-    <p:sldId id="286" r:id="rId9"/>
-    <p:sldId id="287" r:id="rId10"/>
-    <p:sldId id="266" r:id="rId11"/>
-    <p:sldId id="284" r:id="rId12"/>
-    <p:sldId id="288" r:id="rId13"/>
-    <p:sldId id="289" r:id="rId14"/>
-    <p:sldId id="290" r:id="rId15"/>
-    <p:sldId id="269" r:id="rId16"/>
+    <p:sldId id="291" r:id="rId8"/>
+    <p:sldId id="283" r:id="rId9"/>
+    <p:sldId id="286" r:id="rId10"/>
+    <p:sldId id="287" r:id="rId11"/>
+    <p:sldId id="292" r:id="rId12"/>
+    <p:sldId id="293" r:id="rId13"/>
+    <p:sldId id="294" r:id="rId14"/>
+    <p:sldId id="266" r:id="rId15"/>
+    <p:sldId id="284" r:id="rId16"/>
+    <p:sldId id="288" r:id="rId17"/>
+    <p:sldId id="289" r:id="rId18"/>
+    <p:sldId id="290" r:id="rId19"/>
+    <p:sldId id="269" r:id="rId20"/>
   </p:sldIdLst>
   <p:sldSz cx="12192000" cy="6858000"/>
   <p:notesSz cx="6858000" cy="9144000"/>
@@ -4008,7 +4012,7 @@
         <a:lstStyle/>
         <a:p>
           <a:r>
-            <a:rPr lang="en-US"/>
+            <a:rPr lang="en-US" dirty="0"/>
             <a:t>Understand the role of file systems in organizing data.</a:t>
           </a:r>
         </a:p>
@@ -5981,7 +5985,7 @@
             <a:buNone/>
           </a:pPr>
           <a:r>
-            <a:rPr lang="en-US" sz="2200" kern="1200"/>
+            <a:rPr lang="en-US" sz="2200" kern="1200" dirty="0"/>
             <a:t>Understand the role of file systems in organizing data.</a:t>
           </a:r>
         </a:p>
@@ -15241,7 +15245,7 @@
           <a:p>
             <a:fld id="{1CA5457B-CDAE-4DEB-AEC8-C82DE2312E37}" type="datetimeFigureOut">
               <a:rPr lang="en-US" smtClean="0"/>
-              <a:t>7/19/2025</a:t>
+              <a:t>8/7/2025</a:t>
             </a:fld>
             <a:endParaRPr lang="en-US" dirty="0"/>
           </a:p>
@@ -15418,7 +15422,7 @@
           <a:p>
             <a:fld id="{090B78EA-28CE-41D8-9043-90E391E5F567}" type="datetimeFigureOut">
               <a:rPr lang="en-US" noProof="0" smtClean="0"/>
-              <a:t>7/19/2025</a:t>
+              <a:t>8/7/2025</a:t>
             </a:fld>
             <a:endParaRPr lang="en-US" noProof="0" dirty="0"/>
           </a:p>
@@ -15816,6 +15820,37 @@
           <a:bodyPr/>
           <a:lstStyle/>
           <a:p>
+            <a:pPr marL="0" marR="0" lvl="0" indent="0" algn="l" defTabSz="914400" rtl="0" eaLnBrk="1" fontAlgn="auto" latinLnBrk="0" hangingPunct="1">
+              <a:lnSpc>
+                <a:spcPct val="100000"/>
+              </a:lnSpc>
+              <a:spcBef>
+                <a:spcPts val="0"/>
+              </a:spcBef>
+              <a:spcAft>
+                <a:spcPts val="0"/>
+              </a:spcAft>
+              <a:buClrTx/>
+              <a:buSzTx/>
+              <a:buFontTx/>
+              <a:buNone/>
+              <a:tabLst/>
+              <a:defRPr/>
+            </a:pPr>
+            <a:r>
+              <a:rPr lang="en-US" dirty="0"/>
+              <a:t>Choosing the right file system is practical. If you're setting up a Linux server, EXT4 or XFS is ideal. If you’re formatting a USB drive that works on both Windows and macOS, </a:t>
+            </a:r>
+            <a:r>
+              <a:rPr lang="en-US" dirty="0" err="1"/>
+              <a:t>exFAT</a:t>
+            </a:r>
+            <a:r>
+              <a:rPr lang="en-US" dirty="0"/>
+              <a:t> is best. Mac users benefit from APFS especially when working with SSDs and encrypted backups.</a:t>
+            </a:r>
+          </a:p>
+          <a:p>
             <a:endParaRPr lang="en-US" dirty="0"/>
           </a:p>
         </p:txBody>
@@ -15846,6 +15881,431 @@
     </p:spTree>
     <p:extLst>
       <p:ext uri="{BB962C8B-B14F-4D97-AF65-F5344CB8AC3E}">
+        <p14:creationId xmlns:p14="http://schemas.microsoft.com/office/powerpoint/2010/main" val="2711479514"/>
+      </p:ext>
+    </p:extLst>
+  </p:cSld>
+  <p:clrMapOvr>
+    <a:masterClrMapping/>
+  </p:clrMapOvr>
+</p:notes>
+</file>
+
+<file path=ppt/notesSlides/notesSlide11.xml><?xml version="1.0" encoding="utf-8"?>
+<p:notes xmlns:a="http://schemas.openxmlformats.org/drawingml/2006/main" xmlns:r="http://schemas.openxmlformats.org/officeDocument/2006/relationships" xmlns:p="http://schemas.openxmlformats.org/presentationml/2006/main">
+  <p:cSld>
+    <p:spTree>
+      <p:nvGrpSpPr>
+        <p:cNvPr id="1" name="">
+          <a:extLst>
+            <a:ext uri="{FF2B5EF4-FFF2-40B4-BE49-F238E27FC236}">
+              <a16:creationId xmlns:a16="http://schemas.microsoft.com/office/drawing/2014/main" id="{7C62B613-56FB-6AB2-3EED-C7DA3A02E093}"/>
+            </a:ext>
+          </a:extLst>
+        </p:cNvPr>
+        <p:cNvGrpSpPr/>
+        <p:nvPr/>
+      </p:nvGrpSpPr>
+      <p:grpSpPr>
+        <a:xfrm>
+          <a:off x="0" y="0"/>
+          <a:ext cx="0" cy="0"/>
+          <a:chOff x="0" y="0"/>
+          <a:chExt cx="0" cy="0"/>
+        </a:xfrm>
+      </p:grpSpPr>
+      <p:sp>
+        <p:nvSpPr>
+          <p:cNvPr id="2" name="Slide Image Placeholder 1">
+            <a:extLst>
+              <a:ext uri="{FF2B5EF4-FFF2-40B4-BE49-F238E27FC236}">
+                <a16:creationId xmlns:a16="http://schemas.microsoft.com/office/drawing/2014/main" id="{418EFD13-25A5-01B4-B290-CA25F22214CC}"/>
+              </a:ext>
+            </a:extLst>
+          </p:cNvPr>
+          <p:cNvSpPr>
+            <a:spLocks noGrp="1" noRot="1" noChangeAspect="1"/>
+          </p:cNvSpPr>
+          <p:nvPr>
+            <p:ph type="sldImg"/>
+          </p:nvPr>
+        </p:nvSpPr>
+        <p:spPr/>
+      </p:sp>
+      <p:sp>
+        <p:nvSpPr>
+          <p:cNvPr id="3" name="Notes Placeholder 2">
+            <a:extLst>
+              <a:ext uri="{FF2B5EF4-FFF2-40B4-BE49-F238E27FC236}">
+                <a16:creationId xmlns:a16="http://schemas.microsoft.com/office/drawing/2014/main" id="{B31667F7-E8F5-C13C-371F-DF82CDFE7E21}"/>
+              </a:ext>
+            </a:extLst>
+          </p:cNvPr>
+          <p:cNvSpPr>
+            <a:spLocks noGrp="1"/>
+          </p:cNvSpPr>
+          <p:nvPr>
+            <p:ph type="body" idx="1"/>
+          </p:nvPr>
+        </p:nvSpPr>
+        <p:spPr/>
+        <p:txBody>
+          <a:bodyPr/>
+          <a:lstStyle/>
+          <a:p>
+            <a:r>
+              <a:rPr lang="en-US" dirty="0"/>
+              <a:t>Choosing the right file system is practical. If you're setting up a Linux server, EXT4 or XFS is ideal. If you’re formatting a USB drive that works on both Windows and macOS, </a:t>
+            </a:r>
+            <a:r>
+              <a:rPr lang="en-US" dirty="0" err="1"/>
+              <a:t>exFAT</a:t>
+            </a:r>
+            <a:r>
+              <a:rPr lang="en-US" dirty="0"/>
+              <a:t> is best. Mac users benefit from APFS especially when working with SSDs and encrypted backups.</a:t>
+            </a:r>
+          </a:p>
+        </p:txBody>
+      </p:sp>
+      <p:sp>
+        <p:nvSpPr>
+          <p:cNvPr id="4" name="Slide Number Placeholder 3">
+            <a:extLst>
+              <a:ext uri="{FF2B5EF4-FFF2-40B4-BE49-F238E27FC236}">
+                <a16:creationId xmlns:a16="http://schemas.microsoft.com/office/drawing/2014/main" id="{07DEF6CE-6579-61BD-B719-6774E54D3469}"/>
+              </a:ext>
+            </a:extLst>
+          </p:cNvPr>
+          <p:cNvSpPr>
+            <a:spLocks noGrp="1"/>
+          </p:cNvSpPr>
+          <p:nvPr>
+            <p:ph type="sldNum" sz="quarter" idx="5"/>
+          </p:nvPr>
+        </p:nvSpPr>
+        <p:spPr/>
+        <p:txBody>
+          <a:bodyPr/>
+          <a:lstStyle/>
+          <a:p>
+            <a:fld id="{1734D747-9380-41EE-9946-EC9EC0CA5D1E}" type="slidenum">
+              <a:rPr lang="en-US" noProof="0" smtClean="0"/>
+              <a:t>13</a:t>
+            </a:fld>
+            <a:endParaRPr lang="en-US" noProof="0" dirty="0"/>
+          </a:p>
+        </p:txBody>
+      </p:sp>
+    </p:spTree>
+    <p:extLst>
+      <p:ext uri="{BB962C8B-B14F-4D97-AF65-F5344CB8AC3E}">
+        <p14:creationId xmlns:p14="http://schemas.microsoft.com/office/powerpoint/2010/main" val="3486263397"/>
+      </p:ext>
+    </p:extLst>
+  </p:cSld>
+  <p:clrMapOvr>
+    <a:masterClrMapping/>
+  </p:clrMapOvr>
+</p:notes>
+</file>
+
+<file path=ppt/notesSlides/notesSlide12.xml><?xml version="1.0" encoding="utf-8"?>
+<p:notes xmlns:a="http://schemas.openxmlformats.org/drawingml/2006/main" xmlns:r="http://schemas.openxmlformats.org/officeDocument/2006/relationships" xmlns:p="http://schemas.openxmlformats.org/presentationml/2006/main">
+  <p:cSld>
+    <p:spTree>
+      <p:nvGrpSpPr>
+        <p:cNvPr id="1" name="">
+          <a:extLst>
+            <a:ext uri="{FF2B5EF4-FFF2-40B4-BE49-F238E27FC236}">
+              <a16:creationId xmlns:a16="http://schemas.microsoft.com/office/drawing/2014/main" id="{E54C092E-EBA0-82B4-DF61-1C02659EC0CE}"/>
+            </a:ext>
+          </a:extLst>
+        </p:cNvPr>
+        <p:cNvGrpSpPr/>
+        <p:nvPr/>
+      </p:nvGrpSpPr>
+      <p:grpSpPr>
+        <a:xfrm>
+          <a:off x="0" y="0"/>
+          <a:ext cx="0" cy="0"/>
+          <a:chOff x="0" y="0"/>
+          <a:chExt cx="0" cy="0"/>
+        </a:xfrm>
+      </p:grpSpPr>
+      <p:sp>
+        <p:nvSpPr>
+          <p:cNvPr id="2" name="Slide Image Placeholder 1">
+            <a:extLst>
+              <a:ext uri="{FF2B5EF4-FFF2-40B4-BE49-F238E27FC236}">
+                <a16:creationId xmlns:a16="http://schemas.microsoft.com/office/drawing/2014/main" id="{7CF04711-8C51-450B-83F1-F587ACAFD90B}"/>
+              </a:ext>
+            </a:extLst>
+          </p:cNvPr>
+          <p:cNvSpPr>
+            <a:spLocks noGrp="1" noRot="1" noChangeAspect="1"/>
+          </p:cNvSpPr>
+          <p:nvPr>
+            <p:ph type="sldImg"/>
+          </p:nvPr>
+        </p:nvSpPr>
+        <p:spPr/>
+      </p:sp>
+      <p:sp>
+        <p:nvSpPr>
+          <p:cNvPr id="3" name="Notes Placeholder 2">
+            <a:extLst>
+              <a:ext uri="{FF2B5EF4-FFF2-40B4-BE49-F238E27FC236}">
+                <a16:creationId xmlns:a16="http://schemas.microsoft.com/office/drawing/2014/main" id="{477A83C9-EC49-99B9-FC8B-2E35D1219D6F}"/>
+              </a:ext>
+            </a:extLst>
+          </p:cNvPr>
+          <p:cNvSpPr>
+            <a:spLocks noGrp="1"/>
+          </p:cNvSpPr>
+          <p:nvPr>
+            <p:ph type="body" idx="1"/>
+          </p:nvPr>
+        </p:nvSpPr>
+        <p:spPr/>
+        <p:txBody>
+          <a:bodyPr/>
+          <a:lstStyle/>
+          <a:p>
+            <a:r>
+              <a:rPr lang="en-US" dirty="0"/>
+              <a:t>Let’s apply what we’ve learned. Checking your system’s file system helps you understand how your OS manages files. In Windows, it’s graphical; in Linux/macOS, we use terminal commands to inspect mounted drives and their file system types.</a:t>
+            </a:r>
+          </a:p>
+        </p:txBody>
+      </p:sp>
+      <p:sp>
+        <p:nvSpPr>
+          <p:cNvPr id="4" name="Slide Number Placeholder 3">
+            <a:extLst>
+              <a:ext uri="{FF2B5EF4-FFF2-40B4-BE49-F238E27FC236}">
+                <a16:creationId xmlns:a16="http://schemas.microsoft.com/office/drawing/2014/main" id="{90B85FC9-5EDB-51D2-F3A6-7FAB732E1EB6}"/>
+              </a:ext>
+            </a:extLst>
+          </p:cNvPr>
+          <p:cNvSpPr>
+            <a:spLocks noGrp="1"/>
+          </p:cNvSpPr>
+          <p:nvPr>
+            <p:ph type="sldNum" sz="quarter" idx="5"/>
+          </p:nvPr>
+        </p:nvSpPr>
+        <p:spPr/>
+        <p:txBody>
+          <a:bodyPr/>
+          <a:lstStyle/>
+          <a:p>
+            <a:fld id="{1734D747-9380-41EE-9946-EC9EC0CA5D1E}" type="slidenum">
+              <a:rPr lang="en-US" noProof="0" smtClean="0"/>
+              <a:t>14</a:t>
+            </a:fld>
+            <a:endParaRPr lang="en-US" noProof="0" dirty="0"/>
+          </a:p>
+        </p:txBody>
+      </p:sp>
+    </p:spTree>
+    <p:extLst>
+      <p:ext uri="{BB962C8B-B14F-4D97-AF65-F5344CB8AC3E}">
+        <p14:creationId xmlns:p14="http://schemas.microsoft.com/office/powerpoint/2010/main" val="2177168158"/>
+      </p:ext>
+    </p:extLst>
+  </p:cSld>
+  <p:clrMapOvr>
+    <a:masterClrMapping/>
+  </p:clrMapOvr>
+</p:notes>
+</file>
+
+<file path=ppt/notesSlides/notesSlide13.xml><?xml version="1.0" encoding="utf-8"?>
+<p:notes xmlns:a="http://schemas.openxmlformats.org/drawingml/2006/main" xmlns:r="http://schemas.openxmlformats.org/officeDocument/2006/relationships" xmlns:p="http://schemas.openxmlformats.org/presentationml/2006/main">
+  <p:cSld>
+    <p:spTree>
+      <p:nvGrpSpPr>
+        <p:cNvPr id="1" name="">
+          <a:extLst>
+            <a:ext uri="{FF2B5EF4-FFF2-40B4-BE49-F238E27FC236}">
+              <a16:creationId xmlns:a16="http://schemas.microsoft.com/office/drawing/2014/main" id="{E714CBE2-A94B-B8A4-8774-3DD3F12126DA}"/>
+            </a:ext>
+          </a:extLst>
+        </p:cNvPr>
+        <p:cNvGrpSpPr/>
+        <p:nvPr/>
+      </p:nvGrpSpPr>
+      <p:grpSpPr>
+        <a:xfrm>
+          <a:off x="0" y="0"/>
+          <a:ext cx="0" cy="0"/>
+          <a:chOff x="0" y="0"/>
+          <a:chExt cx="0" cy="0"/>
+        </a:xfrm>
+      </p:grpSpPr>
+      <p:sp>
+        <p:nvSpPr>
+          <p:cNvPr id="2" name="Slide Image Placeholder 1">
+            <a:extLst>
+              <a:ext uri="{FF2B5EF4-FFF2-40B4-BE49-F238E27FC236}">
+                <a16:creationId xmlns:a16="http://schemas.microsoft.com/office/drawing/2014/main" id="{7A015675-2AE4-4C4A-7B21-215AF6D7A6C7}"/>
+              </a:ext>
+            </a:extLst>
+          </p:cNvPr>
+          <p:cNvSpPr>
+            <a:spLocks noGrp="1" noRot="1" noChangeAspect="1"/>
+          </p:cNvSpPr>
+          <p:nvPr>
+            <p:ph type="sldImg"/>
+          </p:nvPr>
+        </p:nvSpPr>
+        <p:spPr/>
+      </p:sp>
+      <p:sp>
+        <p:nvSpPr>
+          <p:cNvPr id="3" name="Notes Placeholder 2">
+            <a:extLst>
+              <a:ext uri="{FF2B5EF4-FFF2-40B4-BE49-F238E27FC236}">
+                <a16:creationId xmlns:a16="http://schemas.microsoft.com/office/drawing/2014/main" id="{A475F89C-BD1A-490C-CD21-251F9DC1B0AD}"/>
+              </a:ext>
+            </a:extLst>
+          </p:cNvPr>
+          <p:cNvSpPr>
+            <a:spLocks noGrp="1"/>
+          </p:cNvSpPr>
+          <p:nvPr>
+            <p:ph type="body" idx="1"/>
+          </p:nvPr>
+        </p:nvSpPr>
+        <p:spPr/>
+        <p:txBody>
+          <a:bodyPr/>
+          <a:lstStyle/>
+          <a:p>
+            <a:r>
+              <a:rPr lang="en-US" dirty="0"/>
+              <a:t>Let’s apply what we’ve learned. Checking your system’s file system helps you understand how your OS manages files. In Windows, it’s graphical; in Linux/macOS, we use terminal commands to inspect mounted drives and their file system types.</a:t>
+            </a:r>
+          </a:p>
+        </p:txBody>
+      </p:sp>
+      <p:sp>
+        <p:nvSpPr>
+          <p:cNvPr id="4" name="Slide Number Placeholder 3">
+            <a:extLst>
+              <a:ext uri="{FF2B5EF4-FFF2-40B4-BE49-F238E27FC236}">
+                <a16:creationId xmlns:a16="http://schemas.microsoft.com/office/drawing/2014/main" id="{FA778BA4-DEAB-7C10-18E1-7B4AFB9BBFFD}"/>
+              </a:ext>
+            </a:extLst>
+          </p:cNvPr>
+          <p:cNvSpPr>
+            <a:spLocks noGrp="1"/>
+          </p:cNvSpPr>
+          <p:nvPr>
+            <p:ph type="sldNum" sz="quarter" idx="5"/>
+          </p:nvPr>
+        </p:nvSpPr>
+        <p:spPr/>
+        <p:txBody>
+          <a:bodyPr/>
+          <a:lstStyle/>
+          <a:p>
+            <a:fld id="{1734D747-9380-41EE-9946-EC9EC0CA5D1E}" type="slidenum">
+              <a:rPr lang="en-US" noProof="0" smtClean="0"/>
+              <a:t>15</a:t>
+            </a:fld>
+            <a:endParaRPr lang="en-US" noProof="0" dirty="0"/>
+          </a:p>
+        </p:txBody>
+      </p:sp>
+    </p:spTree>
+    <p:extLst>
+      <p:ext uri="{BB962C8B-B14F-4D97-AF65-F5344CB8AC3E}">
+        <p14:creationId xmlns:p14="http://schemas.microsoft.com/office/powerpoint/2010/main" val="3099911740"/>
+      </p:ext>
+    </p:extLst>
+  </p:cSld>
+  <p:clrMapOvr>
+    <a:masterClrMapping/>
+  </p:clrMapOvr>
+</p:notes>
+</file>
+
+<file path=ppt/notesSlides/notesSlide14.xml><?xml version="1.0" encoding="utf-8"?>
+<p:notes xmlns:a="http://schemas.openxmlformats.org/drawingml/2006/main" xmlns:r="http://schemas.openxmlformats.org/officeDocument/2006/relationships" xmlns:p="http://schemas.openxmlformats.org/presentationml/2006/main">
+  <p:cSld>
+    <p:spTree>
+      <p:nvGrpSpPr>
+        <p:cNvPr id="1" name=""/>
+        <p:cNvGrpSpPr/>
+        <p:nvPr/>
+      </p:nvGrpSpPr>
+      <p:grpSpPr>
+        <a:xfrm>
+          <a:off x="0" y="0"/>
+          <a:ext cx="0" cy="0"/>
+          <a:chOff x="0" y="0"/>
+          <a:chExt cx="0" cy="0"/>
+        </a:xfrm>
+      </p:grpSpPr>
+      <p:sp>
+        <p:nvSpPr>
+          <p:cNvPr id="2" name="Slide Image Placeholder 1"/>
+          <p:cNvSpPr>
+            <a:spLocks noGrp="1" noRot="1" noChangeAspect="1"/>
+          </p:cNvSpPr>
+          <p:nvPr>
+            <p:ph type="sldImg"/>
+          </p:nvPr>
+        </p:nvSpPr>
+        <p:spPr/>
+      </p:sp>
+      <p:sp>
+        <p:nvSpPr>
+          <p:cNvPr id="3" name="Notes Placeholder 2"/>
+          <p:cNvSpPr>
+            <a:spLocks noGrp="1"/>
+          </p:cNvSpPr>
+          <p:nvPr>
+            <p:ph type="body" idx="1"/>
+          </p:nvPr>
+        </p:nvSpPr>
+        <p:spPr/>
+        <p:txBody>
+          <a:bodyPr/>
+          <a:lstStyle/>
+          <a:p>
+            <a:endParaRPr lang="en-US" dirty="0"/>
+          </a:p>
+        </p:txBody>
+      </p:sp>
+      <p:sp>
+        <p:nvSpPr>
+          <p:cNvPr id="4" name="Slide Number Placeholder 3"/>
+          <p:cNvSpPr>
+            <a:spLocks noGrp="1"/>
+          </p:cNvSpPr>
+          <p:nvPr>
+            <p:ph type="sldNum" sz="quarter" idx="5"/>
+          </p:nvPr>
+        </p:nvSpPr>
+        <p:spPr/>
+        <p:txBody>
+          <a:bodyPr/>
+          <a:lstStyle/>
+          <a:p>
+            <a:fld id="{1734D747-9380-41EE-9946-EC9EC0CA5D1E}" type="slidenum">
+              <a:rPr lang="en-US" noProof="0" smtClean="0"/>
+              <a:t>16</a:t>
+            </a:fld>
+            <a:endParaRPr lang="en-US" noProof="0" dirty="0"/>
+          </a:p>
+        </p:txBody>
+      </p:sp>
+    </p:spTree>
+    <p:extLst>
+      <p:ext uri="{BB962C8B-B14F-4D97-AF65-F5344CB8AC3E}">
         <p14:creationId xmlns:p14="http://schemas.microsoft.com/office/powerpoint/2010/main" val="3578297532"/>
       </p:ext>
     </p:extLst>
@@ -15857,6 +16317,117 @@
 </file>
 
 <file path=ppt/notesSlides/notesSlide2.xml><?xml version="1.0" encoding="utf-8"?>
+<p:notes xmlns:a="http://schemas.openxmlformats.org/drawingml/2006/main" xmlns:r="http://schemas.openxmlformats.org/officeDocument/2006/relationships" xmlns:p="http://schemas.openxmlformats.org/presentationml/2006/main">
+  <p:cSld>
+    <p:spTree>
+      <p:nvGrpSpPr>
+        <p:cNvPr id="1" name="">
+          <a:extLst>
+            <a:ext uri="{FF2B5EF4-FFF2-40B4-BE49-F238E27FC236}">
+              <a16:creationId xmlns:a16="http://schemas.microsoft.com/office/drawing/2014/main" id="{82348C42-616C-9E0B-EA16-CD9800950D1B}"/>
+            </a:ext>
+          </a:extLst>
+        </p:cNvPr>
+        <p:cNvGrpSpPr/>
+        <p:nvPr/>
+      </p:nvGrpSpPr>
+      <p:grpSpPr>
+        <a:xfrm>
+          <a:off x="0" y="0"/>
+          <a:ext cx="0" cy="0"/>
+          <a:chOff x="0" y="0"/>
+          <a:chExt cx="0" cy="0"/>
+        </a:xfrm>
+      </p:grpSpPr>
+      <p:sp>
+        <p:nvSpPr>
+          <p:cNvPr id="2" name="Slide Image Placeholder 1">
+            <a:extLst>
+              <a:ext uri="{FF2B5EF4-FFF2-40B4-BE49-F238E27FC236}">
+                <a16:creationId xmlns:a16="http://schemas.microsoft.com/office/drawing/2014/main" id="{6F622FFF-9BEE-475A-878B-2C416F149A89}"/>
+              </a:ext>
+            </a:extLst>
+          </p:cNvPr>
+          <p:cNvSpPr>
+            <a:spLocks noGrp="1" noRot="1" noChangeAspect="1"/>
+          </p:cNvSpPr>
+          <p:nvPr>
+            <p:ph type="sldImg"/>
+          </p:nvPr>
+        </p:nvSpPr>
+        <p:spPr/>
+      </p:sp>
+      <p:sp>
+        <p:nvSpPr>
+          <p:cNvPr id="3" name="Notes Placeholder 2">
+            <a:extLst>
+              <a:ext uri="{FF2B5EF4-FFF2-40B4-BE49-F238E27FC236}">
+                <a16:creationId xmlns:a16="http://schemas.microsoft.com/office/drawing/2014/main" id="{810615AC-EFFD-74FA-EA51-07A6A7C4257B}"/>
+              </a:ext>
+            </a:extLst>
+          </p:cNvPr>
+          <p:cNvSpPr>
+            <a:spLocks noGrp="1"/>
+          </p:cNvSpPr>
+          <p:nvPr>
+            <p:ph type="body" idx="1"/>
+          </p:nvPr>
+        </p:nvSpPr>
+        <p:spPr/>
+        <p:txBody>
+          <a:bodyPr/>
+          <a:lstStyle/>
+          <a:p>
+            <a:r>
+              <a:rPr lang="en-US" dirty="0"/>
+              <a:t>Each function ensures efficient data handling. For example, when you save a Word file, the OS uses the file system to know where on the disk to write the data, how to name it, who can access it, and where to find it later. It also keeps track of empty and used storage areas to avoid overwriting.</a:t>
+            </a:r>
+          </a:p>
+        </p:txBody>
+      </p:sp>
+      <p:sp>
+        <p:nvSpPr>
+          <p:cNvPr id="4" name="Slide Number Placeholder 3">
+            <a:extLst>
+              <a:ext uri="{FF2B5EF4-FFF2-40B4-BE49-F238E27FC236}">
+                <a16:creationId xmlns:a16="http://schemas.microsoft.com/office/drawing/2014/main" id="{B3F4EC5D-D9ED-292D-861A-753FFE05C0A6}"/>
+              </a:ext>
+            </a:extLst>
+          </p:cNvPr>
+          <p:cNvSpPr>
+            <a:spLocks noGrp="1"/>
+          </p:cNvSpPr>
+          <p:nvPr>
+            <p:ph type="sldNum" sz="quarter" idx="5"/>
+          </p:nvPr>
+        </p:nvSpPr>
+        <p:spPr/>
+        <p:txBody>
+          <a:bodyPr/>
+          <a:lstStyle/>
+          <a:p>
+            <a:fld id="{1734D747-9380-41EE-9946-EC9EC0CA5D1E}" type="slidenum">
+              <a:rPr lang="en-US" noProof="0" smtClean="0"/>
+              <a:t>4</a:t>
+            </a:fld>
+            <a:endParaRPr lang="en-US" noProof="0" dirty="0"/>
+          </a:p>
+        </p:txBody>
+      </p:sp>
+    </p:spTree>
+    <p:extLst>
+      <p:ext uri="{BB962C8B-B14F-4D97-AF65-F5344CB8AC3E}">
+        <p14:creationId xmlns:p14="http://schemas.microsoft.com/office/powerpoint/2010/main" val="3798648111"/>
+      </p:ext>
+    </p:extLst>
+  </p:cSld>
+  <p:clrMapOvr>
+    <a:masterClrMapping/>
+  </p:clrMapOvr>
+</p:notes>
+</file>
+
+<file path=ppt/notesSlides/notesSlide3.xml><?xml version="1.0" encoding="utf-8"?>
 <p:notes xmlns:a="http://schemas.openxmlformats.org/drawingml/2006/main" xmlns:r="http://schemas.openxmlformats.org/officeDocument/2006/relationships" xmlns:p="http://schemas.openxmlformats.org/presentationml/2006/main">
   <p:cSld>
     <p:spTree>
@@ -15932,7 +16503,7 @@
           <a:p>
             <a:fld id="{1734D747-9380-41EE-9946-EC9EC0CA5D1E}" type="slidenum">
               <a:rPr lang="en-US" noProof="0" smtClean="0"/>
-              <a:t>4</a:t>
+              <a:t>5</a:t>
             </a:fld>
             <a:endParaRPr lang="en-US" noProof="0" dirty="0"/>
           </a:p>
@@ -15951,7 +16522,7 @@
 </p:notes>
 </file>
 
-<file path=ppt/notesSlides/notesSlide3.xml><?xml version="1.0" encoding="utf-8"?>
+<file path=ppt/notesSlides/notesSlide4.xml><?xml version="1.0" encoding="utf-8"?>
 <p:notes xmlns:a="http://schemas.openxmlformats.org/drawingml/2006/main" xmlns:r="http://schemas.openxmlformats.org/officeDocument/2006/relationships" xmlns:p="http://schemas.openxmlformats.org/presentationml/2006/main">
   <p:cSld>
     <p:spTree>
@@ -16063,7 +16634,7 @@
           <a:p>
             <a:fld id="{1734D747-9380-41EE-9946-EC9EC0CA5D1E}" type="slidenum">
               <a:rPr lang="en-US" noProof="0" smtClean="0"/>
-              <a:t>5</a:t>
+              <a:t>6</a:t>
             </a:fld>
             <a:endParaRPr lang="en-US" noProof="0" dirty="0"/>
           </a:p>
@@ -16082,7 +16653,7 @@
 </p:notes>
 </file>
 
-<file path=ppt/notesSlides/notesSlide4.xml><?xml version="1.0" encoding="utf-8"?>
+<file path=ppt/notesSlides/notesSlide5.xml><?xml version="1.0" encoding="utf-8"?>
 <p:notes xmlns:a="http://schemas.openxmlformats.org/drawingml/2006/main" xmlns:r="http://schemas.openxmlformats.org/officeDocument/2006/relationships" xmlns:p="http://schemas.openxmlformats.org/presentationml/2006/main">
   <p:cSld>
     <p:spTree>
@@ -16174,7 +16745,7 @@
           <a:p>
             <a:fld id="{1734D747-9380-41EE-9946-EC9EC0CA5D1E}" type="slidenum">
               <a:rPr lang="en-US" noProof="0" smtClean="0"/>
-              <a:t>6</a:t>
+              <a:t>7</a:t>
             </a:fld>
             <a:endParaRPr lang="en-US" noProof="0" dirty="0"/>
           </a:p>
@@ -16193,7 +16764,428 @@
 </p:notes>
 </file>
 
-<file path=ppt/notesSlides/notesSlide5.xml><?xml version="1.0" encoding="utf-8"?>
+<file path=ppt/notesSlides/notesSlide6.xml><?xml version="1.0" encoding="utf-8"?>
+<p:notes xmlns:a="http://schemas.openxmlformats.org/drawingml/2006/main" xmlns:r="http://schemas.openxmlformats.org/officeDocument/2006/relationships" xmlns:p="http://schemas.openxmlformats.org/presentationml/2006/main">
+  <p:cSld>
+    <p:spTree>
+      <p:nvGrpSpPr>
+        <p:cNvPr id="1" name="">
+          <a:extLst>
+            <a:ext uri="{FF2B5EF4-FFF2-40B4-BE49-F238E27FC236}">
+              <a16:creationId xmlns:a16="http://schemas.microsoft.com/office/drawing/2014/main" id="{37ABDEA5-7A8F-5C2C-3EB4-8D2C008A4140}"/>
+            </a:ext>
+          </a:extLst>
+        </p:cNvPr>
+        <p:cNvGrpSpPr/>
+        <p:nvPr/>
+      </p:nvGrpSpPr>
+      <p:grpSpPr>
+        <a:xfrm>
+          <a:off x="0" y="0"/>
+          <a:ext cx="0" cy="0"/>
+          <a:chOff x="0" y="0"/>
+          <a:chExt cx="0" cy="0"/>
+        </a:xfrm>
+      </p:grpSpPr>
+      <p:sp>
+        <p:nvSpPr>
+          <p:cNvPr id="2" name="Slide Image Placeholder 1">
+            <a:extLst>
+              <a:ext uri="{FF2B5EF4-FFF2-40B4-BE49-F238E27FC236}">
+                <a16:creationId xmlns:a16="http://schemas.microsoft.com/office/drawing/2014/main" id="{E8E1ABFD-0738-3EFE-A56E-0EDFF44DD94B}"/>
+              </a:ext>
+            </a:extLst>
+          </p:cNvPr>
+          <p:cNvSpPr>
+            <a:spLocks noGrp="1" noRot="1" noChangeAspect="1"/>
+          </p:cNvSpPr>
+          <p:nvPr>
+            <p:ph type="sldImg"/>
+          </p:nvPr>
+        </p:nvSpPr>
+        <p:spPr/>
+      </p:sp>
+      <p:sp>
+        <p:nvSpPr>
+          <p:cNvPr id="3" name="Notes Placeholder 2">
+            <a:extLst>
+              <a:ext uri="{FF2B5EF4-FFF2-40B4-BE49-F238E27FC236}">
+                <a16:creationId xmlns:a16="http://schemas.microsoft.com/office/drawing/2014/main" id="{E211C423-7246-E06C-9F31-449518C4720D}"/>
+              </a:ext>
+            </a:extLst>
+          </p:cNvPr>
+          <p:cNvSpPr>
+            <a:spLocks noGrp="1"/>
+          </p:cNvSpPr>
+          <p:nvPr>
+            <p:ph type="body" idx="1"/>
+          </p:nvPr>
+        </p:nvSpPr>
+        <p:spPr/>
+        <p:txBody>
+          <a:bodyPr/>
+          <a:lstStyle/>
+          <a:p>
+            <a:endParaRPr lang="en-US" dirty="0"/>
+          </a:p>
+        </p:txBody>
+      </p:sp>
+      <p:sp>
+        <p:nvSpPr>
+          <p:cNvPr id="4" name="Slide Number Placeholder 3">
+            <a:extLst>
+              <a:ext uri="{FF2B5EF4-FFF2-40B4-BE49-F238E27FC236}">
+                <a16:creationId xmlns:a16="http://schemas.microsoft.com/office/drawing/2014/main" id="{A1809416-8A6F-83CC-A685-ECA9E51B34EC}"/>
+              </a:ext>
+            </a:extLst>
+          </p:cNvPr>
+          <p:cNvSpPr>
+            <a:spLocks noGrp="1"/>
+          </p:cNvSpPr>
+          <p:nvPr>
+            <p:ph type="sldNum" sz="quarter" idx="5"/>
+          </p:nvPr>
+        </p:nvSpPr>
+        <p:spPr/>
+        <p:txBody>
+          <a:bodyPr/>
+          <a:lstStyle/>
+          <a:p>
+            <a:fld id="{1734D747-9380-41EE-9946-EC9EC0CA5D1E}" type="slidenum">
+              <a:rPr lang="en-US" noProof="0" smtClean="0"/>
+              <a:t>8</a:t>
+            </a:fld>
+            <a:endParaRPr lang="en-US" noProof="0" dirty="0"/>
+          </a:p>
+        </p:txBody>
+      </p:sp>
+    </p:spTree>
+    <p:extLst>
+      <p:ext uri="{BB962C8B-B14F-4D97-AF65-F5344CB8AC3E}">
+        <p14:creationId xmlns:p14="http://schemas.microsoft.com/office/powerpoint/2010/main" val="2192581252"/>
+      </p:ext>
+    </p:extLst>
+  </p:cSld>
+  <p:clrMapOvr>
+    <a:masterClrMapping/>
+  </p:clrMapOvr>
+</p:notes>
+</file>
+
+<file path=ppt/notesSlides/notesSlide7.xml><?xml version="1.0" encoding="utf-8"?>
+<p:notes xmlns:a="http://schemas.openxmlformats.org/drawingml/2006/main" xmlns:r="http://schemas.openxmlformats.org/officeDocument/2006/relationships" xmlns:p="http://schemas.openxmlformats.org/presentationml/2006/main">
+  <p:cSld>
+    <p:spTree>
+      <p:nvGrpSpPr>
+        <p:cNvPr id="1" name="">
+          <a:extLst>
+            <a:ext uri="{FF2B5EF4-FFF2-40B4-BE49-F238E27FC236}">
+              <a16:creationId xmlns:a16="http://schemas.microsoft.com/office/drawing/2014/main" id="{90AF9743-C72F-56F0-DC4C-0437988FE4EA}"/>
+            </a:ext>
+          </a:extLst>
+        </p:cNvPr>
+        <p:cNvGrpSpPr/>
+        <p:nvPr/>
+      </p:nvGrpSpPr>
+      <p:grpSpPr>
+        <a:xfrm>
+          <a:off x="0" y="0"/>
+          <a:ext cx="0" cy="0"/>
+          <a:chOff x="0" y="0"/>
+          <a:chExt cx="0" cy="0"/>
+        </a:xfrm>
+      </p:grpSpPr>
+      <p:sp>
+        <p:nvSpPr>
+          <p:cNvPr id="2" name="Slide Image Placeholder 1">
+            <a:extLst>
+              <a:ext uri="{FF2B5EF4-FFF2-40B4-BE49-F238E27FC236}">
+                <a16:creationId xmlns:a16="http://schemas.microsoft.com/office/drawing/2014/main" id="{AF88371F-B7E6-1986-D55F-D07E3287D646}"/>
+              </a:ext>
+            </a:extLst>
+          </p:cNvPr>
+          <p:cNvSpPr>
+            <a:spLocks noGrp="1" noRot="1" noChangeAspect="1"/>
+          </p:cNvSpPr>
+          <p:nvPr>
+            <p:ph type="sldImg"/>
+          </p:nvPr>
+        </p:nvSpPr>
+        <p:spPr/>
+      </p:sp>
+      <p:sp>
+        <p:nvSpPr>
+          <p:cNvPr id="3" name="Notes Placeholder 2">
+            <a:extLst>
+              <a:ext uri="{FF2B5EF4-FFF2-40B4-BE49-F238E27FC236}">
+                <a16:creationId xmlns:a16="http://schemas.microsoft.com/office/drawing/2014/main" id="{DFE5CC69-C4B3-A053-F0B4-A8AFAC09A0F5}"/>
+              </a:ext>
+            </a:extLst>
+          </p:cNvPr>
+          <p:cNvSpPr>
+            <a:spLocks noGrp="1"/>
+          </p:cNvSpPr>
+          <p:nvPr>
+            <p:ph type="body" idx="1"/>
+          </p:nvPr>
+        </p:nvSpPr>
+        <p:spPr/>
+        <p:txBody>
+          <a:bodyPr/>
+          <a:lstStyle/>
+          <a:p>
+            <a:r>
+              <a:rPr lang="en-US" b="1" dirty="0"/>
+              <a:t>1. Quick Format</a:t>
+            </a:r>
+          </a:p>
+          <a:p>
+            <a:r>
+              <a:rPr lang="en-US" dirty="0"/>
+              <a:t>Quick format erases the </a:t>
+            </a:r>
+            <a:r>
+              <a:rPr lang="en-US" b="1" dirty="0"/>
+              <a:t>file system structure</a:t>
+            </a:r>
+            <a:r>
+              <a:rPr lang="en-US" dirty="0"/>
+              <a:t> (like file tables and directory entries) but does </a:t>
+            </a:r>
+            <a:r>
+              <a:rPr lang="en-US" b="1" dirty="0"/>
+              <a:t>not erase actual data</a:t>
+            </a:r>
+            <a:r>
+              <a:rPr lang="en-US" dirty="0"/>
+              <a:t> on the disk. It only marks the space as available for new data.</a:t>
+            </a:r>
+          </a:p>
+          <a:p>
+            <a:r>
+              <a:rPr lang="en-US" dirty="0"/>
+              <a:t>Fast and convenient</a:t>
+            </a:r>
+          </a:p>
+          <a:p>
+            <a:r>
+              <a:rPr lang="en-US" dirty="0"/>
+              <a:t>Old data can still be recovered with special tools</a:t>
+            </a:r>
+          </a:p>
+          <a:p>
+            <a:r>
+              <a:rPr lang="en-US" dirty="0"/>
+              <a:t>Used for reusing storage quickly</a:t>
+            </a:r>
+          </a:p>
+          <a:p>
+            <a:r>
+              <a:rPr lang="en-US" b="1" dirty="0"/>
+              <a:t>2. Full Format</a:t>
+            </a:r>
+          </a:p>
+          <a:p>
+            <a:r>
+              <a:rPr lang="en-US" dirty="0"/>
+              <a:t>Full format erases the </a:t>
+            </a:r>
+            <a:r>
+              <a:rPr lang="en-US" b="1" dirty="0"/>
+              <a:t>file system structure</a:t>
+            </a:r>
+            <a:r>
+              <a:rPr lang="en-US" dirty="0"/>
+              <a:t> </a:t>
+            </a:r>
+            <a:r>
+              <a:rPr lang="en-US" b="1" dirty="0"/>
+              <a:t>and scans the disk for bad sectors</a:t>
+            </a:r>
+            <a:r>
+              <a:rPr lang="en-US" dirty="0"/>
+              <a:t>. It also </a:t>
+            </a:r>
+            <a:r>
+              <a:rPr lang="en-US" b="1" dirty="0"/>
+              <a:t>overwrites data</a:t>
+            </a:r>
+            <a:r>
+              <a:rPr lang="en-US" dirty="0"/>
+              <a:t>, making it harder to recover.</a:t>
+            </a:r>
+          </a:p>
+          <a:p>
+            <a:r>
+              <a:rPr lang="en-US" dirty="0"/>
+              <a:t>Takes longer</a:t>
+            </a:r>
+          </a:p>
+          <a:p>
+            <a:r>
+              <a:rPr lang="en-US" dirty="0"/>
+              <a:t>More secure and thorough</a:t>
+            </a:r>
+          </a:p>
+          <a:p>
+            <a:r>
+              <a:rPr lang="en-US" dirty="0"/>
+              <a:t>Checks the disk health</a:t>
+            </a:r>
+          </a:p>
+        </p:txBody>
+      </p:sp>
+      <p:sp>
+        <p:nvSpPr>
+          <p:cNvPr id="4" name="Slide Number Placeholder 3">
+            <a:extLst>
+              <a:ext uri="{FF2B5EF4-FFF2-40B4-BE49-F238E27FC236}">
+                <a16:creationId xmlns:a16="http://schemas.microsoft.com/office/drawing/2014/main" id="{0D979914-F146-62B4-984C-F9373D71EB27}"/>
+              </a:ext>
+            </a:extLst>
+          </p:cNvPr>
+          <p:cNvSpPr>
+            <a:spLocks noGrp="1"/>
+          </p:cNvSpPr>
+          <p:nvPr>
+            <p:ph type="sldNum" sz="quarter" idx="5"/>
+          </p:nvPr>
+        </p:nvSpPr>
+        <p:spPr/>
+        <p:txBody>
+          <a:bodyPr/>
+          <a:lstStyle/>
+          <a:p>
+            <a:fld id="{1734D747-9380-41EE-9946-EC9EC0CA5D1E}" type="slidenum">
+              <a:rPr lang="en-US" noProof="0" smtClean="0"/>
+              <a:t>9</a:t>
+            </a:fld>
+            <a:endParaRPr lang="en-US" noProof="0" dirty="0"/>
+          </a:p>
+        </p:txBody>
+      </p:sp>
+    </p:spTree>
+    <p:extLst>
+      <p:ext uri="{BB962C8B-B14F-4D97-AF65-F5344CB8AC3E}">
+        <p14:creationId xmlns:p14="http://schemas.microsoft.com/office/powerpoint/2010/main" val="613139534"/>
+      </p:ext>
+    </p:extLst>
+  </p:cSld>
+  <p:clrMapOvr>
+    <a:masterClrMapping/>
+  </p:clrMapOvr>
+</p:notes>
+</file>
+
+<file path=ppt/notesSlides/notesSlide8.xml><?xml version="1.0" encoding="utf-8"?>
+<p:notes xmlns:a="http://schemas.openxmlformats.org/drawingml/2006/main" xmlns:r="http://schemas.openxmlformats.org/officeDocument/2006/relationships" xmlns:p="http://schemas.openxmlformats.org/presentationml/2006/main">
+  <p:cSld>
+    <p:spTree>
+      <p:nvGrpSpPr>
+        <p:cNvPr id="1" name="">
+          <a:extLst>
+            <a:ext uri="{FF2B5EF4-FFF2-40B4-BE49-F238E27FC236}">
+              <a16:creationId xmlns:a16="http://schemas.microsoft.com/office/drawing/2014/main" id="{A82E9E05-8CA2-87B2-94ED-B8A71C385C17}"/>
+            </a:ext>
+          </a:extLst>
+        </p:cNvPr>
+        <p:cNvGrpSpPr/>
+        <p:nvPr/>
+      </p:nvGrpSpPr>
+      <p:grpSpPr>
+        <a:xfrm>
+          <a:off x="0" y="0"/>
+          <a:ext cx="0" cy="0"/>
+          <a:chOff x="0" y="0"/>
+          <a:chExt cx="0" cy="0"/>
+        </a:xfrm>
+      </p:grpSpPr>
+      <p:sp>
+        <p:nvSpPr>
+          <p:cNvPr id="2" name="Slide Image Placeholder 1">
+            <a:extLst>
+              <a:ext uri="{FF2B5EF4-FFF2-40B4-BE49-F238E27FC236}">
+                <a16:creationId xmlns:a16="http://schemas.microsoft.com/office/drawing/2014/main" id="{C92BE87E-44BF-B3D4-D834-544424A6C2A9}"/>
+              </a:ext>
+            </a:extLst>
+          </p:cNvPr>
+          <p:cNvSpPr>
+            <a:spLocks noGrp="1" noRot="1" noChangeAspect="1"/>
+          </p:cNvSpPr>
+          <p:nvPr>
+            <p:ph type="sldImg"/>
+          </p:nvPr>
+        </p:nvSpPr>
+        <p:spPr/>
+      </p:sp>
+      <p:sp>
+        <p:nvSpPr>
+          <p:cNvPr id="3" name="Notes Placeholder 2">
+            <a:extLst>
+              <a:ext uri="{FF2B5EF4-FFF2-40B4-BE49-F238E27FC236}">
+                <a16:creationId xmlns:a16="http://schemas.microsoft.com/office/drawing/2014/main" id="{1CEAD4ED-6BC4-2179-697B-0E09F6951207}"/>
+              </a:ext>
+            </a:extLst>
+          </p:cNvPr>
+          <p:cNvSpPr>
+            <a:spLocks noGrp="1"/>
+          </p:cNvSpPr>
+          <p:nvPr>
+            <p:ph type="body" idx="1"/>
+          </p:nvPr>
+        </p:nvSpPr>
+        <p:spPr/>
+        <p:txBody>
+          <a:bodyPr/>
+          <a:lstStyle/>
+          <a:p>
+            <a:endParaRPr lang="en-US" dirty="0"/>
+          </a:p>
+        </p:txBody>
+      </p:sp>
+      <p:sp>
+        <p:nvSpPr>
+          <p:cNvPr id="4" name="Slide Number Placeholder 3">
+            <a:extLst>
+              <a:ext uri="{FF2B5EF4-FFF2-40B4-BE49-F238E27FC236}">
+                <a16:creationId xmlns:a16="http://schemas.microsoft.com/office/drawing/2014/main" id="{027A8123-B74C-12A4-C65B-CA4A4BB7B3E0}"/>
+              </a:ext>
+            </a:extLst>
+          </p:cNvPr>
+          <p:cNvSpPr>
+            <a:spLocks noGrp="1"/>
+          </p:cNvSpPr>
+          <p:nvPr>
+            <p:ph type="sldNum" sz="quarter" idx="5"/>
+          </p:nvPr>
+        </p:nvSpPr>
+        <p:spPr/>
+        <p:txBody>
+          <a:bodyPr/>
+          <a:lstStyle/>
+          <a:p>
+            <a:fld id="{1734D747-9380-41EE-9946-EC9EC0CA5D1E}" type="slidenum">
+              <a:rPr lang="en-US" noProof="0" smtClean="0"/>
+              <a:t>10</a:t>
+            </a:fld>
+            <a:endParaRPr lang="en-US" noProof="0" dirty="0"/>
+          </a:p>
+        </p:txBody>
+      </p:sp>
+    </p:spTree>
+    <p:extLst>
+      <p:ext uri="{BB962C8B-B14F-4D97-AF65-F5344CB8AC3E}">
+        <p14:creationId xmlns:p14="http://schemas.microsoft.com/office/powerpoint/2010/main" val="3356673830"/>
+      </p:ext>
+    </p:extLst>
+  </p:cSld>
+  <p:clrMapOvr>
+    <a:masterClrMapping/>
+  </p:clrMapOvr>
+</p:notes>
+</file>
+
+<file path=ppt/notesSlides/notesSlide9.xml><?xml version="1.0" encoding="utf-8"?>
 <p:notes xmlns:a="http://schemas.openxmlformats.org/drawingml/2006/main" xmlns:r="http://schemas.openxmlformats.org/officeDocument/2006/relationships" xmlns:p="http://schemas.openxmlformats.org/presentationml/2006/main">
   <p:cSld>
     <p:spTree>
@@ -16261,7 +17253,7 @@
           <a:p>
             <a:fld id="{1734D747-9380-41EE-9946-EC9EC0CA5D1E}" type="slidenum">
               <a:rPr lang="en-US" noProof="0" smtClean="0"/>
-              <a:t>7</a:t>
+              <a:t>11</a:t>
             </a:fld>
             <a:endParaRPr lang="en-US" noProof="0" dirty="0"/>
           </a:p>
@@ -16271,462 +17263,6 @@
     <p:extLst>
       <p:ext uri="{BB962C8B-B14F-4D97-AF65-F5344CB8AC3E}">
         <p14:creationId xmlns:p14="http://schemas.microsoft.com/office/powerpoint/2010/main" val="1110796451"/>
-      </p:ext>
-    </p:extLst>
-  </p:cSld>
-  <p:clrMapOvr>
-    <a:masterClrMapping/>
-  </p:clrMapOvr>
-</p:notes>
-</file>
-
-<file path=ppt/notesSlides/notesSlide6.xml><?xml version="1.0" encoding="utf-8"?>
-<p:notes xmlns:a="http://schemas.openxmlformats.org/drawingml/2006/main" xmlns:r="http://schemas.openxmlformats.org/officeDocument/2006/relationships" xmlns:p="http://schemas.openxmlformats.org/presentationml/2006/main">
-  <p:cSld>
-    <p:spTree>
-      <p:nvGrpSpPr>
-        <p:cNvPr id="1" name=""/>
-        <p:cNvGrpSpPr/>
-        <p:nvPr/>
-      </p:nvGrpSpPr>
-      <p:grpSpPr>
-        <a:xfrm>
-          <a:off x="0" y="0"/>
-          <a:ext cx="0" cy="0"/>
-          <a:chOff x="0" y="0"/>
-          <a:chExt cx="0" cy="0"/>
-        </a:xfrm>
-      </p:grpSpPr>
-      <p:sp>
-        <p:nvSpPr>
-          <p:cNvPr id="2" name="Slide Image Placeholder 1"/>
-          <p:cNvSpPr>
-            <a:spLocks noGrp="1" noRot="1" noChangeAspect="1"/>
-          </p:cNvSpPr>
-          <p:nvPr>
-            <p:ph type="sldImg"/>
-          </p:nvPr>
-        </p:nvSpPr>
-        <p:spPr/>
-      </p:sp>
-      <p:sp>
-        <p:nvSpPr>
-          <p:cNvPr id="3" name="Notes Placeholder 2"/>
-          <p:cNvSpPr>
-            <a:spLocks noGrp="1"/>
-          </p:cNvSpPr>
-          <p:nvPr>
-            <p:ph type="body" idx="1"/>
-          </p:nvPr>
-        </p:nvSpPr>
-        <p:spPr/>
-        <p:txBody>
-          <a:bodyPr/>
-          <a:lstStyle/>
-          <a:p>
-            <a:pPr marL="0" marR="0" lvl="0" indent="0" algn="l" defTabSz="914400" rtl="0" eaLnBrk="1" fontAlgn="auto" latinLnBrk="0" hangingPunct="1">
-              <a:lnSpc>
-                <a:spcPct val="100000"/>
-              </a:lnSpc>
-              <a:spcBef>
-                <a:spcPts val="0"/>
-              </a:spcBef>
-              <a:spcAft>
-                <a:spcPts val="0"/>
-              </a:spcAft>
-              <a:buClrTx/>
-              <a:buSzTx/>
-              <a:buFontTx/>
-              <a:buNone/>
-              <a:tabLst/>
-              <a:defRPr/>
-            </a:pPr>
-            <a:r>
-              <a:rPr lang="en-US" dirty="0"/>
-              <a:t>Choosing the right file system is practical. If you're setting up a Linux server, EXT4 or XFS is ideal. If you’re formatting a USB drive that works on both Windows and macOS, </a:t>
-            </a:r>
-            <a:r>
-              <a:rPr lang="en-US" dirty="0" err="1"/>
-              <a:t>exFAT</a:t>
-            </a:r>
-            <a:r>
-              <a:rPr lang="en-US" dirty="0"/>
-              <a:t> is best. Mac users benefit from APFS especially when working with SSDs and encrypted backups.</a:t>
-            </a:r>
-          </a:p>
-          <a:p>
-            <a:endParaRPr lang="en-US" dirty="0"/>
-          </a:p>
-        </p:txBody>
-      </p:sp>
-      <p:sp>
-        <p:nvSpPr>
-          <p:cNvPr id="4" name="Slide Number Placeholder 3"/>
-          <p:cNvSpPr>
-            <a:spLocks noGrp="1"/>
-          </p:cNvSpPr>
-          <p:nvPr>
-            <p:ph type="sldNum" sz="quarter" idx="5"/>
-          </p:nvPr>
-        </p:nvSpPr>
-        <p:spPr/>
-        <p:txBody>
-          <a:bodyPr/>
-          <a:lstStyle/>
-          <a:p>
-            <a:fld id="{1734D747-9380-41EE-9946-EC9EC0CA5D1E}" type="slidenum">
-              <a:rPr lang="en-US" noProof="0" smtClean="0"/>
-              <a:t>8</a:t>
-            </a:fld>
-            <a:endParaRPr lang="en-US" noProof="0" dirty="0"/>
-          </a:p>
-        </p:txBody>
-      </p:sp>
-    </p:spTree>
-    <p:extLst>
-      <p:ext uri="{BB962C8B-B14F-4D97-AF65-F5344CB8AC3E}">
-        <p14:creationId xmlns:p14="http://schemas.microsoft.com/office/powerpoint/2010/main" val="2711479514"/>
-      </p:ext>
-    </p:extLst>
-  </p:cSld>
-  <p:clrMapOvr>
-    <a:masterClrMapping/>
-  </p:clrMapOvr>
-</p:notes>
-</file>
-
-<file path=ppt/notesSlides/notesSlide7.xml><?xml version="1.0" encoding="utf-8"?>
-<p:notes xmlns:a="http://schemas.openxmlformats.org/drawingml/2006/main" xmlns:r="http://schemas.openxmlformats.org/officeDocument/2006/relationships" xmlns:p="http://schemas.openxmlformats.org/presentationml/2006/main">
-  <p:cSld>
-    <p:spTree>
-      <p:nvGrpSpPr>
-        <p:cNvPr id="1" name="">
-          <a:extLst>
-            <a:ext uri="{FF2B5EF4-FFF2-40B4-BE49-F238E27FC236}">
-              <a16:creationId xmlns:a16="http://schemas.microsoft.com/office/drawing/2014/main" id="{7C62B613-56FB-6AB2-3EED-C7DA3A02E093}"/>
-            </a:ext>
-          </a:extLst>
-        </p:cNvPr>
-        <p:cNvGrpSpPr/>
-        <p:nvPr/>
-      </p:nvGrpSpPr>
-      <p:grpSpPr>
-        <a:xfrm>
-          <a:off x="0" y="0"/>
-          <a:ext cx="0" cy="0"/>
-          <a:chOff x="0" y="0"/>
-          <a:chExt cx="0" cy="0"/>
-        </a:xfrm>
-      </p:grpSpPr>
-      <p:sp>
-        <p:nvSpPr>
-          <p:cNvPr id="2" name="Slide Image Placeholder 1">
-            <a:extLst>
-              <a:ext uri="{FF2B5EF4-FFF2-40B4-BE49-F238E27FC236}">
-                <a16:creationId xmlns:a16="http://schemas.microsoft.com/office/drawing/2014/main" id="{418EFD13-25A5-01B4-B290-CA25F22214CC}"/>
-              </a:ext>
-            </a:extLst>
-          </p:cNvPr>
-          <p:cNvSpPr>
-            <a:spLocks noGrp="1" noRot="1" noChangeAspect="1"/>
-          </p:cNvSpPr>
-          <p:nvPr>
-            <p:ph type="sldImg"/>
-          </p:nvPr>
-        </p:nvSpPr>
-        <p:spPr/>
-      </p:sp>
-      <p:sp>
-        <p:nvSpPr>
-          <p:cNvPr id="3" name="Notes Placeholder 2">
-            <a:extLst>
-              <a:ext uri="{FF2B5EF4-FFF2-40B4-BE49-F238E27FC236}">
-                <a16:creationId xmlns:a16="http://schemas.microsoft.com/office/drawing/2014/main" id="{B31667F7-E8F5-C13C-371F-DF82CDFE7E21}"/>
-              </a:ext>
-            </a:extLst>
-          </p:cNvPr>
-          <p:cNvSpPr>
-            <a:spLocks noGrp="1"/>
-          </p:cNvSpPr>
-          <p:nvPr>
-            <p:ph type="body" idx="1"/>
-          </p:nvPr>
-        </p:nvSpPr>
-        <p:spPr/>
-        <p:txBody>
-          <a:bodyPr/>
-          <a:lstStyle/>
-          <a:p>
-            <a:r>
-              <a:rPr lang="en-US" dirty="0"/>
-              <a:t>Choosing the right file system is practical. If you're setting up a Linux server, EXT4 or XFS is ideal. If you’re formatting a USB drive that works on both Windows and macOS, </a:t>
-            </a:r>
-            <a:r>
-              <a:rPr lang="en-US" dirty="0" err="1"/>
-              <a:t>exFAT</a:t>
-            </a:r>
-            <a:r>
-              <a:rPr lang="en-US" dirty="0"/>
-              <a:t> is best. Mac users benefit from APFS especially when working with SSDs and encrypted backups.</a:t>
-            </a:r>
-          </a:p>
-        </p:txBody>
-      </p:sp>
-      <p:sp>
-        <p:nvSpPr>
-          <p:cNvPr id="4" name="Slide Number Placeholder 3">
-            <a:extLst>
-              <a:ext uri="{FF2B5EF4-FFF2-40B4-BE49-F238E27FC236}">
-                <a16:creationId xmlns:a16="http://schemas.microsoft.com/office/drawing/2014/main" id="{07DEF6CE-6579-61BD-B719-6774E54D3469}"/>
-              </a:ext>
-            </a:extLst>
-          </p:cNvPr>
-          <p:cNvSpPr>
-            <a:spLocks noGrp="1"/>
-          </p:cNvSpPr>
-          <p:nvPr>
-            <p:ph type="sldNum" sz="quarter" idx="5"/>
-          </p:nvPr>
-        </p:nvSpPr>
-        <p:spPr/>
-        <p:txBody>
-          <a:bodyPr/>
-          <a:lstStyle/>
-          <a:p>
-            <a:fld id="{1734D747-9380-41EE-9946-EC9EC0CA5D1E}" type="slidenum">
-              <a:rPr lang="en-US" noProof="0" smtClean="0"/>
-              <a:t>9</a:t>
-            </a:fld>
-            <a:endParaRPr lang="en-US" noProof="0" dirty="0"/>
-          </a:p>
-        </p:txBody>
-      </p:sp>
-    </p:spTree>
-    <p:extLst>
-      <p:ext uri="{BB962C8B-B14F-4D97-AF65-F5344CB8AC3E}">
-        <p14:creationId xmlns:p14="http://schemas.microsoft.com/office/powerpoint/2010/main" val="3486263397"/>
-      </p:ext>
-    </p:extLst>
-  </p:cSld>
-  <p:clrMapOvr>
-    <a:masterClrMapping/>
-  </p:clrMapOvr>
-</p:notes>
-</file>
-
-<file path=ppt/notesSlides/notesSlide8.xml><?xml version="1.0" encoding="utf-8"?>
-<p:notes xmlns:a="http://schemas.openxmlformats.org/drawingml/2006/main" xmlns:r="http://schemas.openxmlformats.org/officeDocument/2006/relationships" xmlns:p="http://schemas.openxmlformats.org/presentationml/2006/main">
-  <p:cSld>
-    <p:spTree>
-      <p:nvGrpSpPr>
-        <p:cNvPr id="1" name="">
-          <a:extLst>
-            <a:ext uri="{FF2B5EF4-FFF2-40B4-BE49-F238E27FC236}">
-              <a16:creationId xmlns:a16="http://schemas.microsoft.com/office/drawing/2014/main" id="{E54C092E-EBA0-82B4-DF61-1C02659EC0CE}"/>
-            </a:ext>
-          </a:extLst>
-        </p:cNvPr>
-        <p:cNvGrpSpPr/>
-        <p:nvPr/>
-      </p:nvGrpSpPr>
-      <p:grpSpPr>
-        <a:xfrm>
-          <a:off x="0" y="0"/>
-          <a:ext cx="0" cy="0"/>
-          <a:chOff x="0" y="0"/>
-          <a:chExt cx="0" cy="0"/>
-        </a:xfrm>
-      </p:grpSpPr>
-      <p:sp>
-        <p:nvSpPr>
-          <p:cNvPr id="2" name="Slide Image Placeholder 1">
-            <a:extLst>
-              <a:ext uri="{FF2B5EF4-FFF2-40B4-BE49-F238E27FC236}">
-                <a16:creationId xmlns:a16="http://schemas.microsoft.com/office/drawing/2014/main" id="{7CF04711-8C51-450B-83F1-F587ACAFD90B}"/>
-              </a:ext>
-            </a:extLst>
-          </p:cNvPr>
-          <p:cNvSpPr>
-            <a:spLocks noGrp="1" noRot="1" noChangeAspect="1"/>
-          </p:cNvSpPr>
-          <p:nvPr>
-            <p:ph type="sldImg"/>
-          </p:nvPr>
-        </p:nvSpPr>
-        <p:spPr/>
-      </p:sp>
-      <p:sp>
-        <p:nvSpPr>
-          <p:cNvPr id="3" name="Notes Placeholder 2">
-            <a:extLst>
-              <a:ext uri="{FF2B5EF4-FFF2-40B4-BE49-F238E27FC236}">
-                <a16:creationId xmlns:a16="http://schemas.microsoft.com/office/drawing/2014/main" id="{477A83C9-EC49-99B9-FC8B-2E35D1219D6F}"/>
-              </a:ext>
-            </a:extLst>
-          </p:cNvPr>
-          <p:cNvSpPr>
-            <a:spLocks noGrp="1"/>
-          </p:cNvSpPr>
-          <p:nvPr>
-            <p:ph type="body" idx="1"/>
-          </p:nvPr>
-        </p:nvSpPr>
-        <p:spPr/>
-        <p:txBody>
-          <a:bodyPr/>
-          <a:lstStyle/>
-          <a:p>
-            <a:r>
-              <a:rPr lang="en-US" dirty="0"/>
-              <a:t>Let’s apply what we’ve learned. Checking your system’s file system helps you understand how your OS manages files. In Windows, it’s graphical; in Linux/macOS, we use terminal commands to inspect mounted drives and their file system types.</a:t>
-            </a:r>
-          </a:p>
-        </p:txBody>
-      </p:sp>
-      <p:sp>
-        <p:nvSpPr>
-          <p:cNvPr id="4" name="Slide Number Placeholder 3">
-            <a:extLst>
-              <a:ext uri="{FF2B5EF4-FFF2-40B4-BE49-F238E27FC236}">
-                <a16:creationId xmlns:a16="http://schemas.microsoft.com/office/drawing/2014/main" id="{90B85FC9-5EDB-51D2-F3A6-7FAB732E1EB6}"/>
-              </a:ext>
-            </a:extLst>
-          </p:cNvPr>
-          <p:cNvSpPr>
-            <a:spLocks noGrp="1"/>
-          </p:cNvSpPr>
-          <p:nvPr>
-            <p:ph type="sldNum" sz="quarter" idx="5"/>
-          </p:nvPr>
-        </p:nvSpPr>
-        <p:spPr/>
-        <p:txBody>
-          <a:bodyPr/>
-          <a:lstStyle/>
-          <a:p>
-            <a:fld id="{1734D747-9380-41EE-9946-EC9EC0CA5D1E}" type="slidenum">
-              <a:rPr lang="en-US" noProof="0" smtClean="0"/>
-              <a:t>10</a:t>
-            </a:fld>
-            <a:endParaRPr lang="en-US" noProof="0" dirty="0"/>
-          </a:p>
-        </p:txBody>
-      </p:sp>
-    </p:spTree>
-    <p:extLst>
-      <p:ext uri="{BB962C8B-B14F-4D97-AF65-F5344CB8AC3E}">
-        <p14:creationId xmlns:p14="http://schemas.microsoft.com/office/powerpoint/2010/main" val="2177168158"/>
-      </p:ext>
-    </p:extLst>
-  </p:cSld>
-  <p:clrMapOvr>
-    <a:masterClrMapping/>
-  </p:clrMapOvr>
-</p:notes>
-</file>
-
-<file path=ppt/notesSlides/notesSlide9.xml><?xml version="1.0" encoding="utf-8"?>
-<p:notes xmlns:a="http://schemas.openxmlformats.org/drawingml/2006/main" xmlns:r="http://schemas.openxmlformats.org/officeDocument/2006/relationships" xmlns:p="http://schemas.openxmlformats.org/presentationml/2006/main">
-  <p:cSld>
-    <p:spTree>
-      <p:nvGrpSpPr>
-        <p:cNvPr id="1" name="">
-          <a:extLst>
-            <a:ext uri="{FF2B5EF4-FFF2-40B4-BE49-F238E27FC236}">
-              <a16:creationId xmlns:a16="http://schemas.microsoft.com/office/drawing/2014/main" id="{E714CBE2-A94B-B8A4-8774-3DD3F12126DA}"/>
-            </a:ext>
-          </a:extLst>
-        </p:cNvPr>
-        <p:cNvGrpSpPr/>
-        <p:nvPr/>
-      </p:nvGrpSpPr>
-      <p:grpSpPr>
-        <a:xfrm>
-          <a:off x="0" y="0"/>
-          <a:ext cx="0" cy="0"/>
-          <a:chOff x="0" y="0"/>
-          <a:chExt cx="0" cy="0"/>
-        </a:xfrm>
-      </p:grpSpPr>
-      <p:sp>
-        <p:nvSpPr>
-          <p:cNvPr id="2" name="Slide Image Placeholder 1">
-            <a:extLst>
-              <a:ext uri="{FF2B5EF4-FFF2-40B4-BE49-F238E27FC236}">
-                <a16:creationId xmlns:a16="http://schemas.microsoft.com/office/drawing/2014/main" id="{7A015675-2AE4-4C4A-7B21-215AF6D7A6C7}"/>
-              </a:ext>
-            </a:extLst>
-          </p:cNvPr>
-          <p:cNvSpPr>
-            <a:spLocks noGrp="1" noRot="1" noChangeAspect="1"/>
-          </p:cNvSpPr>
-          <p:nvPr>
-            <p:ph type="sldImg"/>
-          </p:nvPr>
-        </p:nvSpPr>
-        <p:spPr/>
-      </p:sp>
-      <p:sp>
-        <p:nvSpPr>
-          <p:cNvPr id="3" name="Notes Placeholder 2">
-            <a:extLst>
-              <a:ext uri="{FF2B5EF4-FFF2-40B4-BE49-F238E27FC236}">
-                <a16:creationId xmlns:a16="http://schemas.microsoft.com/office/drawing/2014/main" id="{A475F89C-BD1A-490C-CD21-251F9DC1B0AD}"/>
-              </a:ext>
-            </a:extLst>
-          </p:cNvPr>
-          <p:cNvSpPr>
-            <a:spLocks noGrp="1"/>
-          </p:cNvSpPr>
-          <p:nvPr>
-            <p:ph type="body" idx="1"/>
-          </p:nvPr>
-        </p:nvSpPr>
-        <p:spPr/>
-        <p:txBody>
-          <a:bodyPr/>
-          <a:lstStyle/>
-          <a:p>
-            <a:r>
-              <a:rPr lang="en-US" dirty="0"/>
-              <a:t>Let’s apply what we’ve learned. Checking your system’s file system helps you understand how your OS manages files. In Windows, it’s graphical; in Linux/macOS, we use terminal commands to inspect mounted drives and their file system types.</a:t>
-            </a:r>
-          </a:p>
-        </p:txBody>
-      </p:sp>
-      <p:sp>
-        <p:nvSpPr>
-          <p:cNvPr id="4" name="Slide Number Placeholder 3">
-            <a:extLst>
-              <a:ext uri="{FF2B5EF4-FFF2-40B4-BE49-F238E27FC236}">
-                <a16:creationId xmlns:a16="http://schemas.microsoft.com/office/drawing/2014/main" id="{FA778BA4-DEAB-7C10-18E1-7B4AFB9BBFFD}"/>
-              </a:ext>
-            </a:extLst>
-          </p:cNvPr>
-          <p:cNvSpPr>
-            <a:spLocks noGrp="1"/>
-          </p:cNvSpPr>
-          <p:nvPr>
-            <p:ph type="sldNum" sz="quarter" idx="5"/>
-          </p:nvPr>
-        </p:nvSpPr>
-        <p:spPr/>
-        <p:txBody>
-          <a:bodyPr/>
-          <a:lstStyle/>
-          <a:p>
-            <a:fld id="{1734D747-9380-41EE-9946-EC9EC0CA5D1E}" type="slidenum">
-              <a:rPr lang="en-US" noProof="0" smtClean="0"/>
-              <a:t>11</a:t>
-            </a:fld>
-            <a:endParaRPr lang="en-US" noProof="0" dirty="0"/>
-          </a:p>
-        </p:txBody>
-      </p:sp>
-    </p:spTree>
-    <p:extLst>
-      <p:ext uri="{BB962C8B-B14F-4D97-AF65-F5344CB8AC3E}">
-        <p14:creationId xmlns:p14="http://schemas.microsoft.com/office/powerpoint/2010/main" val="3099911740"/>
       </p:ext>
     </p:extLst>
   </p:cSld>
@@ -41630,7 +42166,7 @@
         <p:cNvPr id="1" name="">
           <a:extLst>
             <a:ext uri="{FF2B5EF4-FFF2-40B4-BE49-F238E27FC236}">
-              <a16:creationId xmlns:a16="http://schemas.microsoft.com/office/drawing/2014/main" id="{1D7AF12F-B3EC-3E50-5423-8FFFE37A451D}"/>
+              <a16:creationId xmlns:a16="http://schemas.microsoft.com/office/drawing/2014/main" id="{FD51F931-FE71-F2BD-5415-74DBA6F0C26F}"/>
             </a:ext>
           </a:extLst>
         </p:cNvPr>
@@ -41647,847 +42183,10 @@
       </p:grpSpPr>
       <p:sp>
         <p:nvSpPr>
-          <p:cNvPr id="4" name="Title 3">
-            <a:extLst>
-              <a:ext uri="{FF2B5EF4-FFF2-40B4-BE49-F238E27FC236}">
-                <a16:creationId xmlns:a16="http://schemas.microsoft.com/office/drawing/2014/main" id="{C4556D94-75B0-996C-8577-F300A4DE6BD7}"/>
-              </a:ext>
-            </a:extLst>
-          </p:cNvPr>
-          <p:cNvSpPr>
-            <a:spLocks noGrp="1"/>
-          </p:cNvSpPr>
-          <p:nvPr>
-            <p:ph type="title"/>
-          </p:nvPr>
-        </p:nvSpPr>
-        <p:spPr>
-          <a:xfrm>
-            <a:off x="444500" y="542925"/>
-            <a:ext cx="11214100" cy="535531"/>
-          </a:xfrm>
-        </p:spPr>
-        <p:txBody>
-          <a:bodyPr wrap="square" anchor="t">
-            <a:normAutofit/>
-          </a:bodyPr>
-          <a:lstStyle/>
-          <a:p>
-            <a:r>
-              <a:rPr lang="en-US" dirty="0"/>
-              <a:t>Activity – Check Your File System</a:t>
-            </a:r>
-          </a:p>
-        </p:txBody>
-      </p:sp>
-      <p:sp>
-        <p:nvSpPr>
           <p:cNvPr id="2" name="Slide Number Placeholder 1">
             <a:extLst>
               <a:ext uri="{FF2B5EF4-FFF2-40B4-BE49-F238E27FC236}">
-                <a16:creationId xmlns:a16="http://schemas.microsoft.com/office/drawing/2014/main" id="{28B7E97A-A751-3785-C978-3477BAD46BD0}"/>
-              </a:ext>
-            </a:extLst>
-          </p:cNvPr>
-          <p:cNvSpPr>
-            <a:spLocks noGrp="1"/>
-          </p:cNvSpPr>
-          <p:nvPr>
-            <p:ph type="sldNum" sz="quarter" idx="12"/>
-          </p:nvPr>
-        </p:nvSpPr>
-        <p:spPr>
-          <a:xfrm>
-            <a:off x="11252200" y="6315075"/>
-            <a:ext cx="406400" cy="365125"/>
-          </a:xfrm>
-        </p:spPr>
-        <p:txBody>
-          <a:bodyPr anchor="ctr">
-            <a:normAutofit/>
-          </a:bodyPr>
-          <a:lstStyle/>
-          <a:p>
-            <a:pPr>
-              <a:spcAft>
-                <a:spcPts val="600"/>
-              </a:spcAft>
-            </a:pPr>
-            <a:fld id="{C263D6C4-4840-40CC-AC84-17E24B3B7BDE}" type="slidenum">
-              <a:rPr lang="en-US" smtClean="0"/>
-              <a:pPr>
-                <a:spcAft>
-                  <a:spcPts val="600"/>
-                </a:spcAft>
-              </a:pPr>
-              <a:t>10</a:t>
-            </a:fld>
-            <a:endParaRPr lang="en-US"/>
-          </a:p>
-        </p:txBody>
-      </p:sp>
-      <p:sp>
-        <p:nvSpPr>
-          <p:cNvPr id="8" name="Text Placeholder 7">
-            <a:extLst>
-              <a:ext uri="{FF2B5EF4-FFF2-40B4-BE49-F238E27FC236}">
-                <a16:creationId xmlns:a16="http://schemas.microsoft.com/office/drawing/2014/main" id="{008EB3AD-4C8B-E56E-BF4D-816899D23E7E}"/>
-              </a:ext>
-            </a:extLst>
-          </p:cNvPr>
-          <p:cNvSpPr>
-            <a:spLocks noGrp="1"/>
-          </p:cNvSpPr>
-          <p:nvPr>
-            <p:ph idx="1"/>
-          </p:nvPr>
-        </p:nvSpPr>
-        <p:spPr>
-          <a:xfrm>
-            <a:off x="443365" y="1825625"/>
-            <a:ext cx="11215235" cy="4351338"/>
-          </a:xfrm>
-        </p:spPr>
-        <p:txBody>
-          <a:bodyPr>
-            <a:normAutofit/>
-          </a:bodyPr>
-          <a:lstStyle/>
-          <a:p>
-            <a:pPr marL="514350" indent="-514350">
-              <a:buFont typeface="+mj-lt"/>
-              <a:buAutoNum type="arabicPeriod"/>
-            </a:pPr>
-            <a:r>
-              <a:rPr lang="en-US" dirty="0"/>
-              <a:t>Windows: Right-click → Drive → Properties</a:t>
-            </a:r>
-          </a:p>
-          <a:p>
-            <a:pPr marL="514350" indent="-514350">
-              <a:buFont typeface="+mj-lt"/>
-              <a:buAutoNum type="arabicPeriod"/>
-            </a:pPr>
-            <a:endParaRPr lang="en-US" dirty="0"/>
-          </a:p>
-          <a:p>
-            <a:pPr marL="514350" indent="-514350">
-              <a:buFont typeface="+mj-lt"/>
-              <a:buAutoNum type="arabicPeriod"/>
-            </a:pPr>
-            <a:r>
-              <a:rPr lang="en-US" dirty="0"/>
-              <a:t>Linux/macOS: Use </a:t>
-            </a:r>
-            <a:r>
-              <a:rPr lang="en-US" dirty="0" err="1"/>
-              <a:t>df</a:t>
-            </a:r>
-            <a:r>
-              <a:rPr lang="en-US" dirty="0"/>
-              <a:t> -T or mount command in terminal</a:t>
-            </a:r>
-            <a:endParaRPr lang="en-US" sz="2800" dirty="0"/>
-          </a:p>
-        </p:txBody>
-      </p:sp>
-    </p:spTree>
-    <p:extLst>
-      <p:ext uri="{BB962C8B-B14F-4D97-AF65-F5344CB8AC3E}">
-        <p14:creationId xmlns:p14="http://schemas.microsoft.com/office/powerpoint/2010/main" val="2593569535"/>
-      </p:ext>
-    </p:extLst>
-  </p:cSld>
-  <p:clrMapOvr>
-    <a:masterClrMapping/>
-  </p:clrMapOvr>
-  <mc:AlternateContent xmlns:mc="http://schemas.openxmlformats.org/markup-compatibility/2006" xmlns:p14="http://schemas.microsoft.com/office/powerpoint/2010/main">
-    <mc:Choice Requires="p14">
-      <p:transition spd="med" p14:dur="700">
-        <p:fade/>
-      </p:transition>
-    </mc:Choice>
-    <mc:Fallback xmlns="">
-      <p:transition spd="med">
-        <p:fade/>
-      </p:transition>
-    </mc:Fallback>
-  </mc:AlternateContent>
-</p:sld>
-</file>
-
-<file path=ppt/slides/slide11.xml><?xml version="1.0" encoding="utf-8"?>
-<p:sld xmlns:a="http://schemas.openxmlformats.org/drawingml/2006/main" xmlns:r="http://schemas.openxmlformats.org/officeDocument/2006/relationships" xmlns:p="http://schemas.openxmlformats.org/presentationml/2006/main">
-  <p:cSld>
-    <p:spTree>
-      <p:nvGrpSpPr>
-        <p:cNvPr id="1" name="">
-          <a:extLst>
-            <a:ext uri="{FF2B5EF4-FFF2-40B4-BE49-F238E27FC236}">
-              <a16:creationId xmlns:a16="http://schemas.microsoft.com/office/drawing/2014/main" id="{98F30C76-321D-DC2F-5700-161E95B50D50}"/>
-            </a:ext>
-          </a:extLst>
-        </p:cNvPr>
-        <p:cNvGrpSpPr/>
-        <p:nvPr/>
-      </p:nvGrpSpPr>
-      <p:grpSpPr>
-        <a:xfrm>
-          <a:off x="0" y="0"/>
-          <a:ext cx="0" cy="0"/>
-          <a:chOff x="0" y="0"/>
-          <a:chExt cx="0" cy="0"/>
-        </a:xfrm>
-      </p:grpSpPr>
-      <p:sp>
-        <p:nvSpPr>
-          <p:cNvPr id="4" name="Title 3">
-            <a:extLst>
-              <a:ext uri="{FF2B5EF4-FFF2-40B4-BE49-F238E27FC236}">
-                <a16:creationId xmlns:a16="http://schemas.microsoft.com/office/drawing/2014/main" id="{C4C3E2A8-62FF-EE4C-BC9D-A9B671C167F6}"/>
-              </a:ext>
-            </a:extLst>
-          </p:cNvPr>
-          <p:cNvSpPr>
-            <a:spLocks noGrp="1"/>
-          </p:cNvSpPr>
-          <p:nvPr>
-            <p:ph type="title"/>
-          </p:nvPr>
-        </p:nvSpPr>
-        <p:spPr>
-          <a:xfrm>
-            <a:off x="444500" y="542925"/>
-            <a:ext cx="11214100" cy="535531"/>
-          </a:xfrm>
-        </p:spPr>
-        <p:txBody>
-          <a:bodyPr wrap="square" anchor="t">
-            <a:normAutofit/>
-          </a:bodyPr>
-          <a:lstStyle/>
-          <a:p>
-            <a:r>
-              <a:rPr lang="en-US" dirty="0"/>
-              <a:t>Summary</a:t>
-            </a:r>
-          </a:p>
-        </p:txBody>
-      </p:sp>
-      <p:sp>
-        <p:nvSpPr>
-          <p:cNvPr id="2" name="Slide Number Placeholder 1">
-            <a:extLst>
-              <a:ext uri="{FF2B5EF4-FFF2-40B4-BE49-F238E27FC236}">
-                <a16:creationId xmlns:a16="http://schemas.microsoft.com/office/drawing/2014/main" id="{15A0CA76-09CF-F16D-F473-A6FCDF38433E}"/>
-              </a:ext>
-            </a:extLst>
-          </p:cNvPr>
-          <p:cNvSpPr>
-            <a:spLocks noGrp="1"/>
-          </p:cNvSpPr>
-          <p:nvPr>
-            <p:ph type="sldNum" sz="quarter" idx="12"/>
-          </p:nvPr>
-        </p:nvSpPr>
-        <p:spPr>
-          <a:xfrm>
-            <a:off x="11252200" y="6315075"/>
-            <a:ext cx="406400" cy="365125"/>
-          </a:xfrm>
-        </p:spPr>
-        <p:txBody>
-          <a:bodyPr anchor="ctr">
-            <a:normAutofit/>
-          </a:bodyPr>
-          <a:lstStyle/>
-          <a:p>
-            <a:pPr>
-              <a:spcAft>
-                <a:spcPts val="600"/>
-              </a:spcAft>
-            </a:pPr>
-            <a:fld id="{C263D6C4-4840-40CC-AC84-17E24B3B7BDE}" type="slidenum">
-              <a:rPr lang="en-US" smtClean="0"/>
-              <a:pPr>
-                <a:spcAft>
-                  <a:spcPts val="600"/>
-                </a:spcAft>
-              </a:pPr>
-              <a:t>11</a:t>
-            </a:fld>
-            <a:endParaRPr lang="en-US"/>
-          </a:p>
-        </p:txBody>
-      </p:sp>
-      <p:sp>
-        <p:nvSpPr>
-          <p:cNvPr id="8" name="Text Placeholder 7">
-            <a:extLst>
-              <a:ext uri="{FF2B5EF4-FFF2-40B4-BE49-F238E27FC236}">
-                <a16:creationId xmlns:a16="http://schemas.microsoft.com/office/drawing/2014/main" id="{F2D5F157-3A8A-422E-9206-0A26B9114C4A}"/>
-              </a:ext>
-            </a:extLst>
-          </p:cNvPr>
-          <p:cNvSpPr>
-            <a:spLocks noGrp="1"/>
-          </p:cNvSpPr>
-          <p:nvPr>
-            <p:ph idx="1"/>
-          </p:nvPr>
-        </p:nvSpPr>
-        <p:spPr>
-          <a:xfrm>
-            <a:off x="443365" y="1825625"/>
-            <a:ext cx="11215235" cy="4351338"/>
-          </a:xfrm>
-        </p:spPr>
-        <p:txBody>
-          <a:bodyPr>
-            <a:normAutofit/>
-          </a:bodyPr>
-          <a:lstStyle/>
-          <a:p>
-            <a:pPr marL="514350" indent="-514350">
-              <a:buFont typeface="+mj-lt"/>
-              <a:buAutoNum type="arabicPeriod"/>
-            </a:pPr>
-            <a:r>
-              <a:rPr lang="en-US" dirty="0"/>
-              <a:t>File systems manage how data is stored</a:t>
-            </a:r>
-          </a:p>
-          <a:p>
-            <a:pPr marL="514350" indent="-514350">
-              <a:buFont typeface="+mj-lt"/>
-              <a:buAutoNum type="arabicPeriod"/>
-            </a:pPr>
-            <a:endParaRPr lang="en-US" dirty="0"/>
-          </a:p>
-          <a:p>
-            <a:pPr marL="514350" indent="-514350">
-              <a:buFont typeface="+mj-lt"/>
-              <a:buAutoNum type="arabicPeriod"/>
-            </a:pPr>
-            <a:r>
-              <a:rPr lang="en-US" dirty="0"/>
-              <a:t>Different OS use different file systems</a:t>
-            </a:r>
-          </a:p>
-          <a:p>
-            <a:pPr marL="514350" indent="-514350">
-              <a:buFont typeface="+mj-lt"/>
-              <a:buAutoNum type="arabicPeriod"/>
-            </a:pPr>
-            <a:endParaRPr lang="en-US" dirty="0"/>
-          </a:p>
-          <a:p>
-            <a:pPr marL="514350" indent="-514350">
-              <a:buFont typeface="+mj-lt"/>
-              <a:buAutoNum type="arabicPeriod"/>
-            </a:pPr>
-            <a:r>
-              <a:rPr lang="en-US" dirty="0"/>
-              <a:t>Compatibility and performance depend on file system choice</a:t>
-            </a:r>
-            <a:endParaRPr lang="en-US" sz="2800" dirty="0"/>
-          </a:p>
-        </p:txBody>
-      </p:sp>
-    </p:spTree>
-    <p:extLst>
-      <p:ext uri="{BB962C8B-B14F-4D97-AF65-F5344CB8AC3E}">
-        <p14:creationId xmlns:p14="http://schemas.microsoft.com/office/powerpoint/2010/main" val="3028753493"/>
-      </p:ext>
-    </p:extLst>
-  </p:cSld>
-  <p:clrMapOvr>
-    <a:masterClrMapping/>
-  </p:clrMapOvr>
-  <mc:AlternateContent xmlns:mc="http://schemas.openxmlformats.org/markup-compatibility/2006" xmlns:p14="http://schemas.microsoft.com/office/powerpoint/2010/main">
-    <mc:Choice Requires="p14">
-      <p:transition spd="med" p14:dur="700">
-        <p:fade/>
-      </p:transition>
-    </mc:Choice>
-    <mc:Fallback xmlns="">
-      <p:transition spd="med">
-        <p:fade/>
-      </p:transition>
-    </mc:Fallback>
-  </mc:AlternateContent>
-</p:sld>
-</file>
-
-<file path=ppt/slides/slide12.xml><?xml version="1.0" encoding="utf-8"?>
-<p:sld xmlns:a="http://schemas.openxmlformats.org/drawingml/2006/main" xmlns:r="http://schemas.openxmlformats.org/officeDocument/2006/relationships" xmlns:p="http://schemas.openxmlformats.org/presentationml/2006/main">
-  <p:cSld>
-    <p:spTree>
-      <p:nvGrpSpPr>
-        <p:cNvPr id="1" name=""/>
-        <p:cNvGrpSpPr/>
-        <p:nvPr/>
-      </p:nvGrpSpPr>
-      <p:grpSpPr>
-        <a:xfrm>
-          <a:off x="0" y="0"/>
-          <a:ext cx="0" cy="0"/>
-          <a:chOff x="0" y="0"/>
-          <a:chExt cx="0" cy="0"/>
-        </a:xfrm>
-      </p:grpSpPr>
-      <p:sp>
-        <p:nvSpPr>
-          <p:cNvPr id="2" name="Title 1">
-            <a:extLst>
-              <a:ext uri="{FF2B5EF4-FFF2-40B4-BE49-F238E27FC236}">
-                <a16:creationId xmlns:a16="http://schemas.microsoft.com/office/drawing/2014/main" id="{632BE5BF-9922-45FB-8F3F-4446D40A051B}"/>
-              </a:ext>
-            </a:extLst>
-          </p:cNvPr>
-          <p:cNvSpPr>
-            <a:spLocks noGrp="1"/>
-          </p:cNvSpPr>
-          <p:nvPr>
-            <p:ph type="ctrTitle"/>
-          </p:nvPr>
-        </p:nvSpPr>
-        <p:spPr/>
-        <p:txBody>
-          <a:bodyPr/>
-          <a:lstStyle/>
-          <a:p>
-            <a:r>
-              <a:rPr lang="en-US" dirty="0"/>
-              <a:t>Thank You </a:t>
-            </a:r>
-            <a:endParaRPr lang="en-GB" dirty="0"/>
-          </a:p>
-        </p:txBody>
-      </p:sp>
-    </p:spTree>
-    <p:extLst>
-      <p:ext uri="{BB962C8B-B14F-4D97-AF65-F5344CB8AC3E}">
-        <p14:creationId xmlns:p14="http://schemas.microsoft.com/office/powerpoint/2010/main" val="429771863"/>
-      </p:ext>
-    </p:extLst>
-  </p:cSld>
-  <p:clrMapOvr>
-    <a:masterClrMapping/>
-  </p:clrMapOvr>
-  <p:transition spd="slow">
-    <p:wipe/>
-  </p:transition>
-</p:sld>
-</file>
-
-<file path=ppt/slides/slide2.xml><?xml version="1.0" encoding="utf-8"?>
-<p:sld xmlns:a="http://schemas.openxmlformats.org/drawingml/2006/main" xmlns:r="http://schemas.openxmlformats.org/officeDocument/2006/relationships" xmlns:p="http://schemas.openxmlformats.org/presentationml/2006/main">
-  <p:cSld>
-    <p:spTree>
-      <p:nvGrpSpPr>
-        <p:cNvPr id="1" name=""/>
-        <p:cNvGrpSpPr/>
-        <p:nvPr/>
-      </p:nvGrpSpPr>
-      <p:grpSpPr>
-        <a:xfrm>
-          <a:off x="0" y="0"/>
-          <a:ext cx="0" cy="0"/>
-          <a:chOff x="0" y="0"/>
-          <a:chExt cx="0" cy="0"/>
-        </a:xfrm>
-      </p:grpSpPr>
-      <p:sp>
-        <p:nvSpPr>
-          <p:cNvPr id="7" name="Title 6">
-            <a:extLst>
-              <a:ext uri="{FF2B5EF4-FFF2-40B4-BE49-F238E27FC236}">
-                <a16:creationId xmlns:a16="http://schemas.microsoft.com/office/drawing/2014/main" id="{7875C19A-1AAE-476A-A316-A2CF92D763D3}"/>
-              </a:ext>
-            </a:extLst>
-          </p:cNvPr>
-          <p:cNvSpPr>
-            <a:spLocks noGrp="1"/>
-          </p:cNvSpPr>
-          <p:nvPr>
-            <p:ph type="title"/>
-          </p:nvPr>
-        </p:nvSpPr>
-        <p:spPr>
-          <a:xfrm>
-            <a:off x="444500" y="542925"/>
-            <a:ext cx="11214100" cy="535531"/>
-          </a:xfrm>
-        </p:spPr>
-        <p:txBody>
-          <a:bodyPr wrap="square" anchor="t">
-            <a:normAutofit/>
-          </a:bodyPr>
-          <a:lstStyle/>
-          <a:p>
-            <a:r>
-              <a:rPr lang="en-US" dirty="0"/>
-              <a:t>Learning Objectives</a:t>
-            </a:r>
-          </a:p>
-        </p:txBody>
-      </p:sp>
-      <p:sp>
-        <p:nvSpPr>
-          <p:cNvPr id="2" name="Slide Number Placeholder 1">
-            <a:extLst>
-              <a:ext uri="{FF2B5EF4-FFF2-40B4-BE49-F238E27FC236}">
-                <a16:creationId xmlns:a16="http://schemas.microsoft.com/office/drawing/2014/main" id="{BE9800F6-D571-48C4-8466-12AA1ADB6599}"/>
-              </a:ext>
-            </a:extLst>
-          </p:cNvPr>
-          <p:cNvSpPr>
-            <a:spLocks noGrp="1"/>
-          </p:cNvSpPr>
-          <p:nvPr>
-            <p:ph type="sldNum" sz="quarter" idx="12"/>
-          </p:nvPr>
-        </p:nvSpPr>
-        <p:spPr>
-          <a:xfrm>
-            <a:off x="11252200" y="6315075"/>
-            <a:ext cx="406400" cy="365125"/>
-          </a:xfrm>
-        </p:spPr>
-        <p:txBody>
-          <a:bodyPr anchor="ctr">
-            <a:normAutofit/>
-          </a:bodyPr>
-          <a:lstStyle/>
-          <a:p>
-            <a:pPr>
-              <a:spcAft>
-                <a:spcPts val="600"/>
-              </a:spcAft>
-            </a:pPr>
-            <a:fld id="{C263D6C4-4840-40CC-AC84-17E24B3B7BDE}" type="slidenum">
-              <a:rPr lang="en-US" smtClean="0"/>
-              <a:pPr>
-                <a:spcAft>
-                  <a:spcPts val="600"/>
-                </a:spcAft>
-              </a:pPr>
-              <a:t>2</a:t>
-            </a:fld>
-            <a:endParaRPr lang="en-US"/>
-          </a:p>
-        </p:txBody>
-      </p:sp>
-      <p:graphicFrame>
-        <p:nvGraphicFramePr>
-          <p:cNvPr id="12" name="Text Placeholder 9">
-            <a:extLst>
-              <a:ext uri="{FF2B5EF4-FFF2-40B4-BE49-F238E27FC236}">
-                <a16:creationId xmlns:a16="http://schemas.microsoft.com/office/drawing/2014/main" id="{6FA29BFA-10AE-365A-A8B8-7E6681A3801E}"/>
-              </a:ext>
-            </a:extLst>
-          </p:cNvPr>
-          <p:cNvGraphicFramePr/>
-          <p:nvPr>
-            <p:extLst>
-              <p:ext uri="{D42A27DB-BD31-4B8C-83A1-F6EECF244321}">
-                <p14:modId xmlns:p14="http://schemas.microsoft.com/office/powerpoint/2010/main" val="3560944072"/>
-              </p:ext>
-            </p:extLst>
-          </p:nvPr>
-        </p:nvGraphicFramePr>
-        <p:xfrm>
-          <a:off x="443365" y="1825625"/>
-          <a:ext cx="11215235" cy="4351338"/>
-        </p:xfrm>
-        <a:graphic>
-          <a:graphicData uri="http://schemas.openxmlformats.org/drawingml/2006/diagram">
-            <dgm:relIds xmlns:dgm="http://schemas.openxmlformats.org/drawingml/2006/diagram" xmlns:r="http://schemas.openxmlformats.org/officeDocument/2006/relationships" r:dm="rId2" r:lo="rId3" r:qs="rId4" r:cs="rId5"/>
-          </a:graphicData>
-        </a:graphic>
-      </p:graphicFrame>
-    </p:spTree>
-    <p:extLst>
-      <p:ext uri="{BB962C8B-B14F-4D97-AF65-F5344CB8AC3E}">
-        <p14:creationId xmlns:p14="http://schemas.microsoft.com/office/powerpoint/2010/main" val="3733486012"/>
-      </p:ext>
-    </p:extLst>
-  </p:cSld>
-  <p:clrMapOvr>
-    <a:masterClrMapping/>
-  </p:clrMapOvr>
-  <mc:AlternateContent xmlns:mc="http://schemas.openxmlformats.org/markup-compatibility/2006" xmlns:p14="http://schemas.microsoft.com/office/powerpoint/2010/main">
-    <mc:Choice Requires="p14">
-      <p:transition spd="med" p14:dur="700">
-        <p:fade/>
-      </p:transition>
-    </mc:Choice>
-    <mc:Fallback xmlns="">
-      <p:transition spd="med">
-        <p:fade/>
-      </p:transition>
-    </mc:Fallback>
-  </mc:AlternateContent>
-</p:sld>
-</file>
-
-<file path=ppt/slides/slide3.xml><?xml version="1.0" encoding="utf-8"?>
-<p:sld xmlns:a="http://schemas.openxmlformats.org/drawingml/2006/main" xmlns:r="http://schemas.openxmlformats.org/officeDocument/2006/relationships" xmlns:p="http://schemas.openxmlformats.org/presentationml/2006/main">
-  <p:cSld>
-    <p:spTree>
-      <p:nvGrpSpPr>
-        <p:cNvPr id="1" name=""/>
-        <p:cNvGrpSpPr/>
-        <p:nvPr/>
-      </p:nvGrpSpPr>
-      <p:grpSpPr>
-        <a:xfrm>
-          <a:off x="0" y="0"/>
-          <a:ext cx="0" cy="0"/>
-          <a:chOff x="0" y="0"/>
-          <a:chExt cx="0" cy="0"/>
-        </a:xfrm>
-      </p:grpSpPr>
-      <p:sp>
-        <p:nvSpPr>
-          <p:cNvPr id="4" name="Title 3">
-            <a:extLst>
-              <a:ext uri="{FF2B5EF4-FFF2-40B4-BE49-F238E27FC236}">
-                <a16:creationId xmlns:a16="http://schemas.microsoft.com/office/drawing/2014/main" id="{315E3981-F0D7-482C-A8E0-6A57700BECA7}"/>
-              </a:ext>
-            </a:extLst>
-          </p:cNvPr>
-          <p:cNvSpPr>
-            <a:spLocks noGrp="1"/>
-          </p:cNvSpPr>
-          <p:nvPr>
-            <p:ph type="title"/>
-          </p:nvPr>
-        </p:nvSpPr>
-        <p:spPr>
-          <a:xfrm>
-            <a:off x="444500" y="542925"/>
-            <a:ext cx="11214100" cy="535531"/>
-          </a:xfrm>
-        </p:spPr>
-        <p:txBody>
-          <a:bodyPr wrap="square" anchor="t">
-            <a:normAutofit/>
-          </a:bodyPr>
-          <a:lstStyle/>
-          <a:p>
-            <a:r>
-              <a:rPr lang="en-US" dirty="0"/>
-              <a:t>What is a File System?</a:t>
-            </a:r>
-          </a:p>
-        </p:txBody>
-      </p:sp>
-      <p:sp>
-        <p:nvSpPr>
-          <p:cNvPr id="2" name="Slide Number Placeholder 1">
-            <a:extLst>
-              <a:ext uri="{FF2B5EF4-FFF2-40B4-BE49-F238E27FC236}">
-                <a16:creationId xmlns:a16="http://schemas.microsoft.com/office/drawing/2014/main" id="{520FC4EE-F318-4344-9E3C-B950ADB63865}"/>
-              </a:ext>
-            </a:extLst>
-          </p:cNvPr>
-          <p:cNvSpPr>
-            <a:spLocks noGrp="1"/>
-          </p:cNvSpPr>
-          <p:nvPr>
-            <p:ph type="sldNum" sz="quarter" idx="12"/>
-          </p:nvPr>
-        </p:nvSpPr>
-        <p:spPr>
-          <a:xfrm>
-            <a:off x="11252200" y="6315075"/>
-            <a:ext cx="406400" cy="365125"/>
-          </a:xfrm>
-        </p:spPr>
-        <p:txBody>
-          <a:bodyPr anchor="ctr">
-            <a:normAutofit/>
-          </a:bodyPr>
-          <a:lstStyle/>
-          <a:p>
-            <a:pPr>
-              <a:spcAft>
-                <a:spcPts val="600"/>
-              </a:spcAft>
-            </a:pPr>
-            <a:fld id="{C263D6C4-4840-40CC-AC84-17E24B3B7BDE}" type="slidenum">
-              <a:rPr lang="en-US" smtClean="0"/>
-              <a:pPr>
-                <a:spcAft>
-                  <a:spcPts val="600"/>
-                </a:spcAft>
-              </a:pPr>
-              <a:t>3</a:t>
-            </a:fld>
-            <a:endParaRPr lang="en-US"/>
-          </a:p>
-        </p:txBody>
-      </p:sp>
-      <p:sp>
-        <p:nvSpPr>
-          <p:cNvPr id="8" name="Text Placeholder 7">
-            <a:extLst>
-              <a:ext uri="{FF2B5EF4-FFF2-40B4-BE49-F238E27FC236}">
-                <a16:creationId xmlns:a16="http://schemas.microsoft.com/office/drawing/2014/main" id="{47DC4E62-1A34-4F98-A451-214F1808519C}"/>
-              </a:ext>
-            </a:extLst>
-          </p:cNvPr>
-          <p:cNvSpPr>
-            <a:spLocks noGrp="1"/>
-          </p:cNvSpPr>
-          <p:nvPr>
-            <p:ph idx="1"/>
-          </p:nvPr>
-        </p:nvSpPr>
-        <p:spPr>
-          <a:xfrm>
-            <a:off x="443365" y="1825625"/>
-            <a:ext cx="11215235" cy="4351338"/>
-          </a:xfrm>
-        </p:spPr>
-        <p:txBody>
-          <a:bodyPr>
-            <a:normAutofit/>
-          </a:bodyPr>
-          <a:lstStyle/>
-          <a:p>
-            <a:pPr marL="0" indent="0">
-              <a:buNone/>
-            </a:pPr>
-            <a:r>
-              <a:rPr lang="en-US" dirty="0"/>
-              <a:t>A file system is a method and structure an OS uses to:</a:t>
-            </a:r>
-          </a:p>
-          <a:p>
-            <a:pPr marL="457200" lvl="1" indent="0">
-              <a:buNone/>
-            </a:pPr>
-            <a:endParaRPr lang="en-US" sz="2800" dirty="0"/>
-          </a:p>
-          <a:p>
-            <a:pPr marL="457200" lvl="1" indent="0">
-              <a:buNone/>
-            </a:pPr>
-            <a:r>
-              <a:rPr lang="en-US" sz="2800" dirty="0"/>
-              <a:t>-Store and retrieve files on a storage device.</a:t>
-            </a:r>
-          </a:p>
-          <a:p>
-            <a:pPr marL="457200" lvl="1" indent="0">
-              <a:buNone/>
-            </a:pPr>
-            <a:r>
-              <a:rPr lang="en-US" sz="2800" dirty="0"/>
-              <a:t>-Manage data hierarchies (folders, directories).</a:t>
-            </a:r>
-          </a:p>
-          <a:p>
-            <a:pPr marL="457200" lvl="1" indent="0">
-              <a:buNone/>
-            </a:pPr>
-            <a:r>
-              <a:rPr lang="en-US" sz="2800" dirty="0"/>
-              <a:t>-Keep track of free and used space.</a:t>
-            </a:r>
-          </a:p>
-        </p:txBody>
-      </p:sp>
-    </p:spTree>
-    <p:extLst>
-      <p:ext uri="{BB962C8B-B14F-4D97-AF65-F5344CB8AC3E}">
-        <p14:creationId xmlns:p14="http://schemas.microsoft.com/office/powerpoint/2010/main" val="3607270498"/>
-      </p:ext>
-    </p:extLst>
-  </p:cSld>
-  <p:clrMapOvr>
-    <a:masterClrMapping/>
-  </p:clrMapOvr>
-  <mc:AlternateContent xmlns:mc="http://schemas.openxmlformats.org/markup-compatibility/2006" xmlns:p14="http://schemas.microsoft.com/office/powerpoint/2010/main">
-    <mc:Choice Requires="p14">
-      <p:transition spd="med" p14:dur="700">
-        <p:fade/>
-      </p:transition>
-    </mc:Choice>
-    <mc:Fallback xmlns="">
-      <p:transition spd="med">
-        <p:fade/>
-      </p:transition>
-    </mc:Fallback>
-  </mc:AlternateContent>
-</p:sld>
-</file>
-
-<file path=ppt/slides/slide4.xml><?xml version="1.0" encoding="utf-8"?>
-<p:sld xmlns:a="http://schemas.openxmlformats.org/drawingml/2006/main" xmlns:r="http://schemas.openxmlformats.org/officeDocument/2006/relationships" xmlns:p="http://schemas.openxmlformats.org/presentationml/2006/main">
-  <p:cSld>
-    <p:spTree>
-      <p:nvGrpSpPr>
-        <p:cNvPr id="1" name=""/>
-        <p:cNvGrpSpPr/>
-        <p:nvPr/>
-      </p:nvGrpSpPr>
-      <p:grpSpPr>
-        <a:xfrm>
-          <a:off x="0" y="0"/>
-          <a:ext cx="0" cy="0"/>
-          <a:chOff x="0" y="0"/>
-          <a:chExt cx="0" cy="0"/>
-        </a:xfrm>
-      </p:grpSpPr>
-      <p:sp>
-        <p:nvSpPr>
-          <p:cNvPr id="4" name="Title 3">
-            <a:extLst>
-              <a:ext uri="{FF2B5EF4-FFF2-40B4-BE49-F238E27FC236}">
-                <a16:creationId xmlns:a16="http://schemas.microsoft.com/office/drawing/2014/main" id="{315E3981-F0D7-482C-A8E0-6A57700BECA7}"/>
-              </a:ext>
-            </a:extLst>
-          </p:cNvPr>
-          <p:cNvSpPr>
-            <a:spLocks noGrp="1"/>
-          </p:cNvSpPr>
-          <p:nvPr>
-            <p:ph type="title"/>
-          </p:nvPr>
-        </p:nvSpPr>
-        <p:spPr>
-          <a:xfrm>
-            <a:off x="444500" y="542925"/>
-            <a:ext cx="11214100" cy="535531"/>
-          </a:xfrm>
-        </p:spPr>
-        <p:txBody>
-          <a:bodyPr vert="horz" wrap="square" lIns="91440" tIns="45720" rIns="91440" bIns="45720" rtlCol="0" anchor="t">
-            <a:normAutofit/>
-          </a:bodyPr>
-          <a:lstStyle/>
-          <a:p>
-            <a:r>
-              <a:rPr lang="en-US" b="1" kern="1200" spc="-70" baseline="0" dirty="0">
-                <a:latin typeface="+mj-lt"/>
-                <a:ea typeface="+mj-ea"/>
-                <a:cs typeface="+mj-cs"/>
-              </a:rPr>
-              <a:t>Windows File Systems: NTFS, FAT32, exFAT</a:t>
-            </a:r>
-          </a:p>
-        </p:txBody>
-      </p:sp>
-      <p:sp>
-        <p:nvSpPr>
-          <p:cNvPr id="2" name="Slide Number Placeholder 1">
-            <a:extLst>
-              <a:ext uri="{FF2B5EF4-FFF2-40B4-BE49-F238E27FC236}">
-                <a16:creationId xmlns:a16="http://schemas.microsoft.com/office/drawing/2014/main" id="{2F478C69-0A1D-45FF-8600-ED903803FFE1}"/>
+                <a16:creationId xmlns:a16="http://schemas.microsoft.com/office/drawing/2014/main" id="{65B1063A-209F-CA4C-0A87-F9214C2FA57E}"/>
               </a:ext>
             </a:extLst>
           </p:cNvPr>
@@ -42522,57 +42221,296 @@
                   <a:spcPts val="600"/>
                 </a:spcAft>
               </a:pPr>
-              <a:t>4</a:t>
+              <a:t>10</a:t>
             </a:fld>
             <a:endParaRPr lang="en-US"/>
           </a:p>
         </p:txBody>
       </p:sp>
-      <p:graphicFrame>
-        <p:nvGraphicFramePr>
-          <p:cNvPr id="28" name="TextBox 25">
+      <p:grpSp>
+        <p:nvGrpSpPr>
+          <p:cNvPr id="6" name="Group 5">
             <a:extLst>
               <a:ext uri="{FF2B5EF4-FFF2-40B4-BE49-F238E27FC236}">
-                <a16:creationId xmlns:a16="http://schemas.microsoft.com/office/drawing/2014/main" id="{1FE150B2-17CD-F1B7-0EF6-75DD33595F02}"/>
+                <a16:creationId xmlns:a16="http://schemas.microsoft.com/office/drawing/2014/main" id="{9C253E82-C17E-EE47-2161-A34B64775EB1}"/>
               </a:ext>
             </a:extLst>
           </p:cNvPr>
-          <p:cNvGraphicFramePr/>
-          <p:nvPr>
-            <p:extLst>
-              <p:ext uri="{D42A27DB-BD31-4B8C-83A1-F6EECF244321}">
-                <p14:modId xmlns:p14="http://schemas.microsoft.com/office/powerpoint/2010/main" val="4193592289"/>
-              </p:ext>
-            </p:extLst>
-          </p:nvPr>
-        </p:nvGraphicFramePr>
-        <p:xfrm>
-          <a:off x="443365" y="1825625"/>
-          <a:ext cx="11215235" cy="4351338"/>
-        </p:xfrm>
-        <a:graphic>
-          <a:graphicData uri="http://schemas.openxmlformats.org/drawingml/2006/diagram">
-            <dgm:relIds xmlns:dgm="http://schemas.openxmlformats.org/drawingml/2006/diagram" xmlns:r="http://schemas.openxmlformats.org/officeDocument/2006/relationships" r:dm="rId3" r:lo="rId4" r:qs="rId5" r:cs="rId6"/>
-          </a:graphicData>
-        </a:graphic>
-      </p:graphicFrame>
+          <p:cNvGrpSpPr/>
+          <p:nvPr/>
+        </p:nvGrpSpPr>
+        <p:grpSpPr>
+          <a:xfrm>
+            <a:off x="103740" y="1486436"/>
+            <a:ext cx="9009438" cy="903688"/>
+            <a:chOff x="175659" y="1928224"/>
+            <a:chExt cx="9009438" cy="903688"/>
+          </a:xfrm>
+        </p:grpSpPr>
+        <p:sp>
+          <p:nvSpPr>
+            <p:cNvPr id="3" name="Title 3">
+              <a:extLst>
+                <a:ext uri="{FF2B5EF4-FFF2-40B4-BE49-F238E27FC236}">
+                  <a16:creationId xmlns:a16="http://schemas.microsoft.com/office/drawing/2014/main" id="{E1CE6677-E8CC-B1D9-DFF6-1B9A74ABD88B}"/>
+                </a:ext>
+              </a:extLst>
+            </p:cNvPr>
+            <p:cNvSpPr txBox="1">
+              <a:spLocks/>
+            </p:cNvSpPr>
+            <p:nvPr/>
+          </p:nvSpPr>
+          <p:spPr>
+            <a:xfrm>
+              <a:off x="175659" y="1928224"/>
+              <a:ext cx="1951092" cy="535531"/>
+            </a:xfrm>
+            <a:prstGeom prst="rect">
+              <a:avLst/>
+            </a:prstGeom>
+          </p:spPr>
+          <p:txBody>
+            <a:bodyPr vert="horz" wrap="square" lIns="91440" tIns="45720" rIns="91440" bIns="45720" rtlCol="0" anchor="t">
+              <a:normAutofit/>
+            </a:bodyPr>
+            <a:lstStyle>
+              <a:lvl1pPr algn="l" defTabSz="914400" rtl="0" eaLnBrk="1" latinLnBrk="0" hangingPunct="1">
+                <a:lnSpc>
+                  <a:spcPct val="90000"/>
+                </a:lnSpc>
+                <a:spcBef>
+                  <a:spcPct val="0"/>
+                </a:spcBef>
+                <a:buNone/>
+                <a:defRPr lang="en-GB" sz="3200" b="1" kern="1200" spc="-70" baseline="0" dirty="0">
+                  <a:solidFill>
+                    <a:schemeClr val="bg1"/>
+                  </a:solidFill>
+                  <a:latin typeface="+mj-lt"/>
+                  <a:ea typeface="+mj-ea"/>
+                  <a:cs typeface="+mj-cs"/>
+                </a:defRPr>
+              </a:lvl1pPr>
+            </a:lstStyle>
+            <a:p>
+              <a:r>
+                <a:rPr lang="en-US" sz="2200" dirty="0"/>
+                <a:t>Directories</a:t>
+              </a:r>
+            </a:p>
+          </p:txBody>
+        </p:sp>
+        <p:sp>
+          <p:nvSpPr>
+            <p:cNvPr id="5" name="Title 3">
+              <a:extLst>
+                <a:ext uri="{FF2B5EF4-FFF2-40B4-BE49-F238E27FC236}">
+                  <a16:creationId xmlns:a16="http://schemas.microsoft.com/office/drawing/2014/main" id="{9D543A8A-3D34-D5AE-5720-4FB6F6A03CBA}"/>
+                </a:ext>
+              </a:extLst>
+            </p:cNvPr>
+            <p:cNvSpPr txBox="1">
+              <a:spLocks/>
+            </p:cNvSpPr>
+            <p:nvPr/>
+          </p:nvSpPr>
+          <p:spPr>
+            <a:xfrm>
+              <a:off x="687655" y="2296381"/>
+              <a:ext cx="8497442" cy="535531"/>
+            </a:xfrm>
+            <a:prstGeom prst="rect">
+              <a:avLst/>
+            </a:prstGeom>
+          </p:spPr>
+          <p:txBody>
+            <a:bodyPr vert="horz" wrap="square" lIns="91440" tIns="45720" rIns="91440" bIns="45720" rtlCol="0" anchor="t">
+              <a:normAutofit lnSpcReduction="10000"/>
+            </a:bodyPr>
+            <a:lstStyle>
+              <a:lvl1pPr algn="l" defTabSz="914400" rtl="0" eaLnBrk="1" latinLnBrk="0" hangingPunct="1">
+                <a:lnSpc>
+                  <a:spcPct val="90000"/>
+                </a:lnSpc>
+                <a:spcBef>
+                  <a:spcPct val="0"/>
+                </a:spcBef>
+                <a:buNone/>
+                <a:defRPr lang="en-GB" sz="3200" b="1" kern="1200" spc="-70" baseline="0" dirty="0">
+                  <a:solidFill>
+                    <a:schemeClr val="bg1"/>
+                  </a:solidFill>
+                  <a:latin typeface="+mj-lt"/>
+                  <a:ea typeface="+mj-ea"/>
+                  <a:cs typeface="+mj-cs"/>
+                </a:defRPr>
+              </a:lvl1pPr>
+            </a:lstStyle>
+            <a:p>
+              <a:r>
+                <a:rPr lang="en-US" sz="1800" b="0" dirty="0"/>
+                <a:t>-also known as folder is a space on a storage device used to keep files and other directories organized.</a:t>
+              </a:r>
+            </a:p>
+          </p:txBody>
+        </p:sp>
+      </p:grpSp>
+      <p:grpSp>
+        <p:nvGrpSpPr>
+          <p:cNvPr id="13" name="Group 12">
+            <a:extLst>
+              <a:ext uri="{FF2B5EF4-FFF2-40B4-BE49-F238E27FC236}">
+                <a16:creationId xmlns:a16="http://schemas.microsoft.com/office/drawing/2014/main" id="{B9B8780E-EE91-FAD9-4161-7A7C0C92313E}"/>
+              </a:ext>
+            </a:extLst>
+          </p:cNvPr>
+          <p:cNvGrpSpPr/>
+          <p:nvPr/>
+        </p:nvGrpSpPr>
+        <p:grpSpPr>
+          <a:xfrm>
+            <a:off x="103740" y="2604606"/>
+            <a:ext cx="9009438" cy="903688"/>
+            <a:chOff x="175659" y="1928224"/>
+            <a:chExt cx="9009438" cy="903688"/>
+          </a:xfrm>
+        </p:grpSpPr>
+        <p:sp>
+          <p:nvSpPr>
+            <p:cNvPr id="14" name="Title 3">
+              <a:extLst>
+                <a:ext uri="{FF2B5EF4-FFF2-40B4-BE49-F238E27FC236}">
+                  <a16:creationId xmlns:a16="http://schemas.microsoft.com/office/drawing/2014/main" id="{25626058-61CD-8308-A738-E113549F291D}"/>
+                </a:ext>
+              </a:extLst>
+            </p:cNvPr>
+            <p:cNvSpPr txBox="1">
+              <a:spLocks/>
+            </p:cNvSpPr>
+            <p:nvPr/>
+          </p:nvSpPr>
+          <p:spPr>
+            <a:xfrm>
+              <a:off x="175659" y="1928224"/>
+              <a:ext cx="1951092" cy="535531"/>
+            </a:xfrm>
+            <a:prstGeom prst="rect">
+              <a:avLst/>
+            </a:prstGeom>
+          </p:spPr>
+          <p:txBody>
+            <a:bodyPr vert="horz" wrap="square" lIns="91440" tIns="45720" rIns="91440" bIns="45720" rtlCol="0" anchor="t">
+              <a:normAutofit/>
+            </a:bodyPr>
+            <a:lstStyle>
+              <a:lvl1pPr algn="l" defTabSz="914400" rtl="0" eaLnBrk="1" latinLnBrk="0" hangingPunct="1">
+                <a:lnSpc>
+                  <a:spcPct val="90000"/>
+                </a:lnSpc>
+                <a:spcBef>
+                  <a:spcPct val="0"/>
+                </a:spcBef>
+                <a:buNone/>
+                <a:defRPr lang="en-GB" sz="3200" b="1" kern="1200" spc="-70" baseline="0" dirty="0">
+                  <a:solidFill>
+                    <a:schemeClr val="bg1"/>
+                  </a:solidFill>
+                  <a:latin typeface="+mj-lt"/>
+                  <a:ea typeface="+mj-ea"/>
+                  <a:cs typeface="+mj-cs"/>
+                </a:defRPr>
+              </a:lvl1pPr>
+            </a:lstStyle>
+            <a:p>
+              <a:r>
+                <a:rPr lang="en-US" sz="2200" dirty="0"/>
+                <a:t>Files</a:t>
+              </a:r>
+            </a:p>
+          </p:txBody>
+        </p:sp>
+        <p:sp>
+          <p:nvSpPr>
+            <p:cNvPr id="15" name="Title 3">
+              <a:extLst>
+                <a:ext uri="{FF2B5EF4-FFF2-40B4-BE49-F238E27FC236}">
+                  <a16:creationId xmlns:a16="http://schemas.microsoft.com/office/drawing/2014/main" id="{7265DFFA-74C0-673D-FCC3-5EC932D0DB4C}"/>
+                </a:ext>
+              </a:extLst>
+            </p:cNvPr>
+            <p:cNvSpPr txBox="1">
+              <a:spLocks/>
+            </p:cNvSpPr>
+            <p:nvPr/>
+          </p:nvSpPr>
+          <p:spPr>
+            <a:xfrm>
+              <a:off x="687655" y="2296381"/>
+              <a:ext cx="8497442" cy="535531"/>
+            </a:xfrm>
+            <a:prstGeom prst="rect">
+              <a:avLst/>
+            </a:prstGeom>
+          </p:spPr>
+          <p:txBody>
+            <a:bodyPr vert="horz" wrap="square" lIns="91440" tIns="45720" rIns="91440" bIns="45720" rtlCol="0" anchor="t">
+              <a:noAutofit/>
+            </a:bodyPr>
+            <a:lstStyle>
+              <a:lvl1pPr algn="l" defTabSz="914400" rtl="0" eaLnBrk="1" latinLnBrk="0" hangingPunct="1">
+                <a:lnSpc>
+                  <a:spcPct val="90000"/>
+                </a:lnSpc>
+                <a:spcBef>
+                  <a:spcPct val="0"/>
+                </a:spcBef>
+                <a:buNone/>
+                <a:defRPr lang="en-GB" sz="3200" b="1" kern="1200" spc="-70" baseline="0" dirty="0">
+                  <a:solidFill>
+                    <a:schemeClr val="bg1"/>
+                  </a:solidFill>
+                  <a:latin typeface="+mj-lt"/>
+                  <a:ea typeface="+mj-ea"/>
+                  <a:cs typeface="+mj-cs"/>
+                </a:defRPr>
+              </a:lvl1pPr>
+            </a:lstStyle>
+            <a:p>
+              <a:r>
+                <a:rPr lang="en-US" sz="1800" b="0" dirty="0"/>
+                <a:t>-is a named collection of data stored on a storage device. To read or write to a file, you need to know both its name and path basically, where it’s located.</a:t>
+              </a:r>
+            </a:p>
+            <a:p>
+              <a:endParaRPr lang="en-US" sz="1800" b="0" dirty="0"/>
+            </a:p>
+            <a:p>
+              <a:r>
+                <a:rPr lang="en-US" sz="1800" b="0" dirty="0"/>
+                <a:t>-file contains also metadata , which is extra information about the file itself. This include things like its size, the date it was created or modified, and permissions that control who can view or edit it.</a:t>
+              </a:r>
+            </a:p>
+          </p:txBody>
+        </p:sp>
+      </p:grpSp>
     </p:spTree>
     <p:extLst>
       <p:ext uri="{BB962C8B-B14F-4D97-AF65-F5344CB8AC3E}">
-        <p14:creationId xmlns:p14="http://schemas.microsoft.com/office/powerpoint/2010/main" val="451187730"/>
+        <p14:creationId xmlns:p14="http://schemas.microsoft.com/office/powerpoint/2010/main" val="2196373499"/>
       </p:ext>
     </p:extLst>
   </p:cSld>
   <p:clrMapOvr>
     <a:masterClrMapping/>
   </p:clrMapOvr>
-  <mc:AlternateContent xmlns:mc="http://schemas.openxmlformats.org/markup-compatibility/2006" xmlns:p14="http://schemas.microsoft.com/office/powerpoint/2010/main">
-    <mc:Choice Requires="p14">
+  <mc:AlternateContent xmlns:mc="http://schemas.openxmlformats.org/markup-compatibility/2006">
+    <mc:Choice xmlns:p14="http://schemas.microsoft.com/office/powerpoint/2010/main" Requires="p14">
       <p:transition spd="med" p14:dur="700">
         <p:fade/>
       </p:transition>
     </mc:Choice>
-    <mc:Fallback xmlns="">
+    <mc:Fallback>
       <p:transition spd="med">
         <p:fade/>
       </p:transition>
@@ -42581,331 +42519,7 @@
 </p:sld>
 </file>
 
-<file path=ppt/slides/slide5.xml><?xml version="1.0" encoding="utf-8"?>
-<p:sld xmlns:a="http://schemas.openxmlformats.org/drawingml/2006/main" xmlns:r="http://schemas.openxmlformats.org/officeDocument/2006/relationships" xmlns:p="http://schemas.openxmlformats.org/presentationml/2006/main">
-  <p:cSld>
-    <p:spTree>
-      <p:nvGrpSpPr>
-        <p:cNvPr id="1" name="">
-          <a:extLst>
-            <a:ext uri="{FF2B5EF4-FFF2-40B4-BE49-F238E27FC236}">
-              <a16:creationId xmlns:a16="http://schemas.microsoft.com/office/drawing/2014/main" id="{9869EF3B-D832-F4C8-024A-E7E97A1A5528}"/>
-            </a:ext>
-          </a:extLst>
-        </p:cNvPr>
-        <p:cNvGrpSpPr/>
-        <p:nvPr/>
-      </p:nvGrpSpPr>
-      <p:grpSpPr>
-        <a:xfrm>
-          <a:off x="0" y="0"/>
-          <a:ext cx="0" cy="0"/>
-          <a:chOff x="0" y="0"/>
-          <a:chExt cx="0" cy="0"/>
-        </a:xfrm>
-      </p:grpSpPr>
-      <p:sp>
-        <p:nvSpPr>
-          <p:cNvPr id="4" name="Title 3">
-            <a:extLst>
-              <a:ext uri="{FF2B5EF4-FFF2-40B4-BE49-F238E27FC236}">
-                <a16:creationId xmlns:a16="http://schemas.microsoft.com/office/drawing/2014/main" id="{A1964152-8B55-958E-88FA-A8C7EE70A1BD}"/>
-              </a:ext>
-            </a:extLst>
-          </p:cNvPr>
-          <p:cNvSpPr>
-            <a:spLocks noGrp="1"/>
-          </p:cNvSpPr>
-          <p:nvPr>
-            <p:ph type="title"/>
-          </p:nvPr>
-        </p:nvSpPr>
-        <p:spPr>
-          <a:xfrm>
-            <a:off x="444500" y="542925"/>
-            <a:ext cx="11214100" cy="535531"/>
-          </a:xfrm>
-        </p:spPr>
-        <p:txBody>
-          <a:bodyPr vert="horz" wrap="square" lIns="91440" tIns="45720" rIns="91440" bIns="45720" rtlCol="0" anchor="t">
-            <a:normAutofit/>
-          </a:bodyPr>
-          <a:lstStyle/>
-          <a:p>
-            <a:r>
-              <a:rPr lang="en-US" dirty="0"/>
-              <a:t>Linux File Systems: EXT4, XFS, BTRFS</a:t>
-            </a:r>
-            <a:endParaRPr lang="en-US" b="1" kern="1200" spc="-70" baseline="0" dirty="0">
-              <a:latin typeface="+mj-lt"/>
-              <a:ea typeface="+mj-ea"/>
-              <a:cs typeface="+mj-cs"/>
-            </a:endParaRPr>
-          </a:p>
-        </p:txBody>
-      </p:sp>
-      <p:sp>
-        <p:nvSpPr>
-          <p:cNvPr id="2" name="Slide Number Placeholder 1">
-            <a:extLst>
-              <a:ext uri="{FF2B5EF4-FFF2-40B4-BE49-F238E27FC236}">
-                <a16:creationId xmlns:a16="http://schemas.microsoft.com/office/drawing/2014/main" id="{EFD08E3C-7E84-D37B-7721-6D2C8DE54D9D}"/>
-              </a:ext>
-            </a:extLst>
-          </p:cNvPr>
-          <p:cNvSpPr>
-            <a:spLocks noGrp="1"/>
-          </p:cNvSpPr>
-          <p:nvPr>
-            <p:ph type="sldNum" sz="quarter" idx="12"/>
-          </p:nvPr>
-        </p:nvSpPr>
-        <p:spPr>
-          <a:xfrm>
-            <a:off x="11252200" y="6315075"/>
-            <a:ext cx="406400" cy="365125"/>
-          </a:xfrm>
-        </p:spPr>
-        <p:txBody>
-          <a:bodyPr vert="horz" lIns="91440" tIns="45720" rIns="91440" bIns="45720" rtlCol="0" anchor="ctr">
-            <a:normAutofit/>
-          </a:bodyPr>
-          <a:lstStyle/>
-          <a:p>
-            <a:pPr>
-              <a:spcAft>
-                <a:spcPts val="600"/>
-              </a:spcAft>
-            </a:pPr>
-            <a:fld id="{C263D6C4-4840-40CC-AC84-17E24B3B7BDE}" type="slidenum">
-              <a:rPr lang="en-US" smtClean="0"/>
-              <a:pPr>
-                <a:spcAft>
-                  <a:spcPts val="600"/>
-                </a:spcAft>
-              </a:pPr>
-              <a:t>5</a:t>
-            </a:fld>
-            <a:endParaRPr lang="en-US"/>
-          </a:p>
-        </p:txBody>
-      </p:sp>
-      <p:graphicFrame>
-        <p:nvGraphicFramePr>
-          <p:cNvPr id="28" name="TextBox 25">
-            <a:extLst>
-              <a:ext uri="{FF2B5EF4-FFF2-40B4-BE49-F238E27FC236}">
-                <a16:creationId xmlns:a16="http://schemas.microsoft.com/office/drawing/2014/main" id="{35635D2F-6C91-8AE0-D7F8-3AAF9BF8CA5A}"/>
-              </a:ext>
-            </a:extLst>
-          </p:cNvPr>
-          <p:cNvGraphicFramePr/>
-          <p:nvPr>
-            <p:extLst>
-              <p:ext uri="{D42A27DB-BD31-4B8C-83A1-F6EECF244321}">
-                <p14:modId xmlns:p14="http://schemas.microsoft.com/office/powerpoint/2010/main" val="2740619087"/>
-              </p:ext>
-            </p:extLst>
-          </p:nvPr>
-        </p:nvGraphicFramePr>
-        <p:xfrm>
-          <a:off x="443365" y="1825625"/>
-          <a:ext cx="11215235" cy="4351338"/>
-        </p:xfrm>
-        <a:graphic>
-          <a:graphicData uri="http://schemas.openxmlformats.org/drawingml/2006/diagram">
-            <dgm:relIds xmlns:dgm="http://schemas.openxmlformats.org/drawingml/2006/diagram" xmlns:r="http://schemas.openxmlformats.org/officeDocument/2006/relationships" r:dm="rId3" r:lo="rId4" r:qs="rId5" r:cs="rId6"/>
-          </a:graphicData>
-        </a:graphic>
-      </p:graphicFrame>
-    </p:spTree>
-    <p:extLst>
-      <p:ext uri="{BB962C8B-B14F-4D97-AF65-F5344CB8AC3E}">
-        <p14:creationId xmlns:p14="http://schemas.microsoft.com/office/powerpoint/2010/main" val="3019895043"/>
-      </p:ext>
-    </p:extLst>
-  </p:cSld>
-  <p:clrMapOvr>
-    <a:masterClrMapping/>
-  </p:clrMapOvr>
-  <mc:AlternateContent xmlns:mc="http://schemas.openxmlformats.org/markup-compatibility/2006" xmlns:p14="http://schemas.microsoft.com/office/powerpoint/2010/main">
-    <mc:Choice Requires="p14">
-      <p:transition spd="med" p14:dur="700">
-        <p:fade/>
-      </p:transition>
-    </mc:Choice>
-    <mc:Fallback xmlns="">
-      <p:transition spd="med">
-        <p:fade/>
-      </p:transition>
-    </mc:Fallback>
-  </mc:AlternateContent>
-</p:sld>
-</file>
-
-<file path=ppt/slides/slide6.xml><?xml version="1.0" encoding="utf-8"?>
-<p:sld xmlns:a="http://schemas.openxmlformats.org/drawingml/2006/main" xmlns:r="http://schemas.openxmlformats.org/officeDocument/2006/relationships" xmlns:p="http://schemas.openxmlformats.org/presentationml/2006/main">
-  <p:cSld>
-    <p:spTree>
-      <p:nvGrpSpPr>
-        <p:cNvPr id="1" name="">
-          <a:extLst>
-            <a:ext uri="{FF2B5EF4-FFF2-40B4-BE49-F238E27FC236}">
-              <a16:creationId xmlns:a16="http://schemas.microsoft.com/office/drawing/2014/main" id="{7977F0A6-F85B-9418-E682-EB5FA4988DDA}"/>
-            </a:ext>
-          </a:extLst>
-        </p:cNvPr>
-        <p:cNvGrpSpPr/>
-        <p:nvPr/>
-      </p:nvGrpSpPr>
-      <p:grpSpPr>
-        <a:xfrm>
-          <a:off x="0" y="0"/>
-          <a:ext cx="0" cy="0"/>
-          <a:chOff x="0" y="0"/>
-          <a:chExt cx="0" cy="0"/>
-        </a:xfrm>
-      </p:grpSpPr>
-      <p:sp>
-        <p:nvSpPr>
-          <p:cNvPr id="4" name="Title 3">
-            <a:extLst>
-              <a:ext uri="{FF2B5EF4-FFF2-40B4-BE49-F238E27FC236}">
-                <a16:creationId xmlns:a16="http://schemas.microsoft.com/office/drawing/2014/main" id="{6272DF8F-BDD6-3361-711E-C15331641156}"/>
-              </a:ext>
-            </a:extLst>
-          </p:cNvPr>
-          <p:cNvSpPr>
-            <a:spLocks noGrp="1"/>
-          </p:cNvSpPr>
-          <p:nvPr>
-            <p:ph type="title"/>
-          </p:nvPr>
-        </p:nvSpPr>
-        <p:spPr>
-          <a:xfrm>
-            <a:off x="444500" y="542925"/>
-            <a:ext cx="11214100" cy="535531"/>
-          </a:xfrm>
-        </p:spPr>
-        <p:txBody>
-          <a:bodyPr vert="horz" wrap="square" lIns="91440" tIns="45720" rIns="91440" bIns="45720" rtlCol="0" anchor="t">
-            <a:normAutofit/>
-          </a:bodyPr>
-          <a:lstStyle/>
-          <a:p>
-            <a:r>
-              <a:rPr lang="en-US" dirty="0"/>
-              <a:t>macOS File Systems: APFS, HFS+</a:t>
-            </a:r>
-            <a:endParaRPr lang="en-US" b="1" kern="1200" spc="-70" baseline="0" dirty="0">
-              <a:latin typeface="+mj-lt"/>
-              <a:ea typeface="+mj-ea"/>
-              <a:cs typeface="+mj-cs"/>
-            </a:endParaRPr>
-          </a:p>
-        </p:txBody>
-      </p:sp>
-      <p:sp>
-        <p:nvSpPr>
-          <p:cNvPr id="2" name="Slide Number Placeholder 1">
-            <a:extLst>
-              <a:ext uri="{FF2B5EF4-FFF2-40B4-BE49-F238E27FC236}">
-                <a16:creationId xmlns:a16="http://schemas.microsoft.com/office/drawing/2014/main" id="{883D12E7-7CB1-F536-2F03-11094152CF30}"/>
-              </a:ext>
-            </a:extLst>
-          </p:cNvPr>
-          <p:cNvSpPr>
-            <a:spLocks noGrp="1"/>
-          </p:cNvSpPr>
-          <p:nvPr>
-            <p:ph type="sldNum" sz="quarter" idx="12"/>
-          </p:nvPr>
-        </p:nvSpPr>
-        <p:spPr>
-          <a:xfrm>
-            <a:off x="11252200" y="6315075"/>
-            <a:ext cx="406400" cy="365125"/>
-          </a:xfrm>
-        </p:spPr>
-        <p:txBody>
-          <a:bodyPr vert="horz" lIns="91440" tIns="45720" rIns="91440" bIns="45720" rtlCol="0" anchor="ctr">
-            <a:normAutofit/>
-          </a:bodyPr>
-          <a:lstStyle/>
-          <a:p>
-            <a:pPr>
-              <a:spcAft>
-                <a:spcPts val="600"/>
-              </a:spcAft>
-            </a:pPr>
-            <a:fld id="{C263D6C4-4840-40CC-AC84-17E24B3B7BDE}" type="slidenum">
-              <a:rPr lang="en-US" smtClean="0"/>
-              <a:pPr>
-                <a:spcAft>
-                  <a:spcPts val="600"/>
-                </a:spcAft>
-              </a:pPr>
-              <a:t>6</a:t>
-            </a:fld>
-            <a:endParaRPr lang="en-US"/>
-          </a:p>
-        </p:txBody>
-      </p:sp>
-      <p:graphicFrame>
-        <p:nvGraphicFramePr>
-          <p:cNvPr id="28" name="TextBox 25">
-            <a:extLst>
-              <a:ext uri="{FF2B5EF4-FFF2-40B4-BE49-F238E27FC236}">
-                <a16:creationId xmlns:a16="http://schemas.microsoft.com/office/drawing/2014/main" id="{C603CC0B-7253-45F0-26D6-E928E23F1266}"/>
-              </a:ext>
-            </a:extLst>
-          </p:cNvPr>
-          <p:cNvGraphicFramePr/>
-          <p:nvPr>
-            <p:extLst>
-              <p:ext uri="{D42A27DB-BD31-4B8C-83A1-F6EECF244321}">
-                <p14:modId xmlns:p14="http://schemas.microsoft.com/office/powerpoint/2010/main" val="2759387406"/>
-              </p:ext>
-            </p:extLst>
-          </p:nvPr>
-        </p:nvGraphicFramePr>
-        <p:xfrm>
-          <a:off x="443365" y="1825625"/>
-          <a:ext cx="11215235" cy="4351338"/>
-        </p:xfrm>
-        <a:graphic>
-          <a:graphicData uri="http://schemas.openxmlformats.org/drawingml/2006/diagram">
-            <dgm:relIds xmlns:dgm="http://schemas.openxmlformats.org/drawingml/2006/diagram" xmlns:r="http://schemas.openxmlformats.org/officeDocument/2006/relationships" r:dm="rId3" r:lo="rId4" r:qs="rId5" r:cs="rId6"/>
-          </a:graphicData>
-        </a:graphic>
-      </p:graphicFrame>
-    </p:spTree>
-    <p:extLst>
-      <p:ext uri="{BB962C8B-B14F-4D97-AF65-F5344CB8AC3E}">
-        <p14:creationId xmlns:p14="http://schemas.microsoft.com/office/powerpoint/2010/main" val="2118691603"/>
-      </p:ext>
-    </p:extLst>
-  </p:cSld>
-  <p:clrMapOvr>
-    <a:masterClrMapping/>
-  </p:clrMapOvr>
-  <mc:AlternateContent xmlns:mc="http://schemas.openxmlformats.org/markup-compatibility/2006" xmlns:p14="http://schemas.microsoft.com/office/powerpoint/2010/main">
-    <mc:Choice Requires="p14">
-      <p:transition spd="med" p14:dur="700">
-        <p:fade/>
-      </p:transition>
-    </mc:Choice>
-    <mc:Fallback xmlns="">
-      <p:transition spd="med">
-        <p:fade/>
-      </p:transition>
-    </mc:Fallback>
-  </mc:AlternateContent>
-</p:sld>
-</file>
-
-<file path=ppt/slides/slide7.xml><?xml version="1.0" encoding="utf-8"?>
+<file path=ppt/slides/slide11.xml><?xml version="1.0" encoding="utf-8"?>
 <p:sld xmlns:a="http://schemas.openxmlformats.org/drawingml/2006/main" xmlns:r="http://schemas.openxmlformats.org/officeDocument/2006/relationships" xmlns:p="http://schemas.openxmlformats.org/presentationml/2006/main">
   <p:cSld>
     <p:spTree>
@@ -44423,7 +44037,7 @@
             <a:fld id="{C263D6C4-4840-40CC-AC84-17E24B3B7BDE}" type="slidenum">
               <a:rPr lang="en-US" smtClean="0"/>
               <a:pPr/>
-              <a:t>7</a:t>
+              <a:t>11</a:t>
             </a:fld>
             <a:endParaRPr lang="en-US" dirty="0"/>
           </a:p>
@@ -44454,7 +44068,7 @@
 </p:sld>
 </file>
 
-<file path=ppt/slides/slide8.xml><?xml version="1.0" encoding="utf-8"?>
+<file path=ppt/slides/slide12.xml><?xml version="1.0" encoding="utf-8"?>
 <p:sld xmlns:a="http://schemas.openxmlformats.org/drawingml/2006/main" xmlns:r="http://schemas.openxmlformats.org/officeDocument/2006/relationships" xmlns:p="http://schemas.openxmlformats.org/presentationml/2006/main">
   <p:cSld>
     <p:spTree>
@@ -44550,7 +44164,7 @@
                   <a:spcPts val="600"/>
                 </a:spcAft>
               </a:pPr>
-              <a:t>8</a:t>
+              <a:t>12</a:t>
             </a:fld>
             <a:endParaRPr lang="en-US"/>
           </a:p>
@@ -44609,7 +44223,7 @@
 </p:sld>
 </file>
 
-<file path=ppt/slides/slide9.xml><?xml version="1.0" encoding="utf-8"?>
+<file path=ppt/slides/slide13.xml><?xml version="1.0" encoding="utf-8"?>
 <p:sld xmlns:a="http://schemas.openxmlformats.org/drawingml/2006/main" xmlns:r="http://schemas.openxmlformats.org/officeDocument/2006/relationships" xmlns:p="http://schemas.openxmlformats.org/presentationml/2006/main">
   <p:cSld>
     <p:spTree>
@@ -44707,7 +44321,7 @@
                   <a:spcPts val="600"/>
                 </a:spcAft>
               </a:pPr>
-              <a:t>9</a:t>
+              <a:t>13</a:t>
             </a:fld>
             <a:endParaRPr lang="en-US"/>
           </a:p>
@@ -44801,6 +44415,2355 @@
       </p:transition>
     </mc:Choice>
     <mc:Fallback xmlns="">
+      <p:transition spd="med">
+        <p:fade/>
+      </p:transition>
+    </mc:Fallback>
+  </mc:AlternateContent>
+</p:sld>
+</file>
+
+<file path=ppt/slides/slide14.xml><?xml version="1.0" encoding="utf-8"?>
+<p:sld xmlns:a="http://schemas.openxmlformats.org/drawingml/2006/main" xmlns:r="http://schemas.openxmlformats.org/officeDocument/2006/relationships" xmlns:p="http://schemas.openxmlformats.org/presentationml/2006/main">
+  <p:cSld>
+    <p:spTree>
+      <p:nvGrpSpPr>
+        <p:cNvPr id="1" name="">
+          <a:extLst>
+            <a:ext uri="{FF2B5EF4-FFF2-40B4-BE49-F238E27FC236}">
+              <a16:creationId xmlns:a16="http://schemas.microsoft.com/office/drawing/2014/main" id="{1D7AF12F-B3EC-3E50-5423-8FFFE37A451D}"/>
+            </a:ext>
+          </a:extLst>
+        </p:cNvPr>
+        <p:cNvGrpSpPr/>
+        <p:nvPr/>
+      </p:nvGrpSpPr>
+      <p:grpSpPr>
+        <a:xfrm>
+          <a:off x="0" y="0"/>
+          <a:ext cx="0" cy="0"/>
+          <a:chOff x="0" y="0"/>
+          <a:chExt cx="0" cy="0"/>
+        </a:xfrm>
+      </p:grpSpPr>
+      <p:sp>
+        <p:nvSpPr>
+          <p:cNvPr id="4" name="Title 3">
+            <a:extLst>
+              <a:ext uri="{FF2B5EF4-FFF2-40B4-BE49-F238E27FC236}">
+                <a16:creationId xmlns:a16="http://schemas.microsoft.com/office/drawing/2014/main" id="{C4556D94-75B0-996C-8577-F300A4DE6BD7}"/>
+              </a:ext>
+            </a:extLst>
+          </p:cNvPr>
+          <p:cNvSpPr>
+            <a:spLocks noGrp="1"/>
+          </p:cNvSpPr>
+          <p:nvPr>
+            <p:ph type="title"/>
+          </p:nvPr>
+        </p:nvSpPr>
+        <p:spPr>
+          <a:xfrm>
+            <a:off x="444500" y="542925"/>
+            <a:ext cx="11214100" cy="535531"/>
+          </a:xfrm>
+        </p:spPr>
+        <p:txBody>
+          <a:bodyPr wrap="square" anchor="t">
+            <a:normAutofit/>
+          </a:bodyPr>
+          <a:lstStyle/>
+          <a:p>
+            <a:r>
+              <a:rPr lang="en-US" dirty="0"/>
+              <a:t>Activity – Check Your File System</a:t>
+            </a:r>
+          </a:p>
+        </p:txBody>
+      </p:sp>
+      <p:sp>
+        <p:nvSpPr>
+          <p:cNvPr id="2" name="Slide Number Placeholder 1">
+            <a:extLst>
+              <a:ext uri="{FF2B5EF4-FFF2-40B4-BE49-F238E27FC236}">
+                <a16:creationId xmlns:a16="http://schemas.microsoft.com/office/drawing/2014/main" id="{28B7E97A-A751-3785-C978-3477BAD46BD0}"/>
+              </a:ext>
+            </a:extLst>
+          </p:cNvPr>
+          <p:cNvSpPr>
+            <a:spLocks noGrp="1"/>
+          </p:cNvSpPr>
+          <p:nvPr>
+            <p:ph type="sldNum" sz="quarter" idx="12"/>
+          </p:nvPr>
+        </p:nvSpPr>
+        <p:spPr>
+          <a:xfrm>
+            <a:off x="11252200" y="6315075"/>
+            <a:ext cx="406400" cy="365125"/>
+          </a:xfrm>
+        </p:spPr>
+        <p:txBody>
+          <a:bodyPr anchor="ctr">
+            <a:normAutofit/>
+          </a:bodyPr>
+          <a:lstStyle/>
+          <a:p>
+            <a:pPr>
+              <a:spcAft>
+                <a:spcPts val="600"/>
+              </a:spcAft>
+            </a:pPr>
+            <a:fld id="{C263D6C4-4840-40CC-AC84-17E24B3B7BDE}" type="slidenum">
+              <a:rPr lang="en-US" smtClean="0"/>
+              <a:pPr>
+                <a:spcAft>
+                  <a:spcPts val="600"/>
+                </a:spcAft>
+              </a:pPr>
+              <a:t>14</a:t>
+            </a:fld>
+            <a:endParaRPr lang="en-US"/>
+          </a:p>
+        </p:txBody>
+      </p:sp>
+      <p:sp>
+        <p:nvSpPr>
+          <p:cNvPr id="8" name="Text Placeholder 7">
+            <a:extLst>
+              <a:ext uri="{FF2B5EF4-FFF2-40B4-BE49-F238E27FC236}">
+                <a16:creationId xmlns:a16="http://schemas.microsoft.com/office/drawing/2014/main" id="{008EB3AD-4C8B-E56E-BF4D-816899D23E7E}"/>
+              </a:ext>
+            </a:extLst>
+          </p:cNvPr>
+          <p:cNvSpPr>
+            <a:spLocks noGrp="1"/>
+          </p:cNvSpPr>
+          <p:nvPr>
+            <p:ph idx="1"/>
+          </p:nvPr>
+        </p:nvSpPr>
+        <p:spPr>
+          <a:xfrm>
+            <a:off x="443365" y="1825625"/>
+            <a:ext cx="11215235" cy="4351338"/>
+          </a:xfrm>
+        </p:spPr>
+        <p:txBody>
+          <a:bodyPr>
+            <a:normAutofit/>
+          </a:bodyPr>
+          <a:lstStyle/>
+          <a:p>
+            <a:pPr marL="514350" indent="-514350">
+              <a:buFont typeface="+mj-lt"/>
+              <a:buAutoNum type="arabicPeriod"/>
+            </a:pPr>
+            <a:r>
+              <a:rPr lang="en-US" dirty="0"/>
+              <a:t>Windows: Right-click → Drive → Properties</a:t>
+            </a:r>
+          </a:p>
+          <a:p>
+            <a:pPr marL="514350" indent="-514350">
+              <a:buFont typeface="+mj-lt"/>
+              <a:buAutoNum type="arabicPeriod"/>
+            </a:pPr>
+            <a:endParaRPr lang="en-US" dirty="0"/>
+          </a:p>
+          <a:p>
+            <a:pPr marL="514350" indent="-514350">
+              <a:buFont typeface="+mj-lt"/>
+              <a:buAutoNum type="arabicPeriod"/>
+            </a:pPr>
+            <a:r>
+              <a:rPr lang="en-US" dirty="0"/>
+              <a:t>Linux/macOS: Use </a:t>
+            </a:r>
+            <a:r>
+              <a:rPr lang="en-US" dirty="0" err="1"/>
+              <a:t>df</a:t>
+            </a:r>
+            <a:r>
+              <a:rPr lang="en-US" dirty="0"/>
+              <a:t> -T or mount command in terminal</a:t>
+            </a:r>
+            <a:endParaRPr lang="en-US" sz="2800" dirty="0"/>
+          </a:p>
+        </p:txBody>
+      </p:sp>
+    </p:spTree>
+    <p:extLst>
+      <p:ext uri="{BB962C8B-B14F-4D97-AF65-F5344CB8AC3E}">
+        <p14:creationId xmlns:p14="http://schemas.microsoft.com/office/powerpoint/2010/main" val="2593569535"/>
+      </p:ext>
+    </p:extLst>
+  </p:cSld>
+  <p:clrMapOvr>
+    <a:masterClrMapping/>
+  </p:clrMapOvr>
+  <mc:AlternateContent xmlns:mc="http://schemas.openxmlformats.org/markup-compatibility/2006" xmlns:p14="http://schemas.microsoft.com/office/powerpoint/2010/main">
+    <mc:Choice Requires="p14">
+      <p:transition spd="med" p14:dur="700">
+        <p:fade/>
+      </p:transition>
+    </mc:Choice>
+    <mc:Fallback xmlns="">
+      <p:transition spd="med">
+        <p:fade/>
+      </p:transition>
+    </mc:Fallback>
+  </mc:AlternateContent>
+</p:sld>
+</file>
+
+<file path=ppt/slides/slide15.xml><?xml version="1.0" encoding="utf-8"?>
+<p:sld xmlns:a="http://schemas.openxmlformats.org/drawingml/2006/main" xmlns:r="http://schemas.openxmlformats.org/officeDocument/2006/relationships" xmlns:p="http://schemas.openxmlformats.org/presentationml/2006/main">
+  <p:cSld>
+    <p:spTree>
+      <p:nvGrpSpPr>
+        <p:cNvPr id="1" name="">
+          <a:extLst>
+            <a:ext uri="{FF2B5EF4-FFF2-40B4-BE49-F238E27FC236}">
+              <a16:creationId xmlns:a16="http://schemas.microsoft.com/office/drawing/2014/main" id="{98F30C76-321D-DC2F-5700-161E95B50D50}"/>
+            </a:ext>
+          </a:extLst>
+        </p:cNvPr>
+        <p:cNvGrpSpPr/>
+        <p:nvPr/>
+      </p:nvGrpSpPr>
+      <p:grpSpPr>
+        <a:xfrm>
+          <a:off x="0" y="0"/>
+          <a:ext cx="0" cy="0"/>
+          <a:chOff x="0" y="0"/>
+          <a:chExt cx="0" cy="0"/>
+        </a:xfrm>
+      </p:grpSpPr>
+      <p:sp>
+        <p:nvSpPr>
+          <p:cNvPr id="4" name="Title 3">
+            <a:extLst>
+              <a:ext uri="{FF2B5EF4-FFF2-40B4-BE49-F238E27FC236}">
+                <a16:creationId xmlns:a16="http://schemas.microsoft.com/office/drawing/2014/main" id="{C4C3E2A8-62FF-EE4C-BC9D-A9B671C167F6}"/>
+              </a:ext>
+            </a:extLst>
+          </p:cNvPr>
+          <p:cNvSpPr>
+            <a:spLocks noGrp="1"/>
+          </p:cNvSpPr>
+          <p:nvPr>
+            <p:ph type="title"/>
+          </p:nvPr>
+        </p:nvSpPr>
+        <p:spPr>
+          <a:xfrm>
+            <a:off x="444500" y="542925"/>
+            <a:ext cx="11214100" cy="535531"/>
+          </a:xfrm>
+        </p:spPr>
+        <p:txBody>
+          <a:bodyPr wrap="square" anchor="t">
+            <a:normAutofit/>
+          </a:bodyPr>
+          <a:lstStyle/>
+          <a:p>
+            <a:r>
+              <a:rPr lang="en-US" dirty="0"/>
+              <a:t>Summary</a:t>
+            </a:r>
+          </a:p>
+        </p:txBody>
+      </p:sp>
+      <p:sp>
+        <p:nvSpPr>
+          <p:cNvPr id="2" name="Slide Number Placeholder 1">
+            <a:extLst>
+              <a:ext uri="{FF2B5EF4-FFF2-40B4-BE49-F238E27FC236}">
+                <a16:creationId xmlns:a16="http://schemas.microsoft.com/office/drawing/2014/main" id="{15A0CA76-09CF-F16D-F473-A6FCDF38433E}"/>
+              </a:ext>
+            </a:extLst>
+          </p:cNvPr>
+          <p:cNvSpPr>
+            <a:spLocks noGrp="1"/>
+          </p:cNvSpPr>
+          <p:nvPr>
+            <p:ph type="sldNum" sz="quarter" idx="12"/>
+          </p:nvPr>
+        </p:nvSpPr>
+        <p:spPr>
+          <a:xfrm>
+            <a:off x="11252200" y="6315075"/>
+            <a:ext cx="406400" cy="365125"/>
+          </a:xfrm>
+        </p:spPr>
+        <p:txBody>
+          <a:bodyPr anchor="ctr">
+            <a:normAutofit/>
+          </a:bodyPr>
+          <a:lstStyle/>
+          <a:p>
+            <a:pPr>
+              <a:spcAft>
+                <a:spcPts val="600"/>
+              </a:spcAft>
+            </a:pPr>
+            <a:fld id="{C263D6C4-4840-40CC-AC84-17E24B3B7BDE}" type="slidenum">
+              <a:rPr lang="en-US" smtClean="0"/>
+              <a:pPr>
+                <a:spcAft>
+                  <a:spcPts val="600"/>
+                </a:spcAft>
+              </a:pPr>
+              <a:t>15</a:t>
+            </a:fld>
+            <a:endParaRPr lang="en-US"/>
+          </a:p>
+        </p:txBody>
+      </p:sp>
+      <p:sp>
+        <p:nvSpPr>
+          <p:cNvPr id="8" name="Text Placeholder 7">
+            <a:extLst>
+              <a:ext uri="{FF2B5EF4-FFF2-40B4-BE49-F238E27FC236}">
+                <a16:creationId xmlns:a16="http://schemas.microsoft.com/office/drawing/2014/main" id="{F2D5F157-3A8A-422E-9206-0A26B9114C4A}"/>
+              </a:ext>
+            </a:extLst>
+          </p:cNvPr>
+          <p:cNvSpPr>
+            <a:spLocks noGrp="1"/>
+          </p:cNvSpPr>
+          <p:nvPr>
+            <p:ph idx="1"/>
+          </p:nvPr>
+        </p:nvSpPr>
+        <p:spPr>
+          <a:xfrm>
+            <a:off x="443365" y="1825625"/>
+            <a:ext cx="11215235" cy="4351338"/>
+          </a:xfrm>
+        </p:spPr>
+        <p:txBody>
+          <a:bodyPr>
+            <a:normAutofit/>
+          </a:bodyPr>
+          <a:lstStyle/>
+          <a:p>
+            <a:pPr marL="514350" indent="-514350">
+              <a:buFont typeface="+mj-lt"/>
+              <a:buAutoNum type="arabicPeriod"/>
+            </a:pPr>
+            <a:r>
+              <a:rPr lang="en-US" dirty="0"/>
+              <a:t>File systems manage how data is stored</a:t>
+            </a:r>
+          </a:p>
+          <a:p>
+            <a:pPr marL="514350" indent="-514350">
+              <a:buFont typeface="+mj-lt"/>
+              <a:buAutoNum type="arabicPeriod"/>
+            </a:pPr>
+            <a:endParaRPr lang="en-US" dirty="0"/>
+          </a:p>
+          <a:p>
+            <a:pPr marL="514350" indent="-514350">
+              <a:buFont typeface="+mj-lt"/>
+              <a:buAutoNum type="arabicPeriod"/>
+            </a:pPr>
+            <a:r>
+              <a:rPr lang="en-US" dirty="0"/>
+              <a:t>Different OS use different file systems</a:t>
+            </a:r>
+          </a:p>
+          <a:p>
+            <a:pPr marL="514350" indent="-514350">
+              <a:buFont typeface="+mj-lt"/>
+              <a:buAutoNum type="arabicPeriod"/>
+            </a:pPr>
+            <a:endParaRPr lang="en-US" dirty="0"/>
+          </a:p>
+          <a:p>
+            <a:pPr marL="514350" indent="-514350">
+              <a:buFont typeface="+mj-lt"/>
+              <a:buAutoNum type="arabicPeriod"/>
+            </a:pPr>
+            <a:r>
+              <a:rPr lang="en-US" dirty="0"/>
+              <a:t>Compatibility and performance depend on file system choice</a:t>
+            </a:r>
+            <a:endParaRPr lang="en-US" sz="2800" dirty="0"/>
+          </a:p>
+        </p:txBody>
+      </p:sp>
+    </p:spTree>
+    <p:extLst>
+      <p:ext uri="{BB962C8B-B14F-4D97-AF65-F5344CB8AC3E}">
+        <p14:creationId xmlns:p14="http://schemas.microsoft.com/office/powerpoint/2010/main" val="3028753493"/>
+      </p:ext>
+    </p:extLst>
+  </p:cSld>
+  <p:clrMapOvr>
+    <a:masterClrMapping/>
+  </p:clrMapOvr>
+  <mc:AlternateContent xmlns:mc="http://schemas.openxmlformats.org/markup-compatibility/2006" xmlns:p14="http://schemas.microsoft.com/office/powerpoint/2010/main">
+    <mc:Choice Requires="p14">
+      <p:transition spd="med" p14:dur="700">
+        <p:fade/>
+      </p:transition>
+    </mc:Choice>
+    <mc:Fallback xmlns="">
+      <p:transition spd="med">
+        <p:fade/>
+      </p:transition>
+    </mc:Fallback>
+  </mc:AlternateContent>
+</p:sld>
+</file>
+
+<file path=ppt/slides/slide16.xml><?xml version="1.0" encoding="utf-8"?>
+<p:sld xmlns:a="http://schemas.openxmlformats.org/drawingml/2006/main" xmlns:r="http://schemas.openxmlformats.org/officeDocument/2006/relationships" xmlns:p="http://schemas.openxmlformats.org/presentationml/2006/main">
+  <p:cSld>
+    <p:spTree>
+      <p:nvGrpSpPr>
+        <p:cNvPr id="1" name=""/>
+        <p:cNvGrpSpPr/>
+        <p:nvPr/>
+      </p:nvGrpSpPr>
+      <p:grpSpPr>
+        <a:xfrm>
+          <a:off x="0" y="0"/>
+          <a:ext cx="0" cy="0"/>
+          <a:chOff x="0" y="0"/>
+          <a:chExt cx="0" cy="0"/>
+        </a:xfrm>
+      </p:grpSpPr>
+      <p:sp>
+        <p:nvSpPr>
+          <p:cNvPr id="2" name="Title 1">
+            <a:extLst>
+              <a:ext uri="{FF2B5EF4-FFF2-40B4-BE49-F238E27FC236}">
+                <a16:creationId xmlns:a16="http://schemas.microsoft.com/office/drawing/2014/main" id="{632BE5BF-9922-45FB-8F3F-4446D40A051B}"/>
+              </a:ext>
+            </a:extLst>
+          </p:cNvPr>
+          <p:cNvSpPr>
+            <a:spLocks noGrp="1"/>
+          </p:cNvSpPr>
+          <p:nvPr>
+            <p:ph type="ctrTitle"/>
+          </p:nvPr>
+        </p:nvSpPr>
+        <p:spPr/>
+        <p:txBody>
+          <a:bodyPr/>
+          <a:lstStyle/>
+          <a:p>
+            <a:r>
+              <a:rPr lang="en-US" dirty="0"/>
+              <a:t>Thank You </a:t>
+            </a:r>
+            <a:endParaRPr lang="en-GB" dirty="0"/>
+          </a:p>
+        </p:txBody>
+      </p:sp>
+    </p:spTree>
+    <p:extLst>
+      <p:ext uri="{BB962C8B-B14F-4D97-AF65-F5344CB8AC3E}">
+        <p14:creationId xmlns:p14="http://schemas.microsoft.com/office/powerpoint/2010/main" val="429771863"/>
+      </p:ext>
+    </p:extLst>
+  </p:cSld>
+  <p:clrMapOvr>
+    <a:masterClrMapping/>
+  </p:clrMapOvr>
+  <p:transition spd="slow">
+    <p:wipe/>
+  </p:transition>
+</p:sld>
+</file>
+
+<file path=ppt/slides/slide2.xml><?xml version="1.0" encoding="utf-8"?>
+<p:sld xmlns:a="http://schemas.openxmlformats.org/drawingml/2006/main" xmlns:r="http://schemas.openxmlformats.org/officeDocument/2006/relationships" xmlns:p="http://schemas.openxmlformats.org/presentationml/2006/main">
+  <p:cSld>
+    <p:spTree>
+      <p:nvGrpSpPr>
+        <p:cNvPr id="1" name=""/>
+        <p:cNvGrpSpPr/>
+        <p:nvPr/>
+      </p:nvGrpSpPr>
+      <p:grpSpPr>
+        <a:xfrm>
+          <a:off x="0" y="0"/>
+          <a:ext cx="0" cy="0"/>
+          <a:chOff x="0" y="0"/>
+          <a:chExt cx="0" cy="0"/>
+        </a:xfrm>
+      </p:grpSpPr>
+      <p:sp>
+        <p:nvSpPr>
+          <p:cNvPr id="7" name="Title 6">
+            <a:extLst>
+              <a:ext uri="{FF2B5EF4-FFF2-40B4-BE49-F238E27FC236}">
+                <a16:creationId xmlns:a16="http://schemas.microsoft.com/office/drawing/2014/main" id="{7875C19A-1AAE-476A-A316-A2CF92D763D3}"/>
+              </a:ext>
+            </a:extLst>
+          </p:cNvPr>
+          <p:cNvSpPr>
+            <a:spLocks noGrp="1"/>
+          </p:cNvSpPr>
+          <p:nvPr>
+            <p:ph type="title"/>
+          </p:nvPr>
+        </p:nvSpPr>
+        <p:spPr>
+          <a:xfrm>
+            <a:off x="444500" y="542925"/>
+            <a:ext cx="11214100" cy="535531"/>
+          </a:xfrm>
+        </p:spPr>
+        <p:txBody>
+          <a:bodyPr wrap="square" anchor="t">
+            <a:normAutofit/>
+          </a:bodyPr>
+          <a:lstStyle/>
+          <a:p>
+            <a:r>
+              <a:rPr lang="en-US" dirty="0"/>
+              <a:t>Learning Objectives</a:t>
+            </a:r>
+          </a:p>
+        </p:txBody>
+      </p:sp>
+      <p:sp>
+        <p:nvSpPr>
+          <p:cNvPr id="2" name="Slide Number Placeholder 1">
+            <a:extLst>
+              <a:ext uri="{FF2B5EF4-FFF2-40B4-BE49-F238E27FC236}">
+                <a16:creationId xmlns:a16="http://schemas.microsoft.com/office/drawing/2014/main" id="{BE9800F6-D571-48C4-8466-12AA1ADB6599}"/>
+              </a:ext>
+            </a:extLst>
+          </p:cNvPr>
+          <p:cNvSpPr>
+            <a:spLocks noGrp="1"/>
+          </p:cNvSpPr>
+          <p:nvPr>
+            <p:ph type="sldNum" sz="quarter" idx="12"/>
+          </p:nvPr>
+        </p:nvSpPr>
+        <p:spPr>
+          <a:xfrm>
+            <a:off x="11252200" y="6315075"/>
+            <a:ext cx="406400" cy="365125"/>
+          </a:xfrm>
+        </p:spPr>
+        <p:txBody>
+          <a:bodyPr anchor="ctr">
+            <a:normAutofit/>
+          </a:bodyPr>
+          <a:lstStyle/>
+          <a:p>
+            <a:pPr>
+              <a:spcAft>
+                <a:spcPts val="600"/>
+              </a:spcAft>
+            </a:pPr>
+            <a:fld id="{C263D6C4-4840-40CC-AC84-17E24B3B7BDE}" type="slidenum">
+              <a:rPr lang="en-US" smtClean="0"/>
+              <a:pPr>
+                <a:spcAft>
+                  <a:spcPts val="600"/>
+                </a:spcAft>
+              </a:pPr>
+              <a:t>2</a:t>
+            </a:fld>
+            <a:endParaRPr lang="en-US"/>
+          </a:p>
+        </p:txBody>
+      </p:sp>
+      <p:graphicFrame>
+        <p:nvGraphicFramePr>
+          <p:cNvPr id="12" name="Text Placeholder 9">
+            <a:extLst>
+              <a:ext uri="{FF2B5EF4-FFF2-40B4-BE49-F238E27FC236}">
+                <a16:creationId xmlns:a16="http://schemas.microsoft.com/office/drawing/2014/main" id="{6FA29BFA-10AE-365A-A8B8-7E6681A3801E}"/>
+              </a:ext>
+            </a:extLst>
+          </p:cNvPr>
+          <p:cNvGraphicFramePr/>
+          <p:nvPr>
+            <p:extLst>
+              <p:ext uri="{D42A27DB-BD31-4B8C-83A1-F6EECF244321}">
+                <p14:modId xmlns:p14="http://schemas.microsoft.com/office/powerpoint/2010/main" val="3560944072"/>
+              </p:ext>
+            </p:extLst>
+          </p:nvPr>
+        </p:nvGraphicFramePr>
+        <p:xfrm>
+          <a:off x="443365" y="1825625"/>
+          <a:ext cx="11215235" cy="4351338"/>
+        </p:xfrm>
+        <a:graphic>
+          <a:graphicData uri="http://schemas.openxmlformats.org/drawingml/2006/diagram">
+            <dgm:relIds xmlns:dgm="http://schemas.openxmlformats.org/drawingml/2006/diagram" xmlns:r="http://schemas.openxmlformats.org/officeDocument/2006/relationships" r:dm="rId2" r:lo="rId3" r:qs="rId4" r:cs="rId5"/>
+          </a:graphicData>
+        </a:graphic>
+      </p:graphicFrame>
+    </p:spTree>
+    <p:extLst>
+      <p:ext uri="{BB962C8B-B14F-4D97-AF65-F5344CB8AC3E}">
+        <p14:creationId xmlns:p14="http://schemas.microsoft.com/office/powerpoint/2010/main" val="3733486012"/>
+      </p:ext>
+    </p:extLst>
+  </p:cSld>
+  <p:clrMapOvr>
+    <a:masterClrMapping/>
+  </p:clrMapOvr>
+  <mc:AlternateContent xmlns:mc="http://schemas.openxmlformats.org/markup-compatibility/2006" xmlns:p14="http://schemas.microsoft.com/office/powerpoint/2010/main">
+    <mc:Choice Requires="p14">
+      <p:transition spd="med" p14:dur="700">
+        <p:fade/>
+      </p:transition>
+    </mc:Choice>
+    <mc:Fallback xmlns="">
+      <p:transition spd="med">
+        <p:fade/>
+      </p:transition>
+    </mc:Fallback>
+  </mc:AlternateContent>
+</p:sld>
+</file>
+
+<file path=ppt/slides/slide3.xml><?xml version="1.0" encoding="utf-8"?>
+<p:sld xmlns:a="http://schemas.openxmlformats.org/drawingml/2006/main" xmlns:r="http://schemas.openxmlformats.org/officeDocument/2006/relationships" xmlns:p="http://schemas.openxmlformats.org/presentationml/2006/main">
+  <p:cSld>
+    <p:spTree>
+      <p:nvGrpSpPr>
+        <p:cNvPr id="1" name=""/>
+        <p:cNvGrpSpPr/>
+        <p:nvPr/>
+      </p:nvGrpSpPr>
+      <p:grpSpPr>
+        <a:xfrm>
+          <a:off x="0" y="0"/>
+          <a:ext cx="0" cy="0"/>
+          <a:chOff x="0" y="0"/>
+          <a:chExt cx="0" cy="0"/>
+        </a:xfrm>
+      </p:grpSpPr>
+      <p:sp>
+        <p:nvSpPr>
+          <p:cNvPr id="4" name="Title 3">
+            <a:extLst>
+              <a:ext uri="{FF2B5EF4-FFF2-40B4-BE49-F238E27FC236}">
+                <a16:creationId xmlns:a16="http://schemas.microsoft.com/office/drawing/2014/main" id="{315E3981-F0D7-482C-A8E0-6A57700BECA7}"/>
+              </a:ext>
+            </a:extLst>
+          </p:cNvPr>
+          <p:cNvSpPr>
+            <a:spLocks noGrp="1"/>
+          </p:cNvSpPr>
+          <p:nvPr>
+            <p:ph type="title"/>
+          </p:nvPr>
+        </p:nvSpPr>
+        <p:spPr>
+          <a:xfrm>
+            <a:off x="444500" y="542925"/>
+            <a:ext cx="11214100" cy="535531"/>
+          </a:xfrm>
+        </p:spPr>
+        <p:txBody>
+          <a:bodyPr wrap="square" anchor="t">
+            <a:normAutofit/>
+          </a:bodyPr>
+          <a:lstStyle/>
+          <a:p>
+            <a:r>
+              <a:rPr lang="en-US" dirty="0"/>
+              <a:t>What is a File System?</a:t>
+            </a:r>
+          </a:p>
+        </p:txBody>
+      </p:sp>
+      <p:sp>
+        <p:nvSpPr>
+          <p:cNvPr id="2" name="Slide Number Placeholder 1">
+            <a:extLst>
+              <a:ext uri="{FF2B5EF4-FFF2-40B4-BE49-F238E27FC236}">
+                <a16:creationId xmlns:a16="http://schemas.microsoft.com/office/drawing/2014/main" id="{520FC4EE-F318-4344-9E3C-B950ADB63865}"/>
+              </a:ext>
+            </a:extLst>
+          </p:cNvPr>
+          <p:cNvSpPr>
+            <a:spLocks noGrp="1"/>
+          </p:cNvSpPr>
+          <p:nvPr>
+            <p:ph type="sldNum" sz="quarter" idx="12"/>
+          </p:nvPr>
+        </p:nvSpPr>
+        <p:spPr>
+          <a:xfrm>
+            <a:off x="11252200" y="6315075"/>
+            <a:ext cx="406400" cy="365125"/>
+          </a:xfrm>
+        </p:spPr>
+        <p:txBody>
+          <a:bodyPr anchor="ctr">
+            <a:normAutofit/>
+          </a:bodyPr>
+          <a:lstStyle/>
+          <a:p>
+            <a:pPr>
+              <a:spcAft>
+                <a:spcPts val="600"/>
+              </a:spcAft>
+            </a:pPr>
+            <a:fld id="{C263D6C4-4840-40CC-AC84-17E24B3B7BDE}" type="slidenum">
+              <a:rPr lang="en-US" smtClean="0"/>
+              <a:pPr>
+                <a:spcAft>
+                  <a:spcPts val="600"/>
+                </a:spcAft>
+              </a:pPr>
+              <a:t>3</a:t>
+            </a:fld>
+            <a:endParaRPr lang="en-US"/>
+          </a:p>
+        </p:txBody>
+      </p:sp>
+      <p:sp>
+        <p:nvSpPr>
+          <p:cNvPr id="8" name="Text Placeholder 7">
+            <a:extLst>
+              <a:ext uri="{FF2B5EF4-FFF2-40B4-BE49-F238E27FC236}">
+                <a16:creationId xmlns:a16="http://schemas.microsoft.com/office/drawing/2014/main" id="{47DC4E62-1A34-4F98-A451-214F1808519C}"/>
+              </a:ext>
+            </a:extLst>
+          </p:cNvPr>
+          <p:cNvSpPr>
+            <a:spLocks noGrp="1"/>
+          </p:cNvSpPr>
+          <p:nvPr>
+            <p:ph idx="1"/>
+          </p:nvPr>
+        </p:nvSpPr>
+        <p:spPr>
+          <a:xfrm>
+            <a:off x="443365" y="1825625"/>
+            <a:ext cx="11215235" cy="4351338"/>
+          </a:xfrm>
+        </p:spPr>
+        <p:txBody>
+          <a:bodyPr>
+            <a:normAutofit/>
+          </a:bodyPr>
+          <a:lstStyle/>
+          <a:p>
+            <a:pPr marL="0" indent="0">
+              <a:buNone/>
+            </a:pPr>
+            <a:r>
+              <a:rPr lang="en-US" dirty="0"/>
+              <a:t>A file system is a method and structure an OS uses to:</a:t>
+            </a:r>
+          </a:p>
+          <a:p>
+            <a:pPr marL="457200" lvl="1" indent="0">
+              <a:buNone/>
+            </a:pPr>
+            <a:endParaRPr lang="en-US" sz="2800" dirty="0"/>
+          </a:p>
+          <a:p>
+            <a:pPr marL="457200" lvl="1" indent="0">
+              <a:buNone/>
+            </a:pPr>
+            <a:r>
+              <a:rPr lang="en-US" sz="2800" dirty="0"/>
+              <a:t>-Store and retrieve files on a storage device.</a:t>
+            </a:r>
+          </a:p>
+          <a:p>
+            <a:pPr marL="457200" lvl="1" indent="0">
+              <a:buNone/>
+            </a:pPr>
+            <a:r>
+              <a:rPr lang="en-US" sz="2800" dirty="0"/>
+              <a:t>-Manage data hierarchies (folders, directories).</a:t>
+            </a:r>
+          </a:p>
+          <a:p>
+            <a:pPr marL="457200" lvl="1" indent="0">
+              <a:buNone/>
+            </a:pPr>
+            <a:r>
+              <a:rPr lang="en-US" sz="2800" dirty="0"/>
+              <a:t>-Keep track of free and used space.</a:t>
+            </a:r>
+          </a:p>
+        </p:txBody>
+      </p:sp>
+    </p:spTree>
+    <p:extLst>
+      <p:ext uri="{BB962C8B-B14F-4D97-AF65-F5344CB8AC3E}">
+        <p14:creationId xmlns:p14="http://schemas.microsoft.com/office/powerpoint/2010/main" val="3607270498"/>
+      </p:ext>
+    </p:extLst>
+  </p:cSld>
+  <p:clrMapOvr>
+    <a:masterClrMapping/>
+  </p:clrMapOvr>
+  <mc:AlternateContent xmlns:mc="http://schemas.openxmlformats.org/markup-compatibility/2006" xmlns:p14="http://schemas.microsoft.com/office/powerpoint/2010/main">
+    <mc:Choice Requires="p14">
+      <p:transition spd="med" p14:dur="700">
+        <p:fade/>
+      </p:transition>
+    </mc:Choice>
+    <mc:Fallback xmlns="">
+      <p:transition spd="med">
+        <p:fade/>
+      </p:transition>
+    </mc:Fallback>
+  </mc:AlternateContent>
+</p:sld>
+</file>
+
+<file path=ppt/slides/slide4.xml><?xml version="1.0" encoding="utf-8"?>
+<p:sld xmlns:a="http://schemas.openxmlformats.org/drawingml/2006/main" xmlns:r="http://schemas.openxmlformats.org/officeDocument/2006/relationships" xmlns:p="http://schemas.openxmlformats.org/presentationml/2006/main">
+  <p:cSld>
+    <p:spTree>
+      <p:nvGrpSpPr>
+        <p:cNvPr id="1" name="">
+          <a:extLst>
+            <a:ext uri="{FF2B5EF4-FFF2-40B4-BE49-F238E27FC236}">
+              <a16:creationId xmlns:a16="http://schemas.microsoft.com/office/drawing/2014/main" id="{377D4BD8-F8A6-80B5-8D0F-179F5DEAE137}"/>
+            </a:ext>
+          </a:extLst>
+        </p:cNvPr>
+        <p:cNvGrpSpPr/>
+        <p:nvPr/>
+      </p:nvGrpSpPr>
+      <p:grpSpPr>
+        <a:xfrm>
+          <a:off x="0" y="0"/>
+          <a:ext cx="0" cy="0"/>
+          <a:chOff x="0" y="0"/>
+          <a:chExt cx="0" cy="0"/>
+        </a:xfrm>
+      </p:grpSpPr>
+      <p:sp>
+        <p:nvSpPr>
+          <p:cNvPr id="4" name="Title 3">
+            <a:extLst>
+              <a:ext uri="{FF2B5EF4-FFF2-40B4-BE49-F238E27FC236}">
+                <a16:creationId xmlns:a16="http://schemas.microsoft.com/office/drawing/2014/main" id="{A85CD922-6AE9-A97A-89C6-B7E4C8798A16}"/>
+              </a:ext>
+            </a:extLst>
+          </p:cNvPr>
+          <p:cNvSpPr>
+            <a:spLocks noGrp="1"/>
+          </p:cNvSpPr>
+          <p:nvPr>
+            <p:ph type="title"/>
+          </p:nvPr>
+        </p:nvSpPr>
+        <p:spPr>
+          <a:xfrm>
+            <a:off x="444500" y="542925"/>
+            <a:ext cx="11214100" cy="535531"/>
+          </a:xfrm>
+        </p:spPr>
+        <p:txBody>
+          <a:bodyPr wrap="square" anchor="t">
+            <a:normAutofit/>
+          </a:bodyPr>
+          <a:lstStyle/>
+          <a:p>
+            <a:r>
+              <a:rPr lang="en-US" dirty="0"/>
+              <a:t>What is a File System?</a:t>
+            </a:r>
+          </a:p>
+        </p:txBody>
+      </p:sp>
+      <p:sp>
+        <p:nvSpPr>
+          <p:cNvPr id="2" name="Slide Number Placeholder 1">
+            <a:extLst>
+              <a:ext uri="{FF2B5EF4-FFF2-40B4-BE49-F238E27FC236}">
+                <a16:creationId xmlns:a16="http://schemas.microsoft.com/office/drawing/2014/main" id="{CE09FB96-A8E7-603D-D59E-78CDBD447972}"/>
+              </a:ext>
+            </a:extLst>
+          </p:cNvPr>
+          <p:cNvSpPr>
+            <a:spLocks noGrp="1"/>
+          </p:cNvSpPr>
+          <p:nvPr>
+            <p:ph type="sldNum" sz="quarter" idx="12"/>
+          </p:nvPr>
+        </p:nvSpPr>
+        <p:spPr>
+          <a:xfrm>
+            <a:off x="11252200" y="6315075"/>
+            <a:ext cx="406400" cy="365125"/>
+          </a:xfrm>
+        </p:spPr>
+        <p:txBody>
+          <a:bodyPr anchor="ctr">
+            <a:normAutofit/>
+          </a:bodyPr>
+          <a:lstStyle/>
+          <a:p>
+            <a:pPr>
+              <a:spcAft>
+                <a:spcPts val="600"/>
+              </a:spcAft>
+            </a:pPr>
+            <a:fld id="{C263D6C4-4840-40CC-AC84-17E24B3B7BDE}" type="slidenum">
+              <a:rPr lang="en-US" smtClean="0"/>
+              <a:pPr>
+                <a:spcAft>
+                  <a:spcPts val="600"/>
+                </a:spcAft>
+              </a:pPr>
+              <a:t>4</a:t>
+            </a:fld>
+            <a:endParaRPr lang="en-US"/>
+          </a:p>
+        </p:txBody>
+      </p:sp>
+      <p:sp>
+        <p:nvSpPr>
+          <p:cNvPr id="8" name="Text Placeholder 7">
+            <a:extLst>
+              <a:ext uri="{FF2B5EF4-FFF2-40B4-BE49-F238E27FC236}">
+                <a16:creationId xmlns:a16="http://schemas.microsoft.com/office/drawing/2014/main" id="{3A8CDEB3-0B51-0350-19B8-22BFA258C908}"/>
+              </a:ext>
+            </a:extLst>
+          </p:cNvPr>
+          <p:cNvSpPr>
+            <a:spLocks noGrp="1"/>
+          </p:cNvSpPr>
+          <p:nvPr>
+            <p:ph idx="1"/>
+          </p:nvPr>
+        </p:nvSpPr>
+        <p:spPr>
+          <a:xfrm>
+            <a:off x="443365" y="1825625"/>
+            <a:ext cx="11215235" cy="4351338"/>
+          </a:xfrm>
+        </p:spPr>
+        <p:txBody>
+          <a:bodyPr>
+            <a:normAutofit/>
+          </a:bodyPr>
+          <a:lstStyle/>
+          <a:p>
+            <a:pPr marL="0" indent="0">
+              <a:buNone/>
+            </a:pPr>
+            <a:r>
+              <a:rPr lang="en-US" b="1" dirty="0"/>
+              <a:t>A file system</a:t>
+            </a:r>
+            <a:r>
+              <a:rPr lang="en-US" dirty="0"/>
+              <a:t> organizes, stores, and provides access to data. It manages how data is stored on the disk and keeps an index of where each piece of data is located.</a:t>
+            </a:r>
+          </a:p>
+          <a:p>
+            <a:pPr marL="0" indent="0">
+              <a:buNone/>
+            </a:pPr>
+            <a:r>
+              <a:rPr lang="en-US" sz="2800" dirty="0"/>
+              <a:t>Example Usage</a:t>
+            </a:r>
+          </a:p>
+          <a:p>
+            <a:pPr marL="457200" lvl="1" indent="0">
+              <a:buNone/>
+            </a:pPr>
+            <a:r>
+              <a:rPr lang="en-US" sz="2800" dirty="0"/>
+              <a:t>-Store and retrieve files on a storage device.</a:t>
+            </a:r>
+          </a:p>
+          <a:p>
+            <a:pPr marL="457200" lvl="1" indent="0">
+              <a:buNone/>
+            </a:pPr>
+            <a:r>
+              <a:rPr lang="en-US" sz="2800" dirty="0"/>
+              <a:t>-Manage data hierarchies (folders, directories).</a:t>
+            </a:r>
+          </a:p>
+          <a:p>
+            <a:pPr marL="457200" lvl="1" indent="0">
+              <a:buNone/>
+            </a:pPr>
+            <a:r>
+              <a:rPr lang="en-US" sz="2800" dirty="0"/>
+              <a:t>-Keep track of free and used space.</a:t>
+            </a:r>
+          </a:p>
+        </p:txBody>
+      </p:sp>
+    </p:spTree>
+    <p:extLst>
+      <p:ext uri="{BB962C8B-B14F-4D97-AF65-F5344CB8AC3E}">
+        <p14:creationId xmlns:p14="http://schemas.microsoft.com/office/powerpoint/2010/main" val="1710908251"/>
+      </p:ext>
+    </p:extLst>
+  </p:cSld>
+  <p:clrMapOvr>
+    <a:masterClrMapping/>
+  </p:clrMapOvr>
+  <mc:AlternateContent xmlns:mc="http://schemas.openxmlformats.org/markup-compatibility/2006">
+    <mc:Choice xmlns:p14="http://schemas.microsoft.com/office/powerpoint/2010/main" Requires="p14">
+      <p:transition spd="med" p14:dur="700">
+        <p:fade/>
+      </p:transition>
+    </mc:Choice>
+    <mc:Fallback>
+      <p:transition spd="med">
+        <p:fade/>
+      </p:transition>
+    </mc:Fallback>
+  </mc:AlternateContent>
+</p:sld>
+</file>
+
+<file path=ppt/slides/slide5.xml><?xml version="1.0" encoding="utf-8"?>
+<p:sld xmlns:a="http://schemas.openxmlformats.org/drawingml/2006/main" xmlns:r="http://schemas.openxmlformats.org/officeDocument/2006/relationships" xmlns:p="http://schemas.openxmlformats.org/presentationml/2006/main">
+  <p:cSld>
+    <p:spTree>
+      <p:nvGrpSpPr>
+        <p:cNvPr id="1" name=""/>
+        <p:cNvGrpSpPr/>
+        <p:nvPr/>
+      </p:nvGrpSpPr>
+      <p:grpSpPr>
+        <a:xfrm>
+          <a:off x="0" y="0"/>
+          <a:ext cx="0" cy="0"/>
+          <a:chOff x="0" y="0"/>
+          <a:chExt cx="0" cy="0"/>
+        </a:xfrm>
+      </p:grpSpPr>
+      <p:sp>
+        <p:nvSpPr>
+          <p:cNvPr id="4" name="Title 3">
+            <a:extLst>
+              <a:ext uri="{FF2B5EF4-FFF2-40B4-BE49-F238E27FC236}">
+                <a16:creationId xmlns:a16="http://schemas.microsoft.com/office/drawing/2014/main" id="{315E3981-F0D7-482C-A8E0-6A57700BECA7}"/>
+              </a:ext>
+            </a:extLst>
+          </p:cNvPr>
+          <p:cNvSpPr>
+            <a:spLocks noGrp="1"/>
+          </p:cNvSpPr>
+          <p:nvPr>
+            <p:ph type="title"/>
+          </p:nvPr>
+        </p:nvSpPr>
+        <p:spPr>
+          <a:xfrm>
+            <a:off x="444500" y="542925"/>
+            <a:ext cx="11214100" cy="535531"/>
+          </a:xfrm>
+        </p:spPr>
+        <p:txBody>
+          <a:bodyPr vert="horz" wrap="square" lIns="91440" tIns="45720" rIns="91440" bIns="45720" rtlCol="0" anchor="t">
+            <a:normAutofit/>
+          </a:bodyPr>
+          <a:lstStyle/>
+          <a:p>
+            <a:r>
+              <a:rPr lang="en-US" b="1" kern="1200" spc="-70" baseline="0" dirty="0">
+                <a:latin typeface="+mj-lt"/>
+                <a:ea typeface="+mj-ea"/>
+                <a:cs typeface="+mj-cs"/>
+              </a:rPr>
+              <a:t>Windows File Systems: NTFS, FAT32, exFAT</a:t>
+            </a:r>
+          </a:p>
+        </p:txBody>
+      </p:sp>
+      <p:sp>
+        <p:nvSpPr>
+          <p:cNvPr id="2" name="Slide Number Placeholder 1">
+            <a:extLst>
+              <a:ext uri="{FF2B5EF4-FFF2-40B4-BE49-F238E27FC236}">
+                <a16:creationId xmlns:a16="http://schemas.microsoft.com/office/drawing/2014/main" id="{2F478C69-0A1D-45FF-8600-ED903803FFE1}"/>
+              </a:ext>
+            </a:extLst>
+          </p:cNvPr>
+          <p:cNvSpPr>
+            <a:spLocks noGrp="1"/>
+          </p:cNvSpPr>
+          <p:nvPr>
+            <p:ph type="sldNum" sz="quarter" idx="12"/>
+          </p:nvPr>
+        </p:nvSpPr>
+        <p:spPr>
+          <a:xfrm>
+            <a:off x="11252200" y="6315075"/>
+            <a:ext cx="406400" cy="365125"/>
+          </a:xfrm>
+        </p:spPr>
+        <p:txBody>
+          <a:bodyPr vert="horz" lIns="91440" tIns="45720" rIns="91440" bIns="45720" rtlCol="0" anchor="ctr">
+            <a:normAutofit/>
+          </a:bodyPr>
+          <a:lstStyle/>
+          <a:p>
+            <a:pPr>
+              <a:spcAft>
+                <a:spcPts val="600"/>
+              </a:spcAft>
+            </a:pPr>
+            <a:fld id="{C263D6C4-4840-40CC-AC84-17E24B3B7BDE}" type="slidenum">
+              <a:rPr lang="en-US" smtClean="0"/>
+              <a:pPr>
+                <a:spcAft>
+                  <a:spcPts val="600"/>
+                </a:spcAft>
+              </a:pPr>
+              <a:t>5</a:t>
+            </a:fld>
+            <a:endParaRPr lang="en-US"/>
+          </a:p>
+        </p:txBody>
+      </p:sp>
+      <p:graphicFrame>
+        <p:nvGraphicFramePr>
+          <p:cNvPr id="28" name="TextBox 25">
+            <a:extLst>
+              <a:ext uri="{FF2B5EF4-FFF2-40B4-BE49-F238E27FC236}">
+                <a16:creationId xmlns:a16="http://schemas.microsoft.com/office/drawing/2014/main" id="{1FE150B2-17CD-F1B7-0EF6-75DD33595F02}"/>
+              </a:ext>
+            </a:extLst>
+          </p:cNvPr>
+          <p:cNvGraphicFramePr/>
+          <p:nvPr>
+            <p:extLst>
+              <p:ext uri="{D42A27DB-BD31-4B8C-83A1-F6EECF244321}">
+                <p14:modId xmlns:p14="http://schemas.microsoft.com/office/powerpoint/2010/main" val="4193592289"/>
+              </p:ext>
+            </p:extLst>
+          </p:nvPr>
+        </p:nvGraphicFramePr>
+        <p:xfrm>
+          <a:off x="443365" y="1825625"/>
+          <a:ext cx="11215235" cy="4351338"/>
+        </p:xfrm>
+        <a:graphic>
+          <a:graphicData uri="http://schemas.openxmlformats.org/drawingml/2006/diagram">
+            <dgm:relIds xmlns:dgm="http://schemas.openxmlformats.org/drawingml/2006/diagram" xmlns:r="http://schemas.openxmlformats.org/officeDocument/2006/relationships" r:dm="rId3" r:lo="rId4" r:qs="rId5" r:cs="rId6"/>
+          </a:graphicData>
+        </a:graphic>
+      </p:graphicFrame>
+    </p:spTree>
+    <p:extLst>
+      <p:ext uri="{BB962C8B-B14F-4D97-AF65-F5344CB8AC3E}">
+        <p14:creationId xmlns:p14="http://schemas.microsoft.com/office/powerpoint/2010/main" val="451187730"/>
+      </p:ext>
+    </p:extLst>
+  </p:cSld>
+  <p:clrMapOvr>
+    <a:masterClrMapping/>
+  </p:clrMapOvr>
+  <mc:AlternateContent xmlns:mc="http://schemas.openxmlformats.org/markup-compatibility/2006" xmlns:p14="http://schemas.microsoft.com/office/powerpoint/2010/main">
+    <mc:Choice Requires="p14">
+      <p:transition spd="med" p14:dur="700">
+        <p:fade/>
+      </p:transition>
+    </mc:Choice>
+    <mc:Fallback xmlns="">
+      <p:transition spd="med">
+        <p:fade/>
+      </p:transition>
+    </mc:Fallback>
+  </mc:AlternateContent>
+</p:sld>
+</file>
+
+<file path=ppt/slides/slide6.xml><?xml version="1.0" encoding="utf-8"?>
+<p:sld xmlns:a="http://schemas.openxmlformats.org/drawingml/2006/main" xmlns:r="http://schemas.openxmlformats.org/officeDocument/2006/relationships" xmlns:p="http://schemas.openxmlformats.org/presentationml/2006/main">
+  <p:cSld>
+    <p:spTree>
+      <p:nvGrpSpPr>
+        <p:cNvPr id="1" name="">
+          <a:extLst>
+            <a:ext uri="{FF2B5EF4-FFF2-40B4-BE49-F238E27FC236}">
+              <a16:creationId xmlns:a16="http://schemas.microsoft.com/office/drawing/2014/main" id="{9869EF3B-D832-F4C8-024A-E7E97A1A5528}"/>
+            </a:ext>
+          </a:extLst>
+        </p:cNvPr>
+        <p:cNvGrpSpPr/>
+        <p:nvPr/>
+      </p:nvGrpSpPr>
+      <p:grpSpPr>
+        <a:xfrm>
+          <a:off x="0" y="0"/>
+          <a:ext cx="0" cy="0"/>
+          <a:chOff x="0" y="0"/>
+          <a:chExt cx="0" cy="0"/>
+        </a:xfrm>
+      </p:grpSpPr>
+      <p:sp>
+        <p:nvSpPr>
+          <p:cNvPr id="4" name="Title 3">
+            <a:extLst>
+              <a:ext uri="{FF2B5EF4-FFF2-40B4-BE49-F238E27FC236}">
+                <a16:creationId xmlns:a16="http://schemas.microsoft.com/office/drawing/2014/main" id="{A1964152-8B55-958E-88FA-A8C7EE70A1BD}"/>
+              </a:ext>
+            </a:extLst>
+          </p:cNvPr>
+          <p:cNvSpPr>
+            <a:spLocks noGrp="1"/>
+          </p:cNvSpPr>
+          <p:nvPr>
+            <p:ph type="title"/>
+          </p:nvPr>
+        </p:nvSpPr>
+        <p:spPr>
+          <a:xfrm>
+            <a:off x="444500" y="542925"/>
+            <a:ext cx="11214100" cy="535531"/>
+          </a:xfrm>
+        </p:spPr>
+        <p:txBody>
+          <a:bodyPr vert="horz" wrap="square" lIns="91440" tIns="45720" rIns="91440" bIns="45720" rtlCol="0" anchor="t">
+            <a:normAutofit/>
+          </a:bodyPr>
+          <a:lstStyle/>
+          <a:p>
+            <a:r>
+              <a:rPr lang="en-US" dirty="0"/>
+              <a:t>Linux File Systems: EXT4, XFS, BTRFS</a:t>
+            </a:r>
+            <a:endParaRPr lang="en-US" b="1" kern="1200" spc="-70" baseline="0" dirty="0">
+              <a:latin typeface="+mj-lt"/>
+              <a:ea typeface="+mj-ea"/>
+              <a:cs typeface="+mj-cs"/>
+            </a:endParaRPr>
+          </a:p>
+        </p:txBody>
+      </p:sp>
+      <p:sp>
+        <p:nvSpPr>
+          <p:cNvPr id="2" name="Slide Number Placeholder 1">
+            <a:extLst>
+              <a:ext uri="{FF2B5EF4-FFF2-40B4-BE49-F238E27FC236}">
+                <a16:creationId xmlns:a16="http://schemas.microsoft.com/office/drawing/2014/main" id="{EFD08E3C-7E84-D37B-7721-6D2C8DE54D9D}"/>
+              </a:ext>
+            </a:extLst>
+          </p:cNvPr>
+          <p:cNvSpPr>
+            <a:spLocks noGrp="1"/>
+          </p:cNvSpPr>
+          <p:nvPr>
+            <p:ph type="sldNum" sz="quarter" idx="12"/>
+          </p:nvPr>
+        </p:nvSpPr>
+        <p:spPr>
+          <a:xfrm>
+            <a:off x="11252200" y="6315075"/>
+            <a:ext cx="406400" cy="365125"/>
+          </a:xfrm>
+        </p:spPr>
+        <p:txBody>
+          <a:bodyPr vert="horz" lIns="91440" tIns="45720" rIns="91440" bIns="45720" rtlCol="0" anchor="ctr">
+            <a:normAutofit/>
+          </a:bodyPr>
+          <a:lstStyle/>
+          <a:p>
+            <a:pPr>
+              <a:spcAft>
+                <a:spcPts val="600"/>
+              </a:spcAft>
+            </a:pPr>
+            <a:fld id="{C263D6C4-4840-40CC-AC84-17E24B3B7BDE}" type="slidenum">
+              <a:rPr lang="en-US" smtClean="0"/>
+              <a:pPr>
+                <a:spcAft>
+                  <a:spcPts val="600"/>
+                </a:spcAft>
+              </a:pPr>
+              <a:t>6</a:t>
+            </a:fld>
+            <a:endParaRPr lang="en-US"/>
+          </a:p>
+        </p:txBody>
+      </p:sp>
+      <p:graphicFrame>
+        <p:nvGraphicFramePr>
+          <p:cNvPr id="28" name="TextBox 25">
+            <a:extLst>
+              <a:ext uri="{FF2B5EF4-FFF2-40B4-BE49-F238E27FC236}">
+                <a16:creationId xmlns:a16="http://schemas.microsoft.com/office/drawing/2014/main" id="{35635D2F-6C91-8AE0-D7F8-3AAF9BF8CA5A}"/>
+              </a:ext>
+            </a:extLst>
+          </p:cNvPr>
+          <p:cNvGraphicFramePr/>
+          <p:nvPr>
+            <p:extLst>
+              <p:ext uri="{D42A27DB-BD31-4B8C-83A1-F6EECF244321}">
+                <p14:modId xmlns:p14="http://schemas.microsoft.com/office/powerpoint/2010/main" val="2740619087"/>
+              </p:ext>
+            </p:extLst>
+          </p:nvPr>
+        </p:nvGraphicFramePr>
+        <p:xfrm>
+          <a:off x="443365" y="1825625"/>
+          <a:ext cx="11215235" cy="4351338"/>
+        </p:xfrm>
+        <a:graphic>
+          <a:graphicData uri="http://schemas.openxmlformats.org/drawingml/2006/diagram">
+            <dgm:relIds xmlns:dgm="http://schemas.openxmlformats.org/drawingml/2006/diagram" xmlns:r="http://schemas.openxmlformats.org/officeDocument/2006/relationships" r:dm="rId3" r:lo="rId4" r:qs="rId5" r:cs="rId6"/>
+          </a:graphicData>
+        </a:graphic>
+      </p:graphicFrame>
+    </p:spTree>
+    <p:extLst>
+      <p:ext uri="{BB962C8B-B14F-4D97-AF65-F5344CB8AC3E}">
+        <p14:creationId xmlns:p14="http://schemas.microsoft.com/office/powerpoint/2010/main" val="3019895043"/>
+      </p:ext>
+    </p:extLst>
+  </p:cSld>
+  <p:clrMapOvr>
+    <a:masterClrMapping/>
+  </p:clrMapOvr>
+  <mc:AlternateContent xmlns:mc="http://schemas.openxmlformats.org/markup-compatibility/2006" xmlns:p14="http://schemas.microsoft.com/office/powerpoint/2010/main">
+    <mc:Choice Requires="p14">
+      <p:transition spd="med" p14:dur="700">
+        <p:fade/>
+      </p:transition>
+    </mc:Choice>
+    <mc:Fallback xmlns="">
+      <p:transition spd="med">
+        <p:fade/>
+      </p:transition>
+    </mc:Fallback>
+  </mc:AlternateContent>
+</p:sld>
+</file>
+
+<file path=ppt/slides/slide7.xml><?xml version="1.0" encoding="utf-8"?>
+<p:sld xmlns:a="http://schemas.openxmlformats.org/drawingml/2006/main" xmlns:r="http://schemas.openxmlformats.org/officeDocument/2006/relationships" xmlns:p="http://schemas.openxmlformats.org/presentationml/2006/main">
+  <p:cSld>
+    <p:spTree>
+      <p:nvGrpSpPr>
+        <p:cNvPr id="1" name="">
+          <a:extLst>
+            <a:ext uri="{FF2B5EF4-FFF2-40B4-BE49-F238E27FC236}">
+              <a16:creationId xmlns:a16="http://schemas.microsoft.com/office/drawing/2014/main" id="{7977F0A6-F85B-9418-E682-EB5FA4988DDA}"/>
+            </a:ext>
+          </a:extLst>
+        </p:cNvPr>
+        <p:cNvGrpSpPr/>
+        <p:nvPr/>
+      </p:nvGrpSpPr>
+      <p:grpSpPr>
+        <a:xfrm>
+          <a:off x="0" y="0"/>
+          <a:ext cx="0" cy="0"/>
+          <a:chOff x="0" y="0"/>
+          <a:chExt cx="0" cy="0"/>
+        </a:xfrm>
+      </p:grpSpPr>
+      <p:sp>
+        <p:nvSpPr>
+          <p:cNvPr id="4" name="Title 3">
+            <a:extLst>
+              <a:ext uri="{FF2B5EF4-FFF2-40B4-BE49-F238E27FC236}">
+                <a16:creationId xmlns:a16="http://schemas.microsoft.com/office/drawing/2014/main" id="{6272DF8F-BDD6-3361-711E-C15331641156}"/>
+              </a:ext>
+            </a:extLst>
+          </p:cNvPr>
+          <p:cNvSpPr>
+            <a:spLocks noGrp="1"/>
+          </p:cNvSpPr>
+          <p:nvPr>
+            <p:ph type="title"/>
+          </p:nvPr>
+        </p:nvSpPr>
+        <p:spPr>
+          <a:xfrm>
+            <a:off x="444500" y="542925"/>
+            <a:ext cx="11214100" cy="535531"/>
+          </a:xfrm>
+        </p:spPr>
+        <p:txBody>
+          <a:bodyPr vert="horz" wrap="square" lIns="91440" tIns="45720" rIns="91440" bIns="45720" rtlCol="0" anchor="t">
+            <a:normAutofit/>
+          </a:bodyPr>
+          <a:lstStyle/>
+          <a:p>
+            <a:r>
+              <a:rPr lang="en-US" dirty="0"/>
+              <a:t>macOS File Systems: APFS, HFS+</a:t>
+            </a:r>
+            <a:endParaRPr lang="en-US" b="1" kern="1200" spc="-70" baseline="0" dirty="0">
+              <a:latin typeface="+mj-lt"/>
+              <a:ea typeface="+mj-ea"/>
+              <a:cs typeface="+mj-cs"/>
+            </a:endParaRPr>
+          </a:p>
+        </p:txBody>
+      </p:sp>
+      <p:sp>
+        <p:nvSpPr>
+          <p:cNvPr id="2" name="Slide Number Placeholder 1">
+            <a:extLst>
+              <a:ext uri="{FF2B5EF4-FFF2-40B4-BE49-F238E27FC236}">
+                <a16:creationId xmlns:a16="http://schemas.microsoft.com/office/drawing/2014/main" id="{883D12E7-7CB1-F536-2F03-11094152CF30}"/>
+              </a:ext>
+            </a:extLst>
+          </p:cNvPr>
+          <p:cNvSpPr>
+            <a:spLocks noGrp="1"/>
+          </p:cNvSpPr>
+          <p:nvPr>
+            <p:ph type="sldNum" sz="quarter" idx="12"/>
+          </p:nvPr>
+        </p:nvSpPr>
+        <p:spPr>
+          <a:xfrm>
+            <a:off x="11252200" y="6315075"/>
+            <a:ext cx="406400" cy="365125"/>
+          </a:xfrm>
+        </p:spPr>
+        <p:txBody>
+          <a:bodyPr vert="horz" lIns="91440" tIns="45720" rIns="91440" bIns="45720" rtlCol="0" anchor="ctr">
+            <a:normAutofit/>
+          </a:bodyPr>
+          <a:lstStyle/>
+          <a:p>
+            <a:pPr>
+              <a:spcAft>
+                <a:spcPts val="600"/>
+              </a:spcAft>
+            </a:pPr>
+            <a:fld id="{C263D6C4-4840-40CC-AC84-17E24B3B7BDE}" type="slidenum">
+              <a:rPr lang="en-US" smtClean="0"/>
+              <a:pPr>
+                <a:spcAft>
+                  <a:spcPts val="600"/>
+                </a:spcAft>
+              </a:pPr>
+              <a:t>7</a:t>
+            </a:fld>
+            <a:endParaRPr lang="en-US"/>
+          </a:p>
+        </p:txBody>
+      </p:sp>
+      <p:graphicFrame>
+        <p:nvGraphicFramePr>
+          <p:cNvPr id="28" name="TextBox 25">
+            <a:extLst>
+              <a:ext uri="{FF2B5EF4-FFF2-40B4-BE49-F238E27FC236}">
+                <a16:creationId xmlns:a16="http://schemas.microsoft.com/office/drawing/2014/main" id="{C603CC0B-7253-45F0-26D6-E928E23F1266}"/>
+              </a:ext>
+            </a:extLst>
+          </p:cNvPr>
+          <p:cNvGraphicFramePr/>
+          <p:nvPr>
+            <p:extLst>
+              <p:ext uri="{D42A27DB-BD31-4B8C-83A1-F6EECF244321}">
+                <p14:modId xmlns:p14="http://schemas.microsoft.com/office/powerpoint/2010/main" val="2759387406"/>
+              </p:ext>
+            </p:extLst>
+          </p:nvPr>
+        </p:nvGraphicFramePr>
+        <p:xfrm>
+          <a:off x="443365" y="1825625"/>
+          <a:ext cx="11215235" cy="4351338"/>
+        </p:xfrm>
+        <a:graphic>
+          <a:graphicData uri="http://schemas.openxmlformats.org/drawingml/2006/diagram">
+            <dgm:relIds xmlns:dgm="http://schemas.openxmlformats.org/drawingml/2006/diagram" xmlns:r="http://schemas.openxmlformats.org/officeDocument/2006/relationships" r:dm="rId3" r:lo="rId4" r:qs="rId5" r:cs="rId6"/>
+          </a:graphicData>
+        </a:graphic>
+      </p:graphicFrame>
+    </p:spTree>
+    <p:extLst>
+      <p:ext uri="{BB962C8B-B14F-4D97-AF65-F5344CB8AC3E}">
+        <p14:creationId xmlns:p14="http://schemas.microsoft.com/office/powerpoint/2010/main" val="2118691603"/>
+      </p:ext>
+    </p:extLst>
+  </p:cSld>
+  <p:clrMapOvr>
+    <a:masterClrMapping/>
+  </p:clrMapOvr>
+  <mc:AlternateContent xmlns:mc="http://schemas.openxmlformats.org/markup-compatibility/2006" xmlns:p14="http://schemas.microsoft.com/office/powerpoint/2010/main">
+    <mc:Choice Requires="p14">
+      <p:transition spd="med" p14:dur="700">
+        <p:fade/>
+      </p:transition>
+    </mc:Choice>
+    <mc:Fallback xmlns="">
+      <p:transition spd="med">
+        <p:fade/>
+      </p:transition>
+    </mc:Fallback>
+  </mc:AlternateContent>
+</p:sld>
+</file>
+
+<file path=ppt/slides/slide8.xml><?xml version="1.0" encoding="utf-8"?>
+<p:sld xmlns:a="http://schemas.openxmlformats.org/drawingml/2006/main" xmlns:r="http://schemas.openxmlformats.org/officeDocument/2006/relationships" xmlns:p="http://schemas.openxmlformats.org/presentationml/2006/main">
+  <p:cSld>
+    <p:spTree>
+      <p:nvGrpSpPr>
+        <p:cNvPr id="1" name="">
+          <a:extLst>
+            <a:ext uri="{FF2B5EF4-FFF2-40B4-BE49-F238E27FC236}">
+              <a16:creationId xmlns:a16="http://schemas.microsoft.com/office/drawing/2014/main" id="{949981E6-B5AF-842F-ECE7-1A0AFEEC5725}"/>
+            </a:ext>
+          </a:extLst>
+        </p:cNvPr>
+        <p:cNvGrpSpPr/>
+        <p:nvPr/>
+      </p:nvGrpSpPr>
+      <p:grpSpPr>
+        <a:xfrm>
+          <a:off x="0" y="0"/>
+          <a:ext cx="0" cy="0"/>
+          <a:chOff x="0" y="0"/>
+          <a:chExt cx="0" cy="0"/>
+        </a:xfrm>
+      </p:grpSpPr>
+      <p:sp>
+        <p:nvSpPr>
+          <p:cNvPr id="4" name="Title 3">
+            <a:extLst>
+              <a:ext uri="{FF2B5EF4-FFF2-40B4-BE49-F238E27FC236}">
+                <a16:creationId xmlns:a16="http://schemas.microsoft.com/office/drawing/2014/main" id="{233F2AA7-A394-120C-033E-8DF178B60766}"/>
+              </a:ext>
+            </a:extLst>
+          </p:cNvPr>
+          <p:cNvSpPr>
+            <a:spLocks noGrp="1"/>
+          </p:cNvSpPr>
+          <p:nvPr>
+            <p:ph type="title"/>
+          </p:nvPr>
+        </p:nvSpPr>
+        <p:spPr>
+          <a:xfrm>
+            <a:off x="444500" y="542925"/>
+            <a:ext cx="11214100" cy="535531"/>
+          </a:xfrm>
+        </p:spPr>
+        <p:txBody>
+          <a:bodyPr vert="horz" wrap="square" lIns="91440" tIns="45720" rIns="91440" bIns="45720" rtlCol="0" anchor="t">
+            <a:normAutofit/>
+          </a:bodyPr>
+          <a:lstStyle/>
+          <a:p>
+            <a:r>
+              <a:rPr lang="en-US" dirty="0"/>
+              <a:t>Different Concepts in a File System</a:t>
+            </a:r>
+            <a:endParaRPr lang="en-US" b="1" kern="1200" spc="-70" baseline="0" dirty="0">
+              <a:latin typeface="+mj-lt"/>
+              <a:ea typeface="+mj-ea"/>
+              <a:cs typeface="+mj-cs"/>
+            </a:endParaRPr>
+          </a:p>
+        </p:txBody>
+      </p:sp>
+      <p:sp>
+        <p:nvSpPr>
+          <p:cNvPr id="2" name="Slide Number Placeholder 1">
+            <a:extLst>
+              <a:ext uri="{FF2B5EF4-FFF2-40B4-BE49-F238E27FC236}">
+                <a16:creationId xmlns:a16="http://schemas.microsoft.com/office/drawing/2014/main" id="{F3327DB0-5751-DFA0-9804-3D030E898AD5}"/>
+              </a:ext>
+            </a:extLst>
+          </p:cNvPr>
+          <p:cNvSpPr>
+            <a:spLocks noGrp="1"/>
+          </p:cNvSpPr>
+          <p:nvPr>
+            <p:ph type="sldNum" sz="quarter" idx="12"/>
+          </p:nvPr>
+        </p:nvSpPr>
+        <p:spPr>
+          <a:xfrm>
+            <a:off x="11252200" y="6315075"/>
+            <a:ext cx="406400" cy="365125"/>
+          </a:xfrm>
+        </p:spPr>
+        <p:txBody>
+          <a:bodyPr vert="horz" lIns="91440" tIns="45720" rIns="91440" bIns="45720" rtlCol="0" anchor="ctr">
+            <a:normAutofit/>
+          </a:bodyPr>
+          <a:lstStyle/>
+          <a:p>
+            <a:pPr>
+              <a:spcAft>
+                <a:spcPts val="600"/>
+              </a:spcAft>
+            </a:pPr>
+            <a:fld id="{C263D6C4-4840-40CC-AC84-17E24B3B7BDE}" type="slidenum">
+              <a:rPr lang="en-US" smtClean="0"/>
+              <a:pPr>
+                <a:spcAft>
+                  <a:spcPts val="600"/>
+                </a:spcAft>
+              </a:pPr>
+              <a:t>8</a:t>
+            </a:fld>
+            <a:endParaRPr lang="en-US"/>
+          </a:p>
+        </p:txBody>
+      </p:sp>
+      <p:grpSp>
+        <p:nvGrpSpPr>
+          <p:cNvPr id="6" name="Group 5">
+            <a:extLst>
+              <a:ext uri="{FF2B5EF4-FFF2-40B4-BE49-F238E27FC236}">
+                <a16:creationId xmlns:a16="http://schemas.microsoft.com/office/drawing/2014/main" id="{3DF5AD2C-875E-7BAC-06D3-A0523B91B89B}"/>
+              </a:ext>
+            </a:extLst>
+          </p:cNvPr>
+          <p:cNvGrpSpPr/>
+          <p:nvPr/>
+        </p:nvGrpSpPr>
+        <p:grpSpPr>
+          <a:xfrm>
+            <a:off x="175659" y="1928224"/>
+            <a:ext cx="9009438" cy="903688"/>
+            <a:chOff x="175659" y="1928224"/>
+            <a:chExt cx="9009438" cy="903688"/>
+          </a:xfrm>
+        </p:grpSpPr>
+        <p:sp>
+          <p:nvSpPr>
+            <p:cNvPr id="3" name="Title 3">
+              <a:extLst>
+                <a:ext uri="{FF2B5EF4-FFF2-40B4-BE49-F238E27FC236}">
+                  <a16:creationId xmlns:a16="http://schemas.microsoft.com/office/drawing/2014/main" id="{0FD59179-A5CE-20A3-E269-0907D353394E}"/>
+                </a:ext>
+              </a:extLst>
+            </p:cNvPr>
+            <p:cNvSpPr txBox="1">
+              <a:spLocks/>
+            </p:cNvSpPr>
+            <p:nvPr/>
+          </p:nvSpPr>
+          <p:spPr>
+            <a:xfrm>
+              <a:off x="175659" y="1928224"/>
+              <a:ext cx="1478480" cy="535531"/>
+            </a:xfrm>
+            <a:prstGeom prst="rect">
+              <a:avLst/>
+            </a:prstGeom>
+          </p:spPr>
+          <p:txBody>
+            <a:bodyPr vert="horz" wrap="square" lIns="91440" tIns="45720" rIns="91440" bIns="45720" rtlCol="0" anchor="t">
+              <a:normAutofit/>
+            </a:bodyPr>
+            <a:lstStyle>
+              <a:lvl1pPr algn="l" defTabSz="914400" rtl="0" eaLnBrk="1" latinLnBrk="0" hangingPunct="1">
+                <a:lnSpc>
+                  <a:spcPct val="90000"/>
+                </a:lnSpc>
+                <a:spcBef>
+                  <a:spcPct val="0"/>
+                </a:spcBef>
+                <a:buNone/>
+                <a:defRPr lang="en-GB" sz="3200" b="1" kern="1200" spc="-70" baseline="0" dirty="0">
+                  <a:solidFill>
+                    <a:schemeClr val="bg1"/>
+                  </a:solidFill>
+                  <a:latin typeface="+mj-lt"/>
+                  <a:ea typeface="+mj-ea"/>
+                  <a:cs typeface="+mj-cs"/>
+                </a:defRPr>
+              </a:lvl1pPr>
+            </a:lstStyle>
+            <a:p>
+              <a:r>
+                <a:rPr lang="en-US" sz="2200" dirty="0"/>
+                <a:t>Partitions</a:t>
+              </a:r>
+            </a:p>
+          </p:txBody>
+        </p:sp>
+        <p:sp>
+          <p:nvSpPr>
+            <p:cNvPr id="5" name="Title 3">
+              <a:extLst>
+                <a:ext uri="{FF2B5EF4-FFF2-40B4-BE49-F238E27FC236}">
+                  <a16:creationId xmlns:a16="http://schemas.microsoft.com/office/drawing/2014/main" id="{D7EF7E80-D669-B250-989E-7A546E8CBD9F}"/>
+                </a:ext>
+              </a:extLst>
+            </p:cNvPr>
+            <p:cNvSpPr txBox="1">
+              <a:spLocks/>
+            </p:cNvSpPr>
+            <p:nvPr/>
+          </p:nvSpPr>
+          <p:spPr>
+            <a:xfrm>
+              <a:off x="687655" y="2296381"/>
+              <a:ext cx="8497442" cy="535531"/>
+            </a:xfrm>
+            <a:prstGeom prst="rect">
+              <a:avLst/>
+            </a:prstGeom>
+          </p:spPr>
+          <p:txBody>
+            <a:bodyPr vert="horz" wrap="square" lIns="91440" tIns="45720" rIns="91440" bIns="45720" rtlCol="0" anchor="t">
+              <a:normAutofit fontScale="85000" lnSpcReduction="10000"/>
+            </a:bodyPr>
+            <a:lstStyle>
+              <a:lvl1pPr algn="l" defTabSz="914400" rtl="0" eaLnBrk="1" latinLnBrk="0" hangingPunct="1">
+                <a:lnSpc>
+                  <a:spcPct val="90000"/>
+                </a:lnSpc>
+                <a:spcBef>
+                  <a:spcPct val="0"/>
+                </a:spcBef>
+                <a:buNone/>
+                <a:defRPr lang="en-GB" sz="3200" b="1" kern="1200" spc="-70" baseline="0" dirty="0">
+                  <a:solidFill>
+                    <a:schemeClr val="bg1"/>
+                  </a:solidFill>
+                  <a:latin typeface="+mj-lt"/>
+                  <a:ea typeface="+mj-ea"/>
+                  <a:cs typeface="+mj-cs"/>
+                </a:defRPr>
+              </a:lvl1pPr>
+            </a:lstStyle>
+            <a:p>
+              <a:r>
+                <a:rPr lang="en-US" sz="1800" b="0" dirty="0"/>
+                <a:t>-a partition is a  section of a storage device that the operating system treats as a separate space. You can think like dividing a bookshelf into separate sections, each with its own purpose.</a:t>
+              </a:r>
+            </a:p>
+          </p:txBody>
+        </p:sp>
+      </p:grpSp>
+      <p:grpSp>
+        <p:nvGrpSpPr>
+          <p:cNvPr id="7" name="Group 6">
+            <a:extLst>
+              <a:ext uri="{FF2B5EF4-FFF2-40B4-BE49-F238E27FC236}">
+                <a16:creationId xmlns:a16="http://schemas.microsoft.com/office/drawing/2014/main" id="{0F461CCB-F132-D800-2F89-A27BA68B6174}"/>
+              </a:ext>
+            </a:extLst>
+          </p:cNvPr>
+          <p:cNvGrpSpPr/>
+          <p:nvPr/>
+        </p:nvGrpSpPr>
+        <p:grpSpPr>
+          <a:xfrm>
+            <a:off x="175659" y="3122401"/>
+            <a:ext cx="9009438" cy="903688"/>
+            <a:chOff x="175659" y="1928224"/>
+            <a:chExt cx="9009438" cy="903688"/>
+          </a:xfrm>
+        </p:grpSpPr>
+        <p:sp>
+          <p:nvSpPr>
+            <p:cNvPr id="8" name="Title 3">
+              <a:extLst>
+                <a:ext uri="{FF2B5EF4-FFF2-40B4-BE49-F238E27FC236}">
+                  <a16:creationId xmlns:a16="http://schemas.microsoft.com/office/drawing/2014/main" id="{881884D4-99CD-2654-81D1-60AA7C543440}"/>
+                </a:ext>
+              </a:extLst>
+            </p:cNvPr>
+            <p:cNvSpPr txBox="1">
+              <a:spLocks/>
+            </p:cNvSpPr>
+            <p:nvPr/>
+          </p:nvSpPr>
+          <p:spPr>
+            <a:xfrm>
+              <a:off x="175659" y="1928224"/>
+              <a:ext cx="1478480" cy="535531"/>
+            </a:xfrm>
+            <a:prstGeom prst="rect">
+              <a:avLst/>
+            </a:prstGeom>
+          </p:spPr>
+          <p:txBody>
+            <a:bodyPr vert="horz" wrap="square" lIns="91440" tIns="45720" rIns="91440" bIns="45720" rtlCol="0" anchor="t">
+              <a:normAutofit fontScale="92500"/>
+            </a:bodyPr>
+            <a:lstStyle>
+              <a:lvl1pPr algn="l" defTabSz="914400" rtl="0" eaLnBrk="1" latinLnBrk="0" hangingPunct="1">
+                <a:lnSpc>
+                  <a:spcPct val="90000"/>
+                </a:lnSpc>
+                <a:spcBef>
+                  <a:spcPct val="0"/>
+                </a:spcBef>
+                <a:buNone/>
+                <a:defRPr lang="en-GB" sz="3200" b="1" kern="1200" spc="-70" baseline="0" dirty="0">
+                  <a:solidFill>
+                    <a:schemeClr val="bg1"/>
+                  </a:solidFill>
+                  <a:latin typeface="+mj-lt"/>
+                  <a:ea typeface="+mj-ea"/>
+                  <a:cs typeface="+mj-cs"/>
+                </a:defRPr>
+              </a:lvl1pPr>
+            </a:lstStyle>
+            <a:p>
+              <a:r>
+                <a:rPr lang="en-US" sz="2200" dirty="0"/>
+                <a:t>Formatting</a:t>
+              </a:r>
+            </a:p>
+          </p:txBody>
+        </p:sp>
+        <p:sp>
+          <p:nvSpPr>
+            <p:cNvPr id="9" name="Title 3">
+              <a:extLst>
+                <a:ext uri="{FF2B5EF4-FFF2-40B4-BE49-F238E27FC236}">
+                  <a16:creationId xmlns:a16="http://schemas.microsoft.com/office/drawing/2014/main" id="{5C2152A5-30B7-4F1D-1665-C20FD2640AD3}"/>
+                </a:ext>
+              </a:extLst>
+            </p:cNvPr>
+            <p:cNvSpPr txBox="1">
+              <a:spLocks/>
+            </p:cNvSpPr>
+            <p:nvPr/>
+          </p:nvSpPr>
+          <p:spPr>
+            <a:xfrm>
+              <a:off x="687655" y="2296381"/>
+              <a:ext cx="8497442" cy="535531"/>
+            </a:xfrm>
+            <a:prstGeom prst="rect">
+              <a:avLst/>
+            </a:prstGeom>
+          </p:spPr>
+          <p:txBody>
+            <a:bodyPr vert="horz" wrap="square" lIns="91440" tIns="45720" rIns="91440" bIns="45720" rtlCol="0" anchor="t">
+              <a:noAutofit/>
+            </a:bodyPr>
+            <a:lstStyle>
+              <a:lvl1pPr algn="l" defTabSz="914400" rtl="0" eaLnBrk="1" latinLnBrk="0" hangingPunct="1">
+                <a:lnSpc>
+                  <a:spcPct val="90000"/>
+                </a:lnSpc>
+                <a:spcBef>
+                  <a:spcPct val="0"/>
+                </a:spcBef>
+                <a:buNone/>
+                <a:defRPr lang="en-GB" sz="3200" b="1" kern="1200" spc="-70" baseline="0" dirty="0">
+                  <a:solidFill>
+                    <a:schemeClr val="bg1"/>
+                  </a:solidFill>
+                  <a:latin typeface="+mj-lt"/>
+                  <a:ea typeface="+mj-ea"/>
+                  <a:cs typeface="+mj-cs"/>
+                </a:defRPr>
+              </a:lvl1pPr>
+            </a:lstStyle>
+            <a:p>
+              <a:r>
+                <a:rPr lang="en-US" sz="1500" b="0" dirty="0"/>
+                <a:t>-refers to the process of preparing a storage device (like a hard drive, SSD, or USB) so it can store data properly using a specific file system (e.g., NTFS, FAT32, ext4). Formatting usually happens in two steps: low-level formatting and high-level formatting.</a:t>
+              </a:r>
+            </a:p>
+          </p:txBody>
+        </p:sp>
+      </p:grpSp>
+      <p:sp>
+        <p:nvSpPr>
+          <p:cNvPr id="10" name="Title 3">
+            <a:extLst>
+              <a:ext uri="{FF2B5EF4-FFF2-40B4-BE49-F238E27FC236}">
+                <a16:creationId xmlns:a16="http://schemas.microsoft.com/office/drawing/2014/main" id="{B0C0418B-3394-05A5-9694-0DB0C02BFAE4}"/>
+              </a:ext>
+            </a:extLst>
+          </p:cNvPr>
+          <p:cNvSpPr txBox="1">
+            <a:spLocks/>
+          </p:cNvSpPr>
+          <p:nvPr/>
+        </p:nvSpPr>
+        <p:spPr>
+          <a:xfrm>
+            <a:off x="1024990" y="4198556"/>
+            <a:ext cx="8497442" cy="535531"/>
+          </a:xfrm>
+          <a:prstGeom prst="rect">
+            <a:avLst/>
+          </a:prstGeom>
+        </p:spPr>
+        <p:txBody>
+          <a:bodyPr vert="horz" wrap="square" lIns="91440" tIns="45720" rIns="91440" bIns="45720" rtlCol="0" anchor="t">
+            <a:noAutofit/>
+          </a:bodyPr>
+          <a:lstStyle>
+            <a:lvl1pPr algn="l" defTabSz="914400" rtl="0" eaLnBrk="1" latinLnBrk="0" hangingPunct="1">
+              <a:lnSpc>
+                <a:spcPct val="90000"/>
+              </a:lnSpc>
+              <a:spcBef>
+                <a:spcPct val="0"/>
+              </a:spcBef>
+              <a:buNone/>
+              <a:defRPr lang="en-GB" sz="3200" b="1" kern="1200" spc="-70" baseline="0" dirty="0">
+                <a:solidFill>
+                  <a:schemeClr val="bg1"/>
+                </a:solidFill>
+                <a:latin typeface="+mj-lt"/>
+                <a:ea typeface="+mj-ea"/>
+                <a:cs typeface="+mj-cs"/>
+              </a:defRPr>
+            </a:lvl1pPr>
+          </a:lstStyle>
+          <a:p>
+            <a:r>
+              <a:rPr lang="en-US" sz="1400" dirty="0"/>
+              <a:t>Low-Level Formatting </a:t>
+            </a:r>
+            <a:r>
+              <a:rPr lang="en-US" sz="1400" b="0" dirty="0"/>
+              <a:t>creates the physical structure of the disk (tracks, sectors, cylinders). It is done by the manufacturer and prepares the disk for data storage at the hardware level.</a:t>
+            </a:r>
+          </a:p>
+          <a:p>
+            <a:endParaRPr lang="en-US" sz="1400" b="0" dirty="0"/>
+          </a:p>
+          <a:p>
+            <a:r>
+              <a:rPr lang="en-US" sz="1400" dirty="0"/>
+              <a:t>High-Level Formatting</a:t>
+            </a:r>
+            <a:r>
+              <a:rPr lang="en-US" sz="1400" b="0" dirty="0"/>
+              <a:t> sets up the file system (e.g., NTFS, FAT32) and prepares the disk for use by the user. It organizes how files are stored and accessed but does not change the physical layout of the disk</a:t>
+            </a:r>
+          </a:p>
+          <a:p>
+            <a:endParaRPr lang="en-US" sz="1400" b="0" dirty="0"/>
+          </a:p>
+        </p:txBody>
+      </p:sp>
+    </p:spTree>
+    <p:extLst>
+      <p:ext uri="{BB962C8B-B14F-4D97-AF65-F5344CB8AC3E}">
+        <p14:creationId xmlns:p14="http://schemas.microsoft.com/office/powerpoint/2010/main" val="3994045510"/>
+      </p:ext>
+    </p:extLst>
+  </p:cSld>
+  <p:clrMapOvr>
+    <a:masterClrMapping/>
+  </p:clrMapOvr>
+  <mc:AlternateContent xmlns:mc="http://schemas.openxmlformats.org/markup-compatibility/2006">
+    <mc:Choice xmlns:p14="http://schemas.microsoft.com/office/powerpoint/2010/main" Requires="p14">
+      <p:transition spd="med" p14:dur="700">
+        <p:fade/>
+      </p:transition>
+    </mc:Choice>
+    <mc:Fallback>
+      <p:transition spd="med">
+        <p:fade/>
+      </p:transition>
+    </mc:Fallback>
+  </mc:AlternateContent>
+</p:sld>
+</file>
+
+<file path=ppt/slides/slide9.xml><?xml version="1.0" encoding="utf-8"?>
+<p:sld xmlns:a="http://schemas.openxmlformats.org/drawingml/2006/main" xmlns:r="http://schemas.openxmlformats.org/officeDocument/2006/relationships" xmlns:p="http://schemas.openxmlformats.org/presentationml/2006/main">
+  <p:cSld>
+    <p:spTree>
+      <p:nvGrpSpPr>
+        <p:cNvPr id="1" name="">
+          <a:extLst>
+            <a:ext uri="{FF2B5EF4-FFF2-40B4-BE49-F238E27FC236}">
+              <a16:creationId xmlns:a16="http://schemas.microsoft.com/office/drawing/2014/main" id="{91FFF8DD-E3A2-6158-1FB7-5FFC578C4E33}"/>
+            </a:ext>
+          </a:extLst>
+        </p:cNvPr>
+        <p:cNvGrpSpPr/>
+        <p:nvPr/>
+      </p:nvGrpSpPr>
+      <p:grpSpPr>
+        <a:xfrm>
+          <a:off x="0" y="0"/>
+          <a:ext cx="0" cy="0"/>
+          <a:chOff x="0" y="0"/>
+          <a:chExt cx="0" cy="0"/>
+        </a:xfrm>
+      </p:grpSpPr>
+      <p:sp>
+        <p:nvSpPr>
+          <p:cNvPr id="4" name="Title 3">
+            <a:extLst>
+              <a:ext uri="{FF2B5EF4-FFF2-40B4-BE49-F238E27FC236}">
+                <a16:creationId xmlns:a16="http://schemas.microsoft.com/office/drawing/2014/main" id="{4D2F911A-1B51-5CAF-0A68-ABB30AE70330}"/>
+              </a:ext>
+            </a:extLst>
+          </p:cNvPr>
+          <p:cNvSpPr>
+            <a:spLocks noGrp="1"/>
+          </p:cNvSpPr>
+          <p:nvPr>
+            <p:ph type="title"/>
+          </p:nvPr>
+        </p:nvSpPr>
+        <p:spPr>
+          <a:xfrm>
+            <a:off x="444500" y="542925"/>
+            <a:ext cx="11214100" cy="535531"/>
+          </a:xfrm>
+        </p:spPr>
+        <p:txBody>
+          <a:bodyPr vert="horz" wrap="square" lIns="91440" tIns="45720" rIns="91440" bIns="45720" rtlCol="0" anchor="t">
+            <a:normAutofit/>
+          </a:bodyPr>
+          <a:lstStyle/>
+          <a:p>
+            <a:r>
+              <a:rPr lang="en-US" dirty="0"/>
+              <a:t>Two Common types of high-level formatting.</a:t>
+            </a:r>
+            <a:endParaRPr lang="en-US" b="1" kern="1200" spc="-70" baseline="0" dirty="0">
+              <a:latin typeface="+mj-lt"/>
+              <a:ea typeface="+mj-ea"/>
+              <a:cs typeface="+mj-cs"/>
+            </a:endParaRPr>
+          </a:p>
+        </p:txBody>
+      </p:sp>
+      <p:sp>
+        <p:nvSpPr>
+          <p:cNvPr id="2" name="Slide Number Placeholder 1">
+            <a:extLst>
+              <a:ext uri="{FF2B5EF4-FFF2-40B4-BE49-F238E27FC236}">
+                <a16:creationId xmlns:a16="http://schemas.microsoft.com/office/drawing/2014/main" id="{FAE1ADBB-359C-5B9D-5226-297AEBD0090D}"/>
+              </a:ext>
+            </a:extLst>
+          </p:cNvPr>
+          <p:cNvSpPr>
+            <a:spLocks noGrp="1"/>
+          </p:cNvSpPr>
+          <p:nvPr>
+            <p:ph type="sldNum" sz="quarter" idx="12"/>
+          </p:nvPr>
+        </p:nvSpPr>
+        <p:spPr>
+          <a:xfrm>
+            <a:off x="11252200" y="6315075"/>
+            <a:ext cx="406400" cy="365125"/>
+          </a:xfrm>
+        </p:spPr>
+        <p:txBody>
+          <a:bodyPr vert="horz" lIns="91440" tIns="45720" rIns="91440" bIns="45720" rtlCol="0" anchor="ctr">
+            <a:normAutofit/>
+          </a:bodyPr>
+          <a:lstStyle/>
+          <a:p>
+            <a:pPr>
+              <a:spcAft>
+                <a:spcPts val="600"/>
+              </a:spcAft>
+            </a:pPr>
+            <a:fld id="{C263D6C4-4840-40CC-AC84-17E24B3B7BDE}" type="slidenum">
+              <a:rPr lang="en-US" smtClean="0"/>
+              <a:pPr>
+                <a:spcAft>
+                  <a:spcPts val="600"/>
+                </a:spcAft>
+              </a:pPr>
+              <a:t>9</a:t>
+            </a:fld>
+            <a:endParaRPr lang="en-US"/>
+          </a:p>
+        </p:txBody>
+      </p:sp>
+      <p:grpSp>
+        <p:nvGrpSpPr>
+          <p:cNvPr id="6" name="Group 5">
+            <a:extLst>
+              <a:ext uri="{FF2B5EF4-FFF2-40B4-BE49-F238E27FC236}">
+                <a16:creationId xmlns:a16="http://schemas.microsoft.com/office/drawing/2014/main" id="{67B14C60-ADC5-54B6-854A-A884C23CDD3E}"/>
+              </a:ext>
+            </a:extLst>
+          </p:cNvPr>
+          <p:cNvGrpSpPr/>
+          <p:nvPr/>
+        </p:nvGrpSpPr>
+        <p:grpSpPr>
+          <a:xfrm>
+            <a:off x="175659" y="1928224"/>
+            <a:ext cx="9009438" cy="903688"/>
+            <a:chOff x="175659" y="1928224"/>
+            <a:chExt cx="9009438" cy="903688"/>
+          </a:xfrm>
+        </p:grpSpPr>
+        <p:sp>
+          <p:nvSpPr>
+            <p:cNvPr id="3" name="Title 3">
+              <a:extLst>
+                <a:ext uri="{FF2B5EF4-FFF2-40B4-BE49-F238E27FC236}">
+                  <a16:creationId xmlns:a16="http://schemas.microsoft.com/office/drawing/2014/main" id="{4CB8A552-D348-4177-3C7E-A424AA469DEC}"/>
+                </a:ext>
+              </a:extLst>
+            </p:cNvPr>
+            <p:cNvSpPr txBox="1">
+              <a:spLocks/>
+            </p:cNvSpPr>
+            <p:nvPr/>
+          </p:nvSpPr>
+          <p:spPr>
+            <a:xfrm>
+              <a:off x="175659" y="1928224"/>
+              <a:ext cx="1951092" cy="535531"/>
+            </a:xfrm>
+            <a:prstGeom prst="rect">
+              <a:avLst/>
+            </a:prstGeom>
+          </p:spPr>
+          <p:txBody>
+            <a:bodyPr vert="horz" wrap="square" lIns="91440" tIns="45720" rIns="91440" bIns="45720" rtlCol="0" anchor="t">
+              <a:normAutofit/>
+            </a:bodyPr>
+            <a:lstStyle>
+              <a:lvl1pPr algn="l" defTabSz="914400" rtl="0" eaLnBrk="1" latinLnBrk="0" hangingPunct="1">
+                <a:lnSpc>
+                  <a:spcPct val="90000"/>
+                </a:lnSpc>
+                <a:spcBef>
+                  <a:spcPct val="0"/>
+                </a:spcBef>
+                <a:buNone/>
+                <a:defRPr lang="en-GB" sz="3200" b="1" kern="1200" spc="-70" baseline="0" dirty="0">
+                  <a:solidFill>
+                    <a:schemeClr val="bg1"/>
+                  </a:solidFill>
+                  <a:latin typeface="+mj-lt"/>
+                  <a:ea typeface="+mj-ea"/>
+                  <a:cs typeface="+mj-cs"/>
+                </a:defRPr>
+              </a:lvl1pPr>
+            </a:lstStyle>
+            <a:p>
+              <a:r>
+                <a:rPr lang="en-US" sz="2200" dirty="0"/>
+                <a:t>Quick Format</a:t>
+              </a:r>
+            </a:p>
+          </p:txBody>
+        </p:sp>
+        <p:sp>
+          <p:nvSpPr>
+            <p:cNvPr id="5" name="Title 3">
+              <a:extLst>
+                <a:ext uri="{FF2B5EF4-FFF2-40B4-BE49-F238E27FC236}">
+                  <a16:creationId xmlns:a16="http://schemas.microsoft.com/office/drawing/2014/main" id="{5A509BEC-2CC1-A4B9-482A-A0BC53019B7D}"/>
+                </a:ext>
+              </a:extLst>
+            </p:cNvPr>
+            <p:cNvSpPr txBox="1">
+              <a:spLocks/>
+            </p:cNvSpPr>
+            <p:nvPr/>
+          </p:nvSpPr>
+          <p:spPr>
+            <a:xfrm>
+              <a:off x="687655" y="2296381"/>
+              <a:ext cx="8497442" cy="535531"/>
+            </a:xfrm>
+            <a:prstGeom prst="rect">
+              <a:avLst/>
+            </a:prstGeom>
+          </p:spPr>
+          <p:txBody>
+            <a:bodyPr vert="horz" wrap="square" lIns="91440" tIns="45720" rIns="91440" bIns="45720" rtlCol="0" anchor="t">
+              <a:normAutofit lnSpcReduction="10000"/>
+            </a:bodyPr>
+            <a:lstStyle>
+              <a:lvl1pPr algn="l" defTabSz="914400" rtl="0" eaLnBrk="1" latinLnBrk="0" hangingPunct="1">
+                <a:lnSpc>
+                  <a:spcPct val="90000"/>
+                </a:lnSpc>
+                <a:spcBef>
+                  <a:spcPct val="0"/>
+                </a:spcBef>
+                <a:buNone/>
+                <a:defRPr lang="en-GB" sz="3200" b="1" kern="1200" spc="-70" baseline="0" dirty="0">
+                  <a:solidFill>
+                    <a:schemeClr val="bg1"/>
+                  </a:solidFill>
+                  <a:latin typeface="+mj-lt"/>
+                  <a:ea typeface="+mj-ea"/>
+                  <a:cs typeface="+mj-cs"/>
+                </a:defRPr>
+              </a:lvl1pPr>
+            </a:lstStyle>
+            <a:p>
+              <a:r>
+                <a:rPr lang="en-US" sz="1800" b="0" dirty="0"/>
+                <a:t>-removes the file system and marks the space as available for new data, but it doesn’t erase the actual files. It skips the bad sector scan, which make it much faster.</a:t>
+              </a:r>
+            </a:p>
+          </p:txBody>
+        </p:sp>
+      </p:grpSp>
+      <p:grpSp>
+        <p:nvGrpSpPr>
+          <p:cNvPr id="7" name="Group 6">
+            <a:extLst>
+              <a:ext uri="{FF2B5EF4-FFF2-40B4-BE49-F238E27FC236}">
+                <a16:creationId xmlns:a16="http://schemas.microsoft.com/office/drawing/2014/main" id="{99566015-909E-33F9-5C20-FEBBE86290F4}"/>
+              </a:ext>
+            </a:extLst>
+          </p:cNvPr>
+          <p:cNvGrpSpPr/>
+          <p:nvPr/>
+        </p:nvGrpSpPr>
+        <p:grpSpPr>
+          <a:xfrm>
+            <a:off x="175659" y="3942402"/>
+            <a:ext cx="9009438" cy="903688"/>
+            <a:chOff x="175659" y="1928224"/>
+            <a:chExt cx="9009438" cy="903688"/>
+          </a:xfrm>
+        </p:grpSpPr>
+        <p:sp>
+          <p:nvSpPr>
+            <p:cNvPr id="8" name="Title 3">
+              <a:extLst>
+                <a:ext uri="{FF2B5EF4-FFF2-40B4-BE49-F238E27FC236}">
+                  <a16:creationId xmlns:a16="http://schemas.microsoft.com/office/drawing/2014/main" id="{DE337313-4D88-5E08-3B61-FE48FEA963A0}"/>
+                </a:ext>
+              </a:extLst>
+            </p:cNvPr>
+            <p:cNvSpPr txBox="1">
+              <a:spLocks/>
+            </p:cNvSpPr>
+            <p:nvPr/>
+          </p:nvSpPr>
+          <p:spPr>
+            <a:xfrm>
+              <a:off x="175659" y="1928224"/>
+              <a:ext cx="1478480" cy="535531"/>
+            </a:xfrm>
+            <a:prstGeom prst="rect">
+              <a:avLst/>
+            </a:prstGeom>
+          </p:spPr>
+          <p:txBody>
+            <a:bodyPr vert="horz" wrap="square" lIns="91440" tIns="45720" rIns="91440" bIns="45720" rtlCol="0" anchor="t">
+              <a:normAutofit fontScale="92500"/>
+            </a:bodyPr>
+            <a:lstStyle>
+              <a:lvl1pPr algn="l" defTabSz="914400" rtl="0" eaLnBrk="1" latinLnBrk="0" hangingPunct="1">
+                <a:lnSpc>
+                  <a:spcPct val="90000"/>
+                </a:lnSpc>
+                <a:spcBef>
+                  <a:spcPct val="0"/>
+                </a:spcBef>
+                <a:buNone/>
+                <a:defRPr lang="en-GB" sz="3200" b="1" kern="1200" spc="-70" baseline="0" dirty="0">
+                  <a:solidFill>
+                    <a:schemeClr val="bg1"/>
+                  </a:solidFill>
+                  <a:latin typeface="+mj-lt"/>
+                  <a:ea typeface="+mj-ea"/>
+                  <a:cs typeface="+mj-cs"/>
+                </a:defRPr>
+              </a:lvl1pPr>
+            </a:lstStyle>
+            <a:p>
+              <a:r>
+                <a:rPr lang="en-US" sz="2200" dirty="0"/>
+                <a:t>Full Format</a:t>
+              </a:r>
+            </a:p>
+          </p:txBody>
+        </p:sp>
+        <p:sp>
+          <p:nvSpPr>
+            <p:cNvPr id="9" name="Title 3">
+              <a:extLst>
+                <a:ext uri="{FF2B5EF4-FFF2-40B4-BE49-F238E27FC236}">
+                  <a16:creationId xmlns:a16="http://schemas.microsoft.com/office/drawing/2014/main" id="{72CE6FBF-46C8-B2F2-EAB1-AD0E5518386E}"/>
+                </a:ext>
+              </a:extLst>
+            </p:cNvPr>
+            <p:cNvSpPr txBox="1">
+              <a:spLocks/>
+            </p:cNvSpPr>
+            <p:nvPr/>
+          </p:nvSpPr>
+          <p:spPr>
+            <a:xfrm>
+              <a:off x="687655" y="2296381"/>
+              <a:ext cx="8497442" cy="535531"/>
+            </a:xfrm>
+            <a:prstGeom prst="rect">
+              <a:avLst/>
+            </a:prstGeom>
+          </p:spPr>
+          <p:txBody>
+            <a:bodyPr vert="horz" wrap="square" lIns="91440" tIns="45720" rIns="91440" bIns="45720" rtlCol="0" anchor="t">
+              <a:noAutofit/>
+            </a:bodyPr>
+            <a:lstStyle>
+              <a:lvl1pPr algn="l" defTabSz="914400" rtl="0" eaLnBrk="1" latinLnBrk="0" hangingPunct="1">
+                <a:lnSpc>
+                  <a:spcPct val="90000"/>
+                </a:lnSpc>
+                <a:spcBef>
+                  <a:spcPct val="0"/>
+                </a:spcBef>
+                <a:buNone/>
+                <a:defRPr lang="en-GB" sz="3200" b="1" kern="1200" spc="-70" baseline="0" dirty="0">
+                  <a:solidFill>
+                    <a:schemeClr val="bg1"/>
+                  </a:solidFill>
+                  <a:latin typeface="+mj-lt"/>
+                  <a:ea typeface="+mj-ea"/>
+                  <a:cs typeface="+mj-cs"/>
+                </a:defRPr>
+              </a:lvl1pPr>
+            </a:lstStyle>
+            <a:p>
+              <a:r>
+                <a:rPr lang="en-US" sz="1600" b="0" dirty="0"/>
+                <a:t>-it takes more time because it erases all existing data by writing zeros across the entire drive. It also scans for bad sectors to avoid future issues. This is useful for HDDs but not ideal for SSDs, since SSDs have a limited number of write cycles.</a:t>
+              </a:r>
+              <a:endParaRPr lang="en-US" sz="1500" b="0" dirty="0"/>
+            </a:p>
+          </p:txBody>
+        </p:sp>
+      </p:grpSp>
+    </p:spTree>
+    <p:extLst>
+      <p:ext uri="{BB962C8B-B14F-4D97-AF65-F5344CB8AC3E}">
+        <p14:creationId xmlns:p14="http://schemas.microsoft.com/office/powerpoint/2010/main" val="2595756491"/>
+      </p:ext>
+    </p:extLst>
+  </p:cSld>
+  <p:clrMapOvr>
+    <a:masterClrMapping/>
+  </p:clrMapOvr>
+  <mc:AlternateContent xmlns:mc="http://schemas.openxmlformats.org/markup-compatibility/2006">
+    <mc:Choice xmlns:p14="http://schemas.microsoft.com/office/powerpoint/2010/main" Requires="p14">
+      <p:transition spd="med" p14:dur="700">
+        <p:fade/>
+      </p:transition>
+    </mc:Choice>
+    <mc:Fallback>
       <p:transition spd="med">
         <p:fade/>
       </p:transition>
@@ -45601,20 +47564,20 @@
 </file>
 
 <file path=customXml/item1.xml><?xml version="1.0" encoding="utf-8"?>
+<p:properties xmlns:p="http://schemas.microsoft.com/office/2006/metadata/properties" xmlns:xsi="http://www.w3.org/2001/XMLSchema-instance" xmlns:pc="http://schemas.microsoft.com/office/infopath/2007/PartnerControls">
+  <documentManagement>
+    <MediaServiceKeyPoints xmlns="71af3243-3dd4-4a8d-8c0d-dd76da1f02a5" xsi:nil="true"/>
+  </documentManagement>
+</p:properties>
+</file>
+
+<file path=customXml/item2.xml><?xml version="1.0" encoding="utf-8"?>
 <?mso-contentType ?>
 <FormTemplates xmlns="http://schemas.microsoft.com/sharepoint/v3/contenttype/forms">
   <Display>DocumentLibraryForm</Display>
   <Edit>DocumentLibraryForm</Edit>
   <New>DocumentLibraryForm</New>
 </FormTemplates>
-</file>
-
-<file path=customXml/item2.xml><?xml version="1.0" encoding="utf-8"?>
-<p:properties xmlns:p="http://schemas.microsoft.com/office/2006/metadata/properties" xmlns:xsi="http://www.w3.org/2001/XMLSchema-instance" xmlns:pc="http://schemas.microsoft.com/office/infopath/2007/PartnerControls">
-  <documentManagement>
-    <MediaServiceKeyPoints xmlns="71af3243-3dd4-4a8d-8c0d-dd76da1f02a5" xsi:nil="true"/>
-  </documentManagement>
-</p:properties>
 </file>
 
 <file path=customXml/item3.xml><?xml version="1.0" encoding="utf-8"?>
@@ -45829,19 +47792,19 @@
 </file>
 
 <file path=customXml/itemProps1.xml><?xml version="1.0" encoding="utf-8"?>
-<ds:datastoreItem xmlns:ds="http://schemas.openxmlformats.org/officeDocument/2006/customXml" ds:itemID="{5B26E0C9-B2AA-42E6-97B6-E1B7D9EAF129}">
+<ds:datastoreItem xmlns:ds="http://schemas.openxmlformats.org/officeDocument/2006/customXml" ds:itemID="{F5757914-1161-4661-9696-421FD6935CDD}">
   <ds:schemaRefs>
-    <ds:schemaRef ds:uri="http://schemas.microsoft.com/sharepoint/v3/contenttype/forms"/>
+    <ds:schemaRef ds:uri="http://schemas.microsoft.com/office/2006/metadata/properties"/>
+    <ds:schemaRef ds:uri="http://schemas.microsoft.com/office/infopath/2007/PartnerControls"/>
+    <ds:schemaRef ds:uri="71af3243-3dd4-4a8d-8c0d-dd76da1f02a5"/>
   </ds:schemaRefs>
 </ds:datastoreItem>
 </file>
 
 <file path=customXml/itemProps2.xml><?xml version="1.0" encoding="utf-8"?>
-<ds:datastoreItem xmlns:ds="http://schemas.openxmlformats.org/officeDocument/2006/customXml" ds:itemID="{F5757914-1161-4661-9696-421FD6935CDD}">
+<ds:datastoreItem xmlns:ds="http://schemas.openxmlformats.org/officeDocument/2006/customXml" ds:itemID="{5B26E0C9-B2AA-42E6-97B6-E1B7D9EAF129}">
   <ds:schemaRefs>
-    <ds:schemaRef ds:uri="http://schemas.microsoft.com/office/2006/metadata/properties"/>
-    <ds:schemaRef ds:uri="http://schemas.microsoft.com/office/infopath/2007/PartnerControls"/>
-    <ds:schemaRef ds:uri="71af3243-3dd4-4a8d-8c0d-dd76da1f02a5"/>
+    <ds:schemaRef ds:uri="http://schemas.microsoft.com/sharepoint/v3/contenttype/forms"/>
   </ds:schemaRefs>
 </ds:datastoreItem>
 </file>

--- a/Platform Technologies/Pre Lim/week 2/Lecture/Chapter_2Different File Systems.pptx
+++ b/Platform Technologies/Pre Lim/week 2/Lecture/Chapter_2Different File Systems.pptx
@@ -21,9 +21,9 @@
     <p:sldId id="292" r:id="rId12"/>
     <p:sldId id="293" r:id="rId13"/>
     <p:sldId id="294" r:id="rId14"/>
-    <p:sldId id="266" r:id="rId15"/>
-    <p:sldId id="284" r:id="rId16"/>
-    <p:sldId id="288" r:id="rId17"/>
+    <p:sldId id="295" r:id="rId15"/>
+    <p:sldId id="296" r:id="rId16"/>
+    <p:sldId id="284" r:id="rId17"/>
     <p:sldId id="289" r:id="rId18"/>
     <p:sldId id="290" r:id="rId19"/>
     <p:sldId id="269" r:id="rId20"/>
@@ -15245,7 +15245,7 @@
           <a:p>
             <a:fld id="{1CA5457B-CDAE-4DEB-AEC8-C82DE2312E37}" type="datetimeFigureOut">
               <a:rPr lang="en-US" smtClean="0"/>
-              <a:t>8/7/2025</a:t>
+              <a:t>8/8/2025</a:t>
             </a:fld>
             <a:endParaRPr lang="en-US" dirty="0"/>
           </a:p>
@@ -15422,7 +15422,7 @@
           <a:p>
             <a:fld id="{090B78EA-28CE-41D8-9043-90E391E5F567}" type="datetimeFigureOut">
               <a:rPr lang="en-US" noProof="0" smtClean="0"/>
-              <a:t>8/7/2025</a:t>
+              <a:t>8/8/2025</a:t>
             </a:fld>
             <a:endParaRPr lang="en-US" noProof="0" dirty="0"/>
           </a:p>
@@ -15781,6 +15781,114 @@
   <p:cSld>
     <p:spTree>
       <p:nvGrpSpPr>
+        <p:cNvPr id="1" name="">
+          <a:extLst>
+            <a:ext uri="{FF2B5EF4-FFF2-40B4-BE49-F238E27FC236}">
+              <a16:creationId xmlns:a16="http://schemas.microsoft.com/office/drawing/2014/main" id="{95670ED2-A91A-8D13-8B0C-9C73F742D40F}"/>
+            </a:ext>
+          </a:extLst>
+        </p:cNvPr>
+        <p:cNvGrpSpPr/>
+        <p:nvPr/>
+      </p:nvGrpSpPr>
+      <p:grpSpPr>
+        <a:xfrm>
+          <a:off x="0" y="0"/>
+          <a:ext cx="0" cy="0"/>
+          <a:chOff x="0" y="0"/>
+          <a:chExt cx="0" cy="0"/>
+        </a:xfrm>
+      </p:grpSpPr>
+      <p:sp>
+        <p:nvSpPr>
+          <p:cNvPr id="2" name="Slide Image Placeholder 1">
+            <a:extLst>
+              <a:ext uri="{FF2B5EF4-FFF2-40B4-BE49-F238E27FC236}">
+                <a16:creationId xmlns:a16="http://schemas.microsoft.com/office/drawing/2014/main" id="{EF2EFC1A-72C1-310B-4690-0FAAE54A0BAA}"/>
+              </a:ext>
+            </a:extLst>
+          </p:cNvPr>
+          <p:cNvSpPr>
+            <a:spLocks noGrp="1" noRot="1" noChangeAspect="1"/>
+          </p:cNvSpPr>
+          <p:nvPr>
+            <p:ph type="sldImg"/>
+          </p:nvPr>
+        </p:nvSpPr>
+        <p:spPr/>
+      </p:sp>
+      <p:sp>
+        <p:nvSpPr>
+          <p:cNvPr id="3" name="Notes Placeholder 2">
+            <a:extLst>
+              <a:ext uri="{FF2B5EF4-FFF2-40B4-BE49-F238E27FC236}">
+                <a16:creationId xmlns:a16="http://schemas.microsoft.com/office/drawing/2014/main" id="{DF86DDF0-CDD0-0B9E-0A0B-0DB4ACEF1E83}"/>
+              </a:ext>
+            </a:extLst>
+          </p:cNvPr>
+          <p:cNvSpPr>
+            <a:spLocks noGrp="1"/>
+          </p:cNvSpPr>
+          <p:nvPr>
+            <p:ph type="body" idx="1"/>
+          </p:nvPr>
+        </p:nvSpPr>
+        <p:spPr/>
+        <p:txBody>
+          <a:bodyPr/>
+          <a:lstStyle/>
+          <a:p>
+            <a:endParaRPr lang="en-US" dirty="0"/>
+          </a:p>
+        </p:txBody>
+      </p:sp>
+      <p:sp>
+        <p:nvSpPr>
+          <p:cNvPr id="4" name="Slide Number Placeholder 3">
+            <a:extLst>
+              <a:ext uri="{FF2B5EF4-FFF2-40B4-BE49-F238E27FC236}">
+                <a16:creationId xmlns:a16="http://schemas.microsoft.com/office/drawing/2014/main" id="{F3D29CA1-227C-112E-B7F1-BEA1D607E132}"/>
+              </a:ext>
+            </a:extLst>
+          </p:cNvPr>
+          <p:cNvSpPr>
+            <a:spLocks noGrp="1"/>
+          </p:cNvSpPr>
+          <p:nvPr>
+            <p:ph type="sldNum" sz="quarter" idx="5"/>
+          </p:nvPr>
+        </p:nvSpPr>
+        <p:spPr/>
+        <p:txBody>
+          <a:bodyPr/>
+          <a:lstStyle/>
+          <a:p>
+            <a:fld id="{1734D747-9380-41EE-9946-EC9EC0CA5D1E}" type="slidenum">
+              <a:rPr lang="en-US" noProof="0" smtClean="0"/>
+              <a:t>12</a:t>
+            </a:fld>
+            <a:endParaRPr lang="en-US" noProof="0" dirty="0"/>
+          </a:p>
+        </p:txBody>
+      </p:sp>
+    </p:spTree>
+    <p:extLst>
+      <p:ext uri="{BB962C8B-B14F-4D97-AF65-F5344CB8AC3E}">
+        <p14:creationId xmlns:p14="http://schemas.microsoft.com/office/powerpoint/2010/main" val="598415784"/>
+      </p:ext>
+    </p:extLst>
+  </p:cSld>
+  <p:clrMapOvr>
+    <a:masterClrMapping/>
+  </p:clrMapOvr>
+</p:notes>
+</file>
+
+<file path=ppt/notesSlides/notesSlide11.xml><?xml version="1.0" encoding="utf-8"?>
+<p:notes xmlns:a="http://schemas.openxmlformats.org/drawingml/2006/main" xmlns:r="http://schemas.openxmlformats.org/officeDocument/2006/relationships" xmlns:p="http://schemas.openxmlformats.org/presentationml/2006/main">
+  <p:cSld>
+    <p:spTree>
+      <p:nvGrpSpPr>
         <p:cNvPr id="1" name=""/>
         <p:cNvGrpSpPr/>
         <p:nvPr/>
@@ -15872,7 +15980,7 @@
           <a:p>
             <a:fld id="{1734D747-9380-41EE-9946-EC9EC0CA5D1E}" type="slidenum">
               <a:rPr lang="en-US" noProof="0" smtClean="0"/>
-              <a:t>12</a:t>
+              <a:t>13</a:t>
             </a:fld>
             <a:endParaRPr lang="en-US" noProof="0" dirty="0"/>
           </a:p>
@@ -15882,125 +15990,6 @@
     <p:extLst>
       <p:ext uri="{BB962C8B-B14F-4D97-AF65-F5344CB8AC3E}">
         <p14:creationId xmlns:p14="http://schemas.microsoft.com/office/powerpoint/2010/main" val="2711479514"/>
-      </p:ext>
-    </p:extLst>
-  </p:cSld>
-  <p:clrMapOvr>
-    <a:masterClrMapping/>
-  </p:clrMapOvr>
-</p:notes>
-</file>
-
-<file path=ppt/notesSlides/notesSlide11.xml><?xml version="1.0" encoding="utf-8"?>
-<p:notes xmlns:a="http://schemas.openxmlformats.org/drawingml/2006/main" xmlns:r="http://schemas.openxmlformats.org/officeDocument/2006/relationships" xmlns:p="http://schemas.openxmlformats.org/presentationml/2006/main">
-  <p:cSld>
-    <p:spTree>
-      <p:nvGrpSpPr>
-        <p:cNvPr id="1" name="">
-          <a:extLst>
-            <a:ext uri="{FF2B5EF4-FFF2-40B4-BE49-F238E27FC236}">
-              <a16:creationId xmlns:a16="http://schemas.microsoft.com/office/drawing/2014/main" id="{7C62B613-56FB-6AB2-3EED-C7DA3A02E093}"/>
-            </a:ext>
-          </a:extLst>
-        </p:cNvPr>
-        <p:cNvGrpSpPr/>
-        <p:nvPr/>
-      </p:nvGrpSpPr>
-      <p:grpSpPr>
-        <a:xfrm>
-          <a:off x="0" y="0"/>
-          <a:ext cx="0" cy="0"/>
-          <a:chOff x="0" y="0"/>
-          <a:chExt cx="0" cy="0"/>
-        </a:xfrm>
-      </p:grpSpPr>
-      <p:sp>
-        <p:nvSpPr>
-          <p:cNvPr id="2" name="Slide Image Placeholder 1">
-            <a:extLst>
-              <a:ext uri="{FF2B5EF4-FFF2-40B4-BE49-F238E27FC236}">
-                <a16:creationId xmlns:a16="http://schemas.microsoft.com/office/drawing/2014/main" id="{418EFD13-25A5-01B4-B290-CA25F22214CC}"/>
-              </a:ext>
-            </a:extLst>
-          </p:cNvPr>
-          <p:cNvSpPr>
-            <a:spLocks noGrp="1" noRot="1" noChangeAspect="1"/>
-          </p:cNvSpPr>
-          <p:nvPr>
-            <p:ph type="sldImg"/>
-          </p:nvPr>
-        </p:nvSpPr>
-        <p:spPr/>
-      </p:sp>
-      <p:sp>
-        <p:nvSpPr>
-          <p:cNvPr id="3" name="Notes Placeholder 2">
-            <a:extLst>
-              <a:ext uri="{FF2B5EF4-FFF2-40B4-BE49-F238E27FC236}">
-                <a16:creationId xmlns:a16="http://schemas.microsoft.com/office/drawing/2014/main" id="{B31667F7-E8F5-C13C-371F-DF82CDFE7E21}"/>
-              </a:ext>
-            </a:extLst>
-          </p:cNvPr>
-          <p:cNvSpPr>
-            <a:spLocks noGrp="1"/>
-          </p:cNvSpPr>
-          <p:nvPr>
-            <p:ph type="body" idx="1"/>
-          </p:nvPr>
-        </p:nvSpPr>
-        <p:spPr/>
-        <p:txBody>
-          <a:bodyPr/>
-          <a:lstStyle/>
-          <a:p>
-            <a:r>
-              <a:rPr lang="en-US" dirty="0"/>
-              <a:t>Choosing the right file system is practical. If you're setting up a Linux server, EXT4 or XFS is ideal. If you’re formatting a USB drive that works on both Windows and macOS, </a:t>
-            </a:r>
-            <a:r>
-              <a:rPr lang="en-US" dirty="0" err="1"/>
-              <a:t>exFAT</a:t>
-            </a:r>
-            <a:r>
-              <a:rPr lang="en-US" dirty="0"/>
-              <a:t> is best. Mac users benefit from APFS especially when working with SSDs and encrypted backups.</a:t>
-            </a:r>
-          </a:p>
-        </p:txBody>
-      </p:sp>
-      <p:sp>
-        <p:nvSpPr>
-          <p:cNvPr id="4" name="Slide Number Placeholder 3">
-            <a:extLst>
-              <a:ext uri="{FF2B5EF4-FFF2-40B4-BE49-F238E27FC236}">
-                <a16:creationId xmlns:a16="http://schemas.microsoft.com/office/drawing/2014/main" id="{07DEF6CE-6579-61BD-B719-6774E54D3469}"/>
-              </a:ext>
-            </a:extLst>
-          </p:cNvPr>
-          <p:cNvSpPr>
-            <a:spLocks noGrp="1"/>
-          </p:cNvSpPr>
-          <p:nvPr>
-            <p:ph type="sldNum" sz="quarter" idx="5"/>
-          </p:nvPr>
-        </p:nvSpPr>
-        <p:spPr/>
-        <p:txBody>
-          <a:bodyPr/>
-          <a:lstStyle/>
-          <a:p>
-            <a:fld id="{1734D747-9380-41EE-9946-EC9EC0CA5D1E}" type="slidenum">
-              <a:rPr lang="en-US" noProof="0" smtClean="0"/>
-              <a:t>13</a:t>
-            </a:fld>
-            <a:endParaRPr lang="en-US" noProof="0" dirty="0"/>
-          </a:p>
-        </p:txBody>
-      </p:sp>
-    </p:spTree>
-    <p:extLst>
-      <p:ext uri="{BB962C8B-B14F-4D97-AF65-F5344CB8AC3E}">
-        <p14:creationId xmlns:p14="http://schemas.microsoft.com/office/powerpoint/2010/main" val="3486263397"/>
       </p:ext>
     </p:extLst>
   </p:cSld>
@@ -17190,7 +17179,13 @@
   <p:cSld>
     <p:spTree>
       <p:nvGrpSpPr>
-        <p:cNvPr id="1" name=""/>
+        <p:cNvPr id="1" name="">
+          <a:extLst>
+            <a:ext uri="{FF2B5EF4-FFF2-40B4-BE49-F238E27FC236}">
+              <a16:creationId xmlns:a16="http://schemas.microsoft.com/office/drawing/2014/main" id="{E7A2ED5E-5006-21FE-BAA0-D15D1505F408}"/>
+            </a:ext>
+          </a:extLst>
+        </p:cNvPr>
         <p:cNvGrpSpPr/>
         <p:nvPr/>
       </p:nvGrpSpPr>
@@ -17204,7 +17199,13 @@
       </p:grpSpPr>
       <p:sp>
         <p:nvSpPr>
-          <p:cNvPr id="2" name="Slide Image Placeholder 1"/>
+          <p:cNvPr id="2" name="Slide Image Placeholder 1">
+            <a:extLst>
+              <a:ext uri="{FF2B5EF4-FFF2-40B4-BE49-F238E27FC236}">
+                <a16:creationId xmlns:a16="http://schemas.microsoft.com/office/drawing/2014/main" id="{0176F703-6C29-4733-E3B6-FDC38ED2CA4F}"/>
+              </a:ext>
+            </a:extLst>
+          </p:cNvPr>
           <p:cNvSpPr>
             <a:spLocks noGrp="1" noRot="1" noChangeAspect="1"/>
           </p:cNvSpPr>
@@ -17216,7 +17217,13 @@
       </p:sp>
       <p:sp>
         <p:nvSpPr>
-          <p:cNvPr id="3" name="Notes Placeholder 2"/>
+          <p:cNvPr id="3" name="Notes Placeholder 2">
+            <a:extLst>
+              <a:ext uri="{FF2B5EF4-FFF2-40B4-BE49-F238E27FC236}">
+                <a16:creationId xmlns:a16="http://schemas.microsoft.com/office/drawing/2014/main" id="{6FEDB0EB-2007-87AA-E3E3-E1D60093E2F8}"/>
+              </a:ext>
+            </a:extLst>
+          </p:cNvPr>
           <p:cNvSpPr>
             <a:spLocks noGrp="1"/>
           </p:cNvSpPr>
@@ -17229,16 +17236,40 @@
           <a:bodyPr/>
           <a:lstStyle/>
           <a:p>
+            <a:pPr marL="0" marR="0" lvl="0" indent="0" algn="l" defTabSz="914400" rtl="0" eaLnBrk="1" fontAlgn="auto" latinLnBrk="0" hangingPunct="1">
+              <a:lnSpc>
+                <a:spcPct val="100000"/>
+              </a:lnSpc>
+              <a:spcBef>
+                <a:spcPts val="0"/>
+              </a:spcBef>
+              <a:spcAft>
+                <a:spcPts val="0"/>
+              </a:spcAft>
+              <a:buClrTx/>
+              <a:buSzTx/>
+              <a:buFontTx/>
+              <a:buNone/>
+              <a:tabLst/>
+              <a:defRPr/>
+            </a:pPr>
             <a:r>
-              <a:rPr lang="en-US" dirty="0"/>
-              <a:t>Each file system has strengths. NTFS is versatile in Windows but not easily writable on macOS/Linux. EXT4 is reliable but less supported on Windows/macOS. APFS is fast and secure but exclusive to Apple. This table helps us choose based on compatibility, file size limits, and features needed.</a:t>
+              <a:rPr lang="en-US" sz="1200" b="0" dirty="0"/>
+              <a:t>\</a:t>
             </a:r>
+            <a:endParaRPr lang="en-US" dirty="0"/>
           </a:p>
         </p:txBody>
       </p:sp>
       <p:sp>
         <p:nvSpPr>
-          <p:cNvPr id="4" name="Slide Number Placeholder 3"/>
+          <p:cNvPr id="4" name="Slide Number Placeholder 3">
+            <a:extLst>
+              <a:ext uri="{FF2B5EF4-FFF2-40B4-BE49-F238E27FC236}">
+                <a16:creationId xmlns:a16="http://schemas.microsoft.com/office/drawing/2014/main" id="{2762575D-F5CB-33E1-A322-5D836D510122}"/>
+              </a:ext>
+            </a:extLst>
+          </p:cNvPr>
           <p:cNvSpPr>
             <a:spLocks noGrp="1"/>
           </p:cNvSpPr>
@@ -17262,7 +17293,7 @@
     </p:spTree>
     <p:extLst>
       <p:ext uri="{BB962C8B-B14F-4D97-AF65-F5344CB8AC3E}">
-        <p14:creationId xmlns:p14="http://schemas.microsoft.com/office/powerpoint/2010/main" val="1110796451"/>
+        <p14:creationId xmlns:p14="http://schemas.microsoft.com/office/powerpoint/2010/main" val="2548173703"/>
       </p:ext>
     </p:extLst>
   </p:cSld>
@@ -42504,6 +42535,562 @@
   <p:clrMapOvr>
     <a:masterClrMapping/>
   </p:clrMapOvr>
+  <mc:AlternateContent xmlns:mc="http://schemas.openxmlformats.org/markup-compatibility/2006" xmlns:p14="http://schemas.microsoft.com/office/powerpoint/2010/main">
+    <mc:Choice Requires="p14">
+      <p:transition spd="med" p14:dur="700">
+        <p:fade/>
+      </p:transition>
+    </mc:Choice>
+    <mc:Fallback xmlns="">
+      <p:transition spd="med">
+        <p:fade/>
+      </p:transition>
+    </mc:Fallback>
+  </mc:AlternateContent>
+</p:sld>
+</file>
+
+<file path=ppt/slides/slide11.xml><?xml version="1.0" encoding="utf-8"?>
+<p:sld xmlns:a="http://schemas.openxmlformats.org/drawingml/2006/main" xmlns:r="http://schemas.openxmlformats.org/officeDocument/2006/relationships" xmlns:p="http://schemas.openxmlformats.org/presentationml/2006/main">
+  <p:cSld>
+    <p:spTree>
+      <p:nvGrpSpPr>
+        <p:cNvPr id="1" name="">
+          <a:extLst>
+            <a:ext uri="{FF2B5EF4-FFF2-40B4-BE49-F238E27FC236}">
+              <a16:creationId xmlns:a16="http://schemas.microsoft.com/office/drawing/2014/main" id="{ECE6AF43-AFC2-DA96-91B5-ACC4B7DFFB37}"/>
+            </a:ext>
+          </a:extLst>
+        </p:cNvPr>
+        <p:cNvGrpSpPr/>
+        <p:nvPr/>
+      </p:nvGrpSpPr>
+      <p:grpSpPr>
+        <a:xfrm>
+          <a:off x="0" y="0"/>
+          <a:ext cx="0" cy="0"/>
+          <a:chOff x="0" y="0"/>
+          <a:chExt cx="0" cy="0"/>
+        </a:xfrm>
+      </p:grpSpPr>
+      <p:sp>
+        <p:nvSpPr>
+          <p:cNvPr id="2" name="Slide Number Placeholder 1">
+            <a:extLst>
+              <a:ext uri="{FF2B5EF4-FFF2-40B4-BE49-F238E27FC236}">
+                <a16:creationId xmlns:a16="http://schemas.microsoft.com/office/drawing/2014/main" id="{0695997C-7EEB-3D59-8E6E-A8684AA7ECE8}"/>
+              </a:ext>
+            </a:extLst>
+          </p:cNvPr>
+          <p:cNvSpPr>
+            <a:spLocks noGrp="1"/>
+          </p:cNvSpPr>
+          <p:nvPr>
+            <p:ph type="sldNum" sz="quarter" idx="12"/>
+          </p:nvPr>
+        </p:nvSpPr>
+        <p:spPr>
+          <a:xfrm>
+            <a:off x="10806151" y="4887719"/>
+            <a:ext cx="406400" cy="365125"/>
+          </a:xfrm>
+        </p:spPr>
+        <p:txBody>
+          <a:bodyPr vert="horz" lIns="91440" tIns="45720" rIns="91440" bIns="45720" rtlCol="0" anchor="ctr">
+            <a:normAutofit/>
+          </a:bodyPr>
+          <a:lstStyle/>
+          <a:p>
+            <a:pPr>
+              <a:spcAft>
+                <a:spcPts val="600"/>
+              </a:spcAft>
+            </a:pPr>
+            <a:fld id="{C263D6C4-4840-40CC-AC84-17E24B3B7BDE}" type="slidenum">
+              <a:rPr lang="en-US" smtClean="0"/>
+              <a:pPr>
+                <a:spcAft>
+                  <a:spcPts val="600"/>
+                </a:spcAft>
+              </a:pPr>
+              <a:t>11</a:t>
+            </a:fld>
+            <a:endParaRPr lang="en-US"/>
+          </a:p>
+        </p:txBody>
+      </p:sp>
+      <p:grpSp>
+        <p:nvGrpSpPr>
+          <p:cNvPr id="6" name="Group 5">
+            <a:extLst>
+              <a:ext uri="{FF2B5EF4-FFF2-40B4-BE49-F238E27FC236}">
+                <a16:creationId xmlns:a16="http://schemas.microsoft.com/office/drawing/2014/main" id="{A0DB4B3E-051B-30F0-9A42-450F6AC3E972}"/>
+              </a:ext>
+            </a:extLst>
+          </p:cNvPr>
+          <p:cNvGrpSpPr/>
+          <p:nvPr/>
+        </p:nvGrpSpPr>
+        <p:grpSpPr>
+          <a:xfrm>
+            <a:off x="13783" y="129221"/>
+            <a:ext cx="9009438" cy="903688"/>
+            <a:chOff x="175659" y="1928224"/>
+            <a:chExt cx="9009438" cy="903688"/>
+          </a:xfrm>
+        </p:grpSpPr>
+        <p:sp>
+          <p:nvSpPr>
+            <p:cNvPr id="3" name="Title 3">
+              <a:extLst>
+                <a:ext uri="{FF2B5EF4-FFF2-40B4-BE49-F238E27FC236}">
+                  <a16:creationId xmlns:a16="http://schemas.microsoft.com/office/drawing/2014/main" id="{7162A154-64DA-32B7-1E75-6AD41A039ED5}"/>
+                </a:ext>
+              </a:extLst>
+            </p:cNvPr>
+            <p:cNvSpPr txBox="1">
+              <a:spLocks/>
+            </p:cNvSpPr>
+            <p:nvPr/>
+          </p:nvSpPr>
+          <p:spPr>
+            <a:xfrm>
+              <a:off x="175659" y="1928224"/>
+              <a:ext cx="1951092" cy="535531"/>
+            </a:xfrm>
+            <a:prstGeom prst="rect">
+              <a:avLst/>
+            </a:prstGeom>
+          </p:spPr>
+          <p:txBody>
+            <a:bodyPr vert="horz" wrap="square" lIns="91440" tIns="45720" rIns="91440" bIns="45720" rtlCol="0" anchor="t">
+              <a:normAutofit/>
+            </a:bodyPr>
+            <a:lstStyle>
+              <a:lvl1pPr algn="l" defTabSz="914400" rtl="0" eaLnBrk="1" latinLnBrk="0" hangingPunct="1">
+                <a:lnSpc>
+                  <a:spcPct val="90000"/>
+                </a:lnSpc>
+                <a:spcBef>
+                  <a:spcPct val="0"/>
+                </a:spcBef>
+                <a:buNone/>
+                <a:defRPr lang="en-GB" sz="3200" b="1" kern="1200" spc="-70" baseline="0" dirty="0">
+                  <a:solidFill>
+                    <a:schemeClr val="bg1"/>
+                  </a:solidFill>
+                  <a:latin typeface="+mj-lt"/>
+                  <a:ea typeface="+mj-ea"/>
+                  <a:cs typeface="+mj-cs"/>
+                </a:defRPr>
+              </a:lvl1pPr>
+            </a:lstStyle>
+            <a:p>
+              <a:r>
+                <a:rPr lang="en-US" sz="2200" dirty="0"/>
+                <a:t>Path</a:t>
+              </a:r>
+            </a:p>
+          </p:txBody>
+        </p:sp>
+        <p:sp>
+          <p:nvSpPr>
+            <p:cNvPr id="5" name="Title 3">
+              <a:extLst>
+                <a:ext uri="{FF2B5EF4-FFF2-40B4-BE49-F238E27FC236}">
+                  <a16:creationId xmlns:a16="http://schemas.microsoft.com/office/drawing/2014/main" id="{C1B33B8B-3E5B-9EB4-6F92-2B892687F1DB}"/>
+                </a:ext>
+              </a:extLst>
+            </p:cNvPr>
+            <p:cNvSpPr txBox="1">
+              <a:spLocks/>
+            </p:cNvSpPr>
+            <p:nvPr/>
+          </p:nvSpPr>
+          <p:spPr>
+            <a:xfrm>
+              <a:off x="687655" y="2296381"/>
+              <a:ext cx="8497442" cy="535531"/>
+            </a:xfrm>
+            <a:prstGeom prst="rect">
+              <a:avLst/>
+            </a:prstGeom>
+          </p:spPr>
+          <p:txBody>
+            <a:bodyPr vert="horz" wrap="square" lIns="91440" tIns="45720" rIns="91440" bIns="45720" rtlCol="0" anchor="t">
+              <a:normAutofit lnSpcReduction="10000"/>
+            </a:bodyPr>
+            <a:lstStyle>
+              <a:lvl1pPr algn="l" defTabSz="914400" rtl="0" eaLnBrk="1" latinLnBrk="0" hangingPunct="1">
+                <a:lnSpc>
+                  <a:spcPct val="90000"/>
+                </a:lnSpc>
+                <a:spcBef>
+                  <a:spcPct val="0"/>
+                </a:spcBef>
+                <a:buNone/>
+                <a:defRPr lang="en-GB" sz="3200" b="1" kern="1200" spc="-70" baseline="0" dirty="0">
+                  <a:solidFill>
+                    <a:schemeClr val="bg1"/>
+                  </a:solidFill>
+                  <a:latin typeface="+mj-lt"/>
+                  <a:ea typeface="+mj-ea"/>
+                  <a:cs typeface="+mj-cs"/>
+                </a:defRPr>
+              </a:lvl1pPr>
+            </a:lstStyle>
+            <a:p>
+              <a:r>
+                <a:rPr lang="en-US" sz="1800" b="0" dirty="0"/>
+                <a:t>-a path tells your computer exactly where to find a file or folder just like an address helps someone to find house.</a:t>
+              </a:r>
+            </a:p>
+          </p:txBody>
+        </p:sp>
+      </p:grpSp>
+      <p:sp>
+        <p:nvSpPr>
+          <p:cNvPr id="4" name="Title 3">
+            <a:extLst>
+              <a:ext uri="{FF2B5EF4-FFF2-40B4-BE49-F238E27FC236}">
+                <a16:creationId xmlns:a16="http://schemas.microsoft.com/office/drawing/2014/main" id="{6F588435-B735-9DCB-BD3B-79B61E4F4BC1}"/>
+              </a:ext>
+            </a:extLst>
+          </p:cNvPr>
+          <p:cNvSpPr txBox="1">
+            <a:spLocks/>
+          </p:cNvSpPr>
+          <p:nvPr/>
+        </p:nvSpPr>
+        <p:spPr>
+          <a:xfrm>
+            <a:off x="169687" y="1619962"/>
+            <a:ext cx="8497442" cy="535531"/>
+          </a:xfrm>
+          <a:prstGeom prst="rect">
+            <a:avLst/>
+          </a:prstGeom>
+        </p:spPr>
+        <p:txBody>
+          <a:bodyPr vert="horz" wrap="square" lIns="91440" tIns="45720" rIns="91440" bIns="45720" rtlCol="0" anchor="t">
+            <a:normAutofit/>
+          </a:bodyPr>
+          <a:lstStyle>
+            <a:lvl1pPr algn="l" defTabSz="914400" rtl="0" eaLnBrk="1" latinLnBrk="0" hangingPunct="1">
+              <a:lnSpc>
+                <a:spcPct val="90000"/>
+              </a:lnSpc>
+              <a:spcBef>
+                <a:spcPct val="0"/>
+              </a:spcBef>
+              <a:buNone/>
+              <a:defRPr lang="en-GB" sz="3200" b="1" kern="1200" spc="-70" baseline="0" dirty="0">
+                <a:solidFill>
+                  <a:schemeClr val="bg1"/>
+                </a:solidFill>
+                <a:latin typeface="+mj-lt"/>
+                <a:ea typeface="+mj-ea"/>
+                <a:cs typeface="+mj-cs"/>
+              </a:defRPr>
+            </a:lvl1pPr>
+          </a:lstStyle>
+          <a:p>
+            <a:r>
+              <a:rPr lang="en-US" sz="1800" b="0" dirty="0"/>
+              <a:t>Two types of Path</a:t>
+            </a:r>
+          </a:p>
+        </p:txBody>
+      </p:sp>
+      <p:grpSp>
+        <p:nvGrpSpPr>
+          <p:cNvPr id="12" name="Group 11">
+            <a:extLst>
+              <a:ext uri="{FF2B5EF4-FFF2-40B4-BE49-F238E27FC236}">
+                <a16:creationId xmlns:a16="http://schemas.microsoft.com/office/drawing/2014/main" id="{2DDE7A57-DE17-290B-8FAD-A6AEFFC5B46B}"/>
+              </a:ext>
+            </a:extLst>
+          </p:cNvPr>
+          <p:cNvGrpSpPr/>
+          <p:nvPr/>
+        </p:nvGrpSpPr>
+        <p:grpSpPr>
+          <a:xfrm>
+            <a:off x="823893" y="2155493"/>
+            <a:ext cx="9212203" cy="1098762"/>
+            <a:chOff x="1269942" y="3582849"/>
+            <a:chExt cx="9212203" cy="1098762"/>
+          </a:xfrm>
+        </p:grpSpPr>
+        <p:sp>
+          <p:nvSpPr>
+            <p:cNvPr id="7" name="Title 3">
+              <a:extLst>
+                <a:ext uri="{FF2B5EF4-FFF2-40B4-BE49-F238E27FC236}">
+                  <a16:creationId xmlns:a16="http://schemas.microsoft.com/office/drawing/2014/main" id="{76FF365D-C9C8-AE40-5F69-4C029C428B06}"/>
+                </a:ext>
+              </a:extLst>
+            </p:cNvPr>
+            <p:cNvSpPr txBox="1">
+              <a:spLocks/>
+            </p:cNvSpPr>
+            <p:nvPr/>
+          </p:nvSpPr>
+          <p:spPr>
+            <a:xfrm>
+              <a:off x="1269942" y="3582849"/>
+              <a:ext cx="1941610" cy="535531"/>
+            </a:xfrm>
+            <a:prstGeom prst="rect">
+              <a:avLst/>
+            </a:prstGeom>
+          </p:spPr>
+          <p:txBody>
+            <a:bodyPr vert="horz" wrap="square" lIns="91440" tIns="45720" rIns="91440" bIns="45720" rtlCol="0" anchor="t">
+              <a:normAutofit fontScale="92500" lnSpcReduction="10000"/>
+            </a:bodyPr>
+            <a:lstStyle>
+              <a:lvl1pPr algn="l" defTabSz="914400" rtl="0" eaLnBrk="1" latinLnBrk="0" hangingPunct="1">
+                <a:lnSpc>
+                  <a:spcPct val="90000"/>
+                </a:lnSpc>
+                <a:spcBef>
+                  <a:spcPct val="0"/>
+                </a:spcBef>
+                <a:buNone/>
+                <a:defRPr lang="en-GB" sz="3200" b="1" kern="1200" spc="-70" baseline="0" dirty="0">
+                  <a:solidFill>
+                    <a:schemeClr val="bg1"/>
+                  </a:solidFill>
+                  <a:latin typeface="+mj-lt"/>
+                  <a:ea typeface="+mj-ea"/>
+                  <a:cs typeface="+mj-cs"/>
+                </a:defRPr>
+              </a:lvl1pPr>
+            </a:lstStyle>
+            <a:p>
+              <a:r>
+                <a:rPr lang="en-US" sz="1800" b="0" dirty="0"/>
+                <a:t>Absolute Path</a:t>
+              </a:r>
+            </a:p>
+            <a:p>
+              <a:r>
+                <a:rPr lang="en-US" sz="1800" b="0" dirty="0"/>
+                <a:t>	</a:t>
+              </a:r>
+            </a:p>
+          </p:txBody>
+        </p:sp>
+        <p:sp>
+          <p:nvSpPr>
+            <p:cNvPr id="11" name="TextBox 10">
+              <a:extLst>
+                <a:ext uri="{FF2B5EF4-FFF2-40B4-BE49-F238E27FC236}">
+                  <a16:creationId xmlns:a16="http://schemas.microsoft.com/office/drawing/2014/main" id="{5D9E6F24-6BDD-7038-16D6-8A9780B3E086}"/>
+                </a:ext>
+              </a:extLst>
+            </p:cNvPr>
+            <p:cNvSpPr txBox="1"/>
+            <p:nvPr/>
+          </p:nvSpPr>
+          <p:spPr>
+            <a:xfrm>
+              <a:off x="1630866" y="3850614"/>
+              <a:ext cx="8851279" cy="830997"/>
+            </a:xfrm>
+            <a:prstGeom prst="rect">
+              <a:avLst/>
+            </a:prstGeom>
+            <a:noFill/>
+          </p:spPr>
+          <p:txBody>
+            <a:bodyPr wrap="square">
+              <a:spAutoFit/>
+            </a:bodyPr>
+            <a:lstStyle/>
+            <a:p>
+              <a:r>
+                <a:rPr lang="en-US" sz="1600" b="0" dirty="0">
+                  <a:solidFill>
+                    <a:schemeClr val="bg1"/>
+                  </a:solidFill>
+                </a:rPr>
+                <a:t>-gives the full address of a file or folder, starting from the very root of the file system. This path is always complete, so it will take you the right location no matter what you currently are in the system.</a:t>
+              </a:r>
+              <a:endParaRPr lang="en-US" sz="1600" dirty="0">
+                <a:solidFill>
+                  <a:schemeClr val="bg1"/>
+                </a:solidFill>
+              </a:endParaRPr>
+            </a:p>
+          </p:txBody>
+        </p:sp>
+      </p:grpSp>
+      <p:sp>
+        <p:nvSpPr>
+          <p:cNvPr id="23" name="TextBox 22">
+            <a:extLst>
+              <a:ext uri="{FF2B5EF4-FFF2-40B4-BE49-F238E27FC236}">
+                <a16:creationId xmlns:a16="http://schemas.microsoft.com/office/drawing/2014/main" id="{8F4D6F17-C797-5D86-9B7C-BACD48E350FC}"/>
+              </a:ext>
+            </a:extLst>
+          </p:cNvPr>
+          <p:cNvSpPr txBox="1"/>
+          <p:nvPr/>
+        </p:nvSpPr>
+        <p:spPr>
+          <a:xfrm>
+            <a:off x="1184817" y="3446706"/>
+            <a:ext cx="1327924" cy="338554"/>
+          </a:xfrm>
+          <a:prstGeom prst="rect">
+            <a:avLst/>
+          </a:prstGeom>
+          <a:noFill/>
+        </p:spPr>
+        <p:txBody>
+          <a:bodyPr wrap="square">
+            <a:spAutoFit/>
+          </a:bodyPr>
+          <a:lstStyle/>
+          <a:p>
+            <a:r>
+              <a:rPr lang="en-US" sz="1600" b="0" i="1" dirty="0">
+                <a:solidFill>
+                  <a:schemeClr val="bg1"/>
+                </a:solidFill>
+              </a:rPr>
+              <a:t>Example</a:t>
+            </a:r>
+            <a:endParaRPr lang="en-US" sz="1600" i="1" dirty="0">
+              <a:solidFill>
+                <a:schemeClr val="bg1"/>
+              </a:solidFill>
+            </a:endParaRPr>
+          </a:p>
+        </p:txBody>
+      </p:sp>
+      <p:sp>
+        <p:nvSpPr>
+          <p:cNvPr id="24" name="TextBox 23">
+            <a:extLst>
+              <a:ext uri="{FF2B5EF4-FFF2-40B4-BE49-F238E27FC236}">
+                <a16:creationId xmlns:a16="http://schemas.microsoft.com/office/drawing/2014/main" id="{8CBC9B63-FFE1-B668-2B80-0133972874A3}"/>
+              </a:ext>
+            </a:extLst>
+          </p:cNvPr>
+          <p:cNvSpPr txBox="1"/>
+          <p:nvPr/>
+        </p:nvSpPr>
+        <p:spPr>
+          <a:xfrm>
+            <a:off x="1848778" y="3812960"/>
+            <a:ext cx="9090568" cy="584775"/>
+          </a:xfrm>
+          <a:prstGeom prst="rect">
+            <a:avLst/>
+          </a:prstGeom>
+          <a:noFill/>
+        </p:spPr>
+        <p:txBody>
+          <a:bodyPr wrap="square">
+            <a:spAutoFit/>
+          </a:bodyPr>
+          <a:lstStyle/>
+          <a:p>
+            <a:r>
+              <a:rPr lang="en-GB" sz="1600" dirty="0">
+                <a:solidFill>
+                  <a:schemeClr val="bg1"/>
+                </a:solidFill>
+              </a:rPr>
+              <a:t>O</a:t>
+            </a:r>
+            <a:r>
+              <a:rPr lang="en-US" sz="1600" dirty="0">
+                <a:solidFill>
+                  <a:schemeClr val="bg1"/>
+                </a:solidFill>
+              </a:rPr>
+              <a:t>n Linux, the root is written as / .A full absolute path might look like: </a:t>
+            </a:r>
+            <a:r>
+              <a:rPr lang="en-US" sz="1600" b="1" dirty="0">
+                <a:solidFill>
+                  <a:schemeClr val="bg1"/>
+                </a:solidFill>
+              </a:rPr>
+              <a:t>/home/user/documents/report.txt</a:t>
+            </a:r>
+          </a:p>
+        </p:txBody>
+      </p:sp>
+      <p:sp>
+        <p:nvSpPr>
+          <p:cNvPr id="25" name="TextBox 24">
+            <a:extLst>
+              <a:ext uri="{FF2B5EF4-FFF2-40B4-BE49-F238E27FC236}">
+                <a16:creationId xmlns:a16="http://schemas.microsoft.com/office/drawing/2014/main" id="{D09C92A6-ECCD-E213-9739-B74347FF5DDC}"/>
+              </a:ext>
+            </a:extLst>
+          </p:cNvPr>
+          <p:cNvSpPr txBox="1"/>
+          <p:nvPr/>
+        </p:nvSpPr>
+        <p:spPr>
+          <a:xfrm>
+            <a:off x="1848778" y="4485506"/>
+            <a:ext cx="9090568" cy="584775"/>
+          </a:xfrm>
+          <a:prstGeom prst="rect">
+            <a:avLst/>
+          </a:prstGeom>
+          <a:noFill/>
+        </p:spPr>
+        <p:txBody>
+          <a:bodyPr wrap="square">
+            <a:spAutoFit/>
+          </a:bodyPr>
+          <a:lstStyle/>
+          <a:p>
+            <a:r>
+              <a:rPr lang="en-GB" sz="1600" dirty="0">
+                <a:solidFill>
+                  <a:schemeClr val="bg1"/>
+                </a:solidFill>
+              </a:rPr>
+              <a:t>O</a:t>
+            </a:r>
+            <a:r>
+              <a:rPr lang="en-US" sz="1600" dirty="0">
+                <a:solidFill>
+                  <a:schemeClr val="bg1"/>
+                </a:solidFill>
+              </a:rPr>
+              <a:t>n Windows, the root starts with the drive letter C:/ , An absolute path would be: </a:t>
+            </a:r>
+            <a:r>
+              <a:rPr lang="en-US" sz="1600" b="1" dirty="0">
+                <a:solidFill>
+                  <a:schemeClr val="bg1"/>
+                </a:solidFill>
+              </a:rPr>
+              <a:t>C:\Users\User\Documents\report.txt.</a:t>
+            </a:r>
+          </a:p>
+        </p:txBody>
+      </p:sp>
+    </p:spTree>
+    <p:extLst>
+      <p:ext uri="{BB962C8B-B14F-4D97-AF65-F5344CB8AC3E}">
+        <p14:creationId xmlns:p14="http://schemas.microsoft.com/office/powerpoint/2010/main" val="1389458076"/>
+      </p:ext>
+    </p:extLst>
+  </p:cSld>
+  <p:clrMapOvr>
+    <a:masterClrMapping/>
+  </p:clrMapOvr>
   <mc:AlternateContent xmlns:mc="http://schemas.openxmlformats.org/markup-compatibility/2006">
     <mc:Choice xmlns:p14="http://schemas.microsoft.com/office/powerpoint/2010/main" Requires="p14">
       <p:transition spd="med" p14:dur="700">
@@ -42519,12 +43106,18 @@
 </p:sld>
 </file>
 
-<file path=ppt/slides/slide11.xml><?xml version="1.0" encoding="utf-8"?>
+<file path=ppt/slides/slide12.xml><?xml version="1.0" encoding="utf-8"?>
 <p:sld xmlns:a="http://schemas.openxmlformats.org/drawingml/2006/main" xmlns:r="http://schemas.openxmlformats.org/officeDocument/2006/relationships" xmlns:p="http://schemas.openxmlformats.org/presentationml/2006/main">
   <p:cSld>
     <p:spTree>
       <p:nvGrpSpPr>
-        <p:cNvPr id="1" name=""/>
+        <p:cNvPr id="1" name="">
+          <a:extLst>
+            <a:ext uri="{FF2B5EF4-FFF2-40B4-BE49-F238E27FC236}">
+              <a16:creationId xmlns:a16="http://schemas.microsoft.com/office/drawing/2014/main" id="{E625D013-9909-EF5F-0B03-8EC6A85F2AEC}"/>
+            </a:ext>
+          </a:extLst>
+        </p:cNvPr>
         <p:cNvGrpSpPr/>
         <p:nvPr/>
       </p:nvGrpSpPr>
@@ -42538,1487 +43131,10 @@
       </p:grpSpPr>
       <p:sp>
         <p:nvSpPr>
-          <p:cNvPr id="5" name="Title 4">
-            <a:extLst>
-              <a:ext uri="{FF2B5EF4-FFF2-40B4-BE49-F238E27FC236}">
-                <a16:creationId xmlns:a16="http://schemas.microsoft.com/office/drawing/2014/main" id="{201323FB-427E-4A8D-B473-AB0657D8D23B}"/>
-              </a:ext>
-            </a:extLst>
-          </p:cNvPr>
-          <p:cNvSpPr>
-            <a:spLocks noGrp="1"/>
-          </p:cNvSpPr>
-          <p:nvPr>
-            <p:ph type="title"/>
-          </p:nvPr>
-        </p:nvSpPr>
-        <p:spPr/>
-        <p:txBody>
-          <a:bodyPr/>
-          <a:lstStyle/>
-          <a:p>
-            <a:r>
-              <a:rPr lang="en-US" dirty="0"/>
-              <a:t>File System Comparison Table</a:t>
-            </a:r>
-          </a:p>
-        </p:txBody>
-      </p:sp>
-      <p:graphicFrame>
-        <p:nvGraphicFramePr>
-          <p:cNvPr id="6" name="Table 5">
-            <a:extLst>
-              <a:ext uri="{FF2B5EF4-FFF2-40B4-BE49-F238E27FC236}">
-                <a16:creationId xmlns:a16="http://schemas.microsoft.com/office/drawing/2014/main" id="{E8EEB296-8554-4D20-B3B8-C0BBC380A58D}"/>
-              </a:ext>
-            </a:extLst>
-          </p:cNvPr>
-          <p:cNvGraphicFramePr>
-            <a:graphicFrameLocks noGrp="1"/>
-          </p:cNvGraphicFramePr>
-          <p:nvPr>
-            <p:extLst>
-              <p:ext uri="{D42A27DB-BD31-4B8C-83A1-F6EECF244321}">
-                <p14:modId xmlns:p14="http://schemas.microsoft.com/office/powerpoint/2010/main" val="2682747543"/>
-              </p:ext>
-            </p:extLst>
-          </p:nvPr>
-        </p:nvGraphicFramePr>
-        <p:xfrm>
-          <a:off x="1130300" y="1856740"/>
-          <a:ext cx="9931400" cy="2834640"/>
-        </p:xfrm>
-        <a:graphic>
-          <a:graphicData uri="http://schemas.openxmlformats.org/drawingml/2006/table">
-            <a:tbl>
-              <a:tblPr firstRow="1" bandRow="1">
-                <a:tableStyleId>{5C22544A-7EE6-4342-B048-85BDC9FD1C3A}</a:tableStyleId>
-              </a:tblPr>
-              <a:tblGrid>
-                <a:gridCol w="2482850">
-                  <a:extLst>
-                    <a:ext uri="{9D8B030D-6E8A-4147-A177-3AD203B41FA5}">
-                      <a16:colId xmlns:a16="http://schemas.microsoft.com/office/drawing/2014/main" val="3559833401"/>
-                    </a:ext>
-                  </a:extLst>
-                </a:gridCol>
-                <a:gridCol w="2482850">
-                  <a:extLst>
-                    <a:ext uri="{9D8B030D-6E8A-4147-A177-3AD203B41FA5}">
-                      <a16:colId xmlns:a16="http://schemas.microsoft.com/office/drawing/2014/main" val="82523989"/>
-                    </a:ext>
-                  </a:extLst>
-                </a:gridCol>
-                <a:gridCol w="2482850">
-                  <a:extLst>
-                    <a:ext uri="{9D8B030D-6E8A-4147-A177-3AD203B41FA5}">
-                      <a16:colId xmlns:a16="http://schemas.microsoft.com/office/drawing/2014/main" val="3211310719"/>
-                    </a:ext>
-                  </a:extLst>
-                </a:gridCol>
-                <a:gridCol w="2482850">
-                  <a:extLst>
-                    <a:ext uri="{9D8B030D-6E8A-4147-A177-3AD203B41FA5}">
-                      <a16:colId xmlns:a16="http://schemas.microsoft.com/office/drawing/2014/main" val="4160613981"/>
-                    </a:ext>
-                  </a:extLst>
-                </a:gridCol>
-              </a:tblGrid>
-              <a:tr h="640080">
-                <a:tc>
-                  <a:txBody>
-                    <a:bodyPr/>
-                    <a:lstStyle/>
-                    <a:p>
-                      <a:pPr algn="ctr">
-                        <a:buNone/>
-                      </a:pPr>
-                      <a:r>
-                        <a:rPr lang="en-US" dirty="0"/>
-                        <a:t>Feature</a:t>
-                      </a:r>
-                    </a:p>
-                  </a:txBody>
-                  <a:tcPr anchor="ctr">
-                    <a:lnL w="12700" cap="flat" cmpd="sng" algn="ctr">
-                      <a:noFill/>
-                      <a:prstDash val="solid"/>
-                      <a:round/>
-                      <a:headEnd type="none" w="med" len="med"/>
-                      <a:tailEnd type="none" w="med" len="med"/>
-                    </a:lnL>
-                    <a:lnR w="12700" cap="flat" cmpd="sng" algn="ctr">
-                      <a:solidFill>
-                        <a:schemeClr val="accent2">
-                          <a:lumMod val="75000"/>
-                        </a:schemeClr>
-                      </a:solidFill>
-                      <a:prstDash val="solid"/>
-                      <a:round/>
-                      <a:headEnd type="none" w="med" len="med"/>
-                      <a:tailEnd type="none" w="med" len="med"/>
-                    </a:lnR>
-                    <a:lnT w="38100" cap="flat" cmpd="sng" algn="ctr">
-                      <a:solidFill>
-                        <a:schemeClr val="accent2">
-                          <a:lumMod val="75000"/>
-                        </a:schemeClr>
-                      </a:solidFill>
-                      <a:prstDash val="solid"/>
-                      <a:round/>
-                      <a:headEnd type="none" w="med" len="med"/>
-                      <a:tailEnd type="none" w="med" len="med"/>
-                    </a:lnT>
-                    <a:lnB w="38100" cap="flat" cmpd="sng" algn="ctr">
-                      <a:solidFill>
-                        <a:schemeClr val="accent2">
-                          <a:lumMod val="75000"/>
-                        </a:schemeClr>
-                      </a:solidFill>
-                      <a:prstDash val="solid"/>
-                      <a:round/>
-                      <a:headEnd type="none" w="med" len="med"/>
-                      <a:tailEnd type="none" w="med" len="med"/>
-                    </a:lnB>
-                    <a:lnTlToBr w="12700" cmpd="sng">
-                      <a:noFill/>
-                      <a:prstDash val="solid"/>
-                    </a:lnTlToBr>
-                    <a:lnBlToTr w="12700" cmpd="sng">
-                      <a:noFill/>
-                      <a:prstDash val="solid"/>
-                    </a:lnBlToTr>
-                    <a:noFill/>
-                  </a:tcPr>
-                </a:tc>
-                <a:tc>
-                  <a:txBody>
-                    <a:bodyPr/>
-                    <a:lstStyle/>
-                    <a:p>
-                      <a:pPr algn="ctr">
-                        <a:buNone/>
-                      </a:pPr>
-                      <a:r>
-                        <a:rPr lang="en-US" dirty="0"/>
-                        <a:t>Windows (NTFS)</a:t>
-                      </a:r>
-                    </a:p>
-                  </a:txBody>
-                  <a:tcPr anchor="ctr">
-                    <a:lnL w="12700" cap="flat" cmpd="sng" algn="ctr">
-                      <a:solidFill>
-                        <a:schemeClr val="accent2">
-                          <a:lumMod val="75000"/>
-                        </a:schemeClr>
-                      </a:solidFill>
-                      <a:prstDash val="solid"/>
-                      <a:round/>
-                      <a:headEnd type="none" w="med" len="med"/>
-                      <a:tailEnd type="none" w="med" len="med"/>
-                    </a:lnL>
-                    <a:lnR w="12700" cap="flat" cmpd="sng" algn="ctr">
-                      <a:solidFill>
-                        <a:schemeClr val="accent2">
-                          <a:lumMod val="75000"/>
-                        </a:schemeClr>
-                      </a:solidFill>
-                      <a:prstDash val="solid"/>
-                      <a:round/>
-                      <a:headEnd type="none" w="med" len="med"/>
-                      <a:tailEnd type="none" w="med" len="med"/>
-                    </a:lnR>
-                    <a:lnT w="38100" cap="flat" cmpd="sng" algn="ctr">
-                      <a:solidFill>
-                        <a:schemeClr val="accent2">
-                          <a:lumMod val="75000"/>
-                        </a:schemeClr>
-                      </a:solidFill>
-                      <a:prstDash val="solid"/>
-                      <a:round/>
-                      <a:headEnd type="none" w="med" len="med"/>
-                      <a:tailEnd type="none" w="med" len="med"/>
-                    </a:lnT>
-                    <a:lnB w="38100" cap="flat" cmpd="sng" algn="ctr">
-                      <a:solidFill>
-                        <a:schemeClr val="accent2">
-                          <a:lumMod val="75000"/>
-                        </a:schemeClr>
-                      </a:solidFill>
-                      <a:prstDash val="solid"/>
-                      <a:round/>
-                      <a:headEnd type="none" w="med" len="med"/>
-                      <a:tailEnd type="none" w="med" len="med"/>
-                    </a:lnB>
-                    <a:lnTlToBr w="12700" cmpd="sng">
-                      <a:noFill/>
-                      <a:prstDash val="solid"/>
-                    </a:lnTlToBr>
-                    <a:lnBlToTr w="12700" cmpd="sng">
-                      <a:noFill/>
-                      <a:prstDash val="solid"/>
-                    </a:lnBlToTr>
-                    <a:noFill/>
-                  </a:tcPr>
-                </a:tc>
-                <a:tc>
-                  <a:txBody>
-                    <a:bodyPr/>
-                    <a:lstStyle/>
-                    <a:p>
-                      <a:pPr algn="ctr">
-                        <a:buNone/>
-                      </a:pPr>
-                      <a:r>
-                        <a:rPr lang="en-US" dirty="0"/>
-                        <a:t>Linux (EXT4)</a:t>
-                      </a:r>
-                    </a:p>
-                  </a:txBody>
-                  <a:tcPr anchor="ctr">
-                    <a:lnL w="12700" cap="flat" cmpd="sng" algn="ctr">
-                      <a:solidFill>
-                        <a:schemeClr val="accent2">
-                          <a:lumMod val="75000"/>
-                        </a:schemeClr>
-                      </a:solidFill>
-                      <a:prstDash val="solid"/>
-                      <a:round/>
-                      <a:headEnd type="none" w="med" len="med"/>
-                      <a:tailEnd type="none" w="med" len="med"/>
-                    </a:lnL>
-                    <a:lnR w="12700" cap="flat" cmpd="sng" algn="ctr">
-                      <a:solidFill>
-                        <a:schemeClr val="accent2">
-                          <a:lumMod val="75000"/>
-                        </a:schemeClr>
-                      </a:solidFill>
-                      <a:prstDash val="solid"/>
-                      <a:round/>
-                      <a:headEnd type="none" w="med" len="med"/>
-                      <a:tailEnd type="none" w="med" len="med"/>
-                    </a:lnR>
-                    <a:lnT w="38100" cap="flat" cmpd="sng" algn="ctr">
-                      <a:solidFill>
-                        <a:schemeClr val="accent2">
-                          <a:lumMod val="75000"/>
-                        </a:schemeClr>
-                      </a:solidFill>
-                      <a:prstDash val="solid"/>
-                      <a:round/>
-                      <a:headEnd type="none" w="med" len="med"/>
-                      <a:tailEnd type="none" w="med" len="med"/>
-                    </a:lnT>
-                    <a:lnB w="38100" cap="flat" cmpd="sng" algn="ctr">
-                      <a:solidFill>
-                        <a:schemeClr val="accent2">
-                          <a:lumMod val="75000"/>
-                        </a:schemeClr>
-                      </a:solidFill>
-                      <a:prstDash val="solid"/>
-                      <a:round/>
-                      <a:headEnd type="none" w="med" len="med"/>
-                      <a:tailEnd type="none" w="med" len="med"/>
-                    </a:lnB>
-                    <a:lnTlToBr w="12700" cmpd="sng">
-                      <a:noFill/>
-                      <a:prstDash val="solid"/>
-                    </a:lnTlToBr>
-                    <a:lnBlToTr w="12700" cmpd="sng">
-                      <a:noFill/>
-                      <a:prstDash val="solid"/>
-                    </a:lnBlToTr>
-                    <a:noFill/>
-                  </a:tcPr>
-                </a:tc>
-                <a:tc>
-                  <a:txBody>
-                    <a:bodyPr/>
-                    <a:lstStyle/>
-                    <a:p>
-                      <a:pPr algn="ctr">
-                        <a:buNone/>
-                      </a:pPr>
-                      <a:r>
-                        <a:rPr lang="en-US" dirty="0"/>
-                        <a:t>macOS (APFS)</a:t>
-                      </a:r>
-                    </a:p>
-                  </a:txBody>
-                  <a:tcPr anchor="ctr">
-                    <a:lnL w="12700" cap="flat" cmpd="sng" algn="ctr">
-                      <a:solidFill>
-                        <a:schemeClr val="accent2">
-                          <a:lumMod val="75000"/>
-                        </a:schemeClr>
-                      </a:solidFill>
-                      <a:prstDash val="solid"/>
-                      <a:round/>
-                      <a:headEnd type="none" w="med" len="med"/>
-                      <a:tailEnd type="none" w="med" len="med"/>
-                    </a:lnL>
-                    <a:lnR w="12700" cap="flat" cmpd="sng" algn="ctr">
-                      <a:noFill/>
-                      <a:prstDash val="solid"/>
-                      <a:round/>
-                      <a:headEnd type="none" w="med" len="med"/>
-                      <a:tailEnd type="none" w="med" len="med"/>
-                    </a:lnR>
-                    <a:lnT w="38100" cap="flat" cmpd="sng" algn="ctr">
-                      <a:solidFill>
-                        <a:schemeClr val="accent2">
-                          <a:lumMod val="75000"/>
-                        </a:schemeClr>
-                      </a:solidFill>
-                      <a:prstDash val="solid"/>
-                      <a:round/>
-                      <a:headEnd type="none" w="med" len="med"/>
-                      <a:tailEnd type="none" w="med" len="med"/>
-                    </a:lnT>
-                    <a:lnB w="38100" cap="flat" cmpd="sng" algn="ctr">
-                      <a:solidFill>
-                        <a:schemeClr val="accent2">
-                          <a:lumMod val="75000"/>
-                        </a:schemeClr>
-                      </a:solidFill>
-                      <a:prstDash val="solid"/>
-                      <a:round/>
-                      <a:headEnd type="none" w="med" len="med"/>
-                      <a:tailEnd type="none" w="med" len="med"/>
-                    </a:lnB>
-                    <a:lnTlToBr w="12700" cmpd="sng">
-                      <a:noFill/>
-                      <a:prstDash val="solid"/>
-                    </a:lnTlToBr>
-                    <a:lnBlToTr w="12700" cmpd="sng">
-                      <a:noFill/>
-                      <a:prstDash val="solid"/>
-                    </a:lnBlToTr>
-                    <a:noFill/>
-                  </a:tcPr>
-                </a:tc>
-                <a:extLst>
-                  <a:ext uri="{0D108BD9-81ED-4DB2-BD59-A6C34878D82A}">
-                    <a16:rowId xmlns:a16="http://schemas.microsoft.com/office/drawing/2014/main" val="3766630617"/>
-                  </a:ext>
-                </a:extLst>
-              </a:tr>
-              <a:tr h="548640">
-                <a:tc>
-                  <a:txBody>
-                    <a:bodyPr/>
-                    <a:lstStyle/>
-                    <a:p>
-                      <a:pPr algn="l">
-                        <a:buNone/>
-                      </a:pPr>
-                      <a:r>
-                        <a:rPr lang="en-US" sz="1400" dirty="0">
-                          <a:solidFill>
-                            <a:schemeClr val="bg1"/>
-                          </a:solidFill>
-                        </a:rPr>
-                        <a:t>Journaling</a:t>
-                      </a:r>
-                    </a:p>
-                  </a:txBody>
-                  <a:tcPr anchor="ctr">
-                    <a:lnL w="38100" cap="flat" cmpd="sng" algn="ctr">
-                      <a:noFill/>
-                      <a:prstDash val="solid"/>
-                      <a:round/>
-                      <a:headEnd type="none" w="med" len="med"/>
-                      <a:tailEnd type="none" w="med" len="med"/>
-                    </a:lnL>
-                    <a:lnR w="12700" cap="flat" cmpd="sng" algn="ctr">
-                      <a:solidFill>
-                        <a:schemeClr val="accent2">
-                          <a:lumMod val="75000"/>
-                        </a:schemeClr>
-                      </a:solidFill>
-                      <a:prstDash val="solid"/>
-                      <a:round/>
-                      <a:headEnd type="none" w="med" len="med"/>
-                      <a:tailEnd type="none" w="med" len="med"/>
-                    </a:lnR>
-                    <a:lnT w="38100" cap="flat" cmpd="sng" algn="ctr">
-                      <a:solidFill>
-                        <a:schemeClr val="accent2">
-                          <a:lumMod val="75000"/>
-                        </a:schemeClr>
-                      </a:solidFill>
-                      <a:prstDash val="solid"/>
-                      <a:round/>
-                      <a:headEnd type="none" w="med" len="med"/>
-                      <a:tailEnd type="none" w="med" len="med"/>
-                    </a:lnT>
-                    <a:lnB w="12700" cap="flat" cmpd="sng" algn="ctr">
-                      <a:solidFill>
-                        <a:schemeClr val="accent2">
-                          <a:lumMod val="75000"/>
-                        </a:schemeClr>
-                      </a:solidFill>
-                      <a:prstDash val="solid"/>
-                      <a:round/>
-                      <a:headEnd type="none" w="med" len="med"/>
-                      <a:tailEnd type="none" w="med" len="med"/>
-                    </a:lnB>
-                    <a:noFill/>
-                  </a:tcPr>
-                </a:tc>
-                <a:tc>
-                  <a:txBody>
-                    <a:bodyPr/>
-                    <a:lstStyle/>
-                    <a:p>
-                      <a:pPr algn="l"/>
-                      <a:r>
-                        <a:rPr lang="en-US" sz="1100" dirty="0">
-                          <a:solidFill>
-                            <a:schemeClr val="bg1"/>
-                          </a:solidFill>
-                        </a:rPr>
-                        <a:t>Yes</a:t>
-                      </a:r>
-                      <a:endParaRPr lang="en-GB" sz="1100" dirty="0">
-                        <a:solidFill>
-                          <a:schemeClr val="bg1"/>
-                        </a:solidFill>
-                        <a:latin typeface="+mn-lt"/>
-                      </a:endParaRPr>
-                    </a:p>
-                  </a:txBody>
-                  <a:tcPr anchor="ctr">
-                    <a:lnL w="12700" cap="flat" cmpd="sng" algn="ctr">
-                      <a:solidFill>
-                        <a:schemeClr val="accent2">
-                          <a:lumMod val="75000"/>
-                        </a:schemeClr>
-                      </a:solidFill>
-                      <a:prstDash val="solid"/>
-                      <a:round/>
-                      <a:headEnd type="none" w="med" len="med"/>
-                      <a:tailEnd type="none" w="med" len="med"/>
-                    </a:lnL>
-                    <a:lnR w="12700" cap="flat" cmpd="sng" algn="ctr">
-                      <a:solidFill>
-                        <a:schemeClr val="accent2">
-                          <a:lumMod val="75000"/>
-                        </a:schemeClr>
-                      </a:solidFill>
-                      <a:prstDash val="solid"/>
-                      <a:round/>
-                      <a:headEnd type="none" w="med" len="med"/>
-                      <a:tailEnd type="none" w="med" len="med"/>
-                    </a:lnR>
-                    <a:lnT w="38100" cap="flat" cmpd="sng" algn="ctr">
-                      <a:solidFill>
-                        <a:schemeClr val="accent2">
-                          <a:lumMod val="75000"/>
-                        </a:schemeClr>
-                      </a:solidFill>
-                      <a:prstDash val="solid"/>
-                      <a:round/>
-                      <a:headEnd type="none" w="med" len="med"/>
-                      <a:tailEnd type="none" w="med" len="med"/>
-                    </a:lnT>
-                    <a:lnB w="12700" cap="flat" cmpd="sng" algn="ctr">
-                      <a:solidFill>
-                        <a:schemeClr val="accent2">
-                          <a:lumMod val="75000"/>
-                        </a:schemeClr>
-                      </a:solidFill>
-                      <a:prstDash val="solid"/>
-                      <a:round/>
-                      <a:headEnd type="none" w="med" len="med"/>
-                      <a:tailEnd type="none" w="med" len="med"/>
-                    </a:lnB>
-                    <a:noFill/>
-                  </a:tcPr>
-                </a:tc>
-                <a:tc>
-                  <a:txBody>
-                    <a:bodyPr/>
-                    <a:lstStyle/>
-                    <a:p>
-                      <a:pPr algn="l">
-                        <a:buNone/>
-                      </a:pPr>
-                      <a:r>
-                        <a:rPr lang="en-US" sz="1400" dirty="0">
-                          <a:solidFill>
-                            <a:schemeClr val="bg1"/>
-                          </a:solidFill>
-                        </a:rPr>
-                        <a:t>Yes</a:t>
-                      </a:r>
-                    </a:p>
-                  </a:txBody>
-                  <a:tcPr anchor="ctr">
-                    <a:lnL w="12700" cap="flat" cmpd="sng" algn="ctr">
-                      <a:solidFill>
-                        <a:schemeClr val="accent2">
-                          <a:lumMod val="75000"/>
-                        </a:schemeClr>
-                      </a:solidFill>
-                      <a:prstDash val="solid"/>
-                      <a:round/>
-                      <a:headEnd type="none" w="med" len="med"/>
-                      <a:tailEnd type="none" w="med" len="med"/>
-                    </a:lnL>
-                    <a:lnR w="12700" cap="flat" cmpd="sng" algn="ctr">
-                      <a:solidFill>
-                        <a:schemeClr val="accent2">
-                          <a:lumMod val="75000"/>
-                        </a:schemeClr>
-                      </a:solidFill>
-                      <a:prstDash val="solid"/>
-                      <a:round/>
-                      <a:headEnd type="none" w="med" len="med"/>
-                      <a:tailEnd type="none" w="med" len="med"/>
-                    </a:lnR>
-                    <a:lnT w="38100" cap="flat" cmpd="sng" algn="ctr">
-                      <a:solidFill>
-                        <a:schemeClr val="accent2">
-                          <a:lumMod val="75000"/>
-                        </a:schemeClr>
-                      </a:solidFill>
-                      <a:prstDash val="solid"/>
-                      <a:round/>
-                      <a:headEnd type="none" w="med" len="med"/>
-                      <a:tailEnd type="none" w="med" len="med"/>
-                    </a:lnT>
-                    <a:lnB w="12700" cap="flat" cmpd="sng" algn="ctr">
-                      <a:solidFill>
-                        <a:schemeClr val="accent2">
-                          <a:lumMod val="75000"/>
-                        </a:schemeClr>
-                      </a:solidFill>
-                      <a:prstDash val="solid"/>
-                      <a:round/>
-                      <a:headEnd type="none" w="med" len="med"/>
-                      <a:tailEnd type="none" w="med" len="med"/>
-                    </a:lnB>
-                    <a:noFill/>
-                  </a:tcPr>
-                </a:tc>
-                <a:tc>
-                  <a:txBody>
-                    <a:bodyPr/>
-                    <a:lstStyle/>
-                    <a:p>
-                      <a:pPr algn="l">
-                        <a:buNone/>
-                      </a:pPr>
-                      <a:r>
-                        <a:rPr lang="en-US" sz="1400" dirty="0">
-                          <a:solidFill>
-                            <a:schemeClr val="bg1"/>
-                          </a:solidFill>
-                        </a:rPr>
-                        <a:t>Yes</a:t>
-                      </a:r>
-                    </a:p>
-                  </a:txBody>
-                  <a:tcPr anchor="ctr">
-                    <a:lnL w="12700" cap="flat" cmpd="sng" algn="ctr">
-                      <a:solidFill>
-                        <a:schemeClr val="accent2">
-                          <a:lumMod val="75000"/>
-                        </a:schemeClr>
-                      </a:solidFill>
-                      <a:prstDash val="solid"/>
-                      <a:round/>
-                      <a:headEnd type="none" w="med" len="med"/>
-                      <a:tailEnd type="none" w="med" len="med"/>
-                    </a:lnL>
-                    <a:lnR w="38100" cap="flat" cmpd="sng" algn="ctr">
-                      <a:noFill/>
-                      <a:prstDash val="solid"/>
-                      <a:round/>
-                      <a:headEnd type="none" w="med" len="med"/>
-                      <a:tailEnd type="none" w="med" len="med"/>
-                    </a:lnR>
-                    <a:lnT w="38100" cap="flat" cmpd="sng" algn="ctr">
-                      <a:solidFill>
-                        <a:schemeClr val="accent2">
-                          <a:lumMod val="75000"/>
-                        </a:schemeClr>
-                      </a:solidFill>
-                      <a:prstDash val="solid"/>
-                      <a:round/>
-                      <a:headEnd type="none" w="med" len="med"/>
-                      <a:tailEnd type="none" w="med" len="med"/>
-                    </a:lnT>
-                    <a:lnB w="12700" cap="flat" cmpd="sng" algn="ctr">
-                      <a:solidFill>
-                        <a:schemeClr val="accent2">
-                          <a:lumMod val="75000"/>
-                        </a:schemeClr>
-                      </a:solidFill>
-                      <a:prstDash val="solid"/>
-                      <a:round/>
-                      <a:headEnd type="none" w="med" len="med"/>
-                      <a:tailEnd type="none" w="med" len="med"/>
-                    </a:lnB>
-                    <a:noFill/>
-                  </a:tcPr>
-                </a:tc>
-                <a:extLst>
-                  <a:ext uri="{0D108BD9-81ED-4DB2-BD59-A6C34878D82A}">
-                    <a16:rowId xmlns:a16="http://schemas.microsoft.com/office/drawing/2014/main" val="3446274366"/>
-                  </a:ext>
-                </a:extLst>
-              </a:tr>
-              <a:tr h="548640">
-                <a:tc>
-                  <a:txBody>
-                    <a:bodyPr/>
-                    <a:lstStyle/>
-                    <a:p>
-                      <a:pPr algn="l">
-                        <a:buNone/>
-                      </a:pPr>
-                      <a:r>
-                        <a:rPr lang="en-US" sz="1400" dirty="0">
-                          <a:solidFill>
-                            <a:schemeClr val="bg1"/>
-                          </a:solidFill>
-                        </a:rPr>
-                        <a:t>Encryption</a:t>
-                      </a:r>
-                    </a:p>
-                  </a:txBody>
-                  <a:tcPr anchor="ctr">
-                    <a:lnL w="38100" cap="flat" cmpd="sng" algn="ctr">
-                      <a:noFill/>
-                      <a:prstDash val="solid"/>
-                      <a:round/>
-                      <a:headEnd type="none" w="med" len="med"/>
-                      <a:tailEnd type="none" w="med" len="med"/>
-                    </a:lnL>
-                    <a:lnR w="12700" cap="flat" cmpd="sng" algn="ctr">
-                      <a:solidFill>
-                        <a:schemeClr val="accent2">
-                          <a:lumMod val="75000"/>
-                        </a:schemeClr>
-                      </a:solidFill>
-                      <a:prstDash val="solid"/>
-                      <a:round/>
-                      <a:headEnd type="none" w="med" len="med"/>
-                      <a:tailEnd type="none" w="med" len="med"/>
-                    </a:lnR>
-                    <a:lnT w="12700" cap="flat" cmpd="sng" algn="ctr">
-                      <a:solidFill>
-                        <a:schemeClr val="accent2">
-                          <a:lumMod val="75000"/>
-                        </a:schemeClr>
-                      </a:solidFill>
-                      <a:prstDash val="solid"/>
-                      <a:round/>
-                      <a:headEnd type="none" w="med" len="med"/>
-                      <a:tailEnd type="none" w="med" len="med"/>
-                    </a:lnT>
-                    <a:lnB w="12700" cap="flat" cmpd="sng" algn="ctr">
-                      <a:solidFill>
-                        <a:schemeClr val="accent2">
-                          <a:lumMod val="75000"/>
-                        </a:schemeClr>
-                      </a:solidFill>
-                      <a:prstDash val="solid"/>
-                      <a:round/>
-                      <a:headEnd type="none" w="med" len="med"/>
-                      <a:tailEnd type="none" w="med" len="med"/>
-                    </a:lnB>
-                    <a:solidFill>
-                      <a:schemeClr val="accent5"/>
-                    </a:solidFill>
-                  </a:tcPr>
-                </a:tc>
-                <a:tc>
-                  <a:txBody>
-                    <a:bodyPr/>
-                    <a:lstStyle/>
-                    <a:p>
-                      <a:pPr marL="0" marR="0" lvl="0" indent="0" algn="l" defTabSz="914400" rtl="0" eaLnBrk="1" fontAlgn="auto" latinLnBrk="0" hangingPunct="1">
-                        <a:lnSpc>
-                          <a:spcPct val="100000"/>
-                        </a:lnSpc>
-                        <a:spcBef>
-                          <a:spcPts val="0"/>
-                        </a:spcBef>
-                        <a:spcAft>
-                          <a:spcPts val="0"/>
-                        </a:spcAft>
-                        <a:buClrTx/>
-                        <a:buSzTx/>
-                        <a:buFontTx/>
-                        <a:buNone/>
-                        <a:tabLst/>
-                        <a:defRPr/>
-                      </a:pPr>
-                      <a:r>
-                        <a:rPr lang="en-US" sz="1400" dirty="0">
-                          <a:solidFill>
-                            <a:schemeClr val="bg1"/>
-                          </a:solidFill>
-                        </a:rPr>
-                        <a:t>Yes</a:t>
-                      </a:r>
-                      <a:endParaRPr lang="en-GB" sz="1400" dirty="0">
-                        <a:solidFill>
-                          <a:schemeClr val="bg1"/>
-                        </a:solidFill>
-                        <a:latin typeface="+mn-lt"/>
-                      </a:endParaRPr>
-                    </a:p>
-                    <a:p>
-                      <a:pPr algn="l">
-                        <a:buNone/>
-                      </a:pPr>
-                      <a:endParaRPr lang="en-US" sz="1400" dirty="0">
-                        <a:solidFill>
-                          <a:schemeClr val="bg1"/>
-                        </a:solidFill>
-                      </a:endParaRPr>
-                    </a:p>
-                  </a:txBody>
-                  <a:tcPr anchor="ctr">
-                    <a:lnL w="12700" cap="flat" cmpd="sng" algn="ctr">
-                      <a:solidFill>
-                        <a:schemeClr val="accent2">
-                          <a:lumMod val="75000"/>
-                        </a:schemeClr>
-                      </a:solidFill>
-                      <a:prstDash val="solid"/>
-                      <a:round/>
-                      <a:headEnd type="none" w="med" len="med"/>
-                      <a:tailEnd type="none" w="med" len="med"/>
-                    </a:lnL>
-                    <a:lnR w="12700" cap="flat" cmpd="sng" algn="ctr">
-                      <a:solidFill>
-                        <a:schemeClr val="accent2">
-                          <a:lumMod val="75000"/>
-                        </a:schemeClr>
-                      </a:solidFill>
-                      <a:prstDash val="solid"/>
-                      <a:round/>
-                      <a:headEnd type="none" w="med" len="med"/>
-                      <a:tailEnd type="none" w="med" len="med"/>
-                    </a:lnR>
-                    <a:lnT w="12700" cap="flat" cmpd="sng" algn="ctr">
-                      <a:solidFill>
-                        <a:schemeClr val="accent2">
-                          <a:lumMod val="75000"/>
-                        </a:schemeClr>
-                      </a:solidFill>
-                      <a:prstDash val="solid"/>
-                      <a:round/>
-                      <a:headEnd type="none" w="med" len="med"/>
-                      <a:tailEnd type="none" w="med" len="med"/>
-                    </a:lnT>
-                    <a:lnB w="12700" cap="flat" cmpd="sng" algn="ctr">
-                      <a:solidFill>
-                        <a:schemeClr val="accent2">
-                          <a:lumMod val="75000"/>
-                        </a:schemeClr>
-                      </a:solidFill>
-                      <a:prstDash val="solid"/>
-                      <a:round/>
-                      <a:headEnd type="none" w="med" len="med"/>
-                      <a:tailEnd type="none" w="med" len="med"/>
-                    </a:lnB>
-                    <a:solidFill>
-                      <a:schemeClr val="accent5"/>
-                    </a:solidFill>
-                  </a:tcPr>
-                </a:tc>
-                <a:tc>
-                  <a:txBody>
-                    <a:bodyPr/>
-                    <a:lstStyle/>
-                    <a:p>
-                      <a:pPr algn="l">
-                        <a:buNone/>
-                      </a:pPr>
-                      <a:r>
-                        <a:rPr lang="en-US" sz="1400" dirty="0">
-                          <a:solidFill>
-                            <a:schemeClr val="bg1"/>
-                          </a:solidFill>
-                        </a:rPr>
-                        <a:t>No (default)</a:t>
-                      </a:r>
-                    </a:p>
-                  </a:txBody>
-                  <a:tcPr anchor="ctr">
-                    <a:lnL w="12700" cap="flat" cmpd="sng" algn="ctr">
-                      <a:solidFill>
-                        <a:schemeClr val="accent2">
-                          <a:lumMod val="75000"/>
-                        </a:schemeClr>
-                      </a:solidFill>
-                      <a:prstDash val="solid"/>
-                      <a:round/>
-                      <a:headEnd type="none" w="med" len="med"/>
-                      <a:tailEnd type="none" w="med" len="med"/>
-                    </a:lnL>
-                    <a:lnR w="12700" cap="flat" cmpd="sng" algn="ctr">
-                      <a:solidFill>
-                        <a:schemeClr val="accent2">
-                          <a:lumMod val="75000"/>
-                        </a:schemeClr>
-                      </a:solidFill>
-                      <a:prstDash val="solid"/>
-                      <a:round/>
-                      <a:headEnd type="none" w="med" len="med"/>
-                      <a:tailEnd type="none" w="med" len="med"/>
-                    </a:lnR>
-                    <a:lnT w="12700" cap="flat" cmpd="sng" algn="ctr">
-                      <a:solidFill>
-                        <a:schemeClr val="accent2">
-                          <a:lumMod val="75000"/>
-                        </a:schemeClr>
-                      </a:solidFill>
-                      <a:prstDash val="solid"/>
-                      <a:round/>
-                      <a:headEnd type="none" w="med" len="med"/>
-                      <a:tailEnd type="none" w="med" len="med"/>
-                    </a:lnT>
-                    <a:lnB w="12700" cap="flat" cmpd="sng" algn="ctr">
-                      <a:solidFill>
-                        <a:schemeClr val="accent2">
-                          <a:lumMod val="75000"/>
-                        </a:schemeClr>
-                      </a:solidFill>
-                      <a:prstDash val="solid"/>
-                      <a:round/>
-                      <a:headEnd type="none" w="med" len="med"/>
-                      <a:tailEnd type="none" w="med" len="med"/>
-                    </a:lnB>
-                    <a:solidFill>
-                      <a:schemeClr val="accent5"/>
-                    </a:solidFill>
-                  </a:tcPr>
-                </a:tc>
-                <a:tc>
-                  <a:txBody>
-                    <a:bodyPr/>
-                    <a:lstStyle/>
-                    <a:p>
-                      <a:pPr algn="l">
-                        <a:buNone/>
-                      </a:pPr>
-                      <a:r>
-                        <a:rPr lang="en-US" sz="1400" dirty="0">
-                          <a:solidFill>
-                            <a:schemeClr val="bg1"/>
-                          </a:solidFill>
-                        </a:rPr>
-                        <a:t>Yes (APFS)</a:t>
-                      </a:r>
-                    </a:p>
-                  </a:txBody>
-                  <a:tcPr anchor="ctr">
-                    <a:lnL w="12700" cap="flat" cmpd="sng" algn="ctr">
-                      <a:solidFill>
-                        <a:schemeClr val="accent2">
-                          <a:lumMod val="75000"/>
-                        </a:schemeClr>
-                      </a:solidFill>
-                      <a:prstDash val="solid"/>
-                      <a:round/>
-                      <a:headEnd type="none" w="med" len="med"/>
-                      <a:tailEnd type="none" w="med" len="med"/>
-                    </a:lnL>
-                    <a:lnR w="38100" cap="flat" cmpd="sng" algn="ctr">
-                      <a:noFill/>
-                      <a:prstDash val="solid"/>
-                      <a:round/>
-                      <a:headEnd type="none" w="med" len="med"/>
-                      <a:tailEnd type="none" w="med" len="med"/>
-                    </a:lnR>
-                    <a:lnT w="12700" cap="flat" cmpd="sng" algn="ctr">
-                      <a:solidFill>
-                        <a:schemeClr val="accent2">
-                          <a:lumMod val="75000"/>
-                        </a:schemeClr>
-                      </a:solidFill>
-                      <a:prstDash val="solid"/>
-                      <a:round/>
-                      <a:headEnd type="none" w="med" len="med"/>
-                      <a:tailEnd type="none" w="med" len="med"/>
-                    </a:lnT>
-                    <a:lnB w="12700" cap="flat" cmpd="sng" algn="ctr">
-                      <a:solidFill>
-                        <a:schemeClr val="accent2">
-                          <a:lumMod val="75000"/>
-                        </a:schemeClr>
-                      </a:solidFill>
-                      <a:prstDash val="solid"/>
-                      <a:round/>
-                      <a:headEnd type="none" w="med" len="med"/>
-                      <a:tailEnd type="none" w="med" len="med"/>
-                    </a:lnB>
-                    <a:solidFill>
-                      <a:schemeClr val="accent5"/>
-                    </a:solidFill>
-                  </a:tcPr>
-                </a:tc>
-                <a:extLst>
-                  <a:ext uri="{0D108BD9-81ED-4DB2-BD59-A6C34878D82A}">
-                    <a16:rowId xmlns:a16="http://schemas.microsoft.com/office/drawing/2014/main" val="1758271508"/>
-                  </a:ext>
-                </a:extLst>
-              </a:tr>
-              <a:tr h="548640">
-                <a:tc>
-                  <a:txBody>
-                    <a:bodyPr/>
-                    <a:lstStyle/>
-                    <a:p>
-                      <a:pPr algn="l">
-                        <a:buNone/>
-                      </a:pPr>
-                      <a:r>
-                        <a:rPr lang="en-US" sz="1400" dirty="0">
-                          <a:solidFill>
-                            <a:schemeClr val="bg1"/>
-                          </a:solidFill>
-                        </a:rPr>
-                        <a:t>Max File Size</a:t>
-                      </a:r>
-                    </a:p>
-                  </a:txBody>
-                  <a:tcPr anchor="ctr">
-                    <a:lnL w="38100" cap="flat" cmpd="sng" algn="ctr">
-                      <a:noFill/>
-                      <a:prstDash val="solid"/>
-                      <a:round/>
-                      <a:headEnd type="none" w="med" len="med"/>
-                      <a:tailEnd type="none" w="med" len="med"/>
-                    </a:lnL>
-                    <a:lnR w="12700" cap="flat" cmpd="sng" algn="ctr">
-                      <a:solidFill>
-                        <a:schemeClr val="accent2">
-                          <a:lumMod val="75000"/>
-                        </a:schemeClr>
-                      </a:solidFill>
-                      <a:prstDash val="solid"/>
-                      <a:round/>
-                      <a:headEnd type="none" w="med" len="med"/>
-                      <a:tailEnd type="none" w="med" len="med"/>
-                    </a:lnR>
-                    <a:lnT w="12700" cap="flat" cmpd="sng" algn="ctr">
-                      <a:solidFill>
-                        <a:schemeClr val="accent2">
-                          <a:lumMod val="75000"/>
-                        </a:schemeClr>
-                      </a:solidFill>
-                      <a:prstDash val="solid"/>
-                      <a:round/>
-                      <a:headEnd type="none" w="med" len="med"/>
-                      <a:tailEnd type="none" w="med" len="med"/>
-                    </a:lnT>
-                    <a:lnB w="12700" cap="flat" cmpd="sng" algn="ctr">
-                      <a:solidFill>
-                        <a:schemeClr val="accent2">
-                          <a:lumMod val="75000"/>
-                        </a:schemeClr>
-                      </a:solidFill>
-                      <a:prstDash val="solid"/>
-                      <a:round/>
-                      <a:headEnd type="none" w="med" len="med"/>
-                      <a:tailEnd type="none" w="med" len="med"/>
-                    </a:lnB>
-                    <a:noFill/>
-                  </a:tcPr>
-                </a:tc>
-                <a:tc>
-                  <a:txBody>
-                    <a:bodyPr/>
-                    <a:lstStyle/>
-                    <a:p>
-                      <a:pPr algn="l"/>
-                      <a:r>
-                        <a:rPr lang="en-US" sz="1100" dirty="0">
-                          <a:solidFill>
-                            <a:schemeClr val="bg1"/>
-                          </a:solidFill>
-                        </a:rPr>
-                        <a:t>16 TB</a:t>
-                      </a:r>
-                      <a:endParaRPr lang="en-GB" sz="1100" dirty="0">
-                        <a:solidFill>
-                          <a:schemeClr val="bg1"/>
-                        </a:solidFill>
-                        <a:latin typeface="+mn-lt"/>
-                      </a:endParaRPr>
-                    </a:p>
-                  </a:txBody>
-                  <a:tcPr anchor="ctr">
-                    <a:lnL w="12700" cap="flat" cmpd="sng" algn="ctr">
-                      <a:solidFill>
-                        <a:schemeClr val="accent2">
-                          <a:lumMod val="75000"/>
-                        </a:schemeClr>
-                      </a:solidFill>
-                      <a:prstDash val="solid"/>
-                      <a:round/>
-                      <a:headEnd type="none" w="med" len="med"/>
-                      <a:tailEnd type="none" w="med" len="med"/>
-                    </a:lnL>
-                    <a:lnR w="12700" cap="flat" cmpd="sng" algn="ctr">
-                      <a:solidFill>
-                        <a:schemeClr val="accent2">
-                          <a:lumMod val="75000"/>
-                        </a:schemeClr>
-                      </a:solidFill>
-                      <a:prstDash val="solid"/>
-                      <a:round/>
-                      <a:headEnd type="none" w="med" len="med"/>
-                      <a:tailEnd type="none" w="med" len="med"/>
-                    </a:lnR>
-                    <a:lnT w="12700" cap="flat" cmpd="sng" algn="ctr">
-                      <a:solidFill>
-                        <a:schemeClr val="accent2">
-                          <a:lumMod val="75000"/>
-                        </a:schemeClr>
-                      </a:solidFill>
-                      <a:prstDash val="solid"/>
-                      <a:round/>
-                      <a:headEnd type="none" w="med" len="med"/>
-                      <a:tailEnd type="none" w="med" len="med"/>
-                    </a:lnT>
-                    <a:lnB w="12700" cap="flat" cmpd="sng" algn="ctr">
-                      <a:solidFill>
-                        <a:schemeClr val="accent2">
-                          <a:lumMod val="75000"/>
-                        </a:schemeClr>
-                      </a:solidFill>
-                      <a:prstDash val="solid"/>
-                      <a:round/>
-                      <a:headEnd type="none" w="med" len="med"/>
-                      <a:tailEnd type="none" w="med" len="med"/>
-                    </a:lnB>
-                    <a:noFill/>
-                  </a:tcPr>
-                </a:tc>
-                <a:tc>
-                  <a:txBody>
-                    <a:bodyPr/>
-                    <a:lstStyle/>
-                    <a:p>
-                      <a:pPr algn="l">
-                        <a:buNone/>
-                      </a:pPr>
-                      <a:r>
-                        <a:rPr lang="en-US" sz="1400" dirty="0">
-                          <a:solidFill>
-                            <a:schemeClr val="bg1"/>
-                          </a:solidFill>
-                        </a:rPr>
-                        <a:t>1 EB</a:t>
-                      </a:r>
-                    </a:p>
-                  </a:txBody>
-                  <a:tcPr anchor="ctr">
-                    <a:lnL w="12700" cap="flat" cmpd="sng" algn="ctr">
-                      <a:solidFill>
-                        <a:schemeClr val="accent2">
-                          <a:lumMod val="75000"/>
-                        </a:schemeClr>
-                      </a:solidFill>
-                      <a:prstDash val="solid"/>
-                      <a:round/>
-                      <a:headEnd type="none" w="med" len="med"/>
-                      <a:tailEnd type="none" w="med" len="med"/>
-                    </a:lnL>
-                    <a:lnR w="12700" cap="flat" cmpd="sng" algn="ctr">
-                      <a:solidFill>
-                        <a:schemeClr val="accent2">
-                          <a:lumMod val="75000"/>
-                        </a:schemeClr>
-                      </a:solidFill>
-                      <a:prstDash val="solid"/>
-                      <a:round/>
-                      <a:headEnd type="none" w="med" len="med"/>
-                      <a:tailEnd type="none" w="med" len="med"/>
-                    </a:lnR>
-                    <a:lnT w="12700" cap="flat" cmpd="sng" algn="ctr">
-                      <a:solidFill>
-                        <a:schemeClr val="accent2">
-                          <a:lumMod val="75000"/>
-                        </a:schemeClr>
-                      </a:solidFill>
-                      <a:prstDash val="solid"/>
-                      <a:round/>
-                      <a:headEnd type="none" w="med" len="med"/>
-                      <a:tailEnd type="none" w="med" len="med"/>
-                    </a:lnT>
-                    <a:lnB w="12700" cap="flat" cmpd="sng" algn="ctr">
-                      <a:solidFill>
-                        <a:schemeClr val="accent2">
-                          <a:lumMod val="75000"/>
-                        </a:schemeClr>
-                      </a:solidFill>
-                      <a:prstDash val="solid"/>
-                      <a:round/>
-                      <a:headEnd type="none" w="med" len="med"/>
-                      <a:tailEnd type="none" w="med" len="med"/>
-                    </a:lnB>
-                    <a:noFill/>
-                  </a:tcPr>
-                </a:tc>
-                <a:tc>
-                  <a:txBody>
-                    <a:bodyPr/>
-                    <a:lstStyle/>
-                    <a:p>
-                      <a:pPr algn="l">
-                        <a:buNone/>
-                      </a:pPr>
-                      <a:r>
-                        <a:rPr lang="en-US" sz="1400" dirty="0">
-                          <a:solidFill>
-                            <a:schemeClr val="bg1"/>
-                          </a:solidFill>
-                        </a:rPr>
-                        <a:t>8 EB</a:t>
-                      </a:r>
-                    </a:p>
-                  </a:txBody>
-                  <a:tcPr anchor="ctr">
-                    <a:lnL w="12700" cap="flat" cmpd="sng" algn="ctr">
-                      <a:solidFill>
-                        <a:schemeClr val="accent2">
-                          <a:lumMod val="75000"/>
-                        </a:schemeClr>
-                      </a:solidFill>
-                      <a:prstDash val="solid"/>
-                      <a:round/>
-                      <a:headEnd type="none" w="med" len="med"/>
-                      <a:tailEnd type="none" w="med" len="med"/>
-                    </a:lnL>
-                    <a:lnR w="38100" cap="flat" cmpd="sng" algn="ctr">
-                      <a:noFill/>
-                      <a:prstDash val="solid"/>
-                      <a:round/>
-                      <a:headEnd type="none" w="med" len="med"/>
-                      <a:tailEnd type="none" w="med" len="med"/>
-                    </a:lnR>
-                    <a:lnT w="12700" cap="flat" cmpd="sng" algn="ctr">
-                      <a:solidFill>
-                        <a:schemeClr val="accent2">
-                          <a:lumMod val="75000"/>
-                        </a:schemeClr>
-                      </a:solidFill>
-                      <a:prstDash val="solid"/>
-                      <a:round/>
-                      <a:headEnd type="none" w="med" len="med"/>
-                      <a:tailEnd type="none" w="med" len="med"/>
-                    </a:lnT>
-                    <a:lnB w="12700" cap="flat" cmpd="sng" algn="ctr">
-                      <a:solidFill>
-                        <a:schemeClr val="accent2">
-                          <a:lumMod val="75000"/>
-                        </a:schemeClr>
-                      </a:solidFill>
-                      <a:prstDash val="solid"/>
-                      <a:round/>
-                      <a:headEnd type="none" w="med" len="med"/>
-                      <a:tailEnd type="none" w="med" len="med"/>
-                    </a:lnB>
-                    <a:noFill/>
-                  </a:tcPr>
-                </a:tc>
-                <a:extLst>
-                  <a:ext uri="{0D108BD9-81ED-4DB2-BD59-A6C34878D82A}">
-                    <a16:rowId xmlns:a16="http://schemas.microsoft.com/office/drawing/2014/main" val="3736384641"/>
-                  </a:ext>
-                </a:extLst>
-              </a:tr>
-              <a:tr h="548640">
-                <a:tc>
-                  <a:txBody>
-                    <a:bodyPr/>
-                    <a:lstStyle/>
-                    <a:p>
-                      <a:pPr algn="l">
-                        <a:buNone/>
-                      </a:pPr>
-                      <a:r>
-                        <a:rPr lang="en-US" sz="1400" dirty="0">
-                          <a:solidFill>
-                            <a:schemeClr val="bg1"/>
-                          </a:solidFill>
-                        </a:rPr>
-                        <a:t>Compatible with</a:t>
-                      </a:r>
-                    </a:p>
-                  </a:txBody>
-                  <a:tcPr anchor="ctr">
-                    <a:lnL w="38100" cap="flat" cmpd="sng" algn="ctr">
-                      <a:noFill/>
-                      <a:prstDash val="solid"/>
-                      <a:round/>
-                      <a:headEnd type="none" w="med" len="med"/>
-                      <a:tailEnd type="none" w="med" len="med"/>
-                    </a:lnL>
-                    <a:lnR w="12700" cap="flat" cmpd="sng" algn="ctr">
-                      <a:solidFill>
-                        <a:schemeClr val="accent2">
-                          <a:lumMod val="75000"/>
-                        </a:schemeClr>
-                      </a:solidFill>
-                      <a:prstDash val="solid"/>
-                      <a:round/>
-                      <a:headEnd type="none" w="med" len="med"/>
-                      <a:tailEnd type="none" w="med" len="med"/>
-                    </a:lnR>
-                    <a:lnT w="12700" cap="flat" cmpd="sng" algn="ctr">
-                      <a:solidFill>
-                        <a:schemeClr val="accent2">
-                          <a:lumMod val="75000"/>
-                        </a:schemeClr>
-                      </a:solidFill>
-                      <a:prstDash val="solid"/>
-                      <a:round/>
-                      <a:headEnd type="none" w="med" len="med"/>
-                      <a:tailEnd type="none" w="med" len="med"/>
-                    </a:lnT>
-                    <a:lnB w="12700" cap="flat" cmpd="sng" algn="ctr">
-                      <a:solidFill>
-                        <a:schemeClr val="accent2">
-                          <a:lumMod val="75000"/>
-                        </a:schemeClr>
-                      </a:solidFill>
-                      <a:prstDash val="solid"/>
-                      <a:round/>
-                      <a:headEnd type="none" w="med" len="med"/>
-                      <a:tailEnd type="none" w="med" len="med"/>
-                    </a:lnB>
-                    <a:solidFill>
-                      <a:schemeClr val="accent5"/>
-                    </a:solidFill>
-                  </a:tcPr>
-                </a:tc>
-                <a:tc>
-                  <a:txBody>
-                    <a:bodyPr/>
-                    <a:lstStyle/>
-                    <a:p>
-                      <a:pPr algn="l">
-                        <a:buNone/>
-                      </a:pPr>
-                      <a:r>
-                        <a:rPr lang="en-US" sz="1400" dirty="0">
-                          <a:solidFill>
-                            <a:schemeClr val="bg1"/>
-                          </a:solidFill>
-                        </a:rPr>
-                        <a:t>Windows only</a:t>
-                      </a:r>
-                    </a:p>
-                  </a:txBody>
-                  <a:tcPr anchor="ctr">
-                    <a:lnL w="12700" cap="flat" cmpd="sng" algn="ctr">
-                      <a:solidFill>
-                        <a:schemeClr val="accent2">
-                          <a:lumMod val="75000"/>
-                        </a:schemeClr>
-                      </a:solidFill>
-                      <a:prstDash val="solid"/>
-                      <a:round/>
-                      <a:headEnd type="none" w="med" len="med"/>
-                      <a:tailEnd type="none" w="med" len="med"/>
-                    </a:lnL>
-                    <a:lnR w="12700" cap="flat" cmpd="sng" algn="ctr">
-                      <a:solidFill>
-                        <a:schemeClr val="accent2">
-                          <a:lumMod val="75000"/>
-                        </a:schemeClr>
-                      </a:solidFill>
-                      <a:prstDash val="solid"/>
-                      <a:round/>
-                      <a:headEnd type="none" w="med" len="med"/>
-                      <a:tailEnd type="none" w="med" len="med"/>
-                    </a:lnR>
-                    <a:lnT w="12700" cap="flat" cmpd="sng" algn="ctr">
-                      <a:solidFill>
-                        <a:schemeClr val="accent2">
-                          <a:lumMod val="75000"/>
-                        </a:schemeClr>
-                      </a:solidFill>
-                      <a:prstDash val="solid"/>
-                      <a:round/>
-                      <a:headEnd type="none" w="med" len="med"/>
-                      <a:tailEnd type="none" w="med" len="med"/>
-                    </a:lnT>
-                    <a:lnB w="12700" cap="flat" cmpd="sng" algn="ctr">
-                      <a:solidFill>
-                        <a:schemeClr val="accent2">
-                          <a:lumMod val="75000"/>
-                        </a:schemeClr>
-                      </a:solidFill>
-                      <a:prstDash val="solid"/>
-                      <a:round/>
-                      <a:headEnd type="none" w="med" len="med"/>
-                      <a:tailEnd type="none" w="med" len="med"/>
-                    </a:lnB>
-                    <a:solidFill>
-                      <a:schemeClr val="accent5"/>
-                    </a:solidFill>
-                  </a:tcPr>
-                </a:tc>
-                <a:tc>
-                  <a:txBody>
-                    <a:bodyPr/>
-                    <a:lstStyle/>
-                    <a:p>
-                      <a:pPr algn="l">
-                        <a:buNone/>
-                      </a:pPr>
-                      <a:r>
-                        <a:rPr lang="en-US" sz="1400" dirty="0">
-                          <a:solidFill>
-                            <a:schemeClr val="bg1"/>
-                          </a:solidFill>
-                        </a:rPr>
-                        <a:t>Linux only</a:t>
-                      </a:r>
-                    </a:p>
-                  </a:txBody>
-                  <a:tcPr anchor="ctr">
-                    <a:lnL w="12700" cap="flat" cmpd="sng" algn="ctr">
-                      <a:solidFill>
-                        <a:schemeClr val="accent2">
-                          <a:lumMod val="75000"/>
-                        </a:schemeClr>
-                      </a:solidFill>
-                      <a:prstDash val="solid"/>
-                      <a:round/>
-                      <a:headEnd type="none" w="med" len="med"/>
-                      <a:tailEnd type="none" w="med" len="med"/>
-                    </a:lnL>
-                    <a:lnR w="12700" cap="flat" cmpd="sng" algn="ctr">
-                      <a:solidFill>
-                        <a:schemeClr val="accent2">
-                          <a:lumMod val="75000"/>
-                        </a:schemeClr>
-                      </a:solidFill>
-                      <a:prstDash val="solid"/>
-                      <a:round/>
-                      <a:headEnd type="none" w="med" len="med"/>
-                      <a:tailEnd type="none" w="med" len="med"/>
-                    </a:lnR>
-                    <a:lnT w="12700" cap="flat" cmpd="sng" algn="ctr">
-                      <a:solidFill>
-                        <a:schemeClr val="accent2">
-                          <a:lumMod val="75000"/>
-                        </a:schemeClr>
-                      </a:solidFill>
-                      <a:prstDash val="solid"/>
-                      <a:round/>
-                      <a:headEnd type="none" w="med" len="med"/>
-                      <a:tailEnd type="none" w="med" len="med"/>
-                    </a:lnT>
-                    <a:lnB w="12700" cap="flat" cmpd="sng" algn="ctr">
-                      <a:solidFill>
-                        <a:schemeClr val="accent2">
-                          <a:lumMod val="75000"/>
-                        </a:schemeClr>
-                      </a:solidFill>
-                      <a:prstDash val="solid"/>
-                      <a:round/>
-                      <a:headEnd type="none" w="med" len="med"/>
-                      <a:tailEnd type="none" w="med" len="med"/>
-                    </a:lnB>
-                    <a:solidFill>
-                      <a:schemeClr val="accent5"/>
-                    </a:solidFill>
-                  </a:tcPr>
-                </a:tc>
-                <a:tc>
-                  <a:txBody>
-                    <a:bodyPr/>
-                    <a:lstStyle/>
-                    <a:p>
-                      <a:pPr algn="l">
-                        <a:buNone/>
-                      </a:pPr>
-                      <a:r>
-                        <a:rPr lang="en-US" sz="1400" dirty="0">
-                          <a:solidFill>
-                            <a:schemeClr val="bg1"/>
-                          </a:solidFill>
-                        </a:rPr>
-                        <a:t>macOS only</a:t>
-                      </a:r>
-                    </a:p>
-                  </a:txBody>
-                  <a:tcPr anchor="ctr">
-                    <a:lnL w="12700" cap="flat" cmpd="sng" algn="ctr">
-                      <a:solidFill>
-                        <a:schemeClr val="accent2">
-                          <a:lumMod val="75000"/>
-                        </a:schemeClr>
-                      </a:solidFill>
-                      <a:prstDash val="solid"/>
-                      <a:round/>
-                      <a:headEnd type="none" w="med" len="med"/>
-                      <a:tailEnd type="none" w="med" len="med"/>
-                    </a:lnL>
-                    <a:lnR w="38100" cap="flat" cmpd="sng" algn="ctr">
-                      <a:noFill/>
-                      <a:prstDash val="solid"/>
-                      <a:round/>
-                      <a:headEnd type="none" w="med" len="med"/>
-                      <a:tailEnd type="none" w="med" len="med"/>
-                    </a:lnR>
-                    <a:lnT w="12700" cap="flat" cmpd="sng" algn="ctr">
-                      <a:solidFill>
-                        <a:schemeClr val="accent2">
-                          <a:lumMod val="75000"/>
-                        </a:schemeClr>
-                      </a:solidFill>
-                      <a:prstDash val="solid"/>
-                      <a:round/>
-                      <a:headEnd type="none" w="med" len="med"/>
-                      <a:tailEnd type="none" w="med" len="med"/>
-                    </a:lnT>
-                    <a:lnB w="12700" cap="flat" cmpd="sng" algn="ctr">
-                      <a:solidFill>
-                        <a:schemeClr val="accent2">
-                          <a:lumMod val="75000"/>
-                        </a:schemeClr>
-                      </a:solidFill>
-                      <a:prstDash val="solid"/>
-                      <a:round/>
-                      <a:headEnd type="none" w="med" len="med"/>
-                      <a:tailEnd type="none" w="med" len="med"/>
-                    </a:lnB>
-                    <a:solidFill>
-                      <a:schemeClr val="accent5"/>
-                    </a:solidFill>
-                  </a:tcPr>
-                </a:tc>
-                <a:extLst>
-                  <a:ext uri="{0D108BD9-81ED-4DB2-BD59-A6C34878D82A}">
-                    <a16:rowId xmlns:a16="http://schemas.microsoft.com/office/drawing/2014/main" val="3090935587"/>
-                  </a:ext>
-                </a:extLst>
-              </a:tr>
-            </a:tbl>
-          </a:graphicData>
-        </a:graphic>
-      </p:graphicFrame>
-      <p:sp>
-        <p:nvSpPr>
           <p:cNvPr id="2" name="Slide Number Placeholder 1">
             <a:extLst>
               <a:ext uri="{FF2B5EF4-FFF2-40B4-BE49-F238E27FC236}">
-                <a16:creationId xmlns:a16="http://schemas.microsoft.com/office/drawing/2014/main" id="{E4398C1C-6656-4A73-A680-62A81CDC27FD}"/>
+                <a16:creationId xmlns:a16="http://schemas.microsoft.com/office/drawing/2014/main" id="{E35BE6F1-31D6-1460-F18F-8CF35E427448}"/>
               </a:ext>
             </a:extLst>
           </p:cNvPr>
@@ -44029,37 +43145,389 @@
             <p:ph type="sldNum" sz="quarter" idx="12"/>
           </p:nvPr>
         </p:nvSpPr>
-        <p:spPr/>
+        <p:spPr>
+          <a:xfrm>
+            <a:off x="10806151" y="4887719"/>
+            <a:ext cx="406400" cy="365125"/>
+          </a:xfrm>
+        </p:spPr>
         <p:txBody>
-          <a:bodyPr/>
+          <a:bodyPr vert="horz" lIns="91440" tIns="45720" rIns="91440" bIns="45720" rtlCol="0" anchor="ctr">
+            <a:normAutofit/>
+          </a:bodyPr>
           <a:lstStyle/>
           <a:p>
+            <a:pPr>
+              <a:spcAft>
+                <a:spcPts val="600"/>
+              </a:spcAft>
+            </a:pPr>
             <a:fld id="{C263D6C4-4840-40CC-AC84-17E24B3B7BDE}" type="slidenum">
               <a:rPr lang="en-US" smtClean="0"/>
-              <a:pPr/>
-              <a:t>11</a:t>
+              <a:pPr>
+                <a:spcAft>
+                  <a:spcPts val="600"/>
+                </a:spcAft>
+              </a:pPr>
+              <a:t>12</a:t>
             </a:fld>
-            <a:endParaRPr lang="en-US" dirty="0"/>
+            <a:endParaRPr lang="en-US"/>
+          </a:p>
+        </p:txBody>
+      </p:sp>
+      <p:sp>
+        <p:nvSpPr>
+          <p:cNvPr id="4" name="Title 3">
+            <a:extLst>
+              <a:ext uri="{FF2B5EF4-FFF2-40B4-BE49-F238E27FC236}">
+                <a16:creationId xmlns:a16="http://schemas.microsoft.com/office/drawing/2014/main" id="{8B74572D-0ECA-8BEE-0E5F-23BCDB825B22}"/>
+              </a:ext>
+            </a:extLst>
+          </p:cNvPr>
+          <p:cNvSpPr txBox="1">
+            <a:spLocks/>
+          </p:cNvSpPr>
+          <p:nvPr/>
+        </p:nvSpPr>
+        <p:spPr>
+          <a:xfrm>
+            <a:off x="169687" y="1619962"/>
+            <a:ext cx="8497442" cy="535531"/>
+          </a:xfrm>
+          <a:prstGeom prst="rect">
+            <a:avLst/>
+          </a:prstGeom>
+        </p:spPr>
+        <p:txBody>
+          <a:bodyPr vert="horz" wrap="square" lIns="91440" tIns="45720" rIns="91440" bIns="45720" rtlCol="0" anchor="t">
+            <a:normAutofit/>
+          </a:bodyPr>
+          <a:lstStyle>
+            <a:lvl1pPr algn="l" defTabSz="914400" rtl="0" eaLnBrk="1" latinLnBrk="0" hangingPunct="1">
+              <a:lnSpc>
+                <a:spcPct val="90000"/>
+              </a:lnSpc>
+              <a:spcBef>
+                <a:spcPct val="0"/>
+              </a:spcBef>
+              <a:buNone/>
+              <a:defRPr lang="en-GB" sz="3200" b="1" kern="1200" spc="-70" baseline="0" dirty="0">
+                <a:solidFill>
+                  <a:schemeClr val="bg1"/>
+                </a:solidFill>
+                <a:latin typeface="+mj-lt"/>
+                <a:ea typeface="+mj-ea"/>
+                <a:cs typeface="+mj-cs"/>
+              </a:defRPr>
+            </a:lvl1pPr>
+          </a:lstStyle>
+          <a:p>
+            <a:r>
+              <a:rPr lang="en-US" sz="1800" b="0" dirty="0"/>
+              <a:t>Two types of Path</a:t>
+            </a:r>
+          </a:p>
+        </p:txBody>
+      </p:sp>
+      <p:grpSp>
+        <p:nvGrpSpPr>
+          <p:cNvPr id="12" name="Group 11">
+            <a:extLst>
+              <a:ext uri="{FF2B5EF4-FFF2-40B4-BE49-F238E27FC236}">
+                <a16:creationId xmlns:a16="http://schemas.microsoft.com/office/drawing/2014/main" id="{55B163E0-3EC0-4C6C-3863-C4F79438D5F5}"/>
+              </a:ext>
+            </a:extLst>
+          </p:cNvPr>
+          <p:cNvGrpSpPr/>
+          <p:nvPr/>
+        </p:nvGrpSpPr>
+        <p:grpSpPr>
+          <a:xfrm>
+            <a:off x="823893" y="2155493"/>
+            <a:ext cx="9212203" cy="852540"/>
+            <a:chOff x="1269942" y="3582849"/>
+            <a:chExt cx="9212203" cy="852540"/>
+          </a:xfrm>
+        </p:grpSpPr>
+        <p:sp>
+          <p:nvSpPr>
+            <p:cNvPr id="7" name="Title 3">
+              <a:extLst>
+                <a:ext uri="{FF2B5EF4-FFF2-40B4-BE49-F238E27FC236}">
+                  <a16:creationId xmlns:a16="http://schemas.microsoft.com/office/drawing/2014/main" id="{640901AE-3C99-87B4-6628-69234C6C8312}"/>
+                </a:ext>
+              </a:extLst>
+            </p:cNvPr>
+            <p:cNvSpPr txBox="1">
+              <a:spLocks/>
+            </p:cNvSpPr>
+            <p:nvPr/>
+          </p:nvSpPr>
+          <p:spPr>
+            <a:xfrm>
+              <a:off x="1269942" y="3582849"/>
+              <a:ext cx="1941610" cy="535531"/>
+            </a:xfrm>
+            <a:prstGeom prst="rect">
+              <a:avLst/>
+            </a:prstGeom>
+          </p:spPr>
+          <p:txBody>
+            <a:bodyPr vert="horz" wrap="square" lIns="91440" tIns="45720" rIns="91440" bIns="45720" rtlCol="0" anchor="t">
+              <a:normAutofit fontScale="92500" lnSpcReduction="10000"/>
+            </a:bodyPr>
+            <a:lstStyle>
+              <a:lvl1pPr algn="l" defTabSz="914400" rtl="0" eaLnBrk="1" latinLnBrk="0" hangingPunct="1">
+                <a:lnSpc>
+                  <a:spcPct val="90000"/>
+                </a:lnSpc>
+                <a:spcBef>
+                  <a:spcPct val="0"/>
+                </a:spcBef>
+                <a:buNone/>
+                <a:defRPr lang="en-GB" sz="3200" b="1" kern="1200" spc="-70" baseline="0" dirty="0">
+                  <a:solidFill>
+                    <a:schemeClr val="bg1"/>
+                  </a:solidFill>
+                  <a:latin typeface="+mj-lt"/>
+                  <a:ea typeface="+mj-ea"/>
+                  <a:cs typeface="+mj-cs"/>
+                </a:defRPr>
+              </a:lvl1pPr>
+            </a:lstStyle>
+            <a:p>
+              <a:r>
+                <a:rPr lang="en-US" sz="1800" b="0" dirty="0"/>
+                <a:t>Relative Path</a:t>
+              </a:r>
+            </a:p>
+            <a:p>
+              <a:r>
+                <a:rPr lang="en-US" sz="1800" b="0" dirty="0"/>
+                <a:t>	</a:t>
+              </a:r>
+            </a:p>
+          </p:txBody>
+        </p:sp>
+        <p:sp>
+          <p:nvSpPr>
+            <p:cNvPr id="11" name="TextBox 10">
+              <a:extLst>
+                <a:ext uri="{FF2B5EF4-FFF2-40B4-BE49-F238E27FC236}">
+                  <a16:creationId xmlns:a16="http://schemas.microsoft.com/office/drawing/2014/main" id="{6D30DA5B-B847-A8D3-4F47-165A6BA6DD6F}"/>
+                </a:ext>
+              </a:extLst>
+            </p:cNvPr>
+            <p:cNvSpPr txBox="1"/>
+            <p:nvPr/>
+          </p:nvSpPr>
+          <p:spPr>
+            <a:xfrm>
+              <a:off x="1630866" y="3850614"/>
+              <a:ext cx="8851279" cy="584775"/>
+            </a:xfrm>
+            <a:prstGeom prst="rect">
+              <a:avLst/>
+            </a:prstGeom>
+            <a:noFill/>
+          </p:spPr>
+          <p:txBody>
+            <a:bodyPr wrap="square">
+              <a:spAutoFit/>
+            </a:bodyPr>
+            <a:lstStyle/>
+            <a:p>
+              <a:r>
+                <a:rPr lang="en-US" sz="1600" b="0" dirty="0">
+                  <a:solidFill>
+                    <a:schemeClr val="bg1"/>
+                  </a:solidFill>
+                </a:rPr>
+                <a:t>-gives the directions based on your current location in the filesystem, It doesn</a:t>
+              </a:r>
+              <a:r>
+                <a:rPr lang="en-US" sz="1600" dirty="0">
+                  <a:solidFill>
+                    <a:schemeClr val="bg1"/>
+                  </a:solidFill>
+                </a:rPr>
+                <a:t>’t start from root, so it’s shorter and more flexible.</a:t>
+              </a:r>
+            </a:p>
+          </p:txBody>
+        </p:sp>
+      </p:grpSp>
+      <p:sp>
+        <p:nvSpPr>
+          <p:cNvPr id="23" name="TextBox 22">
+            <a:extLst>
+              <a:ext uri="{FF2B5EF4-FFF2-40B4-BE49-F238E27FC236}">
+                <a16:creationId xmlns:a16="http://schemas.microsoft.com/office/drawing/2014/main" id="{F34F9BE9-CD25-B53D-90DC-D5A796C58FAE}"/>
+              </a:ext>
+            </a:extLst>
+          </p:cNvPr>
+          <p:cNvSpPr txBox="1"/>
+          <p:nvPr/>
+        </p:nvSpPr>
+        <p:spPr>
+          <a:xfrm>
+            <a:off x="1184817" y="3446706"/>
+            <a:ext cx="1327924" cy="338554"/>
+          </a:xfrm>
+          <a:prstGeom prst="rect">
+            <a:avLst/>
+          </a:prstGeom>
+          <a:noFill/>
+        </p:spPr>
+        <p:txBody>
+          <a:bodyPr wrap="square">
+            <a:spAutoFit/>
+          </a:bodyPr>
+          <a:lstStyle/>
+          <a:p>
+            <a:r>
+              <a:rPr lang="en-US" sz="1600" b="0" i="1" dirty="0">
+                <a:solidFill>
+                  <a:schemeClr val="bg1"/>
+                </a:solidFill>
+              </a:rPr>
+              <a:t>Example</a:t>
+            </a:r>
+            <a:endParaRPr lang="en-US" sz="1600" i="1" dirty="0">
+              <a:solidFill>
+                <a:schemeClr val="bg1"/>
+              </a:solidFill>
+            </a:endParaRPr>
+          </a:p>
+        </p:txBody>
+      </p:sp>
+      <p:sp>
+        <p:nvSpPr>
+          <p:cNvPr id="24" name="TextBox 23">
+            <a:extLst>
+              <a:ext uri="{FF2B5EF4-FFF2-40B4-BE49-F238E27FC236}">
+                <a16:creationId xmlns:a16="http://schemas.microsoft.com/office/drawing/2014/main" id="{A829A407-FAD8-1A41-2CC3-E9BA372381A8}"/>
+              </a:ext>
+            </a:extLst>
+          </p:cNvPr>
+          <p:cNvSpPr txBox="1"/>
+          <p:nvPr/>
+        </p:nvSpPr>
+        <p:spPr>
+          <a:xfrm>
+            <a:off x="1848778" y="3812960"/>
+            <a:ext cx="9090568" cy="584775"/>
+          </a:xfrm>
+          <a:prstGeom prst="rect">
+            <a:avLst/>
+          </a:prstGeom>
+          <a:noFill/>
+        </p:spPr>
+        <p:txBody>
+          <a:bodyPr wrap="square">
+            <a:spAutoFit/>
+          </a:bodyPr>
+          <a:lstStyle/>
+          <a:p>
+            <a:r>
+              <a:rPr lang="en-GB" sz="1600" dirty="0">
+                <a:solidFill>
+                  <a:schemeClr val="bg1"/>
+                </a:solidFill>
+              </a:rPr>
+              <a:t>O</a:t>
+            </a:r>
+            <a:r>
+              <a:rPr lang="en-US" sz="1600" dirty="0">
+                <a:solidFill>
+                  <a:schemeClr val="bg1"/>
+                </a:solidFill>
+              </a:rPr>
+              <a:t>n Linux/Unix systems, if your already in /home/user and you want to reach the report.txt file inside the documents folder, you would just types: </a:t>
+            </a:r>
+            <a:r>
+              <a:rPr lang="en-US" sz="1600" b="1" dirty="0">
+                <a:solidFill>
+                  <a:schemeClr val="bg1"/>
+                </a:solidFill>
+              </a:rPr>
+              <a:t>documents/reports.txt.</a:t>
+            </a:r>
+          </a:p>
+        </p:txBody>
+      </p:sp>
+      <p:sp>
+        <p:nvSpPr>
+          <p:cNvPr id="25" name="TextBox 24">
+            <a:extLst>
+              <a:ext uri="{FF2B5EF4-FFF2-40B4-BE49-F238E27FC236}">
+                <a16:creationId xmlns:a16="http://schemas.microsoft.com/office/drawing/2014/main" id="{2EC2C35B-2459-9E91-D12E-5FFB69A5FF37}"/>
+              </a:ext>
+            </a:extLst>
+          </p:cNvPr>
+          <p:cNvSpPr txBox="1"/>
+          <p:nvPr/>
+        </p:nvSpPr>
+        <p:spPr>
+          <a:xfrm>
+            <a:off x="1848778" y="4485506"/>
+            <a:ext cx="9090568" cy="338554"/>
+          </a:xfrm>
+          <a:prstGeom prst="rect">
+            <a:avLst/>
+          </a:prstGeom>
+          <a:noFill/>
+        </p:spPr>
+        <p:txBody>
+          <a:bodyPr wrap="square">
+            <a:spAutoFit/>
+          </a:bodyPr>
+          <a:lstStyle/>
+          <a:p>
+            <a:r>
+              <a:rPr lang="en-GB" sz="1600" dirty="0">
+                <a:solidFill>
+                  <a:schemeClr val="bg1"/>
+                </a:solidFill>
+              </a:rPr>
+              <a:t>O</a:t>
+            </a:r>
+            <a:r>
+              <a:rPr lang="en-US" sz="1600" dirty="0">
+                <a:solidFill>
+                  <a:schemeClr val="bg1"/>
+                </a:solidFill>
+              </a:rPr>
+              <a:t>n Windows systems, if you’re already in C:\Users\User, you would type: </a:t>
+            </a:r>
+            <a:r>
+              <a:rPr lang="en-US" sz="1600" b="1" dirty="0">
+                <a:solidFill>
+                  <a:schemeClr val="bg1"/>
+                </a:solidFill>
+              </a:rPr>
+              <a:t>Documents\Report.txt.</a:t>
+            </a:r>
           </a:p>
         </p:txBody>
       </p:sp>
     </p:spTree>
     <p:extLst>
       <p:ext uri="{BB962C8B-B14F-4D97-AF65-F5344CB8AC3E}">
-        <p14:creationId xmlns:p14="http://schemas.microsoft.com/office/powerpoint/2010/main" val="1065425595"/>
+        <p14:creationId xmlns:p14="http://schemas.microsoft.com/office/powerpoint/2010/main" val="2345071508"/>
       </p:ext>
     </p:extLst>
   </p:cSld>
   <p:clrMapOvr>
     <a:masterClrMapping/>
   </p:clrMapOvr>
-  <mc:AlternateContent xmlns:mc="http://schemas.openxmlformats.org/markup-compatibility/2006" xmlns:p14="http://schemas.microsoft.com/office/powerpoint/2010/main">
-    <mc:Choice Requires="p14">
+  <mc:AlternateContent xmlns:mc="http://schemas.openxmlformats.org/markup-compatibility/2006">
+    <mc:Choice xmlns:p14="http://schemas.microsoft.com/office/powerpoint/2010/main" Requires="p14">
       <p:transition spd="med" p14:dur="700">
         <p:fade/>
       </p:transition>
     </mc:Choice>
-    <mc:Fallback xmlns="">
+    <mc:Fallback>
       <p:transition spd="med">
         <p:fade/>
       </p:transition>
@@ -44068,7 +43536,7 @@
 </p:sld>
 </file>
 
-<file path=ppt/slides/slide12.xml><?xml version="1.0" encoding="utf-8"?>
+<file path=ppt/slides/slide13.xml><?xml version="1.0" encoding="utf-8"?>
 <p:sld xmlns:a="http://schemas.openxmlformats.org/drawingml/2006/main" xmlns:r="http://schemas.openxmlformats.org/officeDocument/2006/relationships" xmlns:p="http://schemas.openxmlformats.org/presentationml/2006/main">
   <p:cSld>
     <p:spTree>
@@ -44164,7 +43632,7 @@
                   <a:spcPts val="600"/>
                 </a:spcAft>
               </a:pPr>
-              <a:t>12</a:t>
+              <a:t>13</a:t>
             </a:fld>
             <a:endParaRPr lang="en-US"/>
           </a:p>
@@ -44202,206 +43670,6 @@
     <p:extLst>
       <p:ext uri="{BB962C8B-B14F-4D97-AF65-F5344CB8AC3E}">
         <p14:creationId xmlns:p14="http://schemas.microsoft.com/office/powerpoint/2010/main" val="3322300142"/>
-      </p:ext>
-    </p:extLst>
-  </p:cSld>
-  <p:clrMapOvr>
-    <a:masterClrMapping/>
-  </p:clrMapOvr>
-  <mc:AlternateContent xmlns:mc="http://schemas.openxmlformats.org/markup-compatibility/2006" xmlns:p14="http://schemas.microsoft.com/office/powerpoint/2010/main">
-    <mc:Choice Requires="p14">
-      <p:transition spd="med" p14:dur="700">
-        <p:fade/>
-      </p:transition>
-    </mc:Choice>
-    <mc:Fallback xmlns="">
-      <p:transition spd="med">
-        <p:fade/>
-      </p:transition>
-    </mc:Fallback>
-  </mc:AlternateContent>
-</p:sld>
-</file>
-
-<file path=ppt/slides/slide13.xml><?xml version="1.0" encoding="utf-8"?>
-<p:sld xmlns:a="http://schemas.openxmlformats.org/drawingml/2006/main" xmlns:r="http://schemas.openxmlformats.org/officeDocument/2006/relationships" xmlns:p="http://schemas.openxmlformats.org/presentationml/2006/main">
-  <p:cSld>
-    <p:spTree>
-      <p:nvGrpSpPr>
-        <p:cNvPr id="1" name="">
-          <a:extLst>
-            <a:ext uri="{FF2B5EF4-FFF2-40B4-BE49-F238E27FC236}">
-              <a16:creationId xmlns:a16="http://schemas.microsoft.com/office/drawing/2014/main" id="{FA4A3442-4C2B-4FB1-D84C-755AF5EB61AC}"/>
-            </a:ext>
-          </a:extLst>
-        </p:cNvPr>
-        <p:cNvGrpSpPr/>
-        <p:nvPr/>
-      </p:nvGrpSpPr>
-      <p:grpSpPr>
-        <a:xfrm>
-          <a:off x="0" y="0"/>
-          <a:ext cx="0" cy="0"/>
-          <a:chOff x="0" y="0"/>
-          <a:chExt cx="0" cy="0"/>
-        </a:xfrm>
-      </p:grpSpPr>
-      <p:sp>
-        <p:nvSpPr>
-          <p:cNvPr id="4" name="Title 3">
-            <a:extLst>
-              <a:ext uri="{FF2B5EF4-FFF2-40B4-BE49-F238E27FC236}">
-                <a16:creationId xmlns:a16="http://schemas.microsoft.com/office/drawing/2014/main" id="{041C589D-42A3-5B20-3E10-28360780265D}"/>
-              </a:ext>
-            </a:extLst>
-          </p:cNvPr>
-          <p:cNvSpPr>
-            <a:spLocks noGrp="1"/>
-          </p:cNvSpPr>
-          <p:nvPr>
-            <p:ph type="title"/>
-          </p:nvPr>
-        </p:nvSpPr>
-        <p:spPr>
-          <a:xfrm>
-            <a:off x="444500" y="542925"/>
-            <a:ext cx="11214100" cy="535531"/>
-          </a:xfrm>
-        </p:spPr>
-        <p:txBody>
-          <a:bodyPr wrap="square" anchor="t">
-            <a:normAutofit/>
-          </a:bodyPr>
-          <a:lstStyle/>
-          <a:p>
-            <a:r>
-              <a:rPr lang="en-US" dirty="0"/>
-              <a:t>Real-World Application</a:t>
-            </a:r>
-          </a:p>
-        </p:txBody>
-      </p:sp>
-      <p:sp>
-        <p:nvSpPr>
-          <p:cNvPr id="2" name="Slide Number Placeholder 1">
-            <a:extLst>
-              <a:ext uri="{FF2B5EF4-FFF2-40B4-BE49-F238E27FC236}">
-                <a16:creationId xmlns:a16="http://schemas.microsoft.com/office/drawing/2014/main" id="{1401B4AD-2435-A2AB-9746-E749D5625E99}"/>
-              </a:ext>
-            </a:extLst>
-          </p:cNvPr>
-          <p:cNvSpPr>
-            <a:spLocks noGrp="1"/>
-          </p:cNvSpPr>
-          <p:nvPr>
-            <p:ph type="sldNum" sz="quarter" idx="12"/>
-          </p:nvPr>
-        </p:nvSpPr>
-        <p:spPr>
-          <a:xfrm>
-            <a:off x="11252200" y="6315075"/>
-            <a:ext cx="406400" cy="365125"/>
-          </a:xfrm>
-        </p:spPr>
-        <p:txBody>
-          <a:bodyPr anchor="ctr">
-            <a:normAutofit/>
-          </a:bodyPr>
-          <a:lstStyle/>
-          <a:p>
-            <a:pPr>
-              <a:spcAft>
-                <a:spcPts val="600"/>
-              </a:spcAft>
-            </a:pPr>
-            <a:fld id="{C263D6C4-4840-40CC-AC84-17E24B3B7BDE}" type="slidenum">
-              <a:rPr lang="en-US" smtClean="0"/>
-              <a:pPr>
-                <a:spcAft>
-                  <a:spcPts val="600"/>
-                </a:spcAft>
-              </a:pPr>
-              <a:t>13</a:t>
-            </a:fld>
-            <a:endParaRPr lang="en-US"/>
-          </a:p>
-        </p:txBody>
-      </p:sp>
-      <p:sp>
-        <p:nvSpPr>
-          <p:cNvPr id="8" name="Text Placeholder 7">
-            <a:extLst>
-              <a:ext uri="{FF2B5EF4-FFF2-40B4-BE49-F238E27FC236}">
-                <a16:creationId xmlns:a16="http://schemas.microsoft.com/office/drawing/2014/main" id="{3DA60436-80B5-E71C-0748-C1C4C5F8C493}"/>
-              </a:ext>
-            </a:extLst>
-          </p:cNvPr>
-          <p:cNvSpPr>
-            <a:spLocks noGrp="1"/>
-          </p:cNvSpPr>
-          <p:nvPr>
-            <p:ph idx="1"/>
-          </p:nvPr>
-        </p:nvSpPr>
-        <p:spPr>
-          <a:xfrm>
-            <a:off x="443365" y="1825625"/>
-            <a:ext cx="11215235" cy="4351338"/>
-          </a:xfrm>
-        </p:spPr>
-        <p:txBody>
-          <a:bodyPr>
-            <a:normAutofit/>
-          </a:bodyPr>
-          <a:lstStyle/>
-          <a:p>
-            <a:r>
-              <a:rPr lang="en-US" dirty="0"/>
-              <a:t>Use NTFS for internal Windows drives</a:t>
-            </a:r>
-          </a:p>
-          <a:p>
-            <a:endParaRPr lang="en-US" dirty="0"/>
-          </a:p>
-          <a:p>
-            <a:r>
-              <a:rPr lang="en-US" dirty="0"/>
-              <a:t>Use </a:t>
-            </a:r>
-            <a:r>
-              <a:rPr lang="en-US" dirty="0" err="1"/>
-              <a:t>exFAT</a:t>
-            </a:r>
-            <a:r>
-              <a:rPr lang="en-US" dirty="0"/>
-              <a:t> for USBs shared across systems</a:t>
-            </a:r>
-          </a:p>
-          <a:p>
-            <a:endParaRPr lang="en-US" dirty="0"/>
-          </a:p>
-          <a:p>
-            <a:r>
-              <a:rPr lang="en-US" dirty="0"/>
-              <a:t>Use EXT4 for Linux web servers</a:t>
-            </a:r>
-          </a:p>
-          <a:p>
-            <a:endParaRPr lang="en-US" dirty="0"/>
-          </a:p>
-          <a:p>
-            <a:r>
-              <a:rPr lang="en-US" dirty="0"/>
-              <a:t>Use APFS for macOS and iOS backups</a:t>
-            </a:r>
-            <a:endParaRPr lang="en-US" sz="2800" dirty="0"/>
-          </a:p>
-        </p:txBody>
-      </p:sp>
-    </p:spTree>
-    <p:extLst>
-      <p:ext uri="{BB962C8B-B14F-4D97-AF65-F5344CB8AC3E}">
-        <p14:creationId xmlns:p14="http://schemas.microsoft.com/office/powerpoint/2010/main" val="2163517224"/>
       </p:ext>
     </p:extLst>
   </p:cSld>
@@ -45419,13 +44687,13 @@
   <p:clrMapOvr>
     <a:masterClrMapping/>
   </p:clrMapOvr>
-  <mc:AlternateContent xmlns:mc="http://schemas.openxmlformats.org/markup-compatibility/2006">
-    <mc:Choice xmlns:p14="http://schemas.microsoft.com/office/powerpoint/2010/main" Requires="p14">
+  <mc:AlternateContent xmlns:mc="http://schemas.openxmlformats.org/markup-compatibility/2006" xmlns:p14="http://schemas.microsoft.com/office/powerpoint/2010/main">
+    <mc:Choice Requires="p14">
       <p:transition spd="med" p14:dur="700">
         <p:fade/>
       </p:transition>
     </mc:Choice>
-    <mc:Fallback>
+    <mc:Fallback xmlns="">
       <p:transition spd="med">
         <p:fade/>
       </p:transition>
@@ -46364,13 +45632,13 @@
   <p:clrMapOvr>
     <a:masterClrMapping/>
   </p:clrMapOvr>
-  <mc:AlternateContent xmlns:mc="http://schemas.openxmlformats.org/markup-compatibility/2006">
-    <mc:Choice xmlns:p14="http://schemas.microsoft.com/office/powerpoint/2010/main" Requires="p14">
+  <mc:AlternateContent xmlns:mc="http://schemas.openxmlformats.org/markup-compatibility/2006" xmlns:p14="http://schemas.microsoft.com/office/powerpoint/2010/main">
+    <mc:Choice Requires="p14">
       <p:transition spd="med" p14:dur="700">
         <p:fade/>
       </p:transition>
     </mc:Choice>
-    <mc:Fallback>
+    <mc:Fallback xmlns="">
       <p:transition spd="med">
         <p:fade/>
       </p:transition>
@@ -46757,13 +46025,13 @@
   <p:clrMapOvr>
     <a:masterClrMapping/>
   </p:clrMapOvr>
-  <mc:AlternateContent xmlns:mc="http://schemas.openxmlformats.org/markup-compatibility/2006">
-    <mc:Choice xmlns:p14="http://schemas.microsoft.com/office/powerpoint/2010/main" Requires="p14">
+  <mc:AlternateContent xmlns:mc="http://schemas.openxmlformats.org/markup-compatibility/2006" xmlns:p14="http://schemas.microsoft.com/office/powerpoint/2010/main">
+    <mc:Choice Requires="p14">
       <p:transition spd="med" p14:dur="700">
         <p:fade/>
       </p:transition>
     </mc:Choice>
-    <mc:Fallback>
+    <mc:Fallback xmlns="">
       <p:transition spd="med">
         <p:fade/>
       </p:transition>
@@ -47564,20 +46832,20 @@
 </file>
 
 <file path=customXml/item1.xml><?xml version="1.0" encoding="utf-8"?>
-<p:properties xmlns:p="http://schemas.microsoft.com/office/2006/metadata/properties" xmlns:xsi="http://www.w3.org/2001/XMLSchema-instance" xmlns:pc="http://schemas.microsoft.com/office/infopath/2007/PartnerControls">
-  <documentManagement>
-    <MediaServiceKeyPoints xmlns="71af3243-3dd4-4a8d-8c0d-dd76da1f02a5" xsi:nil="true"/>
-  </documentManagement>
-</p:properties>
-</file>
-
-<file path=customXml/item2.xml><?xml version="1.0" encoding="utf-8"?>
 <?mso-contentType ?>
 <FormTemplates xmlns="http://schemas.microsoft.com/sharepoint/v3/contenttype/forms">
   <Display>DocumentLibraryForm</Display>
   <Edit>DocumentLibraryForm</Edit>
   <New>DocumentLibraryForm</New>
 </FormTemplates>
+</file>
+
+<file path=customXml/item2.xml><?xml version="1.0" encoding="utf-8"?>
+<p:properties xmlns:p="http://schemas.microsoft.com/office/2006/metadata/properties" xmlns:xsi="http://www.w3.org/2001/XMLSchema-instance" xmlns:pc="http://schemas.microsoft.com/office/infopath/2007/PartnerControls">
+  <documentManagement>
+    <MediaServiceKeyPoints xmlns="71af3243-3dd4-4a8d-8c0d-dd76da1f02a5" xsi:nil="true"/>
+  </documentManagement>
+</p:properties>
 </file>
 
 <file path=customXml/item3.xml><?xml version="1.0" encoding="utf-8"?>
@@ -47792,19 +47060,19 @@
 </file>
 
 <file path=customXml/itemProps1.xml><?xml version="1.0" encoding="utf-8"?>
+<ds:datastoreItem xmlns:ds="http://schemas.openxmlformats.org/officeDocument/2006/customXml" ds:itemID="{5B26E0C9-B2AA-42E6-97B6-E1B7D9EAF129}">
+  <ds:schemaRefs>
+    <ds:schemaRef ds:uri="http://schemas.microsoft.com/sharepoint/v3/contenttype/forms"/>
+  </ds:schemaRefs>
+</ds:datastoreItem>
+</file>
+
+<file path=customXml/itemProps2.xml><?xml version="1.0" encoding="utf-8"?>
 <ds:datastoreItem xmlns:ds="http://schemas.openxmlformats.org/officeDocument/2006/customXml" ds:itemID="{F5757914-1161-4661-9696-421FD6935CDD}">
   <ds:schemaRefs>
     <ds:schemaRef ds:uri="http://schemas.microsoft.com/office/2006/metadata/properties"/>
     <ds:schemaRef ds:uri="http://schemas.microsoft.com/office/infopath/2007/PartnerControls"/>
     <ds:schemaRef ds:uri="71af3243-3dd4-4a8d-8c0d-dd76da1f02a5"/>
-  </ds:schemaRefs>
-</ds:datastoreItem>
-</file>
-
-<file path=customXml/itemProps2.xml><?xml version="1.0" encoding="utf-8"?>
-<ds:datastoreItem xmlns:ds="http://schemas.openxmlformats.org/officeDocument/2006/customXml" ds:itemID="{5B26E0C9-B2AA-42E6-97B6-E1B7D9EAF129}">
-  <ds:schemaRefs>
-    <ds:schemaRef ds:uri="http://schemas.microsoft.com/sharepoint/v3/contenttype/forms"/>
   </ds:schemaRefs>
 </ds:datastoreItem>
 </file>

--- a/Platform Technologies/Pre Lim/week 2/Lecture/Chapter_2Different File Systems.pptx
+++ b/Platform Technologies/Pre Lim/week 2/Lecture/Chapter_2Different File Systems.pptx
@@ -5,28 +5,27 @@
     <p:sldMasterId id="2147483648" r:id="rId4"/>
   </p:sldMasterIdLst>
   <p:notesMasterIdLst>
-    <p:notesMasterId r:id="rId21"/>
+    <p:notesMasterId r:id="rId20"/>
   </p:notesMasterIdLst>
   <p:handoutMasterIdLst>
-    <p:handoutMasterId r:id="rId22"/>
+    <p:handoutMasterId r:id="rId21"/>
   </p:handoutMasterIdLst>
   <p:sldIdLst>
     <p:sldId id="256" r:id="rId5"/>
     <p:sldId id="258" r:id="rId6"/>
-    <p:sldId id="261" r:id="rId7"/>
-    <p:sldId id="291" r:id="rId8"/>
-    <p:sldId id="283" r:id="rId9"/>
-    <p:sldId id="286" r:id="rId10"/>
-    <p:sldId id="287" r:id="rId11"/>
-    <p:sldId id="292" r:id="rId12"/>
-    <p:sldId id="293" r:id="rId13"/>
-    <p:sldId id="294" r:id="rId14"/>
-    <p:sldId id="295" r:id="rId15"/>
-    <p:sldId id="296" r:id="rId16"/>
-    <p:sldId id="284" r:id="rId17"/>
-    <p:sldId id="289" r:id="rId18"/>
-    <p:sldId id="290" r:id="rId19"/>
-    <p:sldId id="269" r:id="rId20"/>
+    <p:sldId id="291" r:id="rId7"/>
+    <p:sldId id="283" r:id="rId8"/>
+    <p:sldId id="286" r:id="rId9"/>
+    <p:sldId id="287" r:id="rId10"/>
+    <p:sldId id="292" r:id="rId11"/>
+    <p:sldId id="293" r:id="rId12"/>
+    <p:sldId id="294" r:id="rId13"/>
+    <p:sldId id="295" r:id="rId14"/>
+    <p:sldId id="296" r:id="rId15"/>
+    <p:sldId id="284" r:id="rId16"/>
+    <p:sldId id="289" r:id="rId17"/>
+    <p:sldId id="290" r:id="rId18"/>
+    <p:sldId id="269" r:id="rId19"/>
   </p:sldIdLst>
   <p:sldSz cx="12192000" cy="6858000"/>
   <p:notesSz cx="6858000" cy="9144000"/>
@@ -15245,7 +15244,7 @@
           <a:p>
             <a:fld id="{1CA5457B-CDAE-4DEB-AEC8-C82DE2312E37}" type="datetimeFigureOut">
               <a:rPr lang="en-US" smtClean="0"/>
-              <a:t>8/8/2025</a:t>
+              <a:t>8/11/2025</a:t>
             </a:fld>
             <a:endParaRPr lang="en-US" dirty="0"/>
           </a:p>
@@ -15422,7 +15421,7 @@
           <a:p>
             <a:fld id="{090B78EA-28CE-41D8-9043-90E391E5F567}" type="datetimeFigureOut">
               <a:rPr lang="en-US" noProof="0" smtClean="0"/>
-              <a:t>8/8/2025</a:t>
+              <a:t>8/11/2025</a:t>
             </a:fld>
             <a:endParaRPr lang="en-US" noProof="0" dirty="0"/>
           </a:p>
@@ -15694,7 +15693,13 @@
   <p:cSld>
     <p:spTree>
       <p:nvGrpSpPr>
-        <p:cNvPr id="1" name=""/>
+        <p:cNvPr id="1" name="">
+          <a:extLst>
+            <a:ext uri="{FF2B5EF4-FFF2-40B4-BE49-F238E27FC236}">
+              <a16:creationId xmlns:a16="http://schemas.microsoft.com/office/drawing/2014/main" id="{82348C42-616C-9E0B-EA16-CD9800950D1B}"/>
+            </a:ext>
+          </a:extLst>
+        </p:cNvPr>
         <p:cNvGrpSpPr/>
         <p:nvPr/>
       </p:nvGrpSpPr>
@@ -15708,7 +15713,13 @@
       </p:grpSpPr>
       <p:sp>
         <p:nvSpPr>
-          <p:cNvPr id="2" name="Slide Image Placeholder 1"/>
+          <p:cNvPr id="2" name="Slide Image Placeholder 1">
+            <a:extLst>
+              <a:ext uri="{FF2B5EF4-FFF2-40B4-BE49-F238E27FC236}">
+                <a16:creationId xmlns:a16="http://schemas.microsoft.com/office/drawing/2014/main" id="{6F622FFF-9BEE-475A-878B-2C416F149A89}"/>
+              </a:ext>
+            </a:extLst>
+          </p:cNvPr>
           <p:cNvSpPr>
             <a:spLocks noGrp="1" noRot="1" noChangeAspect="1"/>
           </p:cNvSpPr>
@@ -15720,7 +15731,13 @@
       </p:sp>
       <p:sp>
         <p:nvSpPr>
-          <p:cNvPr id="3" name="Notes Placeholder 2"/>
+          <p:cNvPr id="3" name="Notes Placeholder 2">
+            <a:extLst>
+              <a:ext uri="{FF2B5EF4-FFF2-40B4-BE49-F238E27FC236}">
+                <a16:creationId xmlns:a16="http://schemas.microsoft.com/office/drawing/2014/main" id="{810615AC-EFFD-74FA-EA51-07A6A7C4257B}"/>
+              </a:ext>
+            </a:extLst>
+          </p:cNvPr>
           <p:cNvSpPr>
             <a:spLocks noGrp="1"/>
           </p:cNvSpPr>
@@ -15742,7 +15759,13 @@
       </p:sp>
       <p:sp>
         <p:nvSpPr>
-          <p:cNvPr id="4" name="Slide Number Placeholder 3"/>
+          <p:cNvPr id="4" name="Slide Number Placeholder 3">
+            <a:extLst>
+              <a:ext uri="{FF2B5EF4-FFF2-40B4-BE49-F238E27FC236}">
+                <a16:creationId xmlns:a16="http://schemas.microsoft.com/office/drawing/2014/main" id="{B3F4EC5D-D9ED-292D-861A-753FFE05C0A6}"/>
+              </a:ext>
+            </a:extLst>
+          </p:cNvPr>
           <p:cNvSpPr>
             <a:spLocks noGrp="1"/>
           </p:cNvSpPr>
@@ -15766,7 +15789,7 @@
     </p:spTree>
     <p:extLst>
       <p:ext uri="{BB962C8B-B14F-4D97-AF65-F5344CB8AC3E}">
-        <p14:creationId xmlns:p14="http://schemas.microsoft.com/office/powerpoint/2010/main" val="1064315970"/>
+        <p14:creationId xmlns:p14="http://schemas.microsoft.com/office/powerpoint/2010/main" val="3798648111"/>
       </p:ext>
     </p:extLst>
   </p:cSld>
@@ -15777,114 +15800,6 @@
 </file>
 
 <file path=ppt/notesSlides/notesSlide10.xml><?xml version="1.0" encoding="utf-8"?>
-<p:notes xmlns:a="http://schemas.openxmlformats.org/drawingml/2006/main" xmlns:r="http://schemas.openxmlformats.org/officeDocument/2006/relationships" xmlns:p="http://schemas.openxmlformats.org/presentationml/2006/main">
-  <p:cSld>
-    <p:spTree>
-      <p:nvGrpSpPr>
-        <p:cNvPr id="1" name="">
-          <a:extLst>
-            <a:ext uri="{FF2B5EF4-FFF2-40B4-BE49-F238E27FC236}">
-              <a16:creationId xmlns:a16="http://schemas.microsoft.com/office/drawing/2014/main" id="{95670ED2-A91A-8D13-8B0C-9C73F742D40F}"/>
-            </a:ext>
-          </a:extLst>
-        </p:cNvPr>
-        <p:cNvGrpSpPr/>
-        <p:nvPr/>
-      </p:nvGrpSpPr>
-      <p:grpSpPr>
-        <a:xfrm>
-          <a:off x="0" y="0"/>
-          <a:ext cx="0" cy="0"/>
-          <a:chOff x="0" y="0"/>
-          <a:chExt cx="0" cy="0"/>
-        </a:xfrm>
-      </p:grpSpPr>
-      <p:sp>
-        <p:nvSpPr>
-          <p:cNvPr id="2" name="Slide Image Placeholder 1">
-            <a:extLst>
-              <a:ext uri="{FF2B5EF4-FFF2-40B4-BE49-F238E27FC236}">
-                <a16:creationId xmlns:a16="http://schemas.microsoft.com/office/drawing/2014/main" id="{EF2EFC1A-72C1-310B-4690-0FAAE54A0BAA}"/>
-              </a:ext>
-            </a:extLst>
-          </p:cNvPr>
-          <p:cNvSpPr>
-            <a:spLocks noGrp="1" noRot="1" noChangeAspect="1"/>
-          </p:cNvSpPr>
-          <p:nvPr>
-            <p:ph type="sldImg"/>
-          </p:nvPr>
-        </p:nvSpPr>
-        <p:spPr/>
-      </p:sp>
-      <p:sp>
-        <p:nvSpPr>
-          <p:cNvPr id="3" name="Notes Placeholder 2">
-            <a:extLst>
-              <a:ext uri="{FF2B5EF4-FFF2-40B4-BE49-F238E27FC236}">
-                <a16:creationId xmlns:a16="http://schemas.microsoft.com/office/drawing/2014/main" id="{DF86DDF0-CDD0-0B9E-0A0B-0DB4ACEF1E83}"/>
-              </a:ext>
-            </a:extLst>
-          </p:cNvPr>
-          <p:cNvSpPr>
-            <a:spLocks noGrp="1"/>
-          </p:cNvSpPr>
-          <p:nvPr>
-            <p:ph type="body" idx="1"/>
-          </p:nvPr>
-        </p:nvSpPr>
-        <p:spPr/>
-        <p:txBody>
-          <a:bodyPr/>
-          <a:lstStyle/>
-          <a:p>
-            <a:endParaRPr lang="en-US" dirty="0"/>
-          </a:p>
-        </p:txBody>
-      </p:sp>
-      <p:sp>
-        <p:nvSpPr>
-          <p:cNvPr id="4" name="Slide Number Placeholder 3">
-            <a:extLst>
-              <a:ext uri="{FF2B5EF4-FFF2-40B4-BE49-F238E27FC236}">
-                <a16:creationId xmlns:a16="http://schemas.microsoft.com/office/drawing/2014/main" id="{F3D29CA1-227C-112E-B7F1-BEA1D607E132}"/>
-              </a:ext>
-            </a:extLst>
-          </p:cNvPr>
-          <p:cNvSpPr>
-            <a:spLocks noGrp="1"/>
-          </p:cNvSpPr>
-          <p:nvPr>
-            <p:ph type="sldNum" sz="quarter" idx="5"/>
-          </p:nvPr>
-        </p:nvSpPr>
-        <p:spPr/>
-        <p:txBody>
-          <a:bodyPr/>
-          <a:lstStyle/>
-          <a:p>
-            <a:fld id="{1734D747-9380-41EE-9946-EC9EC0CA5D1E}" type="slidenum">
-              <a:rPr lang="en-US" noProof="0" smtClean="0"/>
-              <a:t>12</a:t>
-            </a:fld>
-            <a:endParaRPr lang="en-US" noProof="0" dirty="0"/>
-          </a:p>
-        </p:txBody>
-      </p:sp>
-    </p:spTree>
-    <p:extLst>
-      <p:ext uri="{BB962C8B-B14F-4D97-AF65-F5344CB8AC3E}">
-        <p14:creationId xmlns:p14="http://schemas.microsoft.com/office/powerpoint/2010/main" val="598415784"/>
-      </p:ext>
-    </p:extLst>
-  </p:cSld>
-  <p:clrMapOvr>
-    <a:masterClrMapping/>
-  </p:clrMapOvr>
-</p:notes>
-</file>
-
-<file path=ppt/notesSlides/notesSlide11.xml><?xml version="1.0" encoding="utf-8"?>
 <p:notes xmlns:a="http://schemas.openxmlformats.org/drawingml/2006/main" xmlns:r="http://schemas.openxmlformats.org/officeDocument/2006/relationships" xmlns:p="http://schemas.openxmlformats.org/presentationml/2006/main">
   <p:cSld>
     <p:spTree>
@@ -15980,7 +15895,7 @@
           <a:p>
             <a:fld id="{1734D747-9380-41EE-9946-EC9EC0CA5D1E}" type="slidenum">
               <a:rPr lang="en-US" noProof="0" smtClean="0"/>
-              <a:t>13</a:t>
+              <a:t>12</a:t>
             </a:fld>
             <a:endParaRPr lang="en-US" noProof="0" dirty="0"/>
           </a:p>
@@ -15999,7 +15914,7 @@
 </p:notes>
 </file>
 
-<file path=ppt/notesSlides/notesSlide12.xml><?xml version="1.0" encoding="utf-8"?>
+<file path=ppt/notesSlides/notesSlide11.xml><?xml version="1.0" encoding="utf-8"?>
 <p:notes xmlns:a="http://schemas.openxmlformats.org/drawingml/2006/main" xmlns:r="http://schemas.openxmlformats.org/officeDocument/2006/relationships" xmlns:p="http://schemas.openxmlformats.org/presentationml/2006/main">
   <p:cSld>
     <p:spTree>
@@ -16091,7 +16006,7 @@
           <a:p>
             <a:fld id="{1734D747-9380-41EE-9946-EC9EC0CA5D1E}" type="slidenum">
               <a:rPr lang="en-US" noProof="0" smtClean="0"/>
-              <a:t>14</a:t>
+              <a:t>13</a:t>
             </a:fld>
             <a:endParaRPr lang="en-US" noProof="0" dirty="0"/>
           </a:p>
@@ -16110,7 +16025,7 @@
 </p:notes>
 </file>
 
-<file path=ppt/notesSlides/notesSlide13.xml><?xml version="1.0" encoding="utf-8"?>
+<file path=ppt/notesSlides/notesSlide12.xml><?xml version="1.0" encoding="utf-8"?>
 <p:notes xmlns:a="http://schemas.openxmlformats.org/drawingml/2006/main" xmlns:r="http://schemas.openxmlformats.org/officeDocument/2006/relationships" xmlns:p="http://schemas.openxmlformats.org/presentationml/2006/main">
   <p:cSld>
     <p:spTree>
@@ -16202,7 +16117,7 @@
           <a:p>
             <a:fld id="{1734D747-9380-41EE-9946-EC9EC0CA5D1E}" type="slidenum">
               <a:rPr lang="en-US" noProof="0" smtClean="0"/>
-              <a:t>15</a:t>
+              <a:t>14</a:t>
             </a:fld>
             <a:endParaRPr lang="en-US" noProof="0" dirty="0"/>
           </a:p>
@@ -16221,7 +16136,7 @@
 </p:notes>
 </file>
 
-<file path=ppt/notesSlides/notesSlide14.xml><?xml version="1.0" encoding="utf-8"?>
+<file path=ppt/notesSlides/notesSlide13.xml><?xml version="1.0" encoding="utf-8"?>
 <p:notes xmlns:a="http://schemas.openxmlformats.org/drawingml/2006/main" xmlns:r="http://schemas.openxmlformats.org/officeDocument/2006/relationships" xmlns:p="http://schemas.openxmlformats.org/presentationml/2006/main">
   <p:cSld>
     <p:spTree>
@@ -16286,7 +16201,7 @@
           <a:p>
             <a:fld id="{1734D747-9380-41EE-9946-EC9EC0CA5D1E}" type="slidenum">
               <a:rPr lang="en-US" noProof="0" smtClean="0"/>
-              <a:t>16</a:t>
+              <a:t>15</a:t>
             </a:fld>
             <a:endParaRPr lang="en-US" noProof="0" dirty="0"/>
           </a:p>
@@ -16306,117 +16221,6 @@
 </file>
 
 <file path=ppt/notesSlides/notesSlide2.xml><?xml version="1.0" encoding="utf-8"?>
-<p:notes xmlns:a="http://schemas.openxmlformats.org/drawingml/2006/main" xmlns:r="http://schemas.openxmlformats.org/officeDocument/2006/relationships" xmlns:p="http://schemas.openxmlformats.org/presentationml/2006/main">
-  <p:cSld>
-    <p:spTree>
-      <p:nvGrpSpPr>
-        <p:cNvPr id="1" name="">
-          <a:extLst>
-            <a:ext uri="{FF2B5EF4-FFF2-40B4-BE49-F238E27FC236}">
-              <a16:creationId xmlns:a16="http://schemas.microsoft.com/office/drawing/2014/main" id="{82348C42-616C-9E0B-EA16-CD9800950D1B}"/>
-            </a:ext>
-          </a:extLst>
-        </p:cNvPr>
-        <p:cNvGrpSpPr/>
-        <p:nvPr/>
-      </p:nvGrpSpPr>
-      <p:grpSpPr>
-        <a:xfrm>
-          <a:off x="0" y="0"/>
-          <a:ext cx="0" cy="0"/>
-          <a:chOff x="0" y="0"/>
-          <a:chExt cx="0" cy="0"/>
-        </a:xfrm>
-      </p:grpSpPr>
-      <p:sp>
-        <p:nvSpPr>
-          <p:cNvPr id="2" name="Slide Image Placeholder 1">
-            <a:extLst>
-              <a:ext uri="{FF2B5EF4-FFF2-40B4-BE49-F238E27FC236}">
-                <a16:creationId xmlns:a16="http://schemas.microsoft.com/office/drawing/2014/main" id="{6F622FFF-9BEE-475A-878B-2C416F149A89}"/>
-              </a:ext>
-            </a:extLst>
-          </p:cNvPr>
-          <p:cNvSpPr>
-            <a:spLocks noGrp="1" noRot="1" noChangeAspect="1"/>
-          </p:cNvSpPr>
-          <p:nvPr>
-            <p:ph type="sldImg"/>
-          </p:nvPr>
-        </p:nvSpPr>
-        <p:spPr/>
-      </p:sp>
-      <p:sp>
-        <p:nvSpPr>
-          <p:cNvPr id="3" name="Notes Placeholder 2">
-            <a:extLst>
-              <a:ext uri="{FF2B5EF4-FFF2-40B4-BE49-F238E27FC236}">
-                <a16:creationId xmlns:a16="http://schemas.microsoft.com/office/drawing/2014/main" id="{810615AC-EFFD-74FA-EA51-07A6A7C4257B}"/>
-              </a:ext>
-            </a:extLst>
-          </p:cNvPr>
-          <p:cNvSpPr>
-            <a:spLocks noGrp="1"/>
-          </p:cNvSpPr>
-          <p:nvPr>
-            <p:ph type="body" idx="1"/>
-          </p:nvPr>
-        </p:nvSpPr>
-        <p:spPr/>
-        <p:txBody>
-          <a:bodyPr/>
-          <a:lstStyle/>
-          <a:p>
-            <a:r>
-              <a:rPr lang="en-US" dirty="0"/>
-              <a:t>Each function ensures efficient data handling. For example, when you save a Word file, the OS uses the file system to know where on the disk to write the data, how to name it, who can access it, and where to find it later. It also keeps track of empty and used storage areas to avoid overwriting.</a:t>
-            </a:r>
-          </a:p>
-        </p:txBody>
-      </p:sp>
-      <p:sp>
-        <p:nvSpPr>
-          <p:cNvPr id="4" name="Slide Number Placeholder 3">
-            <a:extLst>
-              <a:ext uri="{FF2B5EF4-FFF2-40B4-BE49-F238E27FC236}">
-                <a16:creationId xmlns:a16="http://schemas.microsoft.com/office/drawing/2014/main" id="{B3F4EC5D-D9ED-292D-861A-753FFE05C0A6}"/>
-              </a:ext>
-            </a:extLst>
-          </p:cNvPr>
-          <p:cNvSpPr>
-            <a:spLocks noGrp="1"/>
-          </p:cNvSpPr>
-          <p:nvPr>
-            <p:ph type="sldNum" sz="quarter" idx="5"/>
-          </p:nvPr>
-        </p:nvSpPr>
-        <p:spPr/>
-        <p:txBody>
-          <a:bodyPr/>
-          <a:lstStyle/>
-          <a:p>
-            <a:fld id="{1734D747-9380-41EE-9946-EC9EC0CA5D1E}" type="slidenum">
-              <a:rPr lang="en-US" noProof="0" smtClean="0"/>
-              <a:t>4</a:t>
-            </a:fld>
-            <a:endParaRPr lang="en-US" noProof="0" dirty="0"/>
-          </a:p>
-        </p:txBody>
-      </p:sp>
-    </p:spTree>
-    <p:extLst>
-      <p:ext uri="{BB962C8B-B14F-4D97-AF65-F5344CB8AC3E}">
-        <p14:creationId xmlns:p14="http://schemas.microsoft.com/office/powerpoint/2010/main" val="3798648111"/>
-      </p:ext>
-    </p:extLst>
-  </p:cSld>
-  <p:clrMapOvr>
-    <a:masterClrMapping/>
-  </p:clrMapOvr>
-</p:notes>
-</file>
-
-<file path=ppt/notesSlides/notesSlide3.xml><?xml version="1.0" encoding="utf-8"?>
 <p:notes xmlns:a="http://schemas.openxmlformats.org/drawingml/2006/main" xmlns:r="http://schemas.openxmlformats.org/officeDocument/2006/relationships" xmlns:p="http://schemas.openxmlformats.org/presentationml/2006/main">
   <p:cSld>
     <p:spTree>
@@ -16461,16 +16265,57 @@
           <a:lstStyle/>
           <a:p>
             <a:r>
-              <a:rPr lang="en-US" dirty="0"/>
-              <a:t>NTFS (New Technology File System) is the most powerful among the three—used in system drives. FAT32 is highly compatible, found in older devices or USBs but limited in file size. </a:t>
+              <a:rPr lang="en-US" b="1" dirty="0"/>
+              <a:t>NTFS</a:t>
             </a:r>
             <a:r>
-              <a:rPr lang="en-US" dirty="0" err="1"/>
+              <a:rPr lang="en-US" dirty="0"/>
+              <a:t> – Modern and powerful, supports very large files, file permissions, encryption; mainly used for Windows system drives.</a:t>
+            </a:r>
+          </a:p>
+          <a:p>
+            <a:r>
+              <a:rPr lang="en-US" b="1" dirty="0"/>
+              <a:t>FAT32</a:t>
+            </a:r>
+            <a:r>
+              <a:rPr lang="en-US" dirty="0"/>
+              <a:t> – Very compatible with old and new devices, but limits files to </a:t>
+            </a:r>
+            <a:r>
+              <a:rPr lang="en-US" b="1" dirty="0"/>
+              <a:t>4 GB max</a:t>
+            </a:r>
+            <a:r>
+              <a:rPr lang="en-US" dirty="0"/>
+              <a:t> and partitions to </a:t>
+            </a:r>
+            <a:r>
+              <a:rPr lang="en-US" b="1" dirty="0"/>
+              <a:t>2–16 TB</a:t>
+            </a:r>
+            <a:r>
+              <a:rPr lang="en-US" dirty="0"/>
+              <a:t> depending on settings.</a:t>
+            </a:r>
+          </a:p>
+          <a:p>
+            <a:r>
+              <a:rPr lang="en-US" b="1" dirty="0" err="1"/>
               <a:t>exFAT</a:t>
             </a:r>
             <a:r>
               <a:rPr lang="en-US" dirty="0"/>
-              <a:t> is like an improved FAT32—commonly used for portable storage devices to move large files between Windows, Linux, and macOS.</a:t>
+              <a:t> – Updated FAT32, no 4 GB file limit, works well across Windows, macOS, and Linux (with support installed).</a:t>
+            </a:r>
+          </a:p>
+          <a:p>
+            <a:endParaRPr lang="en-US" dirty="0"/>
+          </a:p>
+          <a:p>
+            <a:r>
+              <a:rPr lang="en-US" dirty="0"/>
+              <a:t>FAT stands for File Allocation Table — it’s a way for an operating system to organize and keep track of files on a storage device.</a:t>
             </a:r>
           </a:p>
         </p:txBody>
@@ -16492,7 +16337,7 @@
           <a:p>
             <a:fld id="{1734D747-9380-41EE-9946-EC9EC0CA5D1E}" type="slidenum">
               <a:rPr lang="en-US" noProof="0" smtClean="0"/>
-              <a:t>5</a:t>
+              <a:t>4</a:t>
             </a:fld>
             <a:endParaRPr lang="en-US" noProof="0" dirty="0"/>
           </a:p>
@@ -16511,7 +16356,7 @@
 </p:notes>
 </file>
 
-<file path=ppt/notesSlides/notesSlide4.xml><?xml version="1.0" encoding="utf-8"?>
+<file path=ppt/notesSlides/notesSlide3.xml><?xml version="1.0" encoding="utf-8"?>
 <p:notes xmlns:a="http://schemas.openxmlformats.org/drawingml/2006/main" xmlns:r="http://schemas.openxmlformats.org/officeDocument/2006/relationships" xmlns:p="http://schemas.openxmlformats.org/presentationml/2006/main">
   <p:cSld>
     <p:spTree>
@@ -16592,7 +16437,53 @@
             </a:pPr>
             <a:r>
               <a:rPr lang="en-US" dirty="0"/>
-              <a:t>EXT4 is the standard for Ubuntu and most Linux distributions. It balances speed, stability, and features. XFS performs well on servers where large file throughput is important. BTRFS is more modern, with features like data integrity checking and easy rollbacks, useful for systems requiring high reliability.</a:t>
+              <a:t>EXT4 is the standard for Ubuntu and most Linux distributions. It balances speed, stability, and features.</a:t>
+            </a:r>
+          </a:p>
+          <a:p>
+            <a:pPr marL="0" marR="0" lvl="0" indent="0" algn="l" defTabSz="914400" rtl="0" eaLnBrk="1" fontAlgn="auto" latinLnBrk="0" hangingPunct="1">
+              <a:lnSpc>
+                <a:spcPct val="100000"/>
+              </a:lnSpc>
+              <a:spcBef>
+                <a:spcPts val="0"/>
+              </a:spcBef>
+              <a:spcAft>
+                <a:spcPts val="0"/>
+              </a:spcAft>
+              <a:buClrTx/>
+              <a:buSzTx/>
+              <a:buFontTx/>
+              <a:buNone/>
+              <a:tabLst/>
+              <a:defRPr/>
+            </a:pPr>
+            <a:r>
+              <a:rPr lang="en-US" dirty="0"/>
+              <a:t> XFS performs well on servers where large file throughput is important.</a:t>
+            </a:r>
+          </a:p>
+          <a:p>
+            <a:pPr marL="0" marR="0" lvl="0" indent="0" algn="l" defTabSz="914400" rtl="0" eaLnBrk="1" fontAlgn="auto" latinLnBrk="0" hangingPunct="1">
+              <a:lnSpc>
+                <a:spcPct val="100000"/>
+              </a:lnSpc>
+              <a:spcBef>
+                <a:spcPts val="0"/>
+              </a:spcBef>
+              <a:spcAft>
+                <a:spcPts val="0"/>
+              </a:spcAft>
+              <a:buClrTx/>
+              <a:buSzTx/>
+              <a:buFontTx/>
+              <a:buNone/>
+              <a:tabLst/>
+              <a:defRPr/>
+            </a:pPr>
+            <a:r>
+              <a:rPr lang="en-US" dirty="0"/>
+              <a:t> BTRFS is more modern, with features like data integrity checking and easy rollbacks, useful for systems requiring high reliability.</a:t>
             </a:r>
           </a:p>
           <a:p>
@@ -16623,7 +16514,7 @@
           <a:p>
             <a:fld id="{1734D747-9380-41EE-9946-EC9EC0CA5D1E}" type="slidenum">
               <a:rPr lang="en-US" noProof="0" smtClean="0"/>
-              <a:t>6</a:t>
+              <a:t>5</a:t>
             </a:fld>
             <a:endParaRPr lang="en-US" noProof="0" dirty="0"/>
           </a:p>
@@ -16642,7 +16533,7 @@
 </p:notes>
 </file>
 
-<file path=ppt/notesSlides/notesSlide5.xml><?xml version="1.0" encoding="utf-8"?>
+<file path=ppt/notesSlides/notesSlide4.xml><?xml version="1.0" encoding="utf-8"?>
 <p:notes xmlns:a="http://schemas.openxmlformats.org/drawingml/2006/main" xmlns:r="http://schemas.openxmlformats.org/officeDocument/2006/relationships" xmlns:p="http://schemas.openxmlformats.org/presentationml/2006/main">
   <p:cSld>
     <p:spTree>
@@ -16706,7 +16597,13 @@
           <a:p>
             <a:r>
               <a:rPr lang="en-US" dirty="0"/>
-              <a:t>Apple File System (APFS) is optimized for SSDs and modern Apple devices. It’s fast, secure, and supports cloning and snapshots. HFS+ is the older file system from macOS but is now being phased out. Unlike Windows or Linux, macOS is very restrictive—so its file systems are tightly integrated into the system design.</a:t>
+              <a:t>Apple File System (APFS) is optimized for SSDs and modern Apple devices. It’s fast, secure, and supports cloning and snapshots. </a:t>
+            </a:r>
+          </a:p>
+          <a:p>
+            <a:r>
+              <a:rPr lang="en-US" dirty="0"/>
+              <a:t>HFS+ is the older file system from macOS but is now being phased out. Unlike Windows or Linux, macOS is very restrictive—so its file systems are tightly integrated into the system design.</a:t>
             </a:r>
           </a:p>
         </p:txBody>
@@ -16734,7 +16631,7 @@
           <a:p>
             <a:fld id="{1734D747-9380-41EE-9946-EC9EC0CA5D1E}" type="slidenum">
               <a:rPr lang="en-US" noProof="0" smtClean="0"/>
-              <a:t>7</a:t>
+              <a:t>6</a:t>
             </a:fld>
             <a:endParaRPr lang="en-US" noProof="0" dirty="0"/>
           </a:p>
@@ -16753,7 +16650,7 @@
 </p:notes>
 </file>
 
-<file path=ppt/notesSlides/notesSlide6.xml><?xml version="1.0" encoding="utf-8"?>
+<file path=ppt/notesSlides/notesSlide5.xml><?xml version="1.0" encoding="utf-8"?>
 <p:notes xmlns:a="http://schemas.openxmlformats.org/drawingml/2006/main" xmlns:r="http://schemas.openxmlformats.org/officeDocument/2006/relationships" xmlns:p="http://schemas.openxmlformats.org/presentationml/2006/main">
   <p:cSld>
     <p:spTree>
@@ -16815,6 +16712,115 @@
           <a:bodyPr/>
           <a:lstStyle/>
           <a:p>
+            <a:r>
+              <a:rPr lang="en-US" dirty="0"/>
+              <a:t>A </a:t>
+            </a:r>
+            <a:r>
+              <a:rPr lang="en-US" b="1" dirty="0"/>
+              <a:t>low-level formatting example</a:t>
+            </a:r>
+            <a:r>
+              <a:rPr lang="en-US" dirty="0"/>
+              <a:t> for an HDD:</a:t>
+            </a:r>
+          </a:p>
+          <a:p>
+            <a:r>
+              <a:rPr lang="en-US" dirty="0"/>
+              <a:t>When a hard disk is made, the factory uses special machines to:</a:t>
+            </a:r>
+          </a:p>
+          <a:p>
+            <a:r>
+              <a:rPr lang="en-US" dirty="0"/>
+              <a:t>Divide the platters into </a:t>
+            </a:r>
+            <a:r>
+              <a:rPr lang="en-US" b="1" dirty="0"/>
+              <a:t>tracks</a:t>
+            </a:r>
+            <a:r>
+              <a:rPr lang="en-US" dirty="0"/>
+              <a:t> (circles) and </a:t>
+            </a:r>
+            <a:r>
+              <a:rPr lang="en-US" b="1" dirty="0"/>
+              <a:t>sectors</a:t>
+            </a:r>
+            <a:r>
+              <a:rPr lang="en-US" dirty="0"/>
+              <a:t> (small slices).</a:t>
+            </a:r>
+          </a:p>
+          <a:p>
+            <a:r>
+              <a:rPr lang="en-US" dirty="0"/>
+              <a:t>Mark each sector with an address so the HDD knows exactly where to read/write data.</a:t>
+            </a:r>
+          </a:p>
+          <a:p>
+            <a:r>
+              <a:rPr lang="en-US" b="1" dirty="0"/>
+              <a:t>Example in real life:</a:t>
+            </a:r>
+            <a:br>
+              <a:rPr lang="en-US" dirty="0"/>
+            </a:br>
+            <a:r>
+              <a:rPr lang="en-US" dirty="0"/>
+              <a:t>If you bought a </a:t>
+            </a:r>
+            <a:r>
+              <a:rPr lang="en-US" b="1" dirty="0"/>
+              <a:t>1TB HDD</a:t>
+            </a:r>
+            <a:r>
+              <a:rPr lang="en-US" dirty="0"/>
+              <a:t>, before it ever reached you, the manufacturer already did low-level formatting so it has billions of tiny “parking spots” for data.</a:t>
+            </a:r>
+          </a:p>
+          <a:p>
+            <a:endParaRPr lang="en-US" dirty="0"/>
+          </a:p>
+          <a:p>
+            <a:endParaRPr lang="en-US" dirty="0"/>
+          </a:p>
+          <a:p>
+            <a:r>
+              <a:rPr lang="en-US" dirty="0"/>
+              <a:t>the </a:t>
+            </a:r>
+            <a:r>
+              <a:rPr lang="en-US" b="1" dirty="0"/>
+              <a:t>platters</a:t>
+            </a:r>
+            <a:r>
+              <a:rPr lang="en-US" dirty="0"/>
+              <a:t> are the shiny circular disks that spin inside the HDD.</a:t>
+            </a:r>
+          </a:p>
+          <a:p>
+            <a:r>
+              <a:rPr lang="en-US" b="1" dirty="0"/>
+              <a:t>Track</a:t>
+            </a:r>
+            <a:r>
+              <a:rPr lang="en-US" dirty="0"/>
+              <a:t> → A circular path on the platter where data is stored (like a ring on a CD).</a:t>
+            </a:r>
+          </a:p>
+          <a:p>
+            <a:r>
+              <a:rPr lang="en-US" b="1" dirty="0"/>
+              <a:t>Sector</a:t>
+            </a:r>
+            <a:r>
+              <a:rPr lang="en-US" dirty="0"/>
+              <a:t> → A small slice of that circle, holding a fixed amount of data (usually 512 bytes or 4096 bytes).</a:t>
+            </a:r>
+          </a:p>
+          <a:p>
             <a:endParaRPr lang="en-US" dirty="0"/>
           </a:p>
         </p:txBody>
@@ -16842,7 +16848,7 @@
           <a:p>
             <a:fld id="{1734D747-9380-41EE-9946-EC9EC0CA5D1E}" type="slidenum">
               <a:rPr lang="en-US" noProof="0" smtClean="0"/>
-              <a:t>8</a:t>
+              <a:t>7</a:t>
             </a:fld>
             <a:endParaRPr lang="en-US" noProof="0" dirty="0"/>
           </a:p>
@@ -16861,7 +16867,7 @@
 </p:notes>
 </file>
 
-<file path=ppt/notesSlides/notesSlide7.xml><?xml version="1.0" encoding="utf-8"?>
+<file path=ppt/notesSlides/notesSlide6.xml><?xml version="1.0" encoding="utf-8"?>
 <p:notes xmlns:a="http://schemas.openxmlformats.org/drawingml/2006/main" xmlns:r="http://schemas.openxmlformats.org/officeDocument/2006/relationships" xmlns:p="http://schemas.openxmlformats.org/presentationml/2006/main">
   <p:cSld>
     <p:spTree>
@@ -17047,7 +17053,7 @@
           <a:p>
             <a:fld id="{1734D747-9380-41EE-9946-EC9EC0CA5D1E}" type="slidenum">
               <a:rPr lang="en-US" noProof="0" smtClean="0"/>
-              <a:t>9</a:t>
+              <a:t>8</a:t>
             </a:fld>
             <a:endParaRPr lang="en-US" noProof="0" dirty="0"/>
           </a:p>
@@ -17066,7 +17072,7 @@
 </p:notes>
 </file>
 
-<file path=ppt/notesSlides/notesSlide8.xml><?xml version="1.0" encoding="utf-8"?>
+<file path=ppt/notesSlides/notesSlide7.xml><?xml version="1.0" encoding="utf-8"?>
 <p:notes xmlns:a="http://schemas.openxmlformats.org/drawingml/2006/main" xmlns:r="http://schemas.openxmlformats.org/officeDocument/2006/relationships" xmlns:p="http://schemas.openxmlformats.org/presentationml/2006/main">
   <p:cSld>
     <p:spTree>
@@ -17155,7 +17161,7 @@
           <a:p>
             <a:fld id="{1734D747-9380-41EE-9946-EC9EC0CA5D1E}" type="slidenum">
               <a:rPr lang="en-US" noProof="0" smtClean="0"/>
-              <a:t>10</a:t>
+              <a:t>9</a:t>
             </a:fld>
             <a:endParaRPr lang="en-US" noProof="0" dirty="0"/>
           </a:p>
@@ -17174,7 +17180,7 @@
 </p:notes>
 </file>
 
-<file path=ppt/notesSlides/notesSlide9.xml><?xml version="1.0" encoding="utf-8"?>
+<file path=ppt/notesSlides/notesSlide8.xml><?xml version="1.0" encoding="utf-8"?>
 <p:notes xmlns:a="http://schemas.openxmlformats.org/drawingml/2006/main" xmlns:r="http://schemas.openxmlformats.org/officeDocument/2006/relationships" xmlns:p="http://schemas.openxmlformats.org/presentationml/2006/main">
   <p:cSld>
     <p:spTree>
@@ -17284,6 +17290,126 @@
           <a:p>
             <a:fld id="{1734D747-9380-41EE-9946-EC9EC0CA5D1E}" type="slidenum">
               <a:rPr lang="en-US" noProof="0" smtClean="0"/>
+              <a:t>10</a:t>
+            </a:fld>
+            <a:endParaRPr lang="en-US" noProof="0" dirty="0"/>
+          </a:p>
+        </p:txBody>
+      </p:sp>
+    </p:spTree>
+    <p:extLst>
+      <p:ext uri="{BB962C8B-B14F-4D97-AF65-F5344CB8AC3E}">
+        <p14:creationId xmlns:p14="http://schemas.microsoft.com/office/powerpoint/2010/main" val="2548173703"/>
+      </p:ext>
+    </p:extLst>
+  </p:cSld>
+  <p:clrMapOvr>
+    <a:masterClrMapping/>
+  </p:clrMapOvr>
+</p:notes>
+</file>
+
+<file path=ppt/notesSlides/notesSlide9.xml><?xml version="1.0" encoding="utf-8"?>
+<p:notes xmlns:a="http://schemas.openxmlformats.org/drawingml/2006/main" xmlns:r="http://schemas.openxmlformats.org/officeDocument/2006/relationships" xmlns:p="http://schemas.openxmlformats.org/presentationml/2006/main">
+  <p:cSld>
+    <p:spTree>
+      <p:nvGrpSpPr>
+        <p:cNvPr id="1" name="">
+          <a:extLst>
+            <a:ext uri="{FF2B5EF4-FFF2-40B4-BE49-F238E27FC236}">
+              <a16:creationId xmlns:a16="http://schemas.microsoft.com/office/drawing/2014/main" id="{95670ED2-A91A-8D13-8B0C-9C73F742D40F}"/>
+            </a:ext>
+          </a:extLst>
+        </p:cNvPr>
+        <p:cNvGrpSpPr/>
+        <p:nvPr/>
+      </p:nvGrpSpPr>
+      <p:grpSpPr>
+        <a:xfrm>
+          <a:off x="0" y="0"/>
+          <a:ext cx="0" cy="0"/>
+          <a:chOff x="0" y="0"/>
+          <a:chExt cx="0" cy="0"/>
+        </a:xfrm>
+      </p:grpSpPr>
+      <p:sp>
+        <p:nvSpPr>
+          <p:cNvPr id="2" name="Slide Image Placeholder 1">
+            <a:extLst>
+              <a:ext uri="{FF2B5EF4-FFF2-40B4-BE49-F238E27FC236}">
+                <a16:creationId xmlns:a16="http://schemas.microsoft.com/office/drawing/2014/main" id="{EF2EFC1A-72C1-310B-4690-0FAAE54A0BAA}"/>
+              </a:ext>
+            </a:extLst>
+          </p:cNvPr>
+          <p:cNvSpPr>
+            <a:spLocks noGrp="1" noRot="1" noChangeAspect="1"/>
+          </p:cNvSpPr>
+          <p:nvPr>
+            <p:ph type="sldImg"/>
+          </p:nvPr>
+        </p:nvSpPr>
+        <p:spPr/>
+      </p:sp>
+      <p:sp>
+        <p:nvSpPr>
+          <p:cNvPr id="3" name="Notes Placeholder 2">
+            <a:extLst>
+              <a:ext uri="{FF2B5EF4-FFF2-40B4-BE49-F238E27FC236}">
+                <a16:creationId xmlns:a16="http://schemas.microsoft.com/office/drawing/2014/main" id="{DF86DDF0-CDD0-0B9E-0A0B-0DB4ACEF1E83}"/>
+              </a:ext>
+            </a:extLst>
+          </p:cNvPr>
+          <p:cNvSpPr>
+            <a:spLocks noGrp="1"/>
+          </p:cNvSpPr>
+          <p:nvPr>
+            <p:ph type="body" idx="1"/>
+          </p:nvPr>
+        </p:nvSpPr>
+        <p:spPr/>
+        <p:txBody>
+          <a:bodyPr/>
+          <a:lstStyle/>
+          <a:p>
+            <a:r>
+              <a:rPr lang="en-US" dirty="0"/>
+              <a:t>Relative directories the documents</a:t>
+            </a:r>
+          </a:p>
+          <a:p>
+            <a:endParaRPr lang="en-US" dirty="0"/>
+          </a:p>
+          <a:p>
+            <a:r>
+              <a:rPr lang="en-US" dirty="0"/>
+              <a:t>Notepad Documents\notes.txt</a:t>
+            </a:r>
+          </a:p>
+        </p:txBody>
+      </p:sp>
+      <p:sp>
+        <p:nvSpPr>
+          <p:cNvPr id="4" name="Slide Number Placeholder 3">
+            <a:extLst>
+              <a:ext uri="{FF2B5EF4-FFF2-40B4-BE49-F238E27FC236}">
+                <a16:creationId xmlns:a16="http://schemas.microsoft.com/office/drawing/2014/main" id="{F3D29CA1-227C-112E-B7F1-BEA1D607E132}"/>
+              </a:ext>
+            </a:extLst>
+          </p:cNvPr>
+          <p:cNvSpPr>
+            <a:spLocks noGrp="1"/>
+          </p:cNvSpPr>
+          <p:nvPr>
+            <p:ph type="sldNum" sz="quarter" idx="5"/>
+          </p:nvPr>
+        </p:nvSpPr>
+        <p:spPr/>
+        <p:txBody>
+          <a:bodyPr/>
+          <a:lstStyle/>
+          <a:p>
+            <a:fld id="{1734D747-9380-41EE-9946-EC9EC0CA5D1E}" type="slidenum">
+              <a:rPr lang="en-US" noProof="0" smtClean="0"/>
               <a:t>11</a:t>
             </a:fld>
             <a:endParaRPr lang="en-US" noProof="0" dirty="0"/>
@@ -17293,7 +17419,7 @@
     </p:spTree>
     <p:extLst>
       <p:ext uri="{BB962C8B-B14F-4D97-AF65-F5344CB8AC3E}">
-        <p14:creationId xmlns:p14="http://schemas.microsoft.com/office/powerpoint/2010/main" val="2548173703"/>
+        <p14:creationId xmlns:p14="http://schemas.microsoft.com/office/powerpoint/2010/main" val="598415784"/>
       </p:ext>
     </p:extLst>
   </p:cSld>
@@ -42197,367 +42323,6 @@
         <p:cNvPr id="1" name="">
           <a:extLst>
             <a:ext uri="{FF2B5EF4-FFF2-40B4-BE49-F238E27FC236}">
-              <a16:creationId xmlns:a16="http://schemas.microsoft.com/office/drawing/2014/main" id="{FD51F931-FE71-F2BD-5415-74DBA6F0C26F}"/>
-            </a:ext>
-          </a:extLst>
-        </p:cNvPr>
-        <p:cNvGrpSpPr/>
-        <p:nvPr/>
-      </p:nvGrpSpPr>
-      <p:grpSpPr>
-        <a:xfrm>
-          <a:off x="0" y="0"/>
-          <a:ext cx="0" cy="0"/>
-          <a:chOff x="0" y="0"/>
-          <a:chExt cx="0" cy="0"/>
-        </a:xfrm>
-      </p:grpSpPr>
-      <p:sp>
-        <p:nvSpPr>
-          <p:cNvPr id="2" name="Slide Number Placeholder 1">
-            <a:extLst>
-              <a:ext uri="{FF2B5EF4-FFF2-40B4-BE49-F238E27FC236}">
-                <a16:creationId xmlns:a16="http://schemas.microsoft.com/office/drawing/2014/main" id="{65B1063A-209F-CA4C-0A87-F9214C2FA57E}"/>
-              </a:ext>
-            </a:extLst>
-          </p:cNvPr>
-          <p:cNvSpPr>
-            <a:spLocks noGrp="1"/>
-          </p:cNvSpPr>
-          <p:nvPr>
-            <p:ph type="sldNum" sz="quarter" idx="12"/>
-          </p:nvPr>
-        </p:nvSpPr>
-        <p:spPr>
-          <a:xfrm>
-            <a:off x="11252200" y="6315075"/>
-            <a:ext cx="406400" cy="365125"/>
-          </a:xfrm>
-        </p:spPr>
-        <p:txBody>
-          <a:bodyPr vert="horz" lIns="91440" tIns="45720" rIns="91440" bIns="45720" rtlCol="0" anchor="ctr">
-            <a:normAutofit/>
-          </a:bodyPr>
-          <a:lstStyle/>
-          <a:p>
-            <a:pPr>
-              <a:spcAft>
-                <a:spcPts val="600"/>
-              </a:spcAft>
-            </a:pPr>
-            <a:fld id="{C263D6C4-4840-40CC-AC84-17E24B3B7BDE}" type="slidenum">
-              <a:rPr lang="en-US" smtClean="0"/>
-              <a:pPr>
-                <a:spcAft>
-                  <a:spcPts val="600"/>
-                </a:spcAft>
-              </a:pPr>
-              <a:t>10</a:t>
-            </a:fld>
-            <a:endParaRPr lang="en-US"/>
-          </a:p>
-        </p:txBody>
-      </p:sp>
-      <p:grpSp>
-        <p:nvGrpSpPr>
-          <p:cNvPr id="6" name="Group 5">
-            <a:extLst>
-              <a:ext uri="{FF2B5EF4-FFF2-40B4-BE49-F238E27FC236}">
-                <a16:creationId xmlns:a16="http://schemas.microsoft.com/office/drawing/2014/main" id="{9C253E82-C17E-EE47-2161-A34B64775EB1}"/>
-              </a:ext>
-            </a:extLst>
-          </p:cNvPr>
-          <p:cNvGrpSpPr/>
-          <p:nvPr/>
-        </p:nvGrpSpPr>
-        <p:grpSpPr>
-          <a:xfrm>
-            <a:off x="103740" y="1486436"/>
-            <a:ext cx="9009438" cy="903688"/>
-            <a:chOff x="175659" y="1928224"/>
-            <a:chExt cx="9009438" cy="903688"/>
-          </a:xfrm>
-        </p:grpSpPr>
-        <p:sp>
-          <p:nvSpPr>
-            <p:cNvPr id="3" name="Title 3">
-              <a:extLst>
-                <a:ext uri="{FF2B5EF4-FFF2-40B4-BE49-F238E27FC236}">
-                  <a16:creationId xmlns:a16="http://schemas.microsoft.com/office/drawing/2014/main" id="{E1CE6677-E8CC-B1D9-DFF6-1B9A74ABD88B}"/>
-                </a:ext>
-              </a:extLst>
-            </p:cNvPr>
-            <p:cNvSpPr txBox="1">
-              <a:spLocks/>
-            </p:cNvSpPr>
-            <p:nvPr/>
-          </p:nvSpPr>
-          <p:spPr>
-            <a:xfrm>
-              <a:off x="175659" y="1928224"/>
-              <a:ext cx="1951092" cy="535531"/>
-            </a:xfrm>
-            <a:prstGeom prst="rect">
-              <a:avLst/>
-            </a:prstGeom>
-          </p:spPr>
-          <p:txBody>
-            <a:bodyPr vert="horz" wrap="square" lIns="91440" tIns="45720" rIns="91440" bIns="45720" rtlCol="0" anchor="t">
-              <a:normAutofit/>
-            </a:bodyPr>
-            <a:lstStyle>
-              <a:lvl1pPr algn="l" defTabSz="914400" rtl="0" eaLnBrk="1" latinLnBrk="0" hangingPunct="1">
-                <a:lnSpc>
-                  <a:spcPct val="90000"/>
-                </a:lnSpc>
-                <a:spcBef>
-                  <a:spcPct val="0"/>
-                </a:spcBef>
-                <a:buNone/>
-                <a:defRPr lang="en-GB" sz="3200" b="1" kern="1200" spc="-70" baseline="0" dirty="0">
-                  <a:solidFill>
-                    <a:schemeClr val="bg1"/>
-                  </a:solidFill>
-                  <a:latin typeface="+mj-lt"/>
-                  <a:ea typeface="+mj-ea"/>
-                  <a:cs typeface="+mj-cs"/>
-                </a:defRPr>
-              </a:lvl1pPr>
-            </a:lstStyle>
-            <a:p>
-              <a:r>
-                <a:rPr lang="en-US" sz="2200" dirty="0"/>
-                <a:t>Directories</a:t>
-              </a:r>
-            </a:p>
-          </p:txBody>
-        </p:sp>
-        <p:sp>
-          <p:nvSpPr>
-            <p:cNvPr id="5" name="Title 3">
-              <a:extLst>
-                <a:ext uri="{FF2B5EF4-FFF2-40B4-BE49-F238E27FC236}">
-                  <a16:creationId xmlns:a16="http://schemas.microsoft.com/office/drawing/2014/main" id="{9D543A8A-3D34-D5AE-5720-4FB6F6A03CBA}"/>
-                </a:ext>
-              </a:extLst>
-            </p:cNvPr>
-            <p:cNvSpPr txBox="1">
-              <a:spLocks/>
-            </p:cNvSpPr>
-            <p:nvPr/>
-          </p:nvSpPr>
-          <p:spPr>
-            <a:xfrm>
-              <a:off x="687655" y="2296381"/>
-              <a:ext cx="8497442" cy="535531"/>
-            </a:xfrm>
-            <a:prstGeom prst="rect">
-              <a:avLst/>
-            </a:prstGeom>
-          </p:spPr>
-          <p:txBody>
-            <a:bodyPr vert="horz" wrap="square" lIns="91440" tIns="45720" rIns="91440" bIns="45720" rtlCol="0" anchor="t">
-              <a:normAutofit lnSpcReduction="10000"/>
-            </a:bodyPr>
-            <a:lstStyle>
-              <a:lvl1pPr algn="l" defTabSz="914400" rtl="0" eaLnBrk="1" latinLnBrk="0" hangingPunct="1">
-                <a:lnSpc>
-                  <a:spcPct val="90000"/>
-                </a:lnSpc>
-                <a:spcBef>
-                  <a:spcPct val="0"/>
-                </a:spcBef>
-                <a:buNone/>
-                <a:defRPr lang="en-GB" sz="3200" b="1" kern="1200" spc="-70" baseline="0" dirty="0">
-                  <a:solidFill>
-                    <a:schemeClr val="bg1"/>
-                  </a:solidFill>
-                  <a:latin typeface="+mj-lt"/>
-                  <a:ea typeface="+mj-ea"/>
-                  <a:cs typeface="+mj-cs"/>
-                </a:defRPr>
-              </a:lvl1pPr>
-            </a:lstStyle>
-            <a:p>
-              <a:r>
-                <a:rPr lang="en-US" sz="1800" b="0" dirty="0"/>
-                <a:t>-also known as folder is a space on a storage device used to keep files and other directories organized.</a:t>
-              </a:r>
-            </a:p>
-          </p:txBody>
-        </p:sp>
-      </p:grpSp>
-      <p:grpSp>
-        <p:nvGrpSpPr>
-          <p:cNvPr id="13" name="Group 12">
-            <a:extLst>
-              <a:ext uri="{FF2B5EF4-FFF2-40B4-BE49-F238E27FC236}">
-                <a16:creationId xmlns:a16="http://schemas.microsoft.com/office/drawing/2014/main" id="{B9B8780E-EE91-FAD9-4161-7A7C0C92313E}"/>
-              </a:ext>
-            </a:extLst>
-          </p:cNvPr>
-          <p:cNvGrpSpPr/>
-          <p:nvPr/>
-        </p:nvGrpSpPr>
-        <p:grpSpPr>
-          <a:xfrm>
-            <a:off x="103740" y="2604606"/>
-            <a:ext cx="9009438" cy="903688"/>
-            <a:chOff x="175659" y="1928224"/>
-            <a:chExt cx="9009438" cy="903688"/>
-          </a:xfrm>
-        </p:grpSpPr>
-        <p:sp>
-          <p:nvSpPr>
-            <p:cNvPr id="14" name="Title 3">
-              <a:extLst>
-                <a:ext uri="{FF2B5EF4-FFF2-40B4-BE49-F238E27FC236}">
-                  <a16:creationId xmlns:a16="http://schemas.microsoft.com/office/drawing/2014/main" id="{25626058-61CD-8308-A738-E113549F291D}"/>
-                </a:ext>
-              </a:extLst>
-            </p:cNvPr>
-            <p:cNvSpPr txBox="1">
-              <a:spLocks/>
-            </p:cNvSpPr>
-            <p:nvPr/>
-          </p:nvSpPr>
-          <p:spPr>
-            <a:xfrm>
-              <a:off x="175659" y="1928224"/>
-              <a:ext cx="1951092" cy="535531"/>
-            </a:xfrm>
-            <a:prstGeom prst="rect">
-              <a:avLst/>
-            </a:prstGeom>
-          </p:spPr>
-          <p:txBody>
-            <a:bodyPr vert="horz" wrap="square" lIns="91440" tIns="45720" rIns="91440" bIns="45720" rtlCol="0" anchor="t">
-              <a:normAutofit/>
-            </a:bodyPr>
-            <a:lstStyle>
-              <a:lvl1pPr algn="l" defTabSz="914400" rtl="0" eaLnBrk="1" latinLnBrk="0" hangingPunct="1">
-                <a:lnSpc>
-                  <a:spcPct val="90000"/>
-                </a:lnSpc>
-                <a:spcBef>
-                  <a:spcPct val="0"/>
-                </a:spcBef>
-                <a:buNone/>
-                <a:defRPr lang="en-GB" sz="3200" b="1" kern="1200" spc="-70" baseline="0" dirty="0">
-                  <a:solidFill>
-                    <a:schemeClr val="bg1"/>
-                  </a:solidFill>
-                  <a:latin typeface="+mj-lt"/>
-                  <a:ea typeface="+mj-ea"/>
-                  <a:cs typeface="+mj-cs"/>
-                </a:defRPr>
-              </a:lvl1pPr>
-            </a:lstStyle>
-            <a:p>
-              <a:r>
-                <a:rPr lang="en-US" sz="2200" dirty="0"/>
-                <a:t>Files</a:t>
-              </a:r>
-            </a:p>
-          </p:txBody>
-        </p:sp>
-        <p:sp>
-          <p:nvSpPr>
-            <p:cNvPr id="15" name="Title 3">
-              <a:extLst>
-                <a:ext uri="{FF2B5EF4-FFF2-40B4-BE49-F238E27FC236}">
-                  <a16:creationId xmlns:a16="http://schemas.microsoft.com/office/drawing/2014/main" id="{7265DFFA-74C0-673D-FCC3-5EC932D0DB4C}"/>
-                </a:ext>
-              </a:extLst>
-            </p:cNvPr>
-            <p:cNvSpPr txBox="1">
-              <a:spLocks/>
-            </p:cNvSpPr>
-            <p:nvPr/>
-          </p:nvSpPr>
-          <p:spPr>
-            <a:xfrm>
-              <a:off x="687655" y="2296381"/>
-              <a:ext cx="8497442" cy="535531"/>
-            </a:xfrm>
-            <a:prstGeom prst="rect">
-              <a:avLst/>
-            </a:prstGeom>
-          </p:spPr>
-          <p:txBody>
-            <a:bodyPr vert="horz" wrap="square" lIns="91440" tIns="45720" rIns="91440" bIns="45720" rtlCol="0" anchor="t">
-              <a:noAutofit/>
-            </a:bodyPr>
-            <a:lstStyle>
-              <a:lvl1pPr algn="l" defTabSz="914400" rtl="0" eaLnBrk="1" latinLnBrk="0" hangingPunct="1">
-                <a:lnSpc>
-                  <a:spcPct val="90000"/>
-                </a:lnSpc>
-                <a:spcBef>
-                  <a:spcPct val="0"/>
-                </a:spcBef>
-                <a:buNone/>
-                <a:defRPr lang="en-GB" sz="3200" b="1" kern="1200" spc="-70" baseline="0" dirty="0">
-                  <a:solidFill>
-                    <a:schemeClr val="bg1"/>
-                  </a:solidFill>
-                  <a:latin typeface="+mj-lt"/>
-                  <a:ea typeface="+mj-ea"/>
-                  <a:cs typeface="+mj-cs"/>
-                </a:defRPr>
-              </a:lvl1pPr>
-            </a:lstStyle>
-            <a:p>
-              <a:r>
-                <a:rPr lang="en-US" sz="1800" b="0" dirty="0"/>
-                <a:t>-is a named collection of data stored on a storage device. To read or write to a file, you need to know both its name and path basically, where it’s located.</a:t>
-              </a:r>
-            </a:p>
-            <a:p>
-              <a:endParaRPr lang="en-US" sz="1800" b="0" dirty="0"/>
-            </a:p>
-            <a:p>
-              <a:r>
-                <a:rPr lang="en-US" sz="1800" b="0" dirty="0"/>
-                <a:t>-file contains also metadata , which is extra information about the file itself. This include things like its size, the date it was created or modified, and permissions that control who can view or edit it.</a:t>
-              </a:r>
-            </a:p>
-          </p:txBody>
-        </p:sp>
-      </p:grpSp>
-    </p:spTree>
-    <p:extLst>
-      <p:ext uri="{BB962C8B-B14F-4D97-AF65-F5344CB8AC3E}">
-        <p14:creationId xmlns:p14="http://schemas.microsoft.com/office/powerpoint/2010/main" val="2196373499"/>
-      </p:ext>
-    </p:extLst>
-  </p:cSld>
-  <p:clrMapOvr>
-    <a:masterClrMapping/>
-  </p:clrMapOvr>
-  <mc:AlternateContent xmlns:mc="http://schemas.openxmlformats.org/markup-compatibility/2006" xmlns:p14="http://schemas.microsoft.com/office/powerpoint/2010/main">
-    <mc:Choice Requires="p14">
-      <p:transition spd="med" p14:dur="700">
-        <p:fade/>
-      </p:transition>
-    </mc:Choice>
-    <mc:Fallback xmlns="">
-      <p:transition spd="med">
-        <p:fade/>
-      </p:transition>
-    </mc:Fallback>
-  </mc:AlternateContent>
-</p:sld>
-</file>
-
-<file path=ppt/slides/slide11.xml><?xml version="1.0" encoding="utf-8"?>
-<p:sld xmlns:a="http://schemas.openxmlformats.org/drawingml/2006/main" xmlns:r="http://schemas.openxmlformats.org/officeDocument/2006/relationships" xmlns:p="http://schemas.openxmlformats.org/presentationml/2006/main">
-  <p:cSld>
-    <p:spTree>
-      <p:nvGrpSpPr>
-        <p:cNvPr id="1" name="">
-          <a:extLst>
-            <a:ext uri="{FF2B5EF4-FFF2-40B4-BE49-F238E27FC236}">
               <a16:creationId xmlns:a16="http://schemas.microsoft.com/office/drawing/2014/main" id="{ECE6AF43-AFC2-DA96-91B5-ACC4B7DFFB37}"/>
             </a:ext>
           </a:extLst>
@@ -42613,7 +42378,7 @@
                   <a:spcPts val="600"/>
                 </a:spcAft>
               </a:pPr>
-              <a:t>11</a:t>
+              <a:t>10</a:t>
             </a:fld>
             <a:endParaRPr lang="en-US"/>
           </a:p>
@@ -43091,13 +42856,13 @@
   <p:clrMapOvr>
     <a:masterClrMapping/>
   </p:clrMapOvr>
-  <mc:AlternateContent xmlns:mc="http://schemas.openxmlformats.org/markup-compatibility/2006">
-    <mc:Choice xmlns:p14="http://schemas.microsoft.com/office/powerpoint/2010/main" Requires="p14">
+  <mc:AlternateContent xmlns:mc="http://schemas.openxmlformats.org/markup-compatibility/2006" xmlns:p14="http://schemas.microsoft.com/office/powerpoint/2010/main">
+    <mc:Choice Requires="p14">
       <p:transition spd="med" p14:dur="700">
         <p:fade/>
       </p:transition>
     </mc:Choice>
-    <mc:Fallback>
+    <mc:Fallback xmlns="">
       <p:transition spd="med">
         <p:fade/>
       </p:transition>
@@ -43106,7 +42871,7 @@
 </p:sld>
 </file>
 
-<file path=ppt/slides/slide12.xml><?xml version="1.0" encoding="utf-8"?>
+<file path=ppt/slides/slide11.xml><?xml version="1.0" encoding="utf-8"?>
 <p:sld xmlns:a="http://schemas.openxmlformats.org/drawingml/2006/main" xmlns:r="http://schemas.openxmlformats.org/officeDocument/2006/relationships" xmlns:p="http://schemas.openxmlformats.org/presentationml/2006/main">
   <p:cSld>
     <p:spTree>
@@ -43169,7 +42934,7 @@
                   <a:spcPts val="600"/>
                 </a:spcAft>
               </a:pPr>
-              <a:t>12</a:t>
+              <a:t>11</a:t>
             </a:fld>
             <a:endParaRPr lang="en-US"/>
           </a:p>
@@ -43521,13 +43286,13 @@
   <p:clrMapOvr>
     <a:masterClrMapping/>
   </p:clrMapOvr>
-  <mc:AlternateContent xmlns:mc="http://schemas.openxmlformats.org/markup-compatibility/2006">
-    <mc:Choice xmlns:p14="http://schemas.microsoft.com/office/powerpoint/2010/main" Requires="p14">
+  <mc:AlternateContent xmlns:mc="http://schemas.openxmlformats.org/markup-compatibility/2006" xmlns:p14="http://schemas.microsoft.com/office/powerpoint/2010/main">
+    <mc:Choice Requires="p14">
       <p:transition spd="med" p14:dur="700">
         <p:fade/>
       </p:transition>
     </mc:Choice>
-    <mc:Fallback>
+    <mc:Fallback xmlns="">
       <p:transition spd="med">
         <p:fade/>
       </p:transition>
@@ -43536,7 +43301,7 @@
 </p:sld>
 </file>
 
-<file path=ppt/slides/slide13.xml><?xml version="1.0" encoding="utf-8"?>
+<file path=ppt/slides/slide12.xml><?xml version="1.0" encoding="utf-8"?>
 <p:sld xmlns:a="http://schemas.openxmlformats.org/drawingml/2006/main" xmlns:r="http://schemas.openxmlformats.org/officeDocument/2006/relationships" xmlns:p="http://schemas.openxmlformats.org/presentationml/2006/main">
   <p:cSld>
     <p:spTree>
@@ -43632,7 +43397,7 @@
                   <a:spcPts val="600"/>
                 </a:spcAft>
               </a:pPr>
-              <a:t>13</a:t>
+              <a:t>12</a:t>
             </a:fld>
             <a:endParaRPr lang="en-US"/>
           </a:p>
@@ -43691,7 +43456,7 @@
 </p:sld>
 </file>
 
-<file path=ppt/slides/slide14.xml><?xml version="1.0" encoding="utf-8"?>
+<file path=ppt/slides/slide13.xml><?xml version="1.0" encoding="utf-8"?>
 <p:sld xmlns:a="http://schemas.openxmlformats.org/drawingml/2006/main" xmlns:r="http://schemas.openxmlformats.org/officeDocument/2006/relationships" xmlns:p="http://schemas.openxmlformats.org/presentationml/2006/main">
   <p:cSld>
     <p:spTree>
@@ -43789,7 +43554,7 @@
                   <a:spcPts val="600"/>
                 </a:spcAft>
               </a:pPr>
-              <a:t>14</a:t>
+              <a:t>13</a:t>
             </a:fld>
             <a:endParaRPr lang="en-US"/>
           </a:p>
@@ -43885,7 +43650,7 @@
 </p:sld>
 </file>
 
-<file path=ppt/slides/slide15.xml><?xml version="1.0" encoding="utf-8"?>
+<file path=ppt/slides/slide14.xml><?xml version="1.0" encoding="utf-8"?>
 <p:sld xmlns:a="http://schemas.openxmlformats.org/drawingml/2006/main" xmlns:r="http://schemas.openxmlformats.org/officeDocument/2006/relationships" xmlns:p="http://schemas.openxmlformats.org/presentationml/2006/main">
   <p:cSld>
     <p:spTree>
@@ -43983,7 +43748,7 @@
                   <a:spcPts val="600"/>
                 </a:spcAft>
               </a:pPr>
-              <a:t>15</a:t>
+              <a:t>14</a:t>
             </a:fld>
             <a:endParaRPr lang="en-US"/>
           </a:p>
@@ -44088,7 +43853,7 @@
 </p:sld>
 </file>
 
-<file path=ppt/slides/slide16.xml><?xml version="1.0" encoding="utf-8"?>
+<file path=ppt/slides/slide15.xml><?xml version="1.0" encoding="utf-8"?>
 <p:sld xmlns:a="http://schemas.openxmlformats.org/drawingml/2006/main" xmlns:r="http://schemas.openxmlformats.org/officeDocument/2006/relationships" xmlns:p="http://schemas.openxmlformats.org/presentationml/2006/main">
   <p:cSld>
     <p:spTree>
@@ -44306,200 +44071,6 @@
   <p:cSld>
     <p:spTree>
       <p:nvGrpSpPr>
-        <p:cNvPr id="1" name=""/>
-        <p:cNvGrpSpPr/>
-        <p:nvPr/>
-      </p:nvGrpSpPr>
-      <p:grpSpPr>
-        <a:xfrm>
-          <a:off x="0" y="0"/>
-          <a:ext cx="0" cy="0"/>
-          <a:chOff x="0" y="0"/>
-          <a:chExt cx="0" cy="0"/>
-        </a:xfrm>
-      </p:grpSpPr>
-      <p:sp>
-        <p:nvSpPr>
-          <p:cNvPr id="4" name="Title 3">
-            <a:extLst>
-              <a:ext uri="{FF2B5EF4-FFF2-40B4-BE49-F238E27FC236}">
-                <a16:creationId xmlns:a16="http://schemas.microsoft.com/office/drawing/2014/main" id="{315E3981-F0D7-482C-A8E0-6A57700BECA7}"/>
-              </a:ext>
-            </a:extLst>
-          </p:cNvPr>
-          <p:cNvSpPr>
-            <a:spLocks noGrp="1"/>
-          </p:cNvSpPr>
-          <p:nvPr>
-            <p:ph type="title"/>
-          </p:nvPr>
-        </p:nvSpPr>
-        <p:spPr>
-          <a:xfrm>
-            <a:off x="444500" y="542925"/>
-            <a:ext cx="11214100" cy="535531"/>
-          </a:xfrm>
-        </p:spPr>
-        <p:txBody>
-          <a:bodyPr wrap="square" anchor="t">
-            <a:normAutofit/>
-          </a:bodyPr>
-          <a:lstStyle/>
-          <a:p>
-            <a:r>
-              <a:rPr lang="en-US" dirty="0"/>
-              <a:t>What is a File System?</a:t>
-            </a:r>
-          </a:p>
-        </p:txBody>
-      </p:sp>
-      <p:sp>
-        <p:nvSpPr>
-          <p:cNvPr id="2" name="Slide Number Placeholder 1">
-            <a:extLst>
-              <a:ext uri="{FF2B5EF4-FFF2-40B4-BE49-F238E27FC236}">
-                <a16:creationId xmlns:a16="http://schemas.microsoft.com/office/drawing/2014/main" id="{520FC4EE-F318-4344-9E3C-B950ADB63865}"/>
-              </a:ext>
-            </a:extLst>
-          </p:cNvPr>
-          <p:cNvSpPr>
-            <a:spLocks noGrp="1"/>
-          </p:cNvSpPr>
-          <p:nvPr>
-            <p:ph type="sldNum" sz="quarter" idx="12"/>
-          </p:nvPr>
-        </p:nvSpPr>
-        <p:spPr>
-          <a:xfrm>
-            <a:off x="11252200" y="6315075"/>
-            <a:ext cx="406400" cy="365125"/>
-          </a:xfrm>
-        </p:spPr>
-        <p:txBody>
-          <a:bodyPr anchor="ctr">
-            <a:normAutofit/>
-          </a:bodyPr>
-          <a:lstStyle/>
-          <a:p>
-            <a:pPr>
-              <a:spcAft>
-                <a:spcPts val="600"/>
-              </a:spcAft>
-            </a:pPr>
-            <a:fld id="{C263D6C4-4840-40CC-AC84-17E24B3B7BDE}" type="slidenum">
-              <a:rPr lang="en-US" smtClean="0"/>
-              <a:pPr>
-                <a:spcAft>
-                  <a:spcPts val="600"/>
-                </a:spcAft>
-              </a:pPr>
-              <a:t>3</a:t>
-            </a:fld>
-            <a:endParaRPr lang="en-US"/>
-          </a:p>
-        </p:txBody>
-      </p:sp>
-      <p:sp>
-        <p:nvSpPr>
-          <p:cNvPr id="8" name="Text Placeholder 7">
-            <a:extLst>
-              <a:ext uri="{FF2B5EF4-FFF2-40B4-BE49-F238E27FC236}">
-                <a16:creationId xmlns:a16="http://schemas.microsoft.com/office/drawing/2014/main" id="{47DC4E62-1A34-4F98-A451-214F1808519C}"/>
-              </a:ext>
-            </a:extLst>
-          </p:cNvPr>
-          <p:cNvSpPr>
-            <a:spLocks noGrp="1"/>
-          </p:cNvSpPr>
-          <p:nvPr>
-            <p:ph idx="1"/>
-          </p:nvPr>
-        </p:nvSpPr>
-        <p:spPr>
-          <a:xfrm>
-            <a:off x="443365" y="1825625"/>
-            <a:ext cx="11215235" cy="4351338"/>
-          </a:xfrm>
-        </p:spPr>
-        <p:txBody>
-          <a:bodyPr>
-            <a:normAutofit/>
-          </a:bodyPr>
-          <a:lstStyle/>
-          <a:p>
-            <a:pPr marL="0" indent="0">
-              <a:buNone/>
-            </a:pPr>
-            <a:r>
-              <a:rPr lang="en-US" dirty="0"/>
-              <a:t>A file system is a method and structure an OS uses to:</a:t>
-            </a:r>
-          </a:p>
-          <a:p>
-            <a:pPr marL="457200" lvl="1" indent="0">
-              <a:buNone/>
-            </a:pPr>
-            <a:endParaRPr lang="en-US" sz="2800" dirty="0"/>
-          </a:p>
-          <a:p>
-            <a:pPr marL="457200" lvl="1" indent="0">
-              <a:buNone/>
-            </a:pPr>
-            <a:r>
-              <a:rPr lang="en-US" sz="2800" dirty="0"/>
-              <a:t>-Store and retrieve files on a storage device.</a:t>
-            </a:r>
-          </a:p>
-          <a:p>
-            <a:pPr marL="457200" lvl="1" indent="0">
-              <a:buNone/>
-            </a:pPr>
-            <a:r>
-              <a:rPr lang="en-US" sz="2800" dirty="0"/>
-              <a:t>-Manage data hierarchies (folders, directories).</a:t>
-            </a:r>
-          </a:p>
-          <a:p>
-            <a:pPr marL="457200" lvl="1" indent="0">
-              <a:buNone/>
-            </a:pPr>
-            <a:r>
-              <a:rPr lang="en-US" sz="2800" dirty="0"/>
-              <a:t>-Keep track of free and used space.</a:t>
-            </a:r>
-          </a:p>
-        </p:txBody>
-      </p:sp>
-    </p:spTree>
-    <p:extLst>
-      <p:ext uri="{BB962C8B-B14F-4D97-AF65-F5344CB8AC3E}">
-        <p14:creationId xmlns:p14="http://schemas.microsoft.com/office/powerpoint/2010/main" val="3607270498"/>
-      </p:ext>
-    </p:extLst>
-  </p:cSld>
-  <p:clrMapOvr>
-    <a:masterClrMapping/>
-  </p:clrMapOvr>
-  <mc:AlternateContent xmlns:mc="http://schemas.openxmlformats.org/markup-compatibility/2006" xmlns:p14="http://schemas.microsoft.com/office/powerpoint/2010/main">
-    <mc:Choice Requires="p14">
-      <p:transition spd="med" p14:dur="700">
-        <p:fade/>
-      </p:transition>
-    </mc:Choice>
-    <mc:Fallback xmlns="">
-      <p:transition spd="med">
-        <p:fade/>
-      </p:transition>
-    </mc:Fallback>
-  </mc:AlternateContent>
-</p:sld>
-</file>
-
-<file path=ppt/slides/slide4.xml><?xml version="1.0" encoding="utf-8"?>
-<p:sld xmlns:a="http://schemas.openxmlformats.org/drawingml/2006/main" xmlns:r="http://schemas.openxmlformats.org/officeDocument/2006/relationships" xmlns:p="http://schemas.openxmlformats.org/presentationml/2006/main">
-  <p:cSld>
-    <p:spTree>
-      <p:nvGrpSpPr>
         <p:cNvPr id="1" name="">
           <a:extLst>
             <a:ext uri="{FF2B5EF4-FFF2-40B4-BE49-F238E27FC236}">
@@ -44593,7 +44164,7 @@
                   <a:spcPts val="600"/>
                 </a:spcAft>
               </a:pPr>
-              <a:t>4</a:t>
+              <a:t>3</a:t>
             </a:fld>
             <a:endParaRPr lang="en-US"/>
           </a:p>
@@ -44702,7 +44273,7 @@
 </p:sld>
 </file>
 
-<file path=ppt/slides/slide5.xml><?xml version="1.0" encoding="utf-8"?>
+<file path=ppt/slides/slide4.xml><?xml version="1.0" encoding="utf-8"?>
 <p:sld xmlns:a="http://schemas.openxmlformats.org/drawingml/2006/main" xmlns:r="http://schemas.openxmlformats.org/officeDocument/2006/relationships" xmlns:p="http://schemas.openxmlformats.org/presentationml/2006/main">
   <p:cSld>
     <p:spTree>
@@ -44798,7 +44369,7 @@
                   <a:spcPts val="600"/>
                 </a:spcAft>
               </a:pPr>
-              <a:t>5</a:t>
+              <a:t>4</a:t>
             </a:fld>
             <a:endParaRPr lang="en-US"/>
           </a:p>
@@ -44857,7 +44428,7 @@
 </p:sld>
 </file>
 
-<file path=ppt/slides/slide6.xml><?xml version="1.0" encoding="utf-8"?>
+<file path=ppt/slides/slide5.xml><?xml version="1.0" encoding="utf-8"?>
 <p:sld xmlns:a="http://schemas.openxmlformats.org/drawingml/2006/main" xmlns:r="http://schemas.openxmlformats.org/officeDocument/2006/relationships" xmlns:p="http://schemas.openxmlformats.org/presentationml/2006/main">
   <p:cSld>
     <p:spTree>
@@ -44960,7 +44531,7 @@
                   <a:spcPts val="600"/>
                 </a:spcAft>
               </a:pPr>
-              <a:t>6</a:t>
+              <a:t>5</a:t>
             </a:fld>
             <a:endParaRPr lang="en-US"/>
           </a:p>
@@ -45019,7 +44590,7 @@
 </p:sld>
 </file>
 
-<file path=ppt/slides/slide7.xml><?xml version="1.0" encoding="utf-8"?>
+<file path=ppt/slides/slide6.xml><?xml version="1.0" encoding="utf-8"?>
 <p:sld xmlns:a="http://schemas.openxmlformats.org/drawingml/2006/main" xmlns:r="http://schemas.openxmlformats.org/officeDocument/2006/relationships" xmlns:p="http://schemas.openxmlformats.org/presentationml/2006/main">
   <p:cSld>
     <p:spTree>
@@ -45122,7 +44693,7 @@
                   <a:spcPts val="600"/>
                 </a:spcAft>
               </a:pPr>
-              <a:t>7</a:t>
+              <a:t>6</a:t>
             </a:fld>
             <a:endParaRPr lang="en-US"/>
           </a:p>
@@ -45181,7 +44752,7 @@
 </p:sld>
 </file>
 
-<file path=ppt/slides/slide8.xml><?xml version="1.0" encoding="utf-8"?>
+<file path=ppt/slides/slide7.xml><?xml version="1.0" encoding="utf-8"?>
 <p:sld xmlns:a="http://schemas.openxmlformats.org/drawingml/2006/main" xmlns:r="http://schemas.openxmlformats.org/officeDocument/2006/relationships" xmlns:p="http://schemas.openxmlformats.org/presentationml/2006/main">
   <p:cSld>
     <p:spTree>
@@ -45284,7 +44855,7 @@
                   <a:spcPts val="600"/>
                 </a:spcAft>
               </a:pPr>
-              <a:t>8</a:t>
+              <a:t>7</a:t>
             </a:fld>
             <a:endParaRPr lang="en-US"/>
           </a:p>
@@ -45647,7 +45218,7 @@
 </p:sld>
 </file>
 
-<file path=ppt/slides/slide9.xml><?xml version="1.0" encoding="utf-8"?>
+<file path=ppt/slides/slide8.xml><?xml version="1.0" encoding="utf-8"?>
 <p:sld xmlns:a="http://schemas.openxmlformats.org/drawingml/2006/main" xmlns:r="http://schemas.openxmlformats.org/officeDocument/2006/relationships" xmlns:p="http://schemas.openxmlformats.org/presentationml/2006/main">
   <p:cSld>
     <p:spTree>
@@ -45750,7 +45321,7 @@
                   <a:spcPts val="600"/>
                 </a:spcAft>
               </a:pPr>
-              <a:t>9</a:t>
+              <a:t>8</a:t>
             </a:fld>
             <a:endParaRPr lang="en-US"/>
           </a:p>
@@ -45855,7 +45426,7 @@
           </p:spPr>
           <p:txBody>
             <a:bodyPr vert="horz" wrap="square" lIns="91440" tIns="45720" rIns="91440" bIns="45720" rtlCol="0" anchor="t">
-              <a:normAutofit lnSpcReduction="10000"/>
+              <a:normAutofit/>
             </a:bodyPr>
             <a:lstStyle>
               <a:lvl1pPr algn="l" defTabSz="914400" rtl="0" eaLnBrk="1" latinLnBrk="0" hangingPunct="1">
@@ -45878,7 +45449,7 @@
             </a:lstStyle>
             <a:p>
               <a:r>
-                <a:rPr lang="en-US" sz="1800" b="0" dirty="0"/>
+                <a:rPr lang="en-US" sz="1600" b="0" dirty="0"/>
                 <a:t>-removes the file system and marks the space as available for new data, but it doesn’t erase the actual files. It skips the bad sector scan, which make it much faster.</a:t>
               </a:r>
             </a:p>
@@ -46019,6 +45590,375 @@
     <p:extLst>
       <p:ext uri="{BB962C8B-B14F-4D97-AF65-F5344CB8AC3E}">
         <p14:creationId xmlns:p14="http://schemas.microsoft.com/office/powerpoint/2010/main" val="2595756491"/>
+      </p:ext>
+    </p:extLst>
+  </p:cSld>
+  <p:clrMapOvr>
+    <a:masterClrMapping/>
+  </p:clrMapOvr>
+  <mc:AlternateContent xmlns:mc="http://schemas.openxmlformats.org/markup-compatibility/2006" xmlns:p14="http://schemas.microsoft.com/office/powerpoint/2010/main">
+    <mc:Choice Requires="p14">
+      <p:transition spd="med" p14:dur="700">
+        <p:fade/>
+      </p:transition>
+    </mc:Choice>
+    <mc:Fallback xmlns="">
+      <p:transition spd="med">
+        <p:fade/>
+      </p:transition>
+    </mc:Fallback>
+  </mc:AlternateContent>
+</p:sld>
+</file>
+
+<file path=ppt/slides/slide9.xml><?xml version="1.0" encoding="utf-8"?>
+<p:sld xmlns:a="http://schemas.openxmlformats.org/drawingml/2006/main" xmlns:r="http://schemas.openxmlformats.org/officeDocument/2006/relationships" xmlns:p="http://schemas.openxmlformats.org/presentationml/2006/main">
+  <p:cSld>
+    <p:spTree>
+      <p:nvGrpSpPr>
+        <p:cNvPr id="1" name="">
+          <a:extLst>
+            <a:ext uri="{FF2B5EF4-FFF2-40B4-BE49-F238E27FC236}">
+              <a16:creationId xmlns:a16="http://schemas.microsoft.com/office/drawing/2014/main" id="{FD51F931-FE71-F2BD-5415-74DBA6F0C26F}"/>
+            </a:ext>
+          </a:extLst>
+        </p:cNvPr>
+        <p:cNvGrpSpPr/>
+        <p:nvPr/>
+      </p:nvGrpSpPr>
+      <p:grpSpPr>
+        <a:xfrm>
+          <a:off x="0" y="0"/>
+          <a:ext cx="0" cy="0"/>
+          <a:chOff x="0" y="0"/>
+          <a:chExt cx="0" cy="0"/>
+        </a:xfrm>
+      </p:grpSpPr>
+      <p:sp>
+        <p:nvSpPr>
+          <p:cNvPr id="2" name="Slide Number Placeholder 1">
+            <a:extLst>
+              <a:ext uri="{FF2B5EF4-FFF2-40B4-BE49-F238E27FC236}">
+                <a16:creationId xmlns:a16="http://schemas.microsoft.com/office/drawing/2014/main" id="{65B1063A-209F-CA4C-0A87-F9214C2FA57E}"/>
+              </a:ext>
+            </a:extLst>
+          </p:cNvPr>
+          <p:cNvSpPr>
+            <a:spLocks noGrp="1"/>
+          </p:cNvSpPr>
+          <p:nvPr>
+            <p:ph type="sldNum" sz="quarter" idx="12"/>
+          </p:nvPr>
+        </p:nvSpPr>
+        <p:spPr>
+          <a:xfrm>
+            <a:off x="11252200" y="6315075"/>
+            <a:ext cx="406400" cy="365125"/>
+          </a:xfrm>
+        </p:spPr>
+        <p:txBody>
+          <a:bodyPr vert="horz" lIns="91440" tIns="45720" rIns="91440" bIns="45720" rtlCol="0" anchor="ctr">
+            <a:normAutofit/>
+          </a:bodyPr>
+          <a:lstStyle/>
+          <a:p>
+            <a:pPr>
+              <a:spcAft>
+                <a:spcPts val="600"/>
+              </a:spcAft>
+            </a:pPr>
+            <a:fld id="{C263D6C4-4840-40CC-AC84-17E24B3B7BDE}" type="slidenum">
+              <a:rPr lang="en-US" smtClean="0"/>
+              <a:pPr>
+                <a:spcAft>
+                  <a:spcPts val="600"/>
+                </a:spcAft>
+              </a:pPr>
+              <a:t>9</a:t>
+            </a:fld>
+            <a:endParaRPr lang="en-US"/>
+          </a:p>
+        </p:txBody>
+      </p:sp>
+      <p:grpSp>
+        <p:nvGrpSpPr>
+          <p:cNvPr id="6" name="Group 5">
+            <a:extLst>
+              <a:ext uri="{FF2B5EF4-FFF2-40B4-BE49-F238E27FC236}">
+                <a16:creationId xmlns:a16="http://schemas.microsoft.com/office/drawing/2014/main" id="{9C253E82-C17E-EE47-2161-A34B64775EB1}"/>
+              </a:ext>
+            </a:extLst>
+          </p:cNvPr>
+          <p:cNvGrpSpPr/>
+          <p:nvPr/>
+        </p:nvGrpSpPr>
+        <p:grpSpPr>
+          <a:xfrm>
+            <a:off x="103740" y="1486436"/>
+            <a:ext cx="9009438" cy="903688"/>
+            <a:chOff x="175659" y="1928224"/>
+            <a:chExt cx="9009438" cy="903688"/>
+          </a:xfrm>
+        </p:grpSpPr>
+        <p:sp>
+          <p:nvSpPr>
+            <p:cNvPr id="3" name="Title 3">
+              <a:extLst>
+                <a:ext uri="{FF2B5EF4-FFF2-40B4-BE49-F238E27FC236}">
+                  <a16:creationId xmlns:a16="http://schemas.microsoft.com/office/drawing/2014/main" id="{E1CE6677-E8CC-B1D9-DFF6-1B9A74ABD88B}"/>
+                </a:ext>
+              </a:extLst>
+            </p:cNvPr>
+            <p:cNvSpPr txBox="1">
+              <a:spLocks/>
+            </p:cNvSpPr>
+            <p:nvPr/>
+          </p:nvSpPr>
+          <p:spPr>
+            <a:xfrm>
+              <a:off x="175659" y="1928224"/>
+              <a:ext cx="1951092" cy="535531"/>
+            </a:xfrm>
+            <a:prstGeom prst="rect">
+              <a:avLst/>
+            </a:prstGeom>
+          </p:spPr>
+          <p:txBody>
+            <a:bodyPr vert="horz" wrap="square" lIns="91440" tIns="45720" rIns="91440" bIns="45720" rtlCol="0" anchor="t">
+              <a:normAutofit/>
+            </a:bodyPr>
+            <a:lstStyle>
+              <a:lvl1pPr algn="l" defTabSz="914400" rtl="0" eaLnBrk="1" latinLnBrk="0" hangingPunct="1">
+                <a:lnSpc>
+                  <a:spcPct val="90000"/>
+                </a:lnSpc>
+                <a:spcBef>
+                  <a:spcPct val="0"/>
+                </a:spcBef>
+                <a:buNone/>
+                <a:defRPr lang="en-GB" sz="3200" b="1" kern="1200" spc="-70" baseline="0" dirty="0">
+                  <a:solidFill>
+                    <a:schemeClr val="bg1"/>
+                  </a:solidFill>
+                  <a:latin typeface="+mj-lt"/>
+                  <a:ea typeface="+mj-ea"/>
+                  <a:cs typeface="+mj-cs"/>
+                </a:defRPr>
+              </a:lvl1pPr>
+            </a:lstStyle>
+            <a:p>
+              <a:r>
+                <a:rPr lang="en-US" sz="2200" dirty="0"/>
+                <a:t>Directories</a:t>
+              </a:r>
+            </a:p>
+          </p:txBody>
+        </p:sp>
+        <p:sp>
+          <p:nvSpPr>
+            <p:cNvPr id="5" name="Title 3">
+              <a:extLst>
+                <a:ext uri="{FF2B5EF4-FFF2-40B4-BE49-F238E27FC236}">
+                  <a16:creationId xmlns:a16="http://schemas.microsoft.com/office/drawing/2014/main" id="{9D543A8A-3D34-D5AE-5720-4FB6F6A03CBA}"/>
+                </a:ext>
+              </a:extLst>
+            </p:cNvPr>
+            <p:cNvSpPr txBox="1">
+              <a:spLocks/>
+            </p:cNvSpPr>
+            <p:nvPr/>
+          </p:nvSpPr>
+          <p:spPr>
+            <a:xfrm>
+              <a:off x="687655" y="2296381"/>
+              <a:ext cx="8497442" cy="535531"/>
+            </a:xfrm>
+            <a:prstGeom prst="rect">
+              <a:avLst/>
+            </a:prstGeom>
+          </p:spPr>
+          <p:txBody>
+            <a:bodyPr vert="horz" wrap="square" lIns="91440" tIns="45720" rIns="91440" bIns="45720" rtlCol="0" anchor="t">
+              <a:normAutofit lnSpcReduction="10000"/>
+            </a:bodyPr>
+            <a:lstStyle>
+              <a:lvl1pPr algn="l" defTabSz="914400" rtl="0" eaLnBrk="1" latinLnBrk="0" hangingPunct="1">
+                <a:lnSpc>
+                  <a:spcPct val="90000"/>
+                </a:lnSpc>
+                <a:spcBef>
+                  <a:spcPct val="0"/>
+                </a:spcBef>
+                <a:buNone/>
+                <a:defRPr lang="en-GB" sz="3200" b="1" kern="1200" spc="-70" baseline="0" dirty="0">
+                  <a:solidFill>
+                    <a:schemeClr val="bg1"/>
+                  </a:solidFill>
+                  <a:latin typeface="+mj-lt"/>
+                  <a:ea typeface="+mj-ea"/>
+                  <a:cs typeface="+mj-cs"/>
+                </a:defRPr>
+              </a:lvl1pPr>
+            </a:lstStyle>
+            <a:p>
+              <a:r>
+                <a:rPr lang="en-US" sz="1800" b="0" dirty="0"/>
+                <a:t>-also known as folder is a space on a storage device used to keep files and other directories organized.</a:t>
+              </a:r>
+            </a:p>
+          </p:txBody>
+        </p:sp>
+      </p:grpSp>
+      <p:grpSp>
+        <p:nvGrpSpPr>
+          <p:cNvPr id="13" name="Group 12">
+            <a:extLst>
+              <a:ext uri="{FF2B5EF4-FFF2-40B4-BE49-F238E27FC236}">
+                <a16:creationId xmlns:a16="http://schemas.microsoft.com/office/drawing/2014/main" id="{B9B8780E-EE91-FAD9-4161-7A7C0C92313E}"/>
+              </a:ext>
+            </a:extLst>
+          </p:cNvPr>
+          <p:cNvGrpSpPr/>
+          <p:nvPr/>
+        </p:nvGrpSpPr>
+        <p:grpSpPr>
+          <a:xfrm>
+            <a:off x="103740" y="2604606"/>
+            <a:ext cx="9009438" cy="903688"/>
+            <a:chOff x="175659" y="1928224"/>
+            <a:chExt cx="9009438" cy="903688"/>
+          </a:xfrm>
+        </p:grpSpPr>
+        <p:sp>
+          <p:nvSpPr>
+            <p:cNvPr id="14" name="Title 3">
+              <a:extLst>
+                <a:ext uri="{FF2B5EF4-FFF2-40B4-BE49-F238E27FC236}">
+                  <a16:creationId xmlns:a16="http://schemas.microsoft.com/office/drawing/2014/main" id="{25626058-61CD-8308-A738-E113549F291D}"/>
+                </a:ext>
+              </a:extLst>
+            </p:cNvPr>
+            <p:cNvSpPr txBox="1">
+              <a:spLocks/>
+            </p:cNvSpPr>
+            <p:nvPr/>
+          </p:nvSpPr>
+          <p:spPr>
+            <a:xfrm>
+              <a:off x="175659" y="1928224"/>
+              <a:ext cx="1951092" cy="535531"/>
+            </a:xfrm>
+            <a:prstGeom prst="rect">
+              <a:avLst/>
+            </a:prstGeom>
+          </p:spPr>
+          <p:txBody>
+            <a:bodyPr vert="horz" wrap="square" lIns="91440" tIns="45720" rIns="91440" bIns="45720" rtlCol="0" anchor="t">
+              <a:normAutofit/>
+            </a:bodyPr>
+            <a:lstStyle>
+              <a:lvl1pPr algn="l" defTabSz="914400" rtl="0" eaLnBrk="1" latinLnBrk="0" hangingPunct="1">
+                <a:lnSpc>
+                  <a:spcPct val="90000"/>
+                </a:lnSpc>
+                <a:spcBef>
+                  <a:spcPct val="0"/>
+                </a:spcBef>
+                <a:buNone/>
+                <a:defRPr lang="en-GB" sz="3200" b="1" kern="1200" spc="-70" baseline="0" dirty="0">
+                  <a:solidFill>
+                    <a:schemeClr val="bg1"/>
+                  </a:solidFill>
+                  <a:latin typeface="+mj-lt"/>
+                  <a:ea typeface="+mj-ea"/>
+                  <a:cs typeface="+mj-cs"/>
+                </a:defRPr>
+              </a:lvl1pPr>
+            </a:lstStyle>
+            <a:p>
+              <a:r>
+                <a:rPr lang="en-US" sz="2200" dirty="0"/>
+                <a:t>Files</a:t>
+              </a:r>
+            </a:p>
+          </p:txBody>
+        </p:sp>
+        <p:sp>
+          <p:nvSpPr>
+            <p:cNvPr id="15" name="Title 3">
+              <a:extLst>
+                <a:ext uri="{FF2B5EF4-FFF2-40B4-BE49-F238E27FC236}">
+                  <a16:creationId xmlns:a16="http://schemas.microsoft.com/office/drawing/2014/main" id="{7265DFFA-74C0-673D-FCC3-5EC932D0DB4C}"/>
+                </a:ext>
+              </a:extLst>
+            </p:cNvPr>
+            <p:cNvSpPr txBox="1">
+              <a:spLocks/>
+            </p:cNvSpPr>
+            <p:nvPr/>
+          </p:nvSpPr>
+          <p:spPr>
+            <a:xfrm>
+              <a:off x="687655" y="2296381"/>
+              <a:ext cx="8497442" cy="535531"/>
+            </a:xfrm>
+            <a:prstGeom prst="rect">
+              <a:avLst/>
+            </a:prstGeom>
+          </p:spPr>
+          <p:txBody>
+            <a:bodyPr vert="horz" wrap="square" lIns="91440" tIns="45720" rIns="91440" bIns="45720" rtlCol="0" anchor="t">
+              <a:noAutofit/>
+            </a:bodyPr>
+            <a:lstStyle>
+              <a:lvl1pPr algn="l" defTabSz="914400" rtl="0" eaLnBrk="1" latinLnBrk="0" hangingPunct="1">
+                <a:lnSpc>
+                  <a:spcPct val="90000"/>
+                </a:lnSpc>
+                <a:spcBef>
+                  <a:spcPct val="0"/>
+                </a:spcBef>
+                <a:buNone/>
+                <a:defRPr lang="en-GB" sz="3200" b="1" kern="1200" spc="-70" baseline="0" dirty="0">
+                  <a:solidFill>
+                    <a:schemeClr val="bg1"/>
+                  </a:solidFill>
+                  <a:latin typeface="+mj-lt"/>
+                  <a:ea typeface="+mj-ea"/>
+                  <a:cs typeface="+mj-cs"/>
+                </a:defRPr>
+              </a:lvl1pPr>
+            </a:lstStyle>
+            <a:p>
+              <a:r>
+                <a:rPr lang="en-US" sz="1800" b="0" dirty="0"/>
+                <a:t>-is a named collection of data stored on a storage device. To read or write to a file, you need to know both its name and path basically, where it’s located.</a:t>
+              </a:r>
+            </a:p>
+            <a:p>
+              <a:endParaRPr lang="en-US" sz="1800" b="0" dirty="0"/>
+            </a:p>
+            <a:p>
+              <a:r>
+                <a:rPr lang="en-US" sz="1800" b="0" dirty="0"/>
+                <a:t>-file contains also </a:t>
+              </a:r>
+              <a:r>
+                <a:rPr lang="en-US" sz="1800" dirty="0"/>
+                <a:t>metadata</a:t>
+              </a:r>
+              <a:r>
+                <a:rPr lang="en-US" sz="1800" b="0" dirty="0"/>
+                <a:t> , which is extra information about the file itself. This include things like its size, the date it was created or modified, and permissions that control who can view or edit it.</a:t>
+              </a:r>
+            </a:p>
+          </p:txBody>
+        </p:sp>
+      </p:grpSp>
+    </p:spTree>
+    <p:extLst>
+      <p:ext uri="{BB962C8B-B14F-4D97-AF65-F5344CB8AC3E}">
+        <p14:creationId xmlns:p14="http://schemas.microsoft.com/office/powerpoint/2010/main" val="2196373499"/>
       </p:ext>
     </p:extLst>
   </p:cSld>
@@ -46832,20 +46772,20 @@
 </file>
 
 <file path=customXml/item1.xml><?xml version="1.0" encoding="utf-8"?>
+<p:properties xmlns:p="http://schemas.microsoft.com/office/2006/metadata/properties" xmlns:xsi="http://www.w3.org/2001/XMLSchema-instance" xmlns:pc="http://schemas.microsoft.com/office/infopath/2007/PartnerControls">
+  <documentManagement>
+    <MediaServiceKeyPoints xmlns="71af3243-3dd4-4a8d-8c0d-dd76da1f02a5" xsi:nil="true"/>
+  </documentManagement>
+</p:properties>
+</file>
+
+<file path=customXml/item2.xml><?xml version="1.0" encoding="utf-8"?>
 <?mso-contentType ?>
 <FormTemplates xmlns="http://schemas.microsoft.com/sharepoint/v3/contenttype/forms">
   <Display>DocumentLibraryForm</Display>
   <Edit>DocumentLibraryForm</Edit>
   <New>DocumentLibraryForm</New>
 </FormTemplates>
-</file>
-
-<file path=customXml/item2.xml><?xml version="1.0" encoding="utf-8"?>
-<p:properties xmlns:p="http://schemas.microsoft.com/office/2006/metadata/properties" xmlns:xsi="http://www.w3.org/2001/XMLSchema-instance" xmlns:pc="http://schemas.microsoft.com/office/infopath/2007/PartnerControls">
-  <documentManagement>
-    <MediaServiceKeyPoints xmlns="71af3243-3dd4-4a8d-8c0d-dd76da1f02a5" xsi:nil="true"/>
-  </documentManagement>
-</p:properties>
 </file>
 
 <file path=customXml/item3.xml><?xml version="1.0" encoding="utf-8"?>
@@ -47060,19 +47000,19 @@
 </file>
 
 <file path=customXml/itemProps1.xml><?xml version="1.0" encoding="utf-8"?>
-<ds:datastoreItem xmlns:ds="http://schemas.openxmlformats.org/officeDocument/2006/customXml" ds:itemID="{5B26E0C9-B2AA-42E6-97B6-E1B7D9EAF129}">
+<ds:datastoreItem xmlns:ds="http://schemas.openxmlformats.org/officeDocument/2006/customXml" ds:itemID="{F5757914-1161-4661-9696-421FD6935CDD}">
   <ds:schemaRefs>
-    <ds:schemaRef ds:uri="http://schemas.microsoft.com/sharepoint/v3/contenttype/forms"/>
+    <ds:schemaRef ds:uri="http://schemas.microsoft.com/office/2006/metadata/properties"/>
+    <ds:schemaRef ds:uri="http://schemas.microsoft.com/office/infopath/2007/PartnerControls"/>
+    <ds:schemaRef ds:uri="71af3243-3dd4-4a8d-8c0d-dd76da1f02a5"/>
   </ds:schemaRefs>
 </ds:datastoreItem>
 </file>
 
 <file path=customXml/itemProps2.xml><?xml version="1.0" encoding="utf-8"?>
-<ds:datastoreItem xmlns:ds="http://schemas.openxmlformats.org/officeDocument/2006/customXml" ds:itemID="{F5757914-1161-4661-9696-421FD6935CDD}">
+<ds:datastoreItem xmlns:ds="http://schemas.openxmlformats.org/officeDocument/2006/customXml" ds:itemID="{5B26E0C9-B2AA-42E6-97B6-E1B7D9EAF129}">
   <ds:schemaRefs>
-    <ds:schemaRef ds:uri="http://schemas.microsoft.com/office/2006/metadata/properties"/>
-    <ds:schemaRef ds:uri="http://schemas.microsoft.com/office/infopath/2007/PartnerControls"/>
-    <ds:schemaRef ds:uri="71af3243-3dd4-4a8d-8c0d-dd76da1f02a5"/>
+    <ds:schemaRef ds:uri="http://schemas.microsoft.com/sharepoint/v3/contenttype/forms"/>
   </ds:schemaRefs>
 </ds:datastoreItem>
 </file>
